--- a/022_91893+_+91897+Documentation.pptx
+++ b/022_91893+_+91897+Documentation.pptx
@@ -5,7 +5,7 @@
     <p:sldMasterId id="2147483659" r:id="rId1"/>
   </p:sldMasterIdLst>
   <p:notesMasterIdLst>
-    <p:notesMasterId r:id="rId9"/>
+    <p:notesMasterId r:id="rId11"/>
   </p:notesMasterIdLst>
   <p:sldIdLst>
     <p:sldId id="256" r:id="rId2"/>
@@ -13,8 +13,10 @@
     <p:sldId id="258" r:id="rId4"/>
     <p:sldId id="259" r:id="rId5"/>
     <p:sldId id="260" r:id="rId6"/>
-    <p:sldId id="261" r:id="rId7"/>
-    <p:sldId id="262" r:id="rId8"/>
+    <p:sldId id="263" r:id="rId7"/>
+    <p:sldId id="264" r:id="rId8"/>
+    <p:sldId id="261" r:id="rId9"/>
+    <p:sldId id="262" r:id="rId10"/>
   </p:sldIdLst>
   <p:sldSz cx="9144000" cy="5143500" type="screen16x9"/>
   <p:notesSz cx="6858000" cy="9144000"/>
@@ -1309,6 +1311,224 @@
   <p:cSld>
     <p:spTree>
       <p:nvGrpSpPr>
+        <p:cNvPr id="1" name="Shape 69"/>
+        <p:cNvGrpSpPr/>
+        <p:nvPr/>
+      </p:nvGrpSpPr>
+      <p:grpSpPr>
+        <a:xfrm>
+          <a:off x="0" y="0"/>
+          <a:ext cx="0" cy="0"/>
+          <a:chOff x="0" y="0"/>
+          <a:chExt cx="0" cy="0"/>
+        </a:xfrm>
+      </p:grpSpPr>
+      <p:sp>
+        <p:nvSpPr>
+          <p:cNvPr id="70" name="Google Shape;70;gac10fef634_0_16:notes"/>
+          <p:cNvSpPr>
+            <a:spLocks noGrp="1" noRot="1" noChangeAspect="1"/>
+          </p:cNvSpPr>
+          <p:nvPr>
+            <p:ph type="sldImg" idx="2"/>
+          </p:nvPr>
+        </p:nvSpPr>
+        <p:spPr>
+          <a:xfrm>
+            <a:off x="381000" y="685800"/>
+            <a:ext cx="6096000" cy="3429000"/>
+          </a:xfrm>
+          <a:custGeom>
+            <a:avLst/>
+            <a:gdLst/>
+            <a:ahLst/>
+            <a:cxnLst/>
+            <a:rect l="l" t="t" r="r" b="b"/>
+            <a:pathLst>
+              <a:path w="120000" h="120000" extrusionOk="0">
+                <a:moveTo>
+                  <a:pt x="0" y="0"/>
+                </a:moveTo>
+                <a:lnTo>
+                  <a:pt x="120000" y="0"/>
+                </a:lnTo>
+                <a:lnTo>
+                  <a:pt x="120000" y="120000"/>
+                </a:lnTo>
+                <a:lnTo>
+                  <a:pt x="0" y="120000"/>
+                </a:lnTo>
+                <a:close/>
+              </a:path>
+            </a:pathLst>
+          </a:custGeom>
+        </p:spPr>
+      </p:sp>
+      <p:sp>
+        <p:nvSpPr>
+          <p:cNvPr id="71" name="Google Shape;71;gac10fef634_0_16:notes"/>
+          <p:cNvSpPr txBox="1">
+            <a:spLocks noGrp="1"/>
+          </p:cNvSpPr>
+          <p:nvPr>
+            <p:ph type="body" idx="1"/>
+          </p:nvPr>
+        </p:nvSpPr>
+        <p:spPr>
+          <a:xfrm>
+            <a:off x="685800" y="4343400"/>
+            <a:ext cx="5486400" cy="4114800"/>
+          </a:xfrm>
+          <a:prstGeom prst="rect">
+            <a:avLst/>
+          </a:prstGeom>
+        </p:spPr>
+        <p:txBody>
+          <a:bodyPr spcFirstLastPara="1" wrap="square" lIns="91425" tIns="91425" rIns="91425" bIns="91425" anchor="t" anchorCtr="0">
+            <a:noAutofit/>
+          </a:bodyPr>
+          <a:lstStyle/>
+          <a:p>
+            <a:pPr marL="0" lvl="0" indent="0" algn="l" rtl="0">
+              <a:spcBef>
+                <a:spcPts val="0"/>
+              </a:spcBef>
+              <a:spcAft>
+                <a:spcPts val="0"/>
+              </a:spcAft>
+              <a:buNone/>
+            </a:pPr>
+            <a:endParaRPr/>
+          </a:p>
+        </p:txBody>
+      </p:sp>
+    </p:spTree>
+    <p:extLst>
+      <p:ext uri="{BB962C8B-B14F-4D97-AF65-F5344CB8AC3E}">
+        <p14:creationId xmlns:p14="http://schemas.microsoft.com/office/powerpoint/2010/main" val="908293350"/>
+      </p:ext>
+    </p:extLst>
+  </p:cSld>
+  <p:clrMapOvr>
+    <a:masterClrMapping/>
+  </p:clrMapOvr>
+</p:notes>
+</file>
+
+<file path=ppt/notesSlides/notesSlide7.xml><?xml version="1.0" encoding="utf-8"?>
+<p:notes xmlns:a="http://schemas.openxmlformats.org/drawingml/2006/main" xmlns:r="http://schemas.openxmlformats.org/officeDocument/2006/relationships" xmlns:p="http://schemas.openxmlformats.org/presentationml/2006/main" showMasterSp="0" showMasterPhAnim="0">
+  <p:cSld>
+    <p:spTree>
+      <p:nvGrpSpPr>
+        <p:cNvPr id="1" name="Shape 74"/>
+        <p:cNvGrpSpPr/>
+        <p:nvPr/>
+      </p:nvGrpSpPr>
+      <p:grpSpPr>
+        <a:xfrm>
+          <a:off x="0" y="0"/>
+          <a:ext cx="0" cy="0"/>
+          <a:chOff x="0" y="0"/>
+          <a:chExt cx="0" cy="0"/>
+        </a:xfrm>
+      </p:grpSpPr>
+      <p:sp>
+        <p:nvSpPr>
+          <p:cNvPr id="75" name="Google Shape;75;gac10fef634_0_20:notes"/>
+          <p:cNvSpPr>
+            <a:spLocks noGrp="1" noRot="1" noChangeAspect="1"/>
+          </p:cNvSpPr>
+          <p:nvPr>
+            <p:ph type="sldImg" idx="2"/>
+          </p:nvPr>
+        </p:nvSpPr>
+        <p:spPr>
+          <a:xfrm>
+            <a:off x="381000" y="685800"/>
+            <a:ext cx="6096000" cy="3429000"/>
+          </a:xfrm>
+          <a:custGeom>
+            <a:avLst/>
+            <a:gdLst/>
+            <a:ahLst/>
+            <a:cxnLst/>
+            <a:rect l="l" t="t" r="r" b="b"/>
+            <a:pathLst>
+              <a:path w="120000" h="120000" extrusionOk="0">
+                <a:moveTo>
+                  <a:pt x="0" y="0"/>
+                </a:moveTo>
+                <a:lnTo>
+                  <a:pt x="120000" y="0"/>
+                </a:lnTo>
+                <a:lnTo>
+                  <a:pt x="120000" y="120000"/>
+                </a:lnTo>
+                <a:lnTo>
+                  <a:pt x="0" y="120000"/>
+                </a:lnTo>
+                <a:close/>
+              </a:path>
+            </a:pathLst>
+          </a:custGeom>
+        </p:spPr>
+      </p:sp>
+      <p:sp>
+        <p:nvSpPr>
+          <p:cNvPr id="76" name="Google Shape;76;gac10fef634_0_20:notes"/>
+          <p:cNvSpPr txBox="1">
+            <a:spLocks noGrp="1"/>
+          </p:cNvSpPr>
+          <p:nvPr>
+            <p:ph type="body" idx="1"/>
+          </p:nvPr>
+        </p:nvSpPr>
+        <p:spPr>
+          <a:xfrm>
+            <a:off x="685800" y="4343400"/>
+            <a:ext cx="5486400" cy="4114800"/>
+          </a:xfrm>
+          <a:prstGeom prst="rect">
+            <a:avLst/>
+          </a:prstGeom>
+        </p:spPr>
+        <p:txBody>
+          <a:bodyPr spcFirstLastPara="1" wrap="square" lIns="91425" tIns="91425" rIns="91425" bIns="91425" anchor="t" anchorCtr="0">
+            <a:noAutofit/>
+          </a:bodyPr>
+          <a:lstStyle/>
+          <a:p>
+            <a:pPr marL="0" lvl="0" indent="0" algn="l" rtl="0">
+              <a:spcBef>
+                <a:spcPts val="0"/>
+              </a:spcBef>
+              <a:spcAft>
+                <a:spcPts val="0"/>
+              </a:spcAft>
+              <a:buNone/>
+            </a:pPr>
+            <a:endParaRPr/>
+          </a:p>
+        </p:txBody>
+      </p:sp>
+    </p:spTree>
+    <p:extLst>
+      <p:ext uri="{BB962C8B-B14F-4D97-AF65-F5344CB8AC3E}">
+        <p14:creationId xmlns:p14="http://schemas.microsoft.com/office/powerpoint/2010/main" val="1655442931"/>
+      </p:ext>
+    </p:extLst>
+  </p:cSld>
+  <p:clrMapOvr>
+    <a:masterClrMapping/>
+  </p:clrMapOvr>
+</p:notes>
+</file>
+
+<file path=ppt/notesSlides/notesSlide8.xml><?xml version="1.0" encoding="utf-8"?>
+<p:notes xmlns:a="http://schemas.openxmlformats.org/drawingml/2006/main" xmlns:r="http://schemas.openxmlformats.org/officeDocument/2006/relationships" xmlns:p="http://schemas.openxmlformats.org/presentationml/2006/main" showMasterSp="0" showMasterPhAnim="0">
+  <p:cSld>
+    <p:spTree>
+      <p:nvGrpSpPr>
         <p:cNvPr id="1" name="Shape 80"/>
         <p:cNvGrpSpPr/>
         <p:nvPr/>
@@ -1429,7 +1649,7 @@
 </p:notes>
 </file>
 
-<file path=ppt/notesSlides/notesSlide7.xml><?xml version="1.0" encoding="utf-8"?>
+<file path=ppt/notesSlides/notesSlide9.xml><?xml version="1.0" encoding="utf-8"?>
 <p:notes xmlns:a="http://schemas.openxmlformats.org/drawingml/2006/main" xmlns:r="http://schemas.openxmlformats.org/officeDocument/2006/relationships" xmlns:p="http://schemas.openxmlformats.org/presentationml/2006/main" showMasterSp="0" showMasterPhAnim="0">
   <p:cSld>
     <p:spTree>
@@ -6405,23 +6625,16 @@
                   <a:srgbClr val="274E13"/>
                 </a:solidFill>
               </a:rPr>
-              <a:t>Link to </a:t>
+              <a:t>Link to github Repository: </a:t>
             </a:r>
             <a:r>
-              <a:rPr lang="en" sz="2000" b="1" dirty="0" err="1">
+              <a:rPr lang="en-NZ" sz="2000" b="1" dirty="0" err="1">
                 <a:solidFill>
                   <a:srgbClr val="274E13"/>
                 </a:solidFill>
+                <a:hlinkClick r:id="rId3"/>
               </a:rPr>
-              <a:t>github</a:t>
-            </a:r>
-            <a:r>
-              <a:rPr lang="en" sz="2000" b="1" dirty="0">
-                <a:solidFill>
-                  <a:srgbClr val="274E13"/>
-                </a:solidFill>
-              </a:rPr>
-              <a:t> Repository: </a:t>
+              <a:t>Github</a:t>
             </a:r>
             <a:endParaRPr sz="2000" b="1" dirty="0">
               <a:solidFill>
@@ -6447,7 +6660,7 @@
               <a:buFont typeface="Arial"/>
               <a:buNone/>
             </a:pPr>
-            <a:endParaRPr sz="2000">
+            <a:endParaRPr sz="2000" dirty="0">
               <a:solidFill>
                 <a:srgbClr val="274E13"/>
               </a:solidFill>
@@ -6477,23 +6690,16 @@
                   <a:srgbClr val="274E13"/>
                 </a:solidFill>
               </a:rPr>
-              <a:t>Links to </a:t>
+              <a:t>Links to trello board / project management tools: </a:t>
             </a:r>
             <a:r>
-              <a:rPr lang="en" sz="2000" b="1" dirty="0" err="1">
+              <a:rPr lang="en-NZ" sz="2000" b="1" dirty="0">
                 <a:solidFill>
                   <a:srgbClr val="274E13"/>
                 </a:solidFill>
+                <a:hlinkClick r:id="rId4"/>
               </a:rPr>
-              <a:t>trello</a:t>
-            </a:r>
-            <a:r>
-              <a:rPr lang="en" sz="2000" b="1" dirty="0">
-                <a:solidFill>
-                  <a:srgbClr val="274E13"/>
-                </a:solidFill>
-              </a:rPr>
-              <a:t> board / project management tools:</a:t>
+              <a:t>Trello</a:t>
             </a:r>
             <a:endParaRPr sz="2000" dirty="0"/>
           </a:p>
@@ -6804,55 +7010,68 @@
               <a:buNone/>
             </a:pPr>
             <a:r>
-              <a:rPr lang="en"/>
+              <a:rPr lang="en" dirty="0"/>
               <a:t>Decomposition</a:t>
             </a:r>
-            <a:endParaRPr/>
+            <a:endParaRPr dirty="0"/>
           </a:p>
         </p:txBody>
       </p:sp>
       <p:sp>
         <p:nvSpPr>
-          <p:cNvPr id="68" name="Google Shape;68;p15"/>
-          <p:cNvSpPr txBox="1">
+          <p:cNvPr id="5" name="Text Placeholder 4">
+            <a:extLst>
+              <a:ext uri="{FF2B5EF4-FFF2-40B4-BE49-F238E27FC236}">
+                <a16:creationId xmlns:a16="http://schemas.microsoft.com/office/drawing/2014/main" id="{06706964-98A4-4E43-BCD2-335986841F63}"/>
+              </a:ext>
+            </a:extLst>
+          </p:cNvPr>
+          <p:cNvSpPr>
             <a:spLocks noGrp="1"/>
           </p:cNvSpPr>
           <p:nvPr>
             <p:ph type="body" idx="1"/>
           </p:nvPr>
         </p:nvSpPr>
+        <p:spPr/>
+        <p:txBody>
+          <a:bodyPr/>
+          <a:lstStyle/>
+          <a:p>
+            <a:endParaRPr lang="en-NZ" dirty="0"/>
+          </a:p>
+        </p:txBody>
+      </p:sp>
+      <p:pic>
+        <p:nvPicPr>
+          <p:cNvPr id="3" name="Picture 2">
+            <a:extLst>
+              <a:ext uri="{FF2B5EF4-FFF2-40B4-BE49-F238E27FC236}">
+                <a16:creationId xmlns:a16="http://schemas.microsoft.com/office/drawing/2014/main" id="{B7865AB6-0001-49F8-8E8C-C351619B923E}"/>
+              </a:ext>
+            </a:extLst>
+          </p:cNvPr>
+          <p:cNvPicPr>
+            <a:picLocks noChangeAspect="1"/>
+          </p:cNvPicPr>
+          <p:nvPr/>
+        </p:nvPicPr>
+        <p:blipFill>
+          <a:blip r:embed="rId3"/>
+          <a:stretch>
+            <a:fillRect/>
+          </a:stretch>
+        </p:blipFill>
         <p:spPr>
           <a:xfrm>
-            <a:off x="311700" y="1152475"/>
-            <a:ext cx="8424300" cy="1180800"/>
+            <a:off x="311700" y="1131732"/>
+            <a:ext cx="4929467" cy="3566743"/>
           </a:xfrm>
           <a:prstGeom prst="rect">
             <a:avLst/>
           </a:prstGeom>
         </p:spPr>
-        <p:txBody>
-          <a:bodyPr spcFirstLastPara="1" wrap="square" lIns="91425" tIns="91425" rIns="91425" bIns="91425" anchor="t" anchorCtr="0">
-            <a:noAutofit/>
-          </a:bodyPr>
-          <a:lstStyle/>
-          <a:p>
-            <a:pPr marL="0" lvl="0" indent="0" algn="l" rtl="0">
-              <a:spcBef>
-                <a:spcPts val="0"/>
-              </a:spcBef>
-              <a:spcAft>
-                <a:spcPts val="1600"/>
-              </a:spcAft>
-              <a:buNone/>
-            </a:pPr>
-            <a:r>
-              <a:rPr lang="en" i="1"/>
-              <a:t>Paste screenshots of your initial Trello board / task decomposition on this slide.  If you have a long list, you might need to break it up into several columns.  Delete this instruction when you are done.</a:t>
-            </a:r>
-            <a:endParaRPr i="1"/>
-          </a:p>
-        </p:txBody>
-      </p:sp>
+      </p:pic>
     </p:spTree>
   </p:cSld>
   <p:clrMapOvr>
@@ -6928,6 +7147,36 @@
           </a:p>
         </p:txBody>
       </p:sp>
+      <p:pic>
+        <p:nvPicPr>
+          <p:cNvPr id="3" name="Picture 2">
+            <a:extLst>
+              <a:ext uri="{FF2B5EF4-FFF2-40B4-BE49-F238E27FC236}">
+                <a16:creationId xmlns:a16="http://schemas.microsoft.com/office/drawing/2014/main" id="{FB4EA631-72C8-4F26-8193-89F3F3A425DD}"/>
+              </a:ext>
+            </a:extLst>
+          </p:cNvPr>
+          <p:cNvPicPr>
+            <a:picLocks noChangeAspect="1"/>
+          </p:cNvPicPr>
+          <p:nvPr/>
+        </p:nvPicPr>
+        <p:blipFill>
+          <a:blip r:embed="rId3"/>
+          <a:stretch>
+            <a:fillRect/>
+          </a:stretch>
+        </p:blipFill>
+        <p:spPr>
+          <a:xfrm>
+            <a:off x="198852" y="1279343"/>
+            <a:ext cx="8392632" cy="3270233"/>
+          </a:xfrm>
+          <a:prstGeom prst="rect">
+            <a:avLst/>
+          </a:prstGeom>
+        </p:spPr>
+      </p:pic>
     </p:spTree>
   </p:cSld>
   <p:clrMapOvr>
@@ -7159,6 +7408,301 @@
     </p:bg>
     <p:spTree>
       <p:nvGrpSpPr>
+        <p:cNvPr id="1" name="Shape 72"/>
+        <p:cNvGrpSpPr/>
+        <p:nvPr/>
+      </p:nvGrpSpPr>
+      <p:grpSpPr>
+        <a:xfrm>
+          <a:off x="0" y="0"/>
+          <a:ext cx="0" cy="0"/>
+          <a:chOff x="0" y="0"/>
+          <a:chExt cx="0" cy="0"/>
+        </a:xfrm>
+      </p:grpSpPr>
+      <p:sp>
+        <p:nvSpPr>
+          <p:cNvPr id="73" name="Google Shape;73;p16"/>
+          <p:cNvSpPr txBox="1">
+            <a:spLocks noGrp="1"/>
+          </p:cNvSpPr>
+          <p:nvPr>
+            <p:ph type="title"/>
+          </p:nvPr>
+        </p:nvSpPr>
+        <p:spPr>
+          <a:xfrm>
+            <a:off x="311700" y="445025"/>
+            <a:ext cx="8520600" cy="572700"/>
+          </a:xfrm>
+          <a:prstGeom prst="rect">
+            <a:avLst/>
+          </a:prstGeom>
+        </p:spPr>
+        <p:txBody>
+          <a:bodyPr spcFirstLastPara="1" wrap="square" lIns="91425" tIns="91425" rIns="91425" bIns="91425" anchor="t" anchorCtr="0">
+            <a:noAutofit/>
+          </a:bodyPr>
+          <a:lstStyle/>
+          <a:p>
+            <a:pPr marL="0" lvl="0" indent="0" algn="l" rtl="0">
+              <a:spcBef>
+                <a:spcPts val="0"/>
+              </a:spcBef>
+              <a:spcAft>
+                <a:spcPts val="0"/>
+              </a:spcAft>
+              <a:buNone/>
+            </a:pPr>
+            <a:r>
+              <a:rPr lang="en" dirty="0"/>
+              <a:t>Component 2 (Trello screenshot)</a:t>
+            </a:r>
+            <a:endParaRPr dirty="0"/>
+          </a:p>
+        </p:txBody>
+      </p:sp>
+    </p:spTree>
+    <p:extLst>
+      <p:ext uri="{BB962C8B-B14F-4D97-AF65-F5344CB8AC3E}">
+        <p14:creationId xmlns:p14="http://schemas.microsoft.com/office/powerpoint/2010/main" val="1001460695"/>
+      </p:ext>
+    </p:extLst>
+  </p:cSld>
+  <p:clrMapOvr>
+    <a:masterClrMapping/>
+  </p:clrMapOvr>
+</p:sld>
+</file>
+
+<file path=ppt/slides/slide7.xml><?xml version="1.0" encoding="utf-8"?>
+<p:sld xmlns:a="http://schemas.openxmlformats.org/drawingml/2006/main" xmlns:r="http://schemas.openxmlformats.org/officeDocument/2006/relationships" xmlns:p="http://schemas.openxmlformats.org/presentationml/2006/main">
+  <p:cSld>
+    <p:spTree>
+      <p:nvGrpSpPr>
+        <p:cNvPr id="1" name="Shape 77"/>
+        <p:cNvGrpSpPr/>
+        <p:nvPr/>
+      </p:nvGrpSpPr>
+      <p:grpSpPr>
+        <a:xfrm>
+          <a:off x="0" y="0"/>
+          <a:ext cx="0" cy="0"/>
+          <a:chOff x="0" y="0"/>
+          <a:chExt cx="0" cy="0"/>
+        </a:xfrm>
+      </p:grpSpPr>
+      <p:sp>
+        <p:nvSpPr>
+          <p:cNvPr id="78" name="Google Shape;78;p17"/>
+          <p:cNvSpPr txBox="1">
+            <a:spLocks noGrp="1"/>
+          </p:cNvSpPr>
+          <p:nvPr>
+            <p:ph type="title"/>
+          </p:nvPr>
+        </p:nvSpPr>
+        <p:spPr>
+          <a:xfrm>
+            <a:off x="311700" y="445025"/>
+            <a:ext cx="8520600" cy="572700"/>
+          </a:xfrm>
+          <a:prstGeom prst="rect">
+            <a:avLst/>
+          </a:prstGeom>
+        </p:spPr>
+        <p:txBody>
+          <a:bodyPr spcFirstLastPara="1" wrap="square" lIns="91425" tIns="91425" rIns="91425" bIns="91425" anchor="t" anchorCtr="0">
+            <a:noAutofit/>
+          </a:bodyPr>
+          <a:lstStyle/>
+          <a:p>
+            <a:pPr marL="0" lvl="0" indent="0" algn="l" rtl="0">
+              <a:spcBef>
+                <a:spcPts val="0"/>
+              </a:spcBef>
+              <a:spcAft>
+                <a:spcPts val="0"/>
+              </a:spcAft>
+              <a:buNone/>
+            </a:pPr>
+            <a:r>
+              <a:rPr lang="en" dirty="0"/>
+              <a:t>Component 2 - Test Plan (?and screenshot)</a:t>
+            </a:r>
+            <a:endParaRPr dirty="0"/>
+          </a:p>
+        </p:txBody>
+      </p:sp>
+      <p:graphicFrame>
+        <p:nvGraphicFramePr>
+          <p:cNvPr id="79" name="Google Shape;79;p17"/>
+          <p:cNvGraphicFramePr/>
+          <p:nvPr/>
+        </p:nvGraphicFramePr>
+        <p:xfrm>
+          <a:off x="382475" y="1267725"/>
+          <a:ext cx="8520600" cy="914340"/>
+        </p:xfrm>
+        <a:graphic>
+          <a:graphicData uri="http://schemas.openxmlformats.org/drawingml/2006/table">
+            <a:tbl>
+              <a:tblPr>
+                <a:noFill/>
+                <a:tableStyleId>{E1099E06-0E6B-448D-9D27-60429F06E6F4}</a:tableStyleId>
+              </a:tblPr>
+              <a:tblGrid>
+                <a:gridCol w="4260300">
+                  <a:extLst>
+                    <a:ext uri="{9D8B030D-6E8A-4147-A177-3AD203B41FA5}">
+                      <a16:colId xmlns:a16="http://schemas.microsoft.com/office/drawing/2014/main" val="20000"/>
+                    </a:ext>
+                  </a:extLst>
+                </a:gridCol>
+                <a:gridCol w="4260300">
+                  <a:extLst>
+                    <a:ext uri="{9D8B030D-6E8A-4147-A177-3AD203B41FA5}">
+                      <a16:colId xmlns:a16="http://schemas.microsoft.com/office/drawing/2014/main" val="20001"/>
+                    </a:ext>
+                  </a:extLst>
+                </a:gridCol>
+              </a:tblGrid>
+              <a:tr h="381000">
+                <a:tc>
+                  <a:txBody>
+                    <a:bodyPr/>
+                    <a:lstStyle/>
+                    <a:p>
+                      <a:pPr marL="0" lvl="0" indent="0" algn="l" rtl="0">
+                        <a:spcBef>
+                          <a:spcPts val="0"/>
+                        </a:spcBef>
+                        <a:spcAft>
+                          <a:spcPts val="0"/>
+                        </a:spcAft>
+                        <a:buNone/>
+                      </a:pPr>
+                      <a:r>
+                        <a:rPr lang="en" sz="1800" b="1"/>
+                        <a:t>Test Case</a:t>
+                      </a:r>
+                      <a:endParaRPr sz="1800" b="1"/>
+                    </a:p>
+                  </a:txBody>
+                  <a:tcPr marL="91425" marR="91425" marT="91425" marB="91425">
+                    <a:solidFill>
+                      <a:srgbClr val="CCCCCC"/>
+                    </a:solidFill>
+                  </a:tcPr>
+                </a:tc>
+                <a:tc>
+                  <a:txBody>
+                    <a:bodyPr/>
+                    <a:lstStyle/>
+                    <a:p>
+                      <a:pPr marL="0" lvl="0" indent="0" algn="l" rtl="0">
+                        <a:spcBef>
+                          <a:spcPts val="0"/>
+                        </a:spcBef>
+                        <a:spcAft>
+                          <a:spcPts val="0"/>
+                        </a:spcAft>
+                        <a:buNone/>
+                      </a:pPr>
+                      <a:r>
+                        <a:rPr lang="en" sz="1800" b="1"/>
+                        <a:t>Expected Values</a:t>
+                      </a:r>
+                      <a:endParaRPr sz="1800" b="1"/>
+                    </a:p>
+                  </a:txBody>
+                  <a:tcPr marL="91425" marR="91425" marT="91425" marB="91425">
+                    <a:solidFill>
+                      <a:srgbClr val="CCCCCC"/>
+                    </a:solidFill>
+                  </a:tcPr>
+                </a:tc>
+                <a:extLst>
+                  <a:ext uri="{0D108BD9-81ED-4DB2-BD59-A6C34878D82A}">
+                    <a16:rowId xmlns:a16="http://schemas.microsoft.com/office/drawing/2014/main" val="10000"/>
+                  </a:ext>
+                </a:extLst>
+              </a:tr>
+              <a:tr h="396200">
+                <a:tc>
+                  <a:txBody>
+                    <a:bodyPr/>
+                    <a:lstStyle/>
+                    <a:p>
+                      <a:pPr marL="0" lvl="0" indent="0" algn="l" rtl="0">
+                        <a:spcBef>
+                          <a:spcPts val="0"/>
+                        </a:spcBef>
+                        <a:spcAft>
+                          <a:spcPts val="0"/>
+                        </a:spcAft>
+                        <a:buNone/>
+                      </a:pPr>
+                      <a:endParaRPr sz="1800"/>
+                    </a:p>
+                  </a:txBody>
+                  <a:tcPr marL="91425" marR="91425" marT="91425" marB="91425"/>
+                </a:tc>
+                <a:tc>
+                  <a:txBody>
+                    <a:bodyPr/>
+                    <a:lstStyle/>
+                    <a:p>
+                      <a:pPr marL="0" lvl="0" indent="0" algn="l" rtl="0">
+                        <a:spcBef>
+                          <a:spcPts val="0"/>
+                        </a:spcBef>
+                        <a:spcAft>
+                          <a:spcPts val="0"/>
+                        </a:spcAft>
+                        <a:buNone/>
+                      </a:pPr>
+                      <a:endParaRPr sz="1800"/>
+                    </a:p>
+                  </a:txBody>
+                  <a:tcPr marL="91425" marR="91425" marT="91425" marB="91425"/>
+                </a:tc>
+                <a:extLst>
+                  <a:ext uri="{0D108BD9-81ED-4DB2-BD59-A6C34878D82A}">
+                    <a16:rowId xmlns:a16="http://schemas.microsoft.com/office/drawing/2014/main" val="10001"/>
+                  </a:ext>
+                </a:extLst>
+              </a:tr>
+            </a:tbl>
+          </a:graphicData>
+        </a:graphic>
+      </p:graphicFrame>
+    </p:spTree>
+    <p:extLst>
+      <p:ext uri="{BB962C8B-B14F-4D97-AF65-F5344CB8AC3E}">
+        <p14:creationId xmlns:p14="http://schemas.microsoft.com/office/powerpoint/2010/main" val="2121840653"/>
+      </p:ext>
+    </p:extLst>
+  </p:cSld>
+  <p:clrMapOvr>
+    <a:masterClrMapping/>
+  </p:clrMapOvr>
+</p:sld>
+</file>
+
+<file path=ppt/slides/slide8.xml><?xml version="1.0" encoding="utf-8"?>
+<p:sld xmlns:a="http://schemas.openxmlformats.org/drawingml/2006/main" xmlns:r="http://schemas.openxmlformats.org/officeDocument/2006/relationships" xmlns:p="http://schemas.openxmlformats.org/presentationml/2006/main">
+  <p:cSld>
+    <p:bg>
+      <p:bgPr>
+        <a:solidFill>
+          <a:srgbClr val="D9EAD3"/>
+        </a:solidFill>
+        <a:effectLst/>
+      </p:bgPr>
+    </p:bg>
+    <p:spTree>
+      <p:nvGrpSpPr>
         <p:cNvPr id="1" name="Shape 83"/>
         <p:cNvGrpSpPr/>
         <p:nvPr/>
@@ -7263,7 +7807,7 @@
 </p:sld>
 </file>
 
-<file path=ppt/slides/slide7.xml><?xml version="1.0" encoding="utf-8"?>
+<file path=ppt/slides/slide9.xml><?xml version="1.0" encoding="utf-8"?>
 <p:sld xmlns:a="http://schemas.openxmlformats.org/drawingml/2006/main" xmlns:r="http://schemas.openxmlformats.org/officeDocument/2006/relationships" xmlns:p="http://schemas.openxmlformats.org/presentationml/2006/main">
   <p:cSld>
     <p:bg>

--- a/022_91893+_+91897+Documentation.pptx
+++ b/022_91893+_+91897+Documentation.pptx
@@ -7248,11 +7248,17 @@
         <p:nvGraphicFramePr>
           <p:cNvPr id="79" name="Google Shape;79;p17"/>
           <p:cNvGraphicFramePr/>
-          <p:nvPr/>
+          <p:nvPr>
+            <p:extLst>
+              <p:ext uri="{D42A27DB-BD31-4B8C-83A1-F6EECF244321}">
+                <p14:modId xmlns:p14="http://schemas.microsoft.com/office/powerpoint/2010/main" val="1531644742"/>
+              </p:ext>
+            </p:extLst>
+          </p:nvPr>
         </p:nvGraphicFramePr>
         <p:xfrm>
-          <a:off x="382475" y="1267725"/>
-          <a:ext cx="8520600" cy="914340"/>
+          <a:off x="311700" y="3680520"/>
+          <a:ext cx="8520600" cy="1462980"/>
         </p:xfrm>
         <a:graphic>
           <a:graphicData uri="http://schemas.openxmlformats.org/drawingml/2006/table">
@@ -7293,10 +7299,10 @@
                         <a:buNone/>
                       </a:pPr>
                       <a:r>
-                        <a:rPr lang="en" sz="1800" b="1"/>
+                        <a:rPr lang="en" sz="1800" b="1" dirty="0"/>
                         <a:t>Test Case</a:t>
                       </a:r>
-                      <a:endParaRPr sz="1800" b="1"/>
+                      <a:endParaRPr sz="1800" b="1" dirty="0"/>
                     </a:p>
                   </a:txBody>
                   <a:tcPr marL="91425" marR="91425" marT="91425" marB="91425">
@@ -7353,7 +7359,11 @@
                         </a:spcAft>
                         <a:buNone/>
                       </a:pPr>
-                      <a:endParaRPr sz="1800"/>
+                      <a:r>
+                        <a:rPr lang="en-US" sz="1800" dirty="0"/>
+                        <a:t>Run program</a:t>
+                      </a:r>
+                      <a:endParaRPr sz="1800" dirty="0"/>
                     </a:p>
                   </a:txBody>
                   <a:tcPr marL="91425" marR="91425" marT="91425" marB="91425"/>
@@ -7372,7 +7382,11 @@
                         </a:spcAft>
                         <a:buNone/>
                       </a:pPr>
-                      <a:endParaRPr sz="1800"/>
+                      <a:r>
+                        <a:rPr lang="en-US" sz="1800" dirty="0"/>
+                        <a:t>Print welcome message with random name from list of names – Runs correctly</a:t>
+                      </a:r>
+                      <a:endParaRPr sz="1800" dirty="0"/>
                     </a:p>
                   </a:txBody>
                   <a:tcPr marL="91425" marR="91425" marT="91425" marB="91425"/>
@@ -7387,6 +7401,66 @@
           </a:graphicData>
         </a:graphic>
       </p:graphicFrame>
+      <p:pic>
+        <p:nvPicPr>
+          <p:cNvPr id="3" name="Picture 2">
+            <a:extLst>
+              <a:ext uri="{FF2B5EF4-FFF2-40B4-BE49-F238E27FC236}">
+                <a16:creationId xmlns:a16="http://schemas.microsoft.com/office/drawing/2014/main" id="{C8FC6A10-9A37-4DFF-9F9C-927690A118FE}"/>
+              </a:ext>
+            </a:extLst>
+          </p:cNvPr>
+          <p:cNvPicPr>
+            <a:picLocks noChangeAspect="1"/>
+          </p:cNvPicPr>
+          <p:nvPr/>
+        </p:nvPicPr>
+        <p:blipFill>
+          <a:blip r:embed="rId3"/>
+          <a:stretch>
+            <a:fillRect/>
+          </a:stretch>
+        </p:blipFill>
+        <p:spPr>
+          <a:xfrm>
+            <a:off x="198782" y="1017725"/>
+            <a:ext cx="4572000" cy="1686208"/>
+          </a:xfrm>
+          <a:prstGeom prst="rect">
+            <a:avLst/>
+          </a:prstGeom>
+        </p:spPr>
+      </p:pic>
+      <p:pic>
+        <p:nvPicPr>
+          <p:cNvPr id="5" name="Picture 4">
+            <a:extLst>
+              <a:ext uri="{FF2B5EF4-FFF2-40B4-BE49-F238E27FC236}">
+                <a16:creationId xmlns:a16="http://schemas.microsoft.com/office/drawing/2014/main" id="{6DDF2386-D1ED-4BDC-A76C-419418E1D8CF}"/>
+              </a:ext>
+            </a:extLst>
+          </p:cNvPr>
+          <p:cNvPicPr>
+            <a:picLocks noChangeAspect="1"/>
+          </p:cNvPicPr>
+          <p:nvPr/>
+        </p:nvPicPr>
+        <p:blipFill>
+          <a:blip r:embed="rId4"/>
+          <a:stretch>
+            <a:fillRect/>
+          </a:stretch>
+        </p:blipFill>
+        <p:spPr>
+          <a:xfrm>
+            <a:off x="679382" y="2906316"/>
+            <a:ext cx="6967124" cy="740634"/>
+          </a:xfrm>
+          <a:prstGeom prst="rect">
+            <a:avLst/>
+          </a:prstGeom>
+        </p:spPr>
+      </p:pic>
     </p:spTree>
   </p:cSld>
   <p:clrMapOvr>

--- a/022_91893+_+91897+Documentation.pptx
+++ b/022_91893+_+91897+Documentation.pptx
@@ -5,7 +5,7 @@
     <p:sldMasterId id="2147483659" r:id="rId1"/>
   </p:sldMasterIdLst>
   <p:notesMasterIdLst>
-    <p:notesMasterId r:id="rId11"/>
+    <p:notesMasterId r:id="rId12"/>
   </p:notesMasterIdLst>
   <p:sldIdLst>
     <p:sldId id="256" r:id="rId2"/>
@@ -13,10 +13,11 @@
     <p:sldId id="258" r:id="rId4"/>
     <p:sldId id="259" r:id="rId5"/>
     <p:sldId id="260" r:id="rId6"/>
-    <p:sldId id="263" r:id="rId7"/>
-    <p:sldId id="264" r:id="rId8"/>
-    <p:sldId id="261" r:id="rId9"/>
-    <p:sldId id="262" r:id="rId10"/>
+    <p:sldId id="265" r:id="rId7"/>
+    <p:sldId id="263" r:id="rId8"/>
+    <p:sldId id="264" r:id="rId9"/>
+    <p:sldId id="261" r:id="rId10"/>
+    <p:sldId id="262" r:id="rId11"/>
   </p:sldIdLst>
   <p:sldSz cx="9144000" cy="5143500" type="screen16x9"/>
   <p:notesSz cx="6858000" cy="9144000"/>
@@ -865,6 +866,114 @@
 </p:notes>
 </file>
 
+<file path=ppt/notesSlides/notesSlide10.xml><?xml version="1.0" encoding="utf-8"?>
+<p:notes xmlns:a="http://schemas.openxmlformats.org/drawingml/2006/main" xmlns:r="http://schemas.openxmlformats.org/officeDocument/2006/relationships" xmlns:p="http://schemas.openxmlformats.org/presentationml/2006/main" showMasterSp="0" showMasterPhAnim="0">
+  <p:cSld>
+    <p:spTree>
+      <p:nvGrpSpPr>
+        <p:cNvPr id="1" name="Shape 86"/>
+        <p:cNvGrpSpPr/>
+        <p:nvPr/>
+      </p:nvGrpSpPr>
+      <p:grpSpPr>
+        <a:xfrm>
+          <a:off x="0" y="0"/>
+          <a:ext cx="0" cy="0"/>
+          <a:chOff x="0" y="0"/>
+          <a:chExt cx="0" cy="0"/>
+        </a:xfrm>
+      </p:grpSpPr>
+      <p:sp>
+        <p:nvSpPr>
+          <p:cNvPr id="87" name="Google Shape;87;gac10fef634_0_30:notes"/>
+          <p:cNvSpPr>
+            <a:spLocks noGrp="1" noRot="1" noChangeAspect="1"/>
+          </p:cNvSpPr>
+          <p:nvPr>
+            <p:ph type="sldImg" idx="2"/>
+          </p:nvPr>
+        </p:nvSpPr>
+        <p:spPr>
+          <a:xfrm>
+            <a:off x="381000" y="685800"/>
+            <a:ext cx="6096000" cy="3429000"/>
+          </a:xfrm>
+          <a:custGeom>
+            <a:avLst/>
+            <a:gdLst/>
+            <a:ahLst/>
+            <a:cxnLst/>
+            <a:rect l="l" t="t" r="r" b="b"/>
+            <a:pathLst>
+              <a:path w="120000" h="120000" extrusionOk="0">
+                <a:moveTo>
+                  <a:pt x="0" y="0"/>
+                </a:moveTo>
+                <a:lnTo>
+                  <a:pt x="120000" y="0"/>
+                </a:lnTo>
+                <a:lnTo>
+                  <a:pt x="120000" y="120000"/>
+                </a:lnTo>
+                <a:lnTo>
+                  <a:pt x="0" y="120000"/>
+                </a:lnTo>
+                <a:close/>
+              </a:path>
+            </a:pathLst>
+          </a:custGeom>
+        </p:spPr>
+      </p:sp>
+      <p:sp>
+        <p:nvSpPr>
+          <p:cNvPr id="88" name="Google Shape;88;gac10fef634_0_30:notes"/>
+          <p:cNvSpPr txBox="1">
+            <a:spLocks noGrp="1"/>
+          </p:cNvSpPr>
+          <p:nvPr>
+            <p:ph type="body" idx="1"/>
+          </p:nvPr>
+        </p:nvSpPr>
+        <p:spPr>
+          <a:xfrm>
+            <a:off x="685800" y="4343400"/>
+            <a:ext cx="5486400" cy="4114800"/>
+          </a:xfrm>
+          <a:prstGeom prst="rect">
+            <a:avLst/>
+          </a:prstGeom>
+        </p:spPr>
+        <p:txBody>
+          <a:bodyPr spcFirstLastPara="1" wrap="square" lIns="91425" tIns="91425" rIns="91425" bIns="91425" anchor="t" anchorCtr="0">
+            <a:noAutofit/>
+          </a:bodyPr>
+          <a:lstStyle/>
+          <a:p>
+            <a:pPr marL="0" lvl="0" indent="0" algn="l" rtl="0">
+              <a:spcBef>
+                <a:spcPts val="0"/>
+              </a:spcBef>
+              <a:spcAft>
+                <a:spcPts val="0"/>
+              </a:spcAft>
+              <a:buNone/>
+            </a:pPr>
+            <a:r>
+              <a:rPr lang="en"/>
+              <a:t>Discusses how the information from planning, testing and trialling of components assisted in the development of a high-quality outcome</a:t>
+            </a:r>
+            <a:endParaRPr/>
+          </a:p>
+        </p:txBody>
+      </p:sp>
+    </p:spTree>
+  </p:cSld>
+  <p:clrMapOvr>
+    <a:masterClrMapping/>
+  </p:clrMapOvr>
+</p:notes>
+</file>
+
 <file path=ppt/notesSlides/notesSlide2.xml><?xml version="1.0" encoding="utf-8"?>
 <p:notes xmlns:a="http://schemas.openxmlformats.org/drawingml/2006/main" xmlns:r="http://schemas.openxmlformats.org/officeDocument/2006/relationships" xmlns:p="http://schemas.openxmlformats.org/presentationml/2006/main" showMasterSp="0" showMasterPhAnim="0">
   <p:cSld>
@@ -1311,6 +1420,115 @@
   <p:cSld>
     <p:spTree>
       <p:nvGrpSpPr>
+        <p:cNvPr id="1" name="Shape 74"/>
+        <p:cNvGrpSpPr/>
+        <p:nvPr/>
+      </p:nvGrpSpPr>
+      <p:grpSpPr>
+        <a:xfrm>
+          <a:off x="0" y="0"/>
+          <a:ext cx="0" cy="0"/>
+          <a:chOff x="0" y="0"/>
+          <a:chExt cx="0" cy="0"/>
+        </a:xfrm>
+      </p:grpSpPr>
+      <p:sp>
+        <p:nvSpPr>
+          <p:cNvPr id="75" name="Google Shape;75;gac10fef634_0_20:notes"/>
+          <p:cNvSpPr>
+            <a:spLocks noGrp="1" noRot="1" noChangeAspect="1"/>
+          </p:cNvSpPr>
+          <p:nvPr>
+            <p:ph type="sldImg" idx="2"/>
+          </p:nvPr>
+        </p:nvSpPr>
+        <p:spPr>
+          <a:xfrm>
+            <a:off x="381000" y="685800"/>
+            <a:ext cx="6096000" cy="3429000"/>
+          </a:xfrm>
+          <a:custGeom>
+            <a:avLst/>
+            <a:gdLst/>
+            <a:ahLst/>
+            <a:cxnLst/>
+            <a:rect l="l" t="t" r="r" b="b"/>
+            <a:pathLst>
+              <a:path w="120000" h="120000" extrusionOk="0">
+                <a:moveTo>
+                  <a:pt x="0" y="0"/>
+                </a:moveTo>
+                <a:lnTo>
+                  <a:pt x="120000" y="0"/>
+                </a:lnTo>
+                <a:lnTo>
+                  <a:pt x="120000" y="120000"/>
+                </a:lnTo>
+                <a:lnTo>
+                  <a:pt x="0" y="120000"/>
+                </a:lnTo>
+                <a:close/>
+              </a:path>
+            </a:pathLst>
+          </a:custGeom>
+        </p:spPr>
+      </p:sp>
+      <p:sp>
+        <p:nvSpPr>
+          <p:cNvPr id="76" name="Google Shape;76;gac10fef634_0_20:notes"/>
+          <p:cNvSpPr txBox="1">
+            <a:spLocks noGrp="1"/>
+          </p:cNvSpPr>
+          <p:nvPr>
+            <p:ph type="body" idx="1"/>
+          </p:nvPr>
+        </p:nvSpPr>
+        <p:spPr>
+          <a:xfrm>
+            <a:off x="685800" y="4343400"/>
+            <a:ext cx="5486400" cy="4114800"/>
+          </a:xfrm>
+          <a:prstGeom prst="rect">
+            <a:avLst/>
+          </a:prstGeom>
+        </p:spPr>
+        <p:txBody>
+          <a:bodyPr spcFirstLastPara="1" wrap="square" lIns="91425" tIns="91425" rIns="91425" bIns="91425" anchor="t" anchorCtr="0">
+            <a:noAutofit/>
+          </a:bodyPr>
+          <a:lstStyle/>
+          <a:p>
+            <a:pPr marL="0" lvl="0" indent="0" algn="l" rtl="0">
+              <a:spcBef>
+                <a:spcPts val="0"/>
+              </a:spcBef>
+              <a:spcAft>
+                <a:spcPts val="0"/>
+              </a:spcAft>
+              <a:buNone/>
+            </a:pPr>
+            <a:endParaRPr/>
+          </a:p>
+        </p:txBody>
+      </p:sp>
+    </p:spTree>
+    <p:extLst>
+      <p:ext uri="{BB962C8B-B14F-4D97-AF65-F5344CB8AC3E}">
+        <p14:creationId xmlns:p14="http://schemas.microsoft.com/office/powerpoint/2010/main" val="2949984998"/>
+      </p:ext>
+    </p:extLst>
+  </p:cSld>
+  <p:clrMapOvr>
+    <a:masterClrMapping/>
+  </p:clrMapOvr>
+</p:notes>
+</file>
+
+<file path=ppt/notesSlides/notesSlide7.xml><?xml version="1.0" encoding="utf-8"?>
+<p:notes xmlns:a="http://schemas.openxmlformats.org/drawingml/2006/main" xmlns:r="http://schemas.openxmlformats.org/officeDocument/2006/relationships" xmlns:p="http://schemas.openxmlformats.org/presentationml/2006/main" showMasterSp="0" showMasterPhAnim="0">
+  <p:cSld>
+    <p:spTree>
+      <p:nvGrpSpPr>
         <p:cNvPr id="1" name="Shape 69"/>
         <p:cNvGrpSpPr/>
         <p:nvPr/>
@@ -1415,7 +1633,7 @@
 </p:notes>
 </file>
 
-<file path=ppt/notesSlides/notesSlide7.xml><?xml version="1.0" encoding="utf-8"?>
+<file path=ppt/notesSlides/notesSlide8.xml><?xml version="1.0" encoding="utf-8"?>
 <p:notes xmlns:a="http://schemas.openxmlformats.org/drawingml/2006/main" xmlns:r="http://schemas.openxmlformats.org/officeDocument/2006/relationships" xmlns:p="http://schemas.openxmlformats.org/presentationml/2006/main" showMasterSp="0" showMasterPhAnim="0">
   <p:cSld>
     <p:spTree>
@@ -1524,7 +1742,7 @@
 </p:notes>
 </file>
 
-<file path=ppt/notesSlides/notesSlide8.xml><?xml version="1.0" encoding="utf-8"?>
+<file path=ppt/notesSlides/notesSlide9.xml><?xml version="1.0" encoding="utf-8"?>
 <p:notes xmlns:a="http://schemas.openxmlformats.org/drawingml/2006/main" xmlns:r="http://schemas.openxmlformats.org/officeDocument/2006/relationships" xmlns:p="http://schemas.openxmlformats.org/presentationml/2006/main" showMasterSp="0" showMasterPhAnim="0">
   <p:cSld>
     <p:spTree>
@@ -1637,114 +1855,6 @@
               </a:spcAft>
               <a:buNone/>
             </a:pPr>
-            <a:endParaRPr/>
-          </a:p>
-        </p:txBody>
-      </p:sp>
-    </p:spTree>
-  </p:cSld>
-  <p:clrMapOvr>
-    <a:masterClrMapping/>
-  </p:clrMapOvr>
-</p:notes>
-</file>
-
-<file path=ppt/notesSlides/notesSlide9.xml><?xml version="1.0" encoding="utf-8"?>
-<p:notes xmlns:a="http://schemas.openxmlformats.org/drawingml/2006/main" xmlns:r="http://schemas.openxmlformats.org/officeDocument/2006/relationships" xmlns:p="http://schemas.openxmlformats.org/presentationml/2006/main" showMasterSp="0" showMasterPhAnim="0">
-  <p:cSld>
-    <p:spTree>
-      <p:nvGrpSpPr>
-        <p:cNvPr id="1" name="Shape 86"/>
-        <p:cNvGrpSpPr/>
-        <p:nvPr/>
-      </p:nvGrpSpPr>
-      <p:grpSpPr>
-        <a:xfrm>
-          <a:off x="0" y="0"/>
-          <a:ext cx="0" cy="0"/>
-          <a:chOff x="0" y="0"/>
-          <a:chExt cx="0" cy="0"/>
-        </a:xfrm>
-      </p:grpSpPr>
-      <p:sp>
-        <p:nvSpPr>
-          <p:cNvPr id="87" name="Google Shape;87;gac10fef634_0_30:notes"/>
-          <p:cNvSpPr>
-            <a:spLocks noGrp="1" noRot="1" noChangeAspect="1"/>
-          </p:cNvSpPr>
-          <p:nvPr>
-            <p:ph type="sldImg" idx="2"/>
-          </p:nvPr>
-        </p:nvSpPr>
-        <p:spPr>
-          <a:xfrm>
-            <a:off x="381000" y="685800"/>
-            <a:ext cx="6096000" cy="3429000"/>
-          </a:xfrm>
-          <a:custGeom>
-            <a:avLst/>
-            <a:gdLst/>
-            <a:ahLst/>
-            <a:cxnLst/>
-            <a:rect l="l" t="t" r="r" b="b"/>
-            <a:pathLst>
-              <a:path w="120000" h="120000" extrusionOk="0">
-                <a:moveTo>
-                  <a:pt x="0" y="0"/>
-                </a:moveTo>
-                <a:lnTo>
-                  <a:pt x="120000" y="0"/>
-                </a:lnTo>
-                <a:lnTo>
-                  <a:pt x="120000" y="120000"/>
-                </a:lnTo>
-                <a:lnTo>
-                  <a:pt x="0" y="120000"/>
-                </a:lnTo>
-                <a:close/>
-              </a:path>
-            </a:pathLst>
-          </a:custGeom>
-        </p:spPr>
-      </p:sp>
-      <p:sp>
-        <p:nvSpPr>
-          <p:cNvPr id="88" name="Google Shape;88;gac10fef634_0_30:notes"/>
-          <p:cNvSpPr txBox="1">
-            <a:spLocks noGrp="1"/>
-          </p:cNvSpPr>
-          <p:nvPr>
-            <p:ph type="body" idx="1"/>
-          </p:nvPr>
-        </p:nvSpPr>
-        <p:spPr>
-          <a:xfrm>
-            <a:off x="685800" y="4343400"/>
-            <a:ext cx="5486400" cy="4114800"/>
-          </a:xfrm>
-          <a:prstGeom prst="rect">
-            <a:avLst/>
-          </a:prstGeom>
-        </p:spPr>
-        <p:txBody>
-          <a:bodyPr spcFirstLastPara="1" wrap="square" lIns="91425" tIns="91425" rIns="91425" bIns="91425" anchor="t" anchorCtr="0">
-            <a:noAutofit/>
-          </a:bodyPr>
-          <a:lstStyle/>
-          <a:p>
-            <a:pPr marL="0" lvl="0" indent="0" algn="l" rtl="0">
-              <a:spcBef>
-                <a:spcPts val="0"/>
-              </a:spcBef>
-              <a:spcAft>
-                <a:spcPts val="0"/>
-              </a:spcAft>
-              <a:buNone/>
-            </a:pPr>
-            <a:r>
-              <a:rPr lang="en"/>
-              <a:t>Discusses how the information from planning, testing and trialling of components assisted in the development of a high-quality outcome</a:t>
-            </a:r>
             <a:endParaRPr/>
           </a:p>
         </p:txBody>
@@ -6788,6 +6898,85 @@
 </p:sld>
 </file>
 
+<file path=ppt/slides/slide10.xml><?xml version="1.0" encoding="utf-8"?>
+<p:sld xmlns:a="http://schemas.openxmlformats.org/drawingml/2006/main" xmlns:r="http://schemas.openxmlformats.org/officeDocument/2006/relationships" xmlns:p="http://schemas.openxmlformats.org/presentationml/2006/main">
+  <p:cSld>
+    <p:bg>
+      <p:bgPr>
+        <a:solidFill>
+          <a:srgbClr val="FFE599"/>
+        </a:solidFill>
+        <a:effectLst/>
+      </p:bgPr>
+    </p:bg>
+    <p:spTree>
+      <p:nvGrpSpPr>
+        <p:cNvPr id="1" name="Shape 89"/>
+        <p:cNvGrpSpPr/>
+        <p:nvPr/>
+      </p:nvGrpSpPr>
+      <p:grpSpPr>
+        <a:xfrm>
+          <a:off x="0" y="0"/>
+          <a:ext cx="0" cy="0"/>
+          <a:chOff x="0" y="0"/>
+          <a:chExt cx="0" cy="0"/>
+        </a:xfrm>
+      </p:grpSpPr>
+      <p:sp>
+        <p:nvSpPr>
+          <p:cNvPr id="90" name="Google Shape;90;p19"/>
+          <p:cNvSpPr txBox="1">
+            <a:spLocks noGrp="1"/>
+          </p:cNvSpPr>
+          <p:nvPr>
+            <p:ph type="body" idx="1"/>
+          </p:nvPr>
+        </p:nvSpPr>
+        <p:spPr>
+          <a:xfrm>
+            <a:off x="311700" y="397700"/>
+            <a:ext cx="8520600" cy="4171200"/>
+          </a:xfrm>
+          <a:prstGeom prst="rect">
+            <a:avLst/>
+          </a:prstGeom>
+        </p:spPr>
+        <p:txBody>
+          <a:bodyPr spcFirstLastPara="1" wrap="square" lIns="91425" tIns="91425" rIns="91425" bIns="91425" anchor="t" anchorCtr="0">
+            <a:noAutofit/>
+          </a:bodyPr>
+          <a:lstStyle/>
+          <a:p>
+            <a:pPr marL="0" lvl="0" indent="0" algn="l" rtl="0">
+              <a:spcBef>
+                <a:spcPts val="0"/>
+              </a:spcBef>
+              <a:spcAft>
+                <a:spcPts val="1600"/>
+              </a:spcAft>
+              <a:buNone/>
+            </a:pPr>
+            <a:r>
+              <a:rPr lang="en" b="1" i="1">
+                <a:solidFill>
+                  <a:srgbClr val="595959"/>
+                </a:solidFill>
+              </a:rPr>
+              <a:t>Discusses how the information from planning, testing and trialling of components assisted in the development of a high-quality outcome</a:t>
+            </a:r>
+            <a:endParaRPr/>
+          </a:p>
+        </p:txBody>
+      </p:sp>
+    </p:spTree>
+  </p:cSld>
+  <p:clrMapOvr>
+    <a:masterClrMapping/>
+  </p:clrMapOvr>
+</p:sld>
+</file>
+
 <file path=ppt/slides/slide2.xml><?xml version="1.0" encoding="utf-8"?>
 <p:sld xmlns:a="http://schemas.openxmlformats.org/drawingml/2006/main" xmlns:r="http://schemas.openxmlformats.org/officeDocument/2006/relationships" xmlns:p="http://schemas.openxmlformats.org/presentationml/2006/main">
   <p:cSld>
@@ -7472,6 +7661,229 @@
 <file path=ppt/slides/slide6.xml><?xml version="1.0" encoding="utf-8"?>
 <p:sld xmlns:a="http://schemas.openxmlformats.org/drawingml/2006/main" xmlns:r="http://schemas.openxmlformats.org/officeDocument/2006/relationships" xmlns:p="http://schemas.openxmlformats.org/presentationml/2006/main">
   <p:cSld>
+    <p:spTree>
+      <p:nvGrpSpPr>
+        <p:cNvPr id="1" name="Shape 77"/>
+        <p:cNvGrpSpPr/>
+        <p:nvPr/>
+      </p:nvGrpSpPr>
+      <p:grpSpPr>
+        <a:xfrm>
+          <a:off x="0" y="0"/>
+          <a:ext cx="0" cy="0"/>
+          <a:chOff x="0" y="0"/>
+          <a:chExt cx="0" cy="0"/>
+        </a:xfrm>
+      </p:grpSpPr>
+      <p:sp>
+        <p:nvSpPr>
+          <p:cNvPr id="78" name="Google Shape;78;p17"/>
+          <p:cNvSpPr txBox="1">
+            <a:spLocks noGrp="1"/>
+          </p:cNvSpPr>
+          <p:nvPr>
+            <p:ph type="title"/>
+          </p:nvPr>
+        </p:nvSpPr>
+        <p:spPr>
+          <a:xfrm>
+            <a:off x="311700" y="445025"/>
+            <a:ext cx="8520600" cy="572700"/>
+          </a:xfrm>
+          <a:prstGeom prst="rect">
+            <a:avLst/>
+          </a:prstGeom>
+        </p:spPr>
+        <p:txBody>
+          <a:bodyPr spcFirstLastPara="1" wrap="square" lIns="91425" tIns="91425" rIns="91425" bIns="91425" anchor="t" anchorCtr="0">
+            <a:noAutofit/>
+          </a:bodyPr>
+          <a:lstStyle/>
+          <a:p>
+            <a:pPr marL="0" lvl="0" indent="0" algn="l" rtl="0">
+              <a:spcBef>
+                <a:spcPts val="0"/>
+              </a:spcBef>
+              <a:spcAft>
+                <a:spcPts val="0"/>
+              </a:spcAft>
+              <a:buNone/>
+            </a:pPr>
+            <a:r>
+              <a:rPr lang="en"/>
+              <a:t>Component 1 - Test Plan (?and screenshot)</a:t>
+            </a:r>
+            <a:endParaRPr/>
+          </a:p>
+        </p:txBody>
+      </p:sp>
+      <p:graphicFrame>
+        <p:nvGraphicFramePr>
+          <p:cNvPr id="79" name="Google Shape;79;p17"/>
+          <p:cNvGraphicFramePr/>
+          <p:nvPr/>
+        </p:nvGraphicFramePr>
+        <p:xfrm>
+          <a:off x="311700" y="3680520"/>
+          <a:ext cx="8520600" cy="1462980"/>
+        </p:xfrm>
+        <a:graphic>
+          <a:graphicData uri="http://schemas.openxmlformats.org/drawingml/2006/table">
+            <a:tbl>
+              <a:tblPr>
+                <a:noFill/>
+                <a:tableStyleId>{E1099E06-0E6B-448D-9D27-60429F06E6F4}</a:tableStyleId>
+              </a:tblPr>
+              <a:tblGrid>
+                <a:gridCol w="4260300">
+                  <a:extLst>
+                    <a:ext uri="{9D8B030D-6E8A-4147-A177-3AD203B41FA5}">
+                      <a16:colId xmlns:a16="http://schemas.microsoft.com/office/drawing/2014/main" val="20000"/>
+                    </a:ext>
+                  </a:extLst>
+                </a:gridCol>
+                <a:gridCol w="4260300">
+                  <a:extLst>
+                    <a:ext uri="{9D8B030D-6E8A-4147-A177-3AD203B41FA5}">
+                      <a16:colId xmlns:a16="http://schemas.microsoft.com/office/drawing/2014/main" val="20001"/>
+                    </a:ext>
+                  </a:extLst>
+                </a:gridCol>
+              </a:tblGrid>
+              <a:tr h="381000">
+                <a:tc>
+                  <a:txBody>
+                    <a:bodyPr/>
+                    <a:lstStyle/>
+                    <a:p>
+                      <a:pPr marL="0" lvl="0" indent="0" algn="l" rtl="0">
+                        <a:spcBef>
+                          <a:spcPts val="0"/>
+                        </a:spcBef>
+                        <a:spcAft>
+                          <a:spcPts val="0"/>
+                        </a:spcAft>
+                        <a:buNone/>
+                      </a:pPr>
+                      <a:r>
+                        <a:rPr lang="en" sz="1800" b="1" dirty="0"/>
+                        <a:t>Test Case</a:t>
+                      </a:r>
+                      <a:endParaRPr sz="1800" b="1" dirty="0"/>
+                    </a:p>
+                  </a:txBody>
+                  <a:tcPr marL="91425" marR="91425" marT="91425" marB="91425">
+                    <a:solidFill>
+                      <a:srgbClr val="CCCCCC"/>
+                    </a:solidFill>
+                  </a:tcPr>
+                </a:tc>
+                <a:tc>
+                  <a:txBody>
+                    <a:bodyPr/>
+                    <a:lstStyle/>
+                    <a:p>
+                      <a:pPr marL="0" lvl="0" indent="0" algn="l" rtl="0">
+                        <a:spcBef>
+                          <a:spcPts val="0"/>
+                        </a:spcBef>
+                        <a:spcAft>
+                          <a:spcPts val="0"/>
+                        </a:spcAft>
+                        <a:buNone/>
+                      </a:pPr>
+                      <a:r>
+                        <a:rPr lang="en" sz="1800" b="1"/>
+                        <a:t>Expected Values</a:t>
+                      </a:r>
+                      <a:endParaRPr sz="1800" b="1"/>
+                    </a:p>
+                  </a:txBody>
+                  <a:tcPr marL="91425" marR="91425" marT="91425" marB="91425">
+                    <a:solidFill>
+                      <a:srgbClr val="CCCCCC"/>
+                    </a:solidFill>
+                  </a:tcPr>
+                </a:tc>
+                <a:extLst>
+                  <a:ext uri="{0D108BD9-81ED-4DB2-BD59-A6C34878D82A}">
+                    <a16:rowId xmlns:a16="http://schemas.microsoft.com/office/drawing/2014/main" val="10000"/>
+                  </a:ext>
+                </a:extLst>
+              </a:tr>
+              <a:tr h="396200">
+                <a:tc>
+                  <a:txBody>
+                    <a:bodyPr/>
+                    <a:lstStyle/>
+                    <a:p>
+                      <a:pPr marL="0" lvl="0" indent="0" algn="l" rtl="0">
+                        <a:spcBef>
+                          <a:spcPts val="0"/>
+                        </a:spcBef>
+                        <a:spcAft>
+                          <a:spcPts val="0"/>
+                        </a:spcAft>
+                        <a:buNone/>
+                      </a:pPr>
+                      <a:r>
+                        <a:rPr lang="en-US" sz="1800" dirty="0"/>
+                        <a:t>Run program</a:t>
+                      </a:r>
+                      <a:endParaRPr sz="1800" dirty="0"/>
+                    </a:p>
+                  </a:txBody>
+                  <a:tcPr marL="91425" marR="91425" marT="91425" marB="91425"/>
+                </a:tc>
+                <a:tc>
+                  <a:txBody>
+                    <a:bodyPr/>
+                    <a:lstStyle/>
+                    <a:p>
+                      <a:pPr marL="0" lvl="0" indent="0" algn="l" rtl="0">
+                        <a:spcBef>
+                          <a:spcPts val="0"/>
+                        </a:spcBef>
+                        <a:spcAft>
+                          <a:spcPts val="0"/>
+                        </a:spcAft>
+                        <a:buNone/>
+                      </a:pPr>
+                      <a:r>
+                        <a:rPr lang="en-US" sz="1800" dirty="0"/>
+                        <a:t>Print welcome message with random name from list of names – Runs correctly</a:t>
+                      </a:r>
+                      <a:endParaRPr sz="1800" dirty="0"/>
+                    </a:p>
+                  </a:txBody>
+                  <a:tcPr marL="91425" marR="91425" marT="91425" marB="91425"/>
+                </a:tc>
+                <a:extLst>
+                  <a:ext uri="{0D108BD9-81ED-4DB2-BD59-A6C34878D82A}">
+                    <a16:rowId xmlns:a16="http://schemas.microsoft.com/office/drawing/2014/main" val="10001"/>
+                  </a:ext>
+                </a:extLst>
+              </a:tr>
+            </a:tbl>
+          </a:graphicData>
+        </a:graphic>
+      </p:graphicFrame>
+    </p:spTree>
+    <p:extLst>
+      <p:ext uri="{BB962C8B-B14F-4D97-AF65-F5344CB8AC3E}">
+        <p14:creationId xmlns:p14="http://schemas.microsoft.com/office/powerpoint/2010/main" val="2511555464"/>
+      </p:ext>
+    </p:extLst>
+  </p:cSld>
+  <p:clrMapOvr>
+    <a:masterClrMapping/>
+  </p:clrMapOvr>
+</p:sld>
+</file>
+
+<file path=ppt/slides/slide7.xml><?xml version="1.0" encoding="utf-8"?>
+<p:sld xmlns:a="http://schemas.openxmlformats.org/drawingml/2006/main" xmlns:r="http://schemas.openxmlformats.org/officeDocument/2006/relationships" xmlns:p="http://schemas.openxmlformats.org/presentationml/2006/main">
+  <p:cSld>
     <p:bg>
       <p:bgPr>
         <a:solidFill>
@@ -7549,7 +7961,7 @@
 </p:sld>
 </file>
 
-<file path=ppt/slides/slide7.xml><?xml version="1.0" encoding="utf-8"?>
+<file path=ppt/slides/slide8.xml><?xml version="1.0" encoding="utf-8"?>
 <p:sld xmlns:a="http://schemas.openxmlformats.org/drawingml/2006/main" xmlns:r="http://schemas.openxmlformats.org/officeDocument/2006/relationships" xmlns:p="http://schemas.openxmlformats.org/presentationml/2006/main">
   <p:cSld>
     <p:spTree>
@@ -7764,7 +8176,7 @@
 </p:sld>
 </file>
 
-<file path=ppt/slides/slide8.xml><?xml version="1.0" encoding="utf-8"?>
+<file path=ppt/slides/slide9.xml><?xml version="1.0" encoding="utf-8"?>
 <p:sld xmlns:a="http://schemas.openxmlformats.org/drawingml/2006/main" xmlns:r="http://schemas.openxmlformats.org/officeDocument/2006/relationships" xmlns:p="http://schemas.openxmlformats.org/presentationml/2006/main">
   <p:cSld>
     <p:bg>
@@ -7870,85 +8282,6 @@
               <a:t>Your version control evidence should go here.  This could be in the form of annotated screenshots which show you you managed this process or you could make a brief screencast explaining how you implemented version control.</a:t>
             </a:r>
             <a:endParaRPr i="1"/>
-          </a:p>
-        </p:txBody>
-      </p:sp>
-    </p:spTree>
-  </p:cSld>
-  <p:clrMapOvr>
-    <a:masterClrMapping/>
-  </p:clrMapOvr>
-</p:sld>
-</file>
-
-<file path=ppt/slides/slide9.xml><?xml version="1.0" encoding="utf-8"?>
-<p:sld xmlns:a="http://schemas.openxmlformats.org/drawingml/2006/main" xmlns:r="http://schemas.openxmlformats.org/officeDocument/2006/relationships" xmlns:p="http://schemas.openxmlformats.org/presentationml/2006/main">
-  <p:cSld>
-    <p:bg>
-      <p:bgPr>
-        <a:solidFill>
-          <a:srgbClr val="FFE599"/>
-        </a:solidFill>
-        <a:effectLst/>
-      </p:bgPr>
-    </p:bg>
-    <p:spTree>
-      <p:nvGrpSpPr>
-        <p:cNvPr id="1" name="Shape 89"/>
-        <p:cNvGrpSpPr/>
-        <p:nvPr/>
-      </p:nvGrpSpPr>
-      <p:grpSpPr>
-        <a:xfrm>
-          <a:off x="0" y="0"/>
-          <a:ext cx="0" cy="0"/>
-          <a:chOff x="0" y="0"/>
-          <a:chExt cx="0" cy="0"/>
-        </a:xfrm>
-      </p:grpSpPr>
-      <p:sp>
-        <p:nvSpPr>
-          <p:cNvPr id="90" name="Google Shape;90;p19"/>
-          <p:cNvSpPr txBox="1">
-            <a:spLocks noGrp="1"/>
-          </p:cNvSpPr>
-          <p:nvPr>
-            <p:ph type="body" idx="1"/>
-          </p:nvPr>
-        </p:nvSpPr>
-        <p:spPr>
-          <a:xfrm>
-            <a:off x="311700" y="397700"/>
-            <a:ext cx="8520600" cy="4171200"/>
-          </a:xfrm>
-          <a:prstGeom prst="rect">
-            <a:avLst/>
-          </a:prstGeom>
-        </p:spPr>
-        <p:txBody>
-          <a:bodyPr spcFirstLastPara="1" wrap="square" lIns="91425" tIns="91425" rIns="91425" bIns="91425" anchor="t" anchorCtr="0">
-            <a:noAutofit/>
-          </a:bodyPr>
-          <a:lstStyle/>
-          <a:p>
-            <a:pPr marL="0" lvl="0" indent="0" algn="l" rtl="0">
-              <a:spcBef>
-                <a:spcPts val="0"/>
-              </a:spcBef>
-              <a:spcAft>
-                <a:spcPts val="1600"/>
-              </a:spcAft>
-              <a:buNone/>
-            </a:pPr>
-            <a:r>
-              <a:rPr lang="en" b="1" i="1">
-                <a:solidFill>
-                  <a:srgbClr val="595959"/>
-                </a:solidFill>
-              </a:rPr>
-              <a:t>Discusses how the information from planning, testing and trialling of components assisted in the development of a high-quality outcome</a:t>
-            </a:r>
-            <a:endParaRPr/>
           </a:p>
         </p:txBody>
       </p:sp>

--- a/022_91893+_+91897+Documentation.pptx
+++ b/022_91893+_+91897+Documentation.pptx
@@ -7358,14 +7358,116 @@
         </p:blipFill>
         <p:spPr>
           <a:xfrm>
-            <a:off x="198852" y="1279343"/>
-            <a:ext cx="8392632" cy="3270233"/>
+            <a:off x="92834" y="1017725"/>
+            <a:ext cx="5128522" cy="1998355"/>
           </a:xfrm>
           <a:prstGeom prst="rect">
             <a:avLst/>
           </a:prstGeom>
         </p:spPr>
       </p:pic>
+      <p:pic>
+        <p:nvPicPr>
+          <p:cNvPr id="4" name="Picture 3">
+            <a:extLst>
+              <a:ext uri="{FF2B5EF4-FFF2-40B4-BE49-F238E27FC236}">
+                <a16:creationId xmlns:a16="http://schemas.microsoft.com/office/drawing/2014/main" id="{0418BD04-E532-46BE-9C4B-5E271DE2E796}"/>
+              </a:ext>
+            </a:extLst>
+          </p:cNvPr>
+          <p:cNvPicPr>
+            <a:picLocks noChangeAspect="1"/>
+          </p:cNvPicPr>
+          <p:nvPr/>
+        </p:nvPicPr>
+        <p:blipFill>
+          <a:blip r:embed="rId4"/>
+          <a:stretch>
+            <a:fillRect/>
+          </a:stretch>
+        </p:blipFill>
+        <p:spPr>
+          <a:xfrm>
+            <a:off x="3008174" y="2859196"/>
+            <a:ext cx="6042992" cy="2284304"/>
+          </a:xfrm>
+          <a:prstGeom prst="rect">
+            <a:avLst/>
+          </a:prstGeom>
+        </p:spPr>
+      </p:pic>
+      <p:sp>
+        <p:nvSpPr>
+          <p:cNvPr id="5" name="TextBox 4">
+            <a:extLst>
+              <a:ext uri="{FF2B5EF4-FFF2-40B4-BE49-F238E27FC236}">
+                <a16:creationId xmlns:a16="http://schemas.microsoft.com/office/drawing/2014/main" id="{6BCAF6CA-6261-4413-9907-9291A5B5D039}"/>
+              </a:ext>
+            </a:extLst>
+          </p:cNvPr>
+          <p:cNvSpPr txBox="1"/>
+          <p:nvPr/>
+        </p:nvSpPr>
+        <p:spPr>
+          <a:xfrm>
+            <a:off x="5327374" y="1709125"/>
+            <a:ext cx="2305878" cy="307777"/>
+          </a:xfrm>
+          <a:prstGeom prst="rect">
+            <a:avLst/>
+          </a:prstGeom>
+          <a:noFill/>
+        </p:spPr>
+        <p:txBody>
+          <a:bodyPr wrap="square" rtlCol="0">
+            <a:spAutoFit/>
+          </a:bodyPr>
+          <a:lstStyle/>
+          <a:p>
+            <a:r>
+              <a:rPr lang="en-US" dirty="0"/>
+              <a:t>Version 1</a:t>
+            </a:r>
+            <a:endParaRPr lang="en-NZ" dirty="0"/>
+          </a:p>
+        </p:txBody>
+      </p:sp>
+      <p:sp>
+        <p:nvSpPr>
+          <p:cNvPr id="6" name="TextBox 5">
+            <a:extLst>
+              <a:ext uri="{FF2B5EF4-FFF2-40B4-BE49-F238E27FC236}">
+                <a16:creationId xmlns:a16="http://schemas.microsoft.com/office/drawing/2014/main" id="{2F1D87E8-1828-4513-9D39-710E72EB0964}"/>
+              </a:ext>
+            </a:extLst>
+          </p:cNvPr>
+          <p:cNvSpPr txBox="1"/>
+          <p:nvPr/>
+        </p:nvSpPr>
+        <p:spPr>
+          <a:xfrm>
+            <a:off x="1881808" y="3971886"/>
+            <a:ext cx="1921565" cy="307777"/>
+          </a:xfrm>
+          <a:prstGeom prst="rect">
+            <a:avLst/>
+          </a:prstGeom>
+          <a:noFill/>
+        </p:spPr>
+        <p:txBody>
+          <a:bodyPr wrap="square" rtlCol="0">
+            <a:spAutoFit/>
+          </a:bodyPr>
+          <a:lstStyle/>
+          <a:p>
+            <a:r>
+              <a:rPr lang="en-US" dirty="0"/>
+              <a:t>Version 2</a:t>
+            </a:r>
+            <a:endParaRPr lang="en-NZ" dirty="0"/>
+          </a:p>
+        </p:txBody>
+      </p:sp>
     </p:spTree>
   </p:cSld>
   <p:clrMapOvr>
@@ -7710,10 +7812,10 @@
               <a:buNone/>
             </a:pPr>
             <a:r>
-              <a:rPr lang="en"/>
-              <a:t>Component 1 - Test Plan (?and screenshot)</a:t>
+              <a:rPr lang="en" dirty="0"/>
+              <a:t>Component 1 version 2 - Test Plan (?and screenshot)</a:t>
             </a:r>
-            <a:endParaRPr/>
+            <a:endParaRPr dirty="0"/>
           </a:p>
         </p:txBody>
       </p:sp>
@@ -7868,6 +7970,66 @@
           </a:graphicData>
         </a:graphic>
       </p:graphicFrame>
+      <p:pic>
+        <p:nvPicPr>
+          <p:cNvPr id="3" name="Picture 2">
+            <a:extLst>
+              <a:ext uri="{FF2B5EF4-FFF2-40B4-BE49-F238E27FC236}">
+                <a16:creationId xmlns:a16="http://schemas.microsoft.com/office/drawing/2014/main" id="{98F89181-857B-410D-B80F-491D68CF747E}"/>
+              </a:ext>
+            </a:extLst>
+          </p:cNvPr>
+          <p:cNvPicPr>
+            <a:picLocks noChangeAspect="1"/>
+          </p:cNvPicPr>
+          <p:nvPr/>
+        </p:nvPicPr>
+        <p:blipFill>
+          <a:blip r:embed="rId3"/>
+          <a:stretch>
+            <a:fillRect/>
+          </a:stretch>
+        </p:blipFill>
+        <p:spPr>
+          <a:xfrm>
+            <a:off x="311700" y="1462980"/>
+            <a:ext cx="3440580" cy="2102133"/>
+          </a:xfrm>
+          <a:prstGeom prst="rect">
+            <a:avLst/>
+          </a:prstGeom>
+        </p:spPr>
+      </p:pic>
+      <p:pic>
+        <p:nvPicPr>
+          <p:cNvPr id="5" name="Picture 4">
+            <a:extLst>
+              <a:ext uri="{FF2B5EF4-FFF2-40B4-BE49-F238E27FC236}">
+                <a16:creationId xmlns:a16="http://schemas.microsoft.com/office/drawing/2014/main" id="{2BE522F3-BDAB-41EE-8634-C84A268A2DF3}"/>
+              </a:ext>
+            </a:extLst>
+          </p:cNvPr>
+          <p:cNvPicPr>
+            <a:picLocks noChangeAspect="1"/>
+          </p:cNvPicPr>
+          <p:nvPr/>
+        </p:nvPicPr>
+        <p:blipFill>
+          <a:blip r:embed="rId4"/>
+          <a:stretch>
+            <a:fillRect/>
+          </a:stretch>
+        </p:blipFill>
+        <p:spPr>
+          <a:xfrm>
+            <a:off x="3752280" y="1588041"/>
+            <a:ext cx="5201222" cy="983709"/>
+          </a:xfrm>
+          <a:prstGeom prst="rect">
+            <a:avLst/>
+          </a:prstGeom>
+        </p:spPr>
+      </p:pic>
     </p:spTree>
     <p:extLst>
       <p:ext uri="{BB962C8B-B14F-4D97-AF65-F5344CB8AC3E}">

--- a/022_91893+_+91897+Documentation.pptx
+++ b/022_91893+_+91897+Documentation.pptx
@@ -5,7 +5,7 @@
     <p:sldMasterId id="2147483659" r:id="rId1"/>
   </p:sldMasterIdLst>
   <p:notesMasterIdLst>
-    <p:notesMasterId r:id="rId12"/>
+    <p:notesMasterId r:id="rId17"/>
   </p:notesMasterIdLst>
   <p:sldIdLst>
     <p:sldId id="256" r:id="rId2"/>
@@ -15,9 +15,14 @@
     <p:sldId id="260" r:id="rId6"/>
     <p:sldId id="265" r:id="rId7"/>
     <p:sldId id="263" r:id="rId8"/>
-    <p:sldId id="264" r:id="rId9"/>
-    <p:sldId id="261" r:id="rId10"/>
-    <p:sldId id="262" r:id="rId11"/>
+    <p:sldId id="266" r:id="rId9"/>
+    <p:sldId id="268" r:id="rId10"/>
+    <p:sldId id="269" r:id="rId11"/>
+    <p:sldId id="270" r:id="rId12"/>
+    <p:sldId id="267" r:id="rId13"/>
+    <p:sldId id="264" r:id="rId14"/>
+    <p:sldId id="261" r:id="rId15"/>
+    <p:sldId id="262" r:id="rId16"/>
   </p:sldIdLst>
   <p:sldSz cx="9144000" cy="5143500" type="screen16x9"/>
   <p:notesSz cx="6858000" cy="9144000"/>
@@ -871,6 +876,567 @@
   <p:cSld>
     <p:spTree>
       <p:nvGrpSpPr>
+        <p:cNvPr id="1" name="Shape 74"/>
+        <p:cNvGrpSpPr/>
+        <p:nvPr/>
+      </p:nvGrpSpPr>
+      <p:grpSpPr>
+        <a:xfrm>
+          <a:off x="0" y="0"/>
+          <a:ext cx="0" cy="0"/>
+          <a:chOff x="0" y="0"/>
+          <a:chExt cx="0" cy="0"/>
+        </a:xfrm>
+      </p:grpSpPr>
+      <p:sp>
+        <p:nvSpPr>
+          <p:cNvPr id="75" name="Google Shape;75;gac10fef634_0_20:notes"/>
+          <p:cNvSpPr>
+            <a:spLocks noGrp="1" noRot="1" noChangeAspect="1"/>
+          </p:cNvSpPr>
+          <p:nvPr>
+            <p:ph type="sldImg" idx="2"/>
+          </p:nvPr>
+        </p:nvSpPr>
+        <p:spPr>
+          <a:xfrm>
+            <a:off x="381000" y="685800"/>
+            <a:ext cx="6096000" cy="3429000"/>
+          </a:xfrm>
+          <a:custGeom>
+            <a:avLst/>
+            <a:gdLst/>
+            <a:ahLst/>
+            <a:cxnLst/>
+            <a:rect l="l" t="t" r="r" b="b"/>
+            <a:pathLst>
+              <a:path w="120000" h="120000" extrusionOk="0">
+                <a:moveTo>
+                  <a:pt x="0" y="0"/>
+                </a:moveTo>
+                <a:lnTo>
+                  <a:pt x="120000" y="0"/>
+                </a:lnTo>
+                <a:lnTo>
+                  <a:pt x="120000" y="120000"/>
+                </a:lnTo>
+                <a:lnTo>
+                  <a:pt x="0" y="120000"/>
+                </a:lnTo>
+                <a:close/>
+              </a:path>
+            </a:pathLst>
+          </a:custGeom>
+        </p:spPr>
+      </p:sp>
+      <p:sp>
+        <p:nvSpPr>
+          <p:cNvPr id="76" name="Google Shape;76;gac10fef634_0_20:notes"/>
+          <p:cNvSpPr txBox="1">
+            <a:spLocks noGrp="1"/>
+          </p:cNvSpPr>
+          <p:nvPr>
+            <p:ph type="body" idx="1"/>
+          </p:nvPr>
+        </p:nvSpPr>
+        <p:spPr>
+          <a:xfrm>
+            <a:off x="685800" y="4343400"/>
+            <a:ext cx="5486400" cy="4114800"/>
+          </a:xfrm>
+          <a:prstGeom prst="rect">
+            <a:avLst/>
+          </a:prstGeom>
+        </p:spPr>
+        <p:txBody>
+          <a:bodyPr spcFirstLastPara="1" wrap="square" lIns="91425" tIns="91425" rIns="91425" bIns="91425" anchor="t" anchorCtr="0">
+            <a:noAutofit/>
+          </a:bodyPr>
+          <a:lstStyle/>
+          <a:p>
+            <a:pPr marL="0" lvl="0" indent="0" algn="l" rtl="0">
+              <a:spcBef>
+                <a:spcPts val="0"/>
+              </a:spcBef>
+              <a:spcAft>
+                <a:spcPts val="0"/>
+              </a:spcAft>
+              <a:buNone/>
+            </a:pPr>
+            <a:endParaRPr/>
+          </a:p>
+        </p:txBody>
+      </p:sp>
+    </p:spTree>
+    <p:extLst>
+      <p:ext uri="{BB962C8B-B14F-4D97-AF65-F5344CB8AC3E}">
+        <p14:creationId xmlns:p14="http://schemas.microsoft.com/office/powerpoint/2010/main" val="3885951740"/>
+      </p:ext>
+    </p:extLst>
+  </p:cSld>
+  <p:clrMapOvr>
+    <a:masterClrMapping/>
+  </p:clrMapOvr>
+</p:notes>
+</file>
+
+<file path=ppt/notesSlides/notesSlide11.xml><?xml version="1.0" encoding="utf-8"?>
+<p:notes xmlns:a="http://schemas.openxmlformats.org/drawingml/2006/main" xmlns:r="http://schemas.openxmlformats.org/officeDocument/2006/relationships" xmlns:p="http://schemas.openxmlformats.org/presentationml/2006/main" showMasterSp="0" showMasterPhAnim="0">
+  <p:cSld>
+    <p:spTree>
+      <p:nvGrpSpPr>
+        <p:cNvPr id="1" name="Shape 74"/>
+        <p:cNvGrpSpPr/>
+        <p:nvPr/>
+      </p:nvGrpSpPr>
+      <p:grpSpPr>
+        <a:xfrm>
+          <a:off x="0" y="0"/>
+          <a:ext cx="0" cy="0"/>
+          <a:chOff x="0" y="0"/>
+          <a:chExt cx="0" cy="0"/>
+        </a:xfrm>
+      </p:grpSpPr>
+      <p:sp>
+        <p:nvSpPr>
+          <p:cNvPr id="75" name="Google Shape;75;gac10fef634_0_20:notes"/>
+          <p:cNvSpPr>
+            <a:spLocks noGrp="1" noRot="1" noChangeAspect="1"/>
+          </p:cNvSpPr>
+          <p:nvPr>
+            <p:ph type="sldImg" idx="2"/>
+          </p:nvPr>
+        </p:nvSpPr>
+        <p:spPr>
+          <a:xfrm>
+            <a:off x="381000" y="685800"/>
+            <a:ext cx="6096000" cy="3429000"/>
+          </a:xfrm>
+          <a:custGeom>
+            <a:avLst/>
+            <a:gdLst/>
+            <a:ahLst/>
+            <a:cxnLst/>
+            <a:rect l="l" t="t" r="r" b="b"/>
+            <a:pathLst>
+              <a:path w="120000" h="120000" extrusionOk="0">
+                <a:moveTo>
+                  <a:pt x="0" y="0"/>
+                </a:moveTo>
+                <a:lnTo>
+                  <a:pt x="120000" y="0"/>
+                </a:lnTo>
+                <a:lnTo>
+                  <a:pt x="120000" y="120000"/>
+                </a:lnTo>
+                <a:lnTo>
+                  <a:pt x="0" y="120000"/>
+                </a:lnTo>
+                <a:close/>
+              </a:path>
+            </a:pathLst>
+          </a:custGeom>
+        </p:spPr>
+      </p:sp>
+      <p:sp>
+        <p:nvSpPr>
+          <p:cNvPr id="76" name="Google Shape;76;gac10fef634_0_20:notes"/>
+          <p:cNvSpPr txBox="1">
+            <a:spLocks noGrp="1"/>
+          </p:cNvSpPr>
+          <p:nvPr>
+            <p:ph type="body" idx="1"/>
+          </p:nvPr>
+        </p:nvSpPr>
+        <p:spPr>
+          <a:xfrm>
+            <a:off x="685800" y="4343400"/>
+            <a:ext cx="5486400" cy="4114800"/>
+          </a:xfrm>
+          <a:prstGeom prst="rect">
+            <a:avLst/>
+          </a:prstGeom>
+        </p:spPr>
+        <p:txBody>
+          <a:bodyPr spcFirstLastPara="1" wrap="square" lIns="91425" tIns="91425" rIns="91425" bIns="91425" anchor="t" anchorCtr="0">
+            <a:noAutofit/>
+          </a:bodyPr>
+          <a:lstStyle/>
+          <a:p>
+            <a:pPr marL="0" lvl="0" indent="0" algn="l" rtl="0">
+              <a:spcBef>
+                <a:spcPts val="0"/>
+              </a:spcBef>
+              <a:spcAft>
+                <a:spcPts val="0"/>
+              </a:spcAft>
+              <a:buNone/>
+            </a:pPr>
+            <a:endParaRPr/>
+          </a:p>
+        </p:txBody>
+      </p:sp>
+    </p:spTree>
+    <p:extLst>
+      <p:ext uri="{BB962C8B-B14F-4D97-AF65-F5344CB8AC3E}">
+        <p14:creationId xmlns:p14="http://schemas.microsoft.com/office/powerpoint/2010/main" val="379021524"/>
+      </p:ext>
+    </p:extLst>
+  </p:cSld>
+  <p:clrMapOvr>
+    <a:masterClrMapping/>
+  </p:clrMapOvr>
+</p:notes>
+</file>
+
+<file path=ppt/notesSlides/notesSlide12.xml><?xml version="1.0" encoding="utf-8"?>
+<p:notes xmlns:a="http://schemas.openxmlformats.org/drawingml/2006/main" xmlns:r="http://schemas.openxmlformats.org/officeDocument/2006/relationships" xmlns:p="http://schemas.openxmlformats.org/presentationml/2006/main" showMasterSp="0" showMasterPhAnim="0">
+  <p:cSld>
+    <p:spTree>
+      <p:nvGrpSpPr>
+        <p:cNvPr id="1" name="Shape 69"/>
+        <p:cNvGrpSpPr/>
+        <p:nvPr/>
+      </p:nvGrpSpPr>
+      <p:grpSpPr>
+        <a:xfrm>
+          <a:off x="0" y="0"/>
+          <a:ext cx="0" cy="0"/>
+          <a:chOff x="0" y="0"/>
+          <a:chExt cx="0" cy="0"/>
+        </a:xfrm>
+      </p:grpSpPr>
+      <p:sp>
+        <p:nvSpPr>
+          <p:cNvPr id="70" name="Google Shape;70;gac10fef634_0_16:notes"/>
+          <p:cNvSpPr>
+            <a:spLocks noGrp="1" noRot="1" noChangeAspect="1"/>
+          </p:cNvSpPr>
+          <p:nvPr>
+            <p:ph type="sldImg" idx="2"/>
+          </p:nvPr>
+        </p:nvSpPr>
+        <p:spPr>
+          <a:xfrm>
+            <a:off x="381000" y="685800"/>
+            <a:ext cx="6096000" cy="3429000"/>
+          </a:xfrm>
+          <a:custGeom>
+            <a:avLst/>
+            <a:gdLst/>
+            <a:ahLst/>
+            <a:cxnLst/>
+            <a:rect l="l" t="t" r="r" b="b"/>
+            <a:pathLst>
+              <a:path w="120000" h="120000" extrusionOk="0">
+                <a:moveTo>
+                  <a:pt x="0" y="0"/>
+                </a:moveTo>
+                <a:lnTo>
+                  <a:pt x="120000" y="0"/>
+                </a:lnTo>
+                <a:lnTo>
+                  <a:pt x="120000" y="120000"/>
+                </a:lnTo>
+                <a:lnTo>
+                  <a:pt x="0" y="120000"/>
+                </a:lnTo>
+                <a:close/>
+              </a:path>
+            </a:pathLst>
+          </a:custGeom>
+        </p:spPr>
+      </p:sp>
+      <p:sp>
+        <p:nvSpPr>
+          <p:cNvPr id="71" name="Google Shape;71;gac10fef634_0_16:notes"/>
+          <p:cNvSpPr txBox="1">
+            <a:spLocks noGrp="1"/>
+          </p:cNvSpPr>
+          <p:nvPr>
+            <p:ph type="body" idx="1"/>
+          </p:nvPr>
+        </p:nvSpPr>
+        <p:spPr>
+          <a:xfrm>
+            <a:off x="685800" y="4343400"/>
+            <a:ext cx="5486400" cy="4114800"/>
+          </a:xfrm>
+          <a:prstGeom prst="rect">
+            <a:avLst/>
+          </a:prstGeom>
+        </p:spPr>
+        <p:txBody>
+          <a:bodyPr spcFirstLastPara="1" wrap="square" lIns="91425" tIns="91425" rIns="91425" bIns="91425" anchor="t" anchorCtr="0">
+            <a:noAutofit/>
+          </a:bodyPr>
+          <a:lstStyle/>
+          <a:p>
+            <a:pPr marL="0" lvl="0" indent="0" algn="l" rtl="0">
+              <a:spcBef>
+                <a:spcPts val="0"/>
+              </a:spcBef>
+              <a:spcAft>
+                <a:spcPts val="0"/>
+              </a:spcAft>
+              <a:buNone/>
+            </a:pPr>
+            <a:endParaRPr/>
+          </a:p>
+        </p:txBody>
+      </p:sp>
+    </p:spTree>
+    <p:extLst>
+      <p:ext uri="{BB962C8B-B14F-4D97-AF65-F5344CB8AC3E}">
+        <p14:creationId xmlns:p14="http://schemas.microsoft.com/office/powerpoint/2010/main" val="1959815427"/>
+      </p:ext>
+    </p:extLst>
+  </p:cSld>
+  <p:clrMapOvr>
+    <a:masterClrMapping/>
+  </p:clrMapOvr>
+</p:notes>
+</file>
+
+<file path=ppt/notesSlides/notesSlide13.xml><?xml version="1.0" encoding="utf-8"?>
+<p:notes xmlns:a="http://schemas.openxmlformats.org/drawingml/2006/main" xmlns:r="http://schemas.openxmlformats.org/officeDocument/2006/relationships" xmlns:p="http://schemas.openxmlformats.org/presentationml/2006/main" showMasterSp="0" showMasterPhAnim="0">
+  <p:cSld>
+    <p:spTree>
+      <p:nvGrpSpPr>
+        <p:cNvPr id="1" name="Shape 74"/>
+        <p:cNvGrpSpPr/>
+        <p:nvPr/>
+      </p:nvGrpSpPr>
+      <p:grpSpPr>
+        <a:xfrm>
+          <a:off x="0" y="0"/>
+          <a:ext cx="0" cy="0"/>
+          <a:chOff x="0" y="0"/>
+          <a:chExt cx="0" cy="0"/>
+        </a:xfrm>
+      </p:grpSpPr>
+      <p:sp>
+        <p:nvSpPr>
+          <p:cNvPr id="75" name="Google Shape;75;gac10fef634_0_20:notes"/>
+          <p:cNvSpPr>
+            <a:spLocks noGrp="1" noRot="1" noChangeAspect="1"/>
+          </p:cNvSpPr>
+          <p:nvPr>
+            <p:ph type="sldImg" idx="2"/>
+          </p:nvPr>
+        </p:nvSpPr>
+        <p:spPr>
+          <a:xfrm>
+            <a:off x="381000" y="685800"/>
+            <a:ext cx="6096000" cy="3429000"/>
+          </a:xfrm>
+          <a:custGeom>
+            <a:avLst/>
+            <a:gdLst/>
+            <a:ahLst/>
+            <a:cxnLst/>
+            <a:rect l="l" t="t" r="r" b="b"/>
+            <a:pathLst>
+              <a:path w="120000" h="120000" extrusionOk="0">
+                <a:moveTo>
+                  <a:pt x="0" y="0"/>
+                </a:moveTo>
+                <a:lnTo>
+                  <a:pt x="120000" y="0"/>
+                </a:lnTo>
+                <a:lnTo>
+                  <a:pt x="120000" y="120000"/>
+                </a:lnTo>
+                <a:lnTo>
+                  <a:pt x="0" y="120000"/>
+                </a:lnTo>
+                <a:close/>
+              </a:path>
+            </a:pathLst>
+          </a:custGeom>
+        </p:spPr>
+      </p:sp>
+      <p:sp>
+        <p:nvSpPr>
+          <p:cNvPr id="76" name="Google Shape;76;gac10fef634_0_20:notes"/>
+          <p:cNvSpPr txBox="1">
+            <a:spLocks noGrp="1"/>
+          </p:cNvSpPr>
+          <p:nvPr>
+            <p:ph type="body" idx="1"/>
+          </p:nvPr>
+        </p:nvSpPr>
+        <p:spPr>
+          <a:xfrm>
+            <a:off x="685800" y="4343400"/>
+            <a:ext cx="5486400" cy="4114800"/>
+          </a:xfrm>
+          <a:prstGeom prst="rect">
+            <a:avLst/>
+          </a:prstGeom>
+        </p:spPr>
+        <p:txBody>
+          <a:bodyPr spcFirstLastPara="1" wrap="square" lIns="91425" tIns="91425" rIns="91425" bIns="91425" anchor="t" anchorCtr="0">
+            <a:noAutofit/>
+          </a:bodyPr>
+          <a:lstStyle/>
+          <a:p>
+            <a:pPr marL="0" lvl="0" indent="0" algn="l" rtl="0">
+              <a:spcBef>
+                <a:spcPts val="0"/>
+              </a:spcBef>
+              <a:spcAft>
+                <a:spcPts val="0"/>
+              </a:spcAft>
+              <a:buNone/>
+            </a:pPr>
+            <a:endParaRPr/>
+          </a:p>
+        </p:txBody>
+      </p:sp>
+    </p:spTree>
+    <p:extLst>
+      <p:ext uri="{BB962C8B-B14F-4D97-AF65-F5344CB8AC3E}">
+        <p14:creationId xmlns:p14="http://schemas.microsoft.com/office/powerpoint/2010/main" val="1655442931"/>
+      </p:ext>
+    </p:extLst>
+  </p:cSld>
+  <p:clrMapOvr>
+    <a:masterClrMapping/>
+  </p:clrMapOvr>
+</p:notes>
+</file>
+
+<file path=ppt/notesSlides/notesSlide14.xml><?xml version="1.0" encoding="utf-8"?>
+<p:notes xmlns:a="http://schemas.openxmlformats.org/drawingml/2006/main" xmlns:r="http://schemas.openxmlformats.org/officeDocument/2006/relationships" xmlns:p="http://schemas.openxmlformats.org/presentationml/2006/main" showMasterSp="0" showMasterPhAnim="0">
+  <p:cSld>
+    <p:spTree>
+      <p:nvGrpSpPr>
+        <p:cNvPr id="1" name="Shape 80"/>
+        <p:cNvGrpSpPr/>
+        <p:nvPr/>
+      </p:nvGrpSpPr>
+      <p:grpSpPr>
+        <a:xfrm>
+          <a:off x="0" y="0"/>
+          <a:ext cx="0" cy="0"/>
+          <a:chOff x="0" y="0"/>
+          <a:chExt cx="0" cy="0"/>
+        </a:xfrm>
+      </p:grpSpPr>
+      <p:sp>
+        <p:nvSpPr>
+          <p:cNvPr id="81" name="Google Shape;81;gac10fef634_0_25:notes"/>
+          <p:cNvSpPr>
+            <a:spLocks noGrp="1" noRot="1" noChangeAspect="1"/>
+          </p:cNvSpPr>
+          <p:nvPr>
+            <p:ph type="sldImg" idx="2"/>
+          </p:nvPr>
+        </p:nvSpPr>
+        <p:spPr>
+          <a:xfrm>
+            <a:off x="381000" y="685800"/>
+            <a:ext cx="6096000" cy="3429000"/>
+          </a:xfrm>
+          <a:custGeom>
+            <a:avLst/>
+            <a:gdLst/>
+            <a:ahLst/>
+            <a:cxnLst/>
+            <a:rect l="l" t="t" r="r" b="b"/>
+            <a:pathLst>
+              <a:path w="120000" h="120000" extrusionOk="0">
+                <a:moveTo>
+                  <a:pt x="0" y="0"/>
+                </a:moveTo>
+                <a:lnTo>
+                  <a:pt x="120000" y="0"/>
+                </a:lnTo>
+                <a:lnTo>
+                  <a:pt x="120000" y="120000"/>
+                </a:lnTo>
+                <a:lnTo>
+                  <a:pt x="0" y="120000"/>
+                </a:lnTo>
+                <a:close/>
+              </a:path>
+            </a:pathLst>
+          </a:custGeom>
+        </p:spPr>
+      </p:sp>
+      <p:sp>
+        <p:nvSpPr>
+          <p:cNvPr id="82" name="Google Shape;82;gac10fef634_0_25:notes"/>
+          <p:cNvSpPr txBox="1">
+            <a:spLocks noGrp="1"/>
+          </p:cNvSpPr>
+          <p:nvPr>
+            <p:ph type="body" idx="1"/>
+          </p:nvPr>
+        </p:nvSpPr>
+        <p:spPr>
+          <a:xfrm>
+            <a:off x="685800" y="4343400"/>
+            <a:ext cx="5486400" cy="4114800"/>
+          </a:xfrm>
+          <a:prstGeom prst="rect">
+            <a:avLst/>
+          </a:prstGeom>
+        </p:spPr>
+        <p:txBody>
+          <a:bodyPr spcFirstLastPara="1" wrap="square" lIns="91425" tIns="91425" rIns="91425" bIns="91425" anchor="t" anchorCtr="0">
+            <a:noAutofit/>
+          </a:bodyPr>
+          <a:lstStyle/>
+          <a:p>
+            <a:pPr marL="0" lvl="0" indent="0" algn="l" rtl="0">
+              <a:spcBef>
+                <a:spcPts val="0"/>
+              </a:spcBef>
+              <a:spcAft>
+                <a:spcPts val="0"/>
+              </a:spcAft>
+              <a:buClr>
+                <a:schemeClr val="dk1"/>
+              </a:buClr>
+              <a:buSzPts val="1100"/>
+              <a:buFont typeface="Arial"/>
+              <a:buNone/>
+            </a:pPr>
+            <a:r>
+              <a:rPr lang="en"/>
+              <a:t>Your version control evidence should go here.  This could be in the form of annotated screenshots which show you you managed this process or you could make a brief screencast explaining how you implemented version control.</a:t>
+            </a:r>
+            <a:endParaRPr/>
+          </a:p>
+          <a:p>
+            <a:pPr marL="0" lvl="0" indent="0" algn="l" rtl="0">
+              <a:spcBef>
+                <a:spcPts val="0"/>
+              </a:spcBef>
+              <a:spcAft>
+                <a:spcPts val="0"/>
+              </a:spcAft>
+              <a:buNone/>
+            </a:pPr>
+            <a:endParaRPr/>
+          </a:p>
+        </p:txBody>
+      </p:sp>
+    </p:spTree>
+  </p:cSld>
+  <p:clrMapOvr>
+    <a:masterClrMapping/>
+  </p:clrMapOvr>
+</p:notes>
+</file>
+
+<file path=ppt/notesSlides/notesSlide15.xml><?xml version="1.0" encoding="utf-8"?>
+<p:notes xmlns:a="http://schemas.openxmlformats.org/drawingml/2006/main" xmlns:r="http://schemas.openxmlformats.org/officeDocument/2006/relationships" xmlns:p="http://schemas.openxmlformats.org/presentationml/2006/main" showMasterSp="0" showMasterPhAnim="0">
+  <p:cSld>
+    <p:spTree>
+      <p:nvGrpSpPr>
         <p:cNvPr id="1" name="Shape 86"/>
         <p:cNvGrpSpPr/>
         <p:nvPr/>
@@ -1732,7 +2298,7 @@
     </p:spTree>
     <p:extLst>
       <p:ext uri="{BB962C8B-B14F-4D97-AF65-F5344CB8AC3E}">
-        <p14:creationId xmlns:p14="http://schemas.microsoft.com/office/powerpoint/2010/main" val="1655442931"/>
+        <p14:creationId xmlns:p14="http://schemas.microsoft.com/office/powerpoint/2010/main" val="3405483479"/>
       </p:ext>
     </p:extLst>
   </p:cSld>
@@ -1747,7 +2313,7 @@
   <p:cSld>
     <p:spTree>
       <p:nvGrpSpPr>
-        <p:cNvPr id="1" name="Shape 80"/>
+        <p:cNvPr id="1" name="Shape 74"/>
         <p:cNvGrpSpPr/>
         <p:nvPr/>
       </p:nvGrpSpPr>
@@ -1761,7 +2327,7 @@
       </p:grpSpPr>
       <p:sp>
         <p:nvSpPr>
-          <p:cNvPr id="81" name="Google Shape;81;gac10fef634_0_25:notes"/>
+          <p:cNvPr id="75" name="Google Shape;75;gac10fef634_0_20:notes"/>
           <p:cNvSpPr>
             <a:spLocks noGrp="1" noRot="1" noChangeAspect="1"/>
           </p:cNvSpPr>
@@ -1802,7 +2368,7 @@
       </p:sp>
       <p:sp>
         <p:nvSpPr>
-          <p:cNvPr id="82" name="Google Shape;82;gac10fef634_0_25:notes"/>
+          <p:cNvPr id="76" name="Google Shape;76;gac10fef634_0_20:notes"/>
           <p:cNvSpPr txBox="1">
             <a:spLocks noGrp="1"/>
           </p:cNvSpPr>
@@ -1832,27 +2398,6 @@
               <a:spcAft>
                 <a:spcPts val="0"/>
               </a:spcAft>
-              <a:buClr>
-                <a:schemeClr val="dk1"/>
-              </a:buClr>
-              <a:buSzPts val="1100"/>
-              <a:buFont typeface="Arial"/>
-              <a:buNone/>
-            </a:pPr>
-            <a:r>
-              <a:rPr lang="en"/>
-              <a:t>Your version control evidence should go here.  This could be in the form of annotated screenshots which show you you managed this process or you could make a brief screencast explaining how you implemented version control.</a:t>
-            </a:r>
-            <a:endParaRPr/>
-          </a:p>
-          <a:p>
-            <a:pPr marL="0" lvl="0" indent="0" algn="l" rtl="0">
-              <a:spcBef>
-                <a:spcPts val="0"/>
-              </a:spcBef>
-              <a:spcAft>
-                <a:spcPts val="0"/>
-              </a:spcAft>
               <a:buNone/>
             </a:pPr>
             <a:endParaRPr/>
@@ -1860,6 +2405,11 @@
         </p:txBody>
       </p:sp>
     </p:spTree>
+    <p:extLst>
+      <p:ext uri="{BB962C8B-B14F-4D97-AF65-F5344CB8AC3E}">
+        <p14:creationId xmlns:p14="http://schemas.microsoft.com/office/powerpoint/2010/main" val="1116925877"/>
+      </p:ext>
+    </p:extLst>
   </p:cSld>
   <p:clrMapOvr>
     <a:masterClrMapping/>
@@ -6901,6 +7451,960 @@
 <file path=ppt/slides/slide10.xml><?xml version="1.0" encoding="utf-8"?>
 <p:sld xmlns:a="http://schemas.openxmlformats.org/drawingml/2006/main" xmlns:r="http://schemas.openxmlformats.org/officeDocument/2006/relationships" xmlns:p="http://schemas.openxmlformats.org/presentationml/2006/main">
   <p:cSld>
+    <p:spTree>
+      <p:nvGrpSpPr>
+        <p:cNvPr id="1" name="Shape 77"/>
+        <p:cNvGrpSpPr/>
+        <p:nvPr/>
+      </p:nvGrpSpPr>
+      <p:grpSpPr>
+        <a:xfrm>
+          <a:off x="0" y="0"/>
+          <a:ext cx="0" cy="0"/>
+          <a:chOff x="0" y="0"/>
+          <a:chExt cx="0" cy="0"/>
+        </a:xfrm>
+      </p:grpSpPr>
+      <p:sp>
+        <p:nvSpPr>
+          <p:cNvPr id="78" name="Google Shape;78;p17"/>
+          <p:cNvSpPr txBox="1">
+            <a:spLocks noGrp="1"/>
+          </p:cNvSpPr>
+          <p:nvPr>
+            <p:ph type="title"/>
+          </p:nvPr>
+        </p:nvSpPr>
+        <p:spPr>
+          <a:xfrm>
+            <a:off x="311700" y="445025"/>
+            <a:ext cx="8520600" cy="572700"/>
+          </a:xfrm>
+          <a:prstGeom prst="rect">
+            <a:avLst/>
+          </a:prstGeom>
+        </p:spPr>
+        <p:txBody>
+          <a:bodyPr spcFirstLastPara="1" wrap="square" lIns="91425" tIns="91425" rIns="91425" bIns="91425" anchor="t" anchorCtr="0">
+            <a:noAutofit/>
+          </a:bodyPr>
+          <a:lstStyle/>
+          <a:p>
+            <a:pPr marL="0" lvl="0" indent="0" algn="l" rtl="0">
+              <a:spcBef>
+                <a:spcPts val="0"/>
+              </a:spcBef>
+              <a:spcAft>
+                <a:spcPts val="0"/>
+              </a:spcAft>
+              <a:buNone/>
+            </a:pPr>
+            <a:r>
+              <a:rPr lang="en" dirty="0"/>
+              <a:t>Component 2 version 3 - Test Plan (?and screenshot)</a:t>
+            </a:r>
+            <a:endParaRPr dirty="0"/>
+          </a:p>
+        </p:txBody>
+      </p:sp>
+      <p:graphicFrame>
+        <p:nvGraphicFramePr>
+          <p:cNvPr id="79" name="Google Shape;79;p17"/>
+          <p:cNvGraphicFramePr/>
+          <p:nvPr>
+            <p:extLst>
+              <p:ext uri="{D42A27DB-BD31-4B8C-83A1-F6EECF244321}">
+                <p14:modId xmlns:p14="http://schemas.microsoft.com/office/powerpoint/2010/main" val="3108332458"/>
+              </p:ext>
+            </p:extLst>
+          </p:nvPr>
+        </p:nvGraphicFramePr>
+        <p:xfrm>
+          <a:off x="311700" y="3433572"/>
+          <a:ext cx="8520600" cy="1814469"/>
+        </p:xfrm>
+        <a:graphic>
+          <a:graphicData uri="http://schemas.openxmlformats.org/drawingml/2006/table">
+            <a:tbl>
+              <a:tblPr>
+                <a:noFill/>
+                <a:tableStyleId>{E1099E06-0E6B-448D-9D27-60429F06E6F4}</a:tableStyleId>
+              </a:tblPr>
+              <a:tblGrid>
+                <a:gridCol w="4260300">
+                  <a:extLst>
+                    <a:ext uri="{9D8B030D-6E8A-4147-A177-3AD203B41FA5}">
+                      <a16:colId xmlns:a16="http://schemas.microsoft.com/office/drawing/2014/main" val="20000"/>
+                    </a:ext>
+                  </a:extLst>
+                </a:gridCol>
+                <a:gridCol w="4260300">
+                  <a:extLst>
+                    <a:ext uri="{9D8B030D-6E8A-4147-A177-3AD203B41FA5}">
+                      <a16:colId xmlns:a16="http://schemas.microsoft.com/office/drawing/2014/main" val="20001"/>
+                    </a:ext>
+                  </a:extLst>
+                </a:gridCol>
+              </a:tblGrid>
+              <a:tr h="534339">
+                <a:tc>
+                  <a:txBody>
+                    <a:bodyPr/>
+                    <a:lstStyle/>
+                    <a:p>
+                      <a:pPr marL="0" lvl="0" indent="0" algn="l" rtl="0">
+                        <a:spcBef>
+                          <a:spcPts val="0"/>
+                        </a:spcBef>
+                        <a:spcAft>
+                          <a:spcPts val="0"/>
+                        </a:spcAft>
+                        <a:buNone/>
+                      </a:pPr>
+                      <a:r>
+                        <a:rPr lang="en" sz="1800" b="1"/>
+                        <a:t>Test Case</a:t>
+                      </a:r>
+                      <a:endParaRPr sz="1800" b="1"/>
+                    </a:p>
+                  </a:txBody>
+                  <a:tcPr marL="91425" marR="91425" marT="91425" marB="91425">
+                    <a:solidFill>
+                      <a:srgbClr val="CCCCCC"/>
+                    </a:solidFill>
+                  </a:tcPr>
+                </a:tc>
+                <a:tc>
+                  <a:txBody>
+                    <a:bodyPr/>
+                    <a:lstStyle/>
+                    <a:p>
+                      <a:pPr marL="0" lvl="0" indent="0" algn="l" rtl="0">
+                        <a:spcBef>
+                          <a:spcPts val="0"/>
+                        </a:spcBef>
+                        <a:spcAft>
+                          <a:spcPts val="0"/>
+                        </a:spcAft>
+                        <a:buNone/>
+                      </a:pPr>
+                      <a:r>
+                        <a:rPr lang="en" sz="1800" b="1"/>
+                        <a:t>Expected Values</a:t>
+                      </a:r>
+                      <a:endParaRPr sz="1800" b="1"/>
+                    </a:p>
+                  </a:txBody>
+                  <a:tcPr marL="91425" marR="91425" marT="91425" marB="91425">
+                    <a:solidFill>
+                      <a:srgbClr val="CCCCCC"/>
+                    </a:solidFill>
+                  </a:tcPr>
+                </a:tc>
+                <a:extLst>
+                  <a:ext uri="{0D108BD9-81ED-4DB2-BD59-A6C34878D82A}">
+                    <a16:rowId xmlns:a16="http://schemas.microsoft.com/office/drawing/2014/main" val="10000"/>
+                  </a:ext>
+                </a:extLst>
+              </a:tr>
+              <a:tr h="1175588">
+                <a:tc>
+                  <a:txBody>
+                    <a:bodyPr/>
+                    <a:lstStyle/>
+                    <a:p>
+                      <a:pPr marL="0" lvl="0" indent="0" algn="l" rtl="0">
+                        <a:spcBef>
+                          <a:spcPts val="0"/>
+                        </a:spcBef>
+                        <a:spcAft>
+                          <a:spcPts val="0"/>
+                        </a:spcAft>
+                        <a:buNone/>
+                      </a:pPr>
+                      <a:r>
+                        <a:rPr lang="en-US" sz="1800" dirty="0"/>
+                        <a:t>Run program</a:t>
+                      </a:r>
+                      <a:endParaRPr sz="1800" dirty="0"/>
+                    </a:p>
+                  </a:txBody>
+                  <a:tcPr marL="91425" marR="91425" marT="91425" marB="91425"/>
+                </a:tc>
+                <a:tc>
+                  <a:txBody>
+                    <a:bodyPr/>
+                    <a:lstStyle/>
+                    <a:p>
+                      <a:pPr marL="0" lvl="0" indent="0" algn="l" rtl="0">
+                        <a:spcBef>
+                          <a:spcPts val="0"/>
+                        </a:spcBef>
+                        <a:spcAft>
+                          <a:spcPts val="0"/>
+                        </a:spcAft>
+                        <a:buNone/>
+                      </a:pPr>
+                      <a:r>
+                        <a:rPr lang="en-US" sz="1800" dirty="0"/>
+                        <a:t>Enter 1 program prints pickup </a:t>
+                      </a:r>
+                    </a:p>
+                    <a:p>
+                      <a:pPr marL="0" lvl="0" indent="0" algn="l" rtl="0">
+                        <a:spcBef>
+                          <a:spcPts val="0"/>
+                        </a:spcBef>
+                        <a:spcAft>
+                          <a:spcPts val="0"/>
+                        </a:spcAft>
+                        <a:buNone/>
+                      </a:pPr>
+                      <a:r>
+                        <a:rPr lang="en-US" sz="1800" dirty="0"/>
+                        <a:t>Enter 2 program prints delivery</a:t>
+                      </a:r>
+                    </a:p>
+                    <a:p>
+                      <a:pPr marL="0" lvl="0" indent="0" algn="l" rtl="0">
+                        <a:spcBef>
+                          <a:spcPts val="0"/>
+                        </a:spcBef>
+                        <a:spcAft>
+                          <a:spcPts val="0"/>
+                        </a:spcAft>
+                        <a:buNone/>
+                      </a:pPr>
+                      <a:r>
+                        <a:rPr lang="en-US" sz="1800" dirty="0"/>
+                        <a:t>Enter invalid program displays value error</a:t>
+                      </a:r>
+                      <a:endParaRPr sz="1800" dirty="0"/>
+                    </a:p>
+                  </a:txBody>
+                  <a:tcPr marL="91425" marR="91425" marT="91425" marB="91425"/>
+                </a:tc>
+                <a:extLst>
+                  <a:ext uri="{0D108BD9-81ED-4DB2-BD59-A6C34878D82A}">
+                    <a16:rowId xmlns:a16="http://schemas.microsoft.com/office/drawing/2014/main" val="10001"/>
+                  </a:ext>
+                </a:extLst>
+              </a:tr>
+            </a:tbl>
+          </a:graphicData>
+        </a:graphic>
+      </p:graphicFrame>
+      <p:pic>
+        <p:nvPicPr>
+          <p:cNvPr id="4" name="Picture 3">
+            <a:extLst>
+              <a:ext uri="{FF2B5EF4-FFF2-40B4-BE49-F238E27FC236}">
+                <a16:creationId xmlns:a16="http://schemas.microsoft.com/office/drawing/2014/main" id="{C1D4A2A7-61E3-4BE8-9958-D6E966E5785B}"/>
+              </a:ext>
+            </a:extLst>
+          </p:cNvPr>
+          <p:cNvPicPr>
+            <a:picLocks noChangeAspect="1"/>
+          </p:cNvPicPr>
+          <p:nvPr/>
+        </p:nvPicPr>
+        <p:blipFill>
+          <a:blip r:embed="rId3"/>
+          <a:stretch>
+            <a:fillRect/>
+          </a:stretch>
+        </p:blipFill>
+        <p:spPr>
+          <a:xfrm>
+            <a:off x="2557780" y="1016862"/>
+            <a:ext cx="3511716" cy="2416711"/>
+          </a:xfrm>
+          <a:prstGeom prst="rect">
+            <a:avLst/>
+          </a:prstGeom>
+        </p:spPr>
+      </p:pic>
+    </p:spTree>
+    <p:extLst>
+      <p:ext uri="{BB962C8B-B14F-4D97-AF65-F5344CB8AC3E}">
+        <p14:creationId xmlns:p14="http://schemas.microsoft.com/office/powerpoint/2010/main" val="3785972370"/>
+      </p:ext>
+    </p:extLst>
+  </p:cSld>
+  <p:clrMapOvr>
+    <a:masterClrMapping/>
+  </p:clrMapOvr>
+</p:sld>
+</file>
+
+<file path=ppt/slides/slide11.xml><?xml version="1.0" encoding="utf-8"?>
+<p:sld xmlns:a="http://schemas.openxmlformats.org/drawingml/2006/main" xmlns:r="http://schemas.openxmlformats.org/officeDocument/2006/relationships" xmlns:p="http://schemas.openxmlformats.org/presentationml/2006/main">
+  <p:cSld>
+    <p:spTree>
+      <p:nvGrpSpPr>
+        <p:cNvPr id="1" name="Shape 77"/>
+        <p:cNvGrpSpPr/>
+        <p:nvPr/>
+      </p:nvGrpSpPr>
+      <p:grpSpPr>
+        <a:xfrm>
+          <a:off x="0" y="0"/>
+          <a:ext cx="0" cy="0"/>
+          <a:chOff x="0" y="0"/>
+          <a:chExt cx="0" cy="0"/>
+        </a:xfrm>
+      </p:grpSpPr>
+      <p:sp>
+        <p:nvSpPr>
+          <p:cNvPr id="78" name="Google Shape;78;p17"/>
+          <p:cNvSpPr txBox="1">
+            <a:spLocks noGrp="1"/>
+          </p:cNvSpPr>
+          <p:nvPr>
+            <p:ph type="title"/>
+          </p:nvPr>
+        </p:nvSpPr>
+        <p:spPr>
+          <a:xfrm>
+            <a:off x="311700" y="445025"/>
+            <a:ext cx="8520600" cy="572700"/>
+          </a:xfrm>
+          <a:prstGeom prst="rect">
+            <a:avLst/>
+          </a:prstGeom>
+        </p:spPr>
+        <p:txBody>
+          <a:bodyPr spcFirstLastPara="1" wrap="square" lIns="91425" tIns="91425" rIns="91425" bIns="91425" anchor="t" anchorCtr="0">
+            <a:noAutofit/>
+          </a:bodyPr>
+          <a:lstStyle/>
+          <a:p>
+            <a:pPr marL="0" lvl="0" indent="0" algn="l" rtl="0">
+              <a:spcBef>
+                <a:spcPts val="0"/>
+              </a:spcBef>
+              <a:spcAft>
+                <a:spcPts val="0"/>
+              </a:spcAft>
+              <a:buNone/>
+            </a:pPr>
+            <a:r>
+              <a:rPr lang="en" dirty="0"/>
+              <a:t>Component 2 version 4 - Test Plan (?and screenshot)</a:t>
+            </a:r>
+            <a:endParaRPr dirty="0"/>
+          </a:p>
+        </p:txBody>
+      </p:sp>
+      <p:graphicFrame>
+        <p:nvGraphicFramePr>
+          <p:cNvPr id="79" name="Google Shape;79;p17"/>
+          <p:cNvGraphicFramePr/>
+          <p:nvPr/>
+        </p:nvGraphicFramePr>
+        <p:xfrm>
+          <a:off x="311700" y="3433573"/>
+          <a:ext cx="8520600" cy="1737300"/>
+        </p:xfrm>
+        <a:graphic>
+          <a:graphicData uri="http://schemas.openxmlformats.org/drawingml/2006/table">
+            <a:tbl>
+              <a:tblPr>
+                <a:noFill/>
+                <a:tableStyleId>{E1099E06-0E6B-448D-9D27-60429F06E6F4}</a:tableStyleId>
+              </a:tblPr>
+              <a:tblGrid>
+                <a:gridCol w="4260300">
+                  <a:extLst>
+                    <a:ext uri="{9D8B030D-6E8A-4147-A177-3AD203B41FA5}">
+                      <a16:colId xmlns:a16="http://schemas.microsoft.com/office/drawing/2014/main" val="20000"/>
+                    </a:ext>
+                  </a:extLst>
+                </a:gridCol>
+                <a:gridCol w="4260300">
+                  <a:extLst>
+                    <a:ext uri="{9D8B030D-6E8A-4147-A177-3AD203B41FA5}">
+                      <a16:colId xmlns:a16="http://schemas.microsoft.com/office/drawing/2014/main" val="20001"/>
+                    </a:ext>
+                  </a:extLst>
+                </a:gridCol>
+              </a:tblGrid>
+              <a:tr h="381000">
+                <a:tc>
+                  <a:txBody>
+                    <a:bodyPr/>
+                    <a:lstStyle/>
+                    <a:p>
+                      <a:pPr marL="0" lvl="0" indent="0" algn="l" rtl="0">
+                        <a:spcBef>
+                          <a:spcPts val="0"/>
+                        </a:spcBef>
+                        <a:spcAft>
+                          <a:spcPts val="0"/>
+                        </a:spcAft>
+                        <a:buNone/>
+                      </a:pPr>
+                      <a:r>
+                        <a:rPr lang="en" sz="1800" b="1"/>
+                        <a:t>Test Case</a:t>
+                      </a:r>
+                      <a:endParaRPr sz="1800" b="1"/>
+                    </a:p>
+                  </a:txBody>
+                  <a:tcPr marL="91425" marR="91425" marT="91425" marB="91425">
+                    <a:solidFill>
+                      <a:srgbClr val="CCCCCC"/>
+                    </a:solidFill>
+                  </a:tcPr>
+                </a:tc>
+                <a:tc>
+                  <a:txBody>
+                    <a:bodyPr/>
+                    <a:lstStyle/>
+                    <a:p>
+                      <a:pPr marL="0" lvl="0" indent="0" algn="l" rtl="0">
+                        <a:spcBef>
+                          <a:spcPts val="0"/>
+                        </a:spcBef>
+                        <a:spcAft>
+                          <a:spcPts val="0"/>
+                        </a:spcAft>
+                        <a:buNone/>
+                      </a:pPr>
+                      <a:r>
+                        <a:rPr lang="en" sz="1800" b="1"/>
+                        <a:t>Expected Values</a:t>
+                      </a:r>
+                      <a:endParaRPr sz="1800" b="1"/>
+                    </a:p>
+                  </a:txBody>
+                  <a:tcPr marL="91425" marR="91425" marT="91425" marB="91425">
+                    <a:solidFill>
+                      <a:srgbClr val="CCCCCC"/>
+                    </a:solidFill>
+                  </a:tcPr>
+                </a:tc>
+                <a:extLst>
+                  <a:ext uri="{0D108BD9-81ED-4DB2-BD59-A6C34878D82A}">
+                    <a16:rowId xmlns:a16="http://schemas.microsoft.com/office/drawing/2014/main" val="10000"/>
+                  </a:ext>
+                </a:extLst>
+              </a:tr>
+              <a:tr h="396200">
+                <a:tc>
+                  <a:txBody>
+                    <a:bodyPr/>
+                    <a:lstStyle/>
+                    <a:p>
+                      <a:pPr marL="0" lvl="0" indent="0" algn="l" rtl="0">
+                        <a:spcBef>
+                          <a:spcPts val="0"/>
+                        </a:spcBef>
+                        <a:spcAft>
+                          <a:spcPts val="0"/>
+                        </a:spcAft>
+                        <a:buNone/>
+                      </a:pPr>
+                      <a:r>
+                        <a:rPr lang="en-US" sz="1800" dirty="0"/>
+                        <a:t>Run program</a:t>
+                      </a:r>
+                      <a:endParaRPr sz="1800" dirty="0"/>
+                    </a:p>
+                  </a:txBody>
+                  <a:tcPr marL="91425" marR="91425" marT="91425" marB="91425"/>
+                </a:tc>
+                <a:tc>
+                  <a:txBody>
+                    <a:bodyPr/>
+                    <a:lstStyle/>
+                    <a:p>
+                      <a:pPr marL="0" lvl="0" indent="0" algn="l" rtl="0">
+                        <a:spcBef>
+                          <a:spcPts val="0"/>
+                        </a:spcBef>
+                        <a:spcAft>
+                          <a:spcPts val="0"/>
+                        </a:spcAft>
+                        <a:buNone/>
+                      </a:pPr>
+                      <a:r>
+                        <a:rPr lang="en-US" sz="1800" dirty="0"/>
+                        <a:t>Enter p program prints pickup </a:t>
+                      </a:r>
+                    </a:p>
+                    <a:p>
+                      <a:pPr marL="0" lvl="0" indent="0" algn="l" rtl="0">
+                        <a:spcBef>
+                          <a:spcPts val="0"/>
+                        </a:spcBef>
+                        <a:spcAft>
+                          <a:spcPts val="0"/>
+                        </a:spcAft>
+                        <a:buNone/>
+                      </a:pPr>
+                      <a:r>
+                        <a:rPr lang="en-US" sz="1800" dirty="0"/>
+                        <a:t>Enter d program prints delivery</a:t>
+                      </a:r>
+                    </a:p>
+                    <a:p>
+                      <a:pPr marL="0" lvl="0" indent="0" algn="l" rtl="0">
+                        <a:spcBef>
+                          <a:spcPts val="0"/>
+                        </a:spcBef>
+                        <a:spcAft>
+                          <a:spcPts val="0"/>
+                        </a:spcAft>
+                        <a:buNone/>
+                      </a:pPr>
+                      <a:r>
+                        <a:rPr lang="en-US" sz="1800" dirty="0"/>
+                        <a:t>Enter invalid program prints error message</a:t>
+                      </a:r>
+                      <a:endParaRPr sz="1800" dirty="0"/>
+                    </a:p>
+                  </a:txBody>
+                  <a:tcPr marL="91425" marR="91425" marT="91425" marB="91425"/>
+                </a:tc>
+                <a:extLst>
+                  <a:ext uri="{0D108BD9-81ED-4DB2-BD59-A6C34878D82A}">
+                    <a16:rowId xmlns:a16="http://schemas.microsoft.com/office/drawing/2014/main" val="10001"/>
+                  </a:ext>
+                </a:extLst>
+              </a:tr>
+            </a:tbl>
+          </a:graphicData>
+        </a:graphic>
+      </p:graphicFrame>
+    </p:spTree>
+    <p:extLst>
+      <p:ext uri="{BB962C8B-B14F-4D97-AF65-F5344CB8AC3E}">
+        <p14:creationId xmlns:p14="http://schemas.microsoft.com/office/powerpoint/2010/main" val="355618526"/>
+      </p:ext>
+    </p:extLst>
+  </p:cSld>
+  <p:clrMapOvr>
+    <a:masterClrMapping/>
+  </p:clrMapOvr>
+</p:sld>
+</file>
+
+<file path=ppt/slides/slide12.xml><?xml version="1.0" encoding="utf-8"?>
+<p:sld xmlns:a="http://schemas.openxmlformats.org/drawingml/2006/main" xmlns:r="http://schemas.openxmlformats.org/officeDocument/2006/relationships" xmlns:p="http://schemas.openxmlformats.org/presentationml/2006/main">
+  <p:cSld>
+    <p:bg>
+      <p:bgPr>
+        <a:solidFill>
+          <a:srgbClr val="D9EAD3"/>
+        </a:solidFill>
+        <a:effectLst/>
+      </p:bgPr>
+    </p:bg>
+    <p:spTree>
+      <p:nvGrpSpPr>
+        <p:cNvPr id="1" name="Shape 72"/>
+        <p:cNvGrpSpPr/>
+        <p:nvPr/>
+      </p:nvGrpSpPr>
+      <p:grpSpPr>
+        <a:xfrm>
+          <a:off x="0" y="0"/>
+          <a:ext cx="0" cy="0"/>
+          <a:chOff x="0" y="0"/>
+          <a:chExt cx="0" cy="0"/>
+        </a:xfrm>
+      </p:grpSpPr>
+      <p:sp>
+        <p:nvSpPr>
+          <p:cNvPr id="73" name="Google Shape;73;p16"/>
+          <p:cNvSpPr txBox="1">
+            <a:spLocks noGrp="1"/>
+          </p:cNvSpPr>
+          <p:nvPr>
+            <p:ph type="title"/>
+          </p:nvPr>
+        </p:nvSpPr>
+        <p:spPr>
+          <a:xfrm>
+            <a:off x="311700" y="445025"/>
+            <a:ext cx="8520600" cy="572700"/>
+          </a:xfrm>
+          <a:prstGeom prst="rect">
+            <a:avLst/>
+          </a:prstGeom>
+        </p:spPr>
+        <p:txBody>
+          <a:bodyPr spcFirstLastPara="1" wrap="square" lIns="91425" tIns="91425" rIns="91425" bIns="91425" anchor="t" anchorCtr="0">
+            <a:noAutofit/>
+          </a:bodyPr>
+          <a:lstStyle/>
+          <a:p>
+            <a:pPr marL="0" lvl="0" indent="0" algn="l" rtl="0">
+              <a:spcBef>
+                <a:spcPts val="0"/>
+              </a:spcBef>
+              <a:spcAft>
+                <a:spcPts val="0"/>
+              </a:spcAft>
+              <a:buNone/>
+            </a:pPr>
+            <a:r>
+              <a:rPr lang="en" dirty="0"/>
+              <a:t>Component 2 (Trello screenshot)</a:t>
+            </a:r>
+            <a:endParaRPr dirty="0"/>
+          </a:p>
+        </p:txBody>
+      </p:sp>
+    </p:spTree>
+    <p:extLst>
+      <p:ext uri="{BB962C8B-B14F-4D97-AF65-F5344CB8AC3E}">
+        <p14:creationId xmlns:p14="http://schemas.microsoft.com/office/powerpoint/2010/main" val="4210859157"/>
+      </p:ext>
+    </p:extLst>
+  </p:cSld>
+  <p:clrMapOvr>
+    <a:masterClrMapping/>
+  </p:clrMapOvr>
+</p:sld>
+</file>
+
+<file path=ppt/slides/slide13.xml><?xml version="1.0" encoding="utf-8"?>
+<p:sld xmlns:a="http://schemas.openxmlformats.org/drawingml/2006/main" xmlns:r="http://schemas.openxmlformats.org/officeDocument/2006/relationships" xmlns:p="http://schemas.openxmlformats.org/presentationml/2006/main">
+  <p:cSld>
+    <p:spTree>
+      <p:nvGrpSpPr>
+        <p:cNvPr id="1" name="Shape 77"/>
+        <p:cNvGrpSpPr/>
+        <p:nvPr/>
+      </p:nvGrpSpPr>
+      <p:grpSpPr>
+        <a:xfrm>
+          <a:off x="0" y="0"/>
+          <a:ext cx="0" cy="0"/>
+          <a:chOff x="0" y="0"/>
+          <a:chExt cx="0" cy="0"/>
+        </a:xfrm>
+      </p:grpSpPr>
+      <p:sp>
+        <p:nvSpPr>
+          <p:cNvPr id="78" name="Google Shape;78;p17"/>
+          <p:cNvSpPr txBox="1">
+            <a:spLocks noGrp="1"/>
+          </p:cNvSpPr>
+          <p:nvPr>
+            <p:ph type="title"/>
+          </p:nvPr>
+        </p:nvSpPr>
+        <p:spPr>
+          <a:xfrm>
+            <a:off x="311700" y="445025"/>
+            <a:ext cx="8520600" cy="572700"/>
+          </a:xfrm>
+          <a:prstGeom prst="rect">
+            <a:avLst/>
+          </a:prstGeom>
+        </p:spPr>
+        <p:txBody>
+          <a:bodyPr spcFirstLastPara="1" wrap="square" lIns="91425" tIns="91425" rIns="91425" bIns="91425" anchor="t" anchorCtr="0">
+            <a:noAutofit/>
+          </a:bodyPr>
+          <a:lstStyle/>
+          <a:p>
+            <a:pPr marL="0" lvl="0" indent="0" algn="l" rtl="0">
+              <a:spcBef>
+                <a:spcPts val="0"/>
+              </a:spcBef>
+              <a:spcAft>
+                <a:spcPts val="0"/>
+              </a:spcAft>
+              <a:buNone/>
+            </a:pPr>
+            <a:r>
+              <a:rPr lang="en" dirty="0"/>
+              <a:t>Component 2 - Test Plan (?and screenshot)</a:t>
+            </a:r>
+            <a:endParaRPr dirty="0"/>
+          </a:p>
+        </p:txBody>
+      </p:sp>
+      <p:graphicFrame>
+        <p:nvGraphicFramePr>
+          <p:cNvPr id="79" name="Google Shape;79;p17"/>
+          <p:cNvGraphicFramePr/>
+          <p:nvPr/>
+        </p:nvGraphicFramePr>
+        <p:xfrm>
+          <a:off x="382475" y="1267725"/>
+          <a:ext cx="8520600" cy="914340"/>
+        </p:xfrm>
+        <a:graphic>
+          <a:graphicData uri="http://schemas.openxmlformats.org/drawingml/2006/table">
+            <a:tbl>
+              <a:tblPr>
+                <a:noFill/>
+                <a:tableStyleId>{E1099E06-0E6B-448D-9D27-60429F06E6F4}</a:tableStyleId>
+              </a:tblPr>
+              <a:tblGrid>
+                <a:gridCol w="4260300">
+                  <a:extLst>
+                    <a:ext uri="{9D8B030D-6E8A-4147-A177-3AD203B41FA5}">
+                      <a16:colId xmlns:a16="http://schemas.microsoft.com/office/drawing/2014/main" val="20000"/>
+                    </a:ext>
+                  </a:extLst>
+                </a:gridCol>
+                <a:gridCol w="4260300">
+                  <a:extLst>
+                    <a:ext uri="{9D8B030D-6E8A-4147-A177-3AD203B41FA5}">
+                      <a16:colId xmlns:a16="http://schemas.microsoft.com/office/drawing/2014/main" val="20001"/>
+                    </a:ext>
+                  </a:extLst>
+                </a:gridCol>
+              </a:tblGrid>
+              <a:tr h="381000">
+                <a:tc>
+                  <a:txBody>
+                    <a:bodyPr/>
+                    <a:lstStyle/>
+                    <a:p>
+                      <a:pPr marL="0" lvl="0" indent="0" algn="l" rtl="0">
+                        <a:spcBef>
+                          <a:spcPts val="0"/>
+                        </a:spcBef>
+                        <a:spcAft>
+                          <a:spcPts val="0"/>
+                        </a:spcAft>
+                        <a:buNone/>
+                      </a:pPr>
+                      <a:r>
+                        <a:rPr lang="en" sz="1800" b="1"/>
+                        <a:t>Test Case</a:t>
+                      </a:r>
+                      <a:endParaRPr sz="1800" b="1"/>
+                    </a:p>
+                  </a:txBody>
+                  <a:tcPr marL="91425" marR="91425" marT="91425" marB="91425">
+                    <a:solidFill>
+                      <a:srgbClr val="CCCCCC"/>
+                    </a:solidFill>
+                  </a:tcPr>
+                </a:tc>
+                <a:tc>
+                  <a:txBody>
+                    <a:bodyPr/>
+                    <a:lstStyle/>
+                    <a:p>
+                      <a:pPr marL="0" lvl="0" indent="0" algn="l" rtl="0">
+                        <a:spcBef>
+                          <a:spcPts val="0"/>
+                        </a:spcBef>
+                        <a:spcAft>
+                          <a:spcPts val="0"/>
+                        </a:spcAft>
+                        <a:buNone/>
+                      </a:pPr>
+                      <a:r>
+                        <a:rPr lang="en" sz="1800" b="1"/>
+                        <a:t>Expected Values</a:t>
+                      </a:r>
+                      <a:endParaRPr sz="1800" b="1"/>
+                    </a:p>
+                  </a:txBody>
+                  <a:tcPr marL="91425" marR="91425" marT="91425" marB="91425">
+                    <a:solidFill>
+                      <a:srgbClr val="CCCCCC"/>
+                    </a:solidFill>
+                  </a:tcPr>
+                </a:tc>
+                <a:extLst>
+                  <a:ext uri="{0D108BD9-81ED-4DB2-BD59-A6C34878D82A}">
+                    <a16:rowId xmlns:a16="http://schemas.microsoft.com/office/drawing/2014/main" val="10000"/>
+                  </a:ext>
+                </a:extLst>
+              </a:tr>
+              <a:tr h="396200">
+                <a:tc>
+                  <a:txBody>
+                    <a:bodyPr/>
+                    <a:lstStyle/>
+                    <a:p>
+                      <a:pPr marL="0" lvl="0" indent="0" algn="l" rtl="0">
+                        <a:spcBef>
+                          <a:spcPts val="0"/>
+                        </a:spcBef>
+                        <a:spcAft>
+                          <a:spcPts val="0"/>
+                        </a:spcAft>
+                        <a:buNone/>
+                      </a:pPr>
+                      <a:endParaRPr sz="1800"/>
+                    </a:p>
+                  </a:txBody>
+                  <a:tcPr marL="91425" marR="91425" marT="91425" marB="91425"/>
+                </a:tc>
+                <a:tc>
+                  <a:txBody>
+                    <a:bodyPr/>
+                    <a:lstStyle/>
+                    <a:p>
+                      <a:pPr marL="0" lvl="0" indent="0" algn="l" rtl="0">
+                        <a:spcBef>
+                          <a:spcPts val="0"/>
+                        </a:spcBef>
+                        <a:spcAft>
+                          <a:spcPts val="0"/>
+                        </a:spcAft>
+                        <a:buNone/>
+                      </a:pPr>
+                      <a:endParaRPr sz="1800"/>
+                    </a:p>
+                  </a:txBody>
+                  <a:tcPr marL="91425" marR="91425" marT="91425" marB="91425"/>
+                </a:tc>
+                <a:extLst>
+                  <a:ext uri="{0D108BD9-81ED-4DB2-BD59-A6C34878D82A}">
+                    <a16:rowId xmlns:a16="http://schemas.microsoft.com/office/drawing/2014/main" val="10001"/>
+                  </a:ext>
+                </a:extLst>
+              </a:tr>
+            </a:tbl>
+          </a:graphicData>
+        </a:graphic>
+      </p:graphicFrame>
+    </p:spTree>
+    <p:extLst>
+      <p:ext uri="{BB962C8B-B14F-4D97-AF65-F5344CB8AC3E}">
+        <p14:creationId xmlns:p14="http://schemas.microsoft.com/office/powerpoint/2010/main" val="2121840653"/>
+      </p:ext>
+    </p:extLst>
+  </p:cSld>
+  <p:clrMapOvr>
+    <a:masterClrMapping/>
+  </p:clrMapOvr>
+</p:sld>
+</file>
+
+<file path=ppt/slides/slide14.xml><?xml version="1.0" encoding="utf-8"?>
+<p:sld xmlns:a="http://schemas.openxmlformats.org/drawingml/2006/main" xmlns:r="http://schemas.openxmlformats.org/officeDocument/2006/relationships" xmlns:p="http://schemas.openxmlformats.org/presentationml/2006/main">
+  <p:cSld>
+    <p:bg>
+      <p:bgPr>
+        <a:solidFill>
+          <a:srgbClr val="D9EAD3"/>
+        </a:solidFill>
+        <a:effectLst/>
+      </p:bgPr>
+    </p:bg>
+    <p:spTree>
+      <p:nvGrpSpPr>
+        <p:cNvPr id="1" name="Shape 83"/>
+        <p:cNvGrpSpPr/>
+        <p:nvPr/>
+      </p:nvGrpSpPr>
+      <p:grpSpPr>
+        <a:xfrm>
+          <a:off x="0" y="0"/>
+          <a:ext cx="0" cy="0"/>
+          <a:chOff x="0" y="0"/>
+          <a:chExt cx="0" cy="0"/>
+        </a:xfrm>
+      </p:grpSpPr>
+      <p:sp>
+        <p:nvSpPr>
+          <p:cNvPr id="84" name="Google Shape;84;p18"/>
+          <p:cNvSpPr txBox="1">
+            <a:spLocks noGrp="1"/>
+          </p:cNvSpPr>
+          <p:nvPr>
+            <p:ph type="title"/>
+          </p:nvPr>
+        </p:nvSpPr>
+        <p:spPr>
+          <a:xfrm>
+            <a:off x="311700" y="445025"/>
+            <a:ext cx="8520600" cy="572700"/>
+          </a:xfrm>
+          <a:prstGeom prst="rect">
+            <a:avLst/>
+          </a:prstGeom>
+        </p:spPr>
+        <p:txBody>
+          <a:bodyPr spcFirstLastPara="1" wrap="square" lIns="91425" tIns="91425" rIns="91425" bIns="91425" anchor="t" anchorCtr="0">
+            <a:noAutofit/>
+          </a:bodyPr>
+          <a:lstStyle/>
+          <a:p>
+            <a:pPr marL="0" lvl="0" indent="0" algn="l" rtl="0">
+              <a:spcBef>
+                <a:spcPts val="0"/>
+              </a:spcBef>
+              <a:spcAft>
+                <a:spcPts val="0"/>
+              </a:spcAft>
+              <a:buNone/>
+            </a:pPr>
+            <a:r>
+              <a:rPr lang="en"/>
+              <a:t>Version Control Evidence</a:t>
+            </a:r>
+            <a:endParaRPr/>
+          </a:p>
+        </p:txBody>
+      </p:sp>
+      <p:sp>
+        <p:nvSpPr>
+          <p:cNvPr id="85" name="Google Shape;85;p18"/>
+          <p:cNvSpPr txBox="1">
+            <a:spLocks noGrp="1"/>
+          </p:cNvSpPr>
+          <p:nvPr>
+            <p:ph type="body" idx="1"/>
+          </p:nvPr>
+        </p:nvSpPr>
+        <p:spPr>
+          <a:xfrm>
+            <a:off x="311700" y="1152475"/>
+            <a:ext cx="8464200" cy="3739200"/>
+          </a:xfrm>
+          <a:prstGeom prst="rect">
+            <a:avLst/>
+          </a:prstGeom>
+        </p:spPr>
+        <p:txBody>
+          <a:bodyPr spcFirstLastPara="1" wrap="square" lIns="91425" tIns="91425" rIns="91425" bIns="91425" anchor="t" anchorCtr="0">
+            <a:noAutofit/>
+          </a:bodyPr>
+          <a:lstStyle/>
+          <a:p>
+            <a:pPr marL="0" lvl="0" indent="0" algn="l" rtl="0">
+              <a:spcBef>
+                <a:spcPts val="0"/>
+              </a:spcBef>
+              <a:spcAft>
+                <a:spcPts val="1600"/>
+              </a:spcAft>
+              <a:buNone/>
+            </a:pPr>
+            <a:r>
+              <a:rPr lang="en" i="1"/>
+              <a:t>Your version control evidence should go here.  This could be in the form of annotated screenshots which show you you managed this process or you could make a brief screencast explaining how you implemented version control.</a:t>
+            </a:r>
+            <a:endParaRPr i="1"/>
+          </a:p>
+        </p:txBody>
+      </p:sp>
+    </p:spTree>
+  </p:cSld>
+  <p:clrMapOvr>
+    <a:masterClrMapping/>
+  </p:clrMapOvr>
+</p:sld>
+</file>
+
+<file path=ppt/slides/slide15.xml><?xml version="1.0" encoding="utf-8"?>
+<p:sld xmlns:a="http://schemas.openxmlformats.org/drawingml/2006/main" xmlns:r="http://schemas.openxmlformats.org/officeDocument/2006/relationships" xmlns:p="http://schemas.openxmlformats.org/presentationml/2006/main">
+  <p:cSld>
     <p:bg>
       <p:bgPr>
         <a:solidFill>
@@ -8110,6 +9614,36 @@
           </a:p>
         </p:txBody>
       </p:sp>
+      <p:pic>
+        <p:nvPicPr>
+          <p:cNvPr id="3" name="Picture 2">
+            <a:extLst>
+              <a:ext uri="{FF2B5EF4-FFF2-40B4-BE49-F238E27FC236}">
+                <a16:creationId xmlns:a16="http://schemas.microsoft.com/office/drawing/2014/main" id="{52692193-D72F-4909-8902-56383AC326CE}"/>
+              </a:ext>
+            </a:extLst>
+          </p:cNvPr>
+          <p:cNvPicPr>
+            <a:picLocks noChangeAspect="1"/>
+          </p:cNvPicPr>
+          <p:nvPr/>
+        </p:nvPicPr>
+        <p:blipFill>
+          <a:blip r:embed="rId3"/>
+          <a:stretch>
+            <a:fillRect/>
+          </a:stretch>
+        </p:blipFill>
+        <p:spPr>
+          <a:xfrm>
+            <a:off x="410818" y="1197944"/>
+            <a:ext cx="8098823" cy="3771621"/>
+          </a:xfrm>
+          <a:prstGeom prst="rect">
+            <a:avLst/>
+          </a:prstGeom>
+        </p:spPr>
+      </p:pic>
     </p:spTree>
     <p:extLst>
       <p:ext uri="{BB962C8B-B14F-4D97-AF65-F5344CB8AC3E}">
@@ -8176,7 +9710,7 @@
             </a:pPr>
             <a:r>
               <a:rPr lang="en" dirty="0"/>
-              <a:t>Component 2 - Test Plan (?and screenshot)</a:t>
+              <a:t>Component 2 version 1 - Test Plan (?and screenshot)</a:t>
             </a:r>
             <a:endParaRPr dirty="0"/>
           </a:p>
@@ -8186,11 +9720,17 @@
         <p:nvGraphicFramePr>
           <p:cNvPr id="79" name="Google Shape;79;p17"/>
           <p:cNvGraphicFramePr/>
-          <p:nvPr/>
+          <p:nvPr>
+            <p:extLst>
+              <p:ext uri="{D42A27DB-BD31-4B8C-83A1-F6EECF244321}">
+                <p14:modId xmlns:p14="http://schemas.microsoft.com/office/powerpoint/2010/main" val="2736190381"/>
+              </p:ext>
+            </p:extLst>
+          </p:nvPr>
         </p:nvGraphicFramePr>
         <p:xfrm>
-          <a:off x="382475" y="1267725"/>
-          <a:ext cx="8520600" cy="914340"/>
+          <a:off x="311700" y="3433573"/>
+          <a:ext cx="8520600" cy="1462980"/>
         </p:xfrm>
         <a:graphic>
           <a:graphicData uri="http://schemas.openxmlformats.org/drawingml/2006/table">
@@ -8291,7 +9831,11 @@
                         </a:spcAft>
                         <a:buNone/>
                       </a:pPr>
-                      <a:endParaRPr sz="1800"/>
+                      <a:r>
+                        <a:rPr lang="en-US" sz="1800" dirty="0"/>
+                        <a:t>Run program</a:t>
+                      </a:r>
+                      <a:endParaRPr sz="1800" dirty="0"/>
                     </a:p>
                   </a:txBody>
                   <a:tcPr marL="91425" marR="91425" marT="91425" marB="91425"/>
@@ -8310,7 +9854,41 @@
                         </a:spcAft>
                         <a:buNone/>
                       </a:pPr>
-                      <a:endParaRPr sz="1800"/>
+                      <a:r>
+                        <a:rPr lang="en-US" sz="1800" dirty="0"/>
+                        <a:t>Enter p program prints pickup </a:t>
+                      </a:r>
+                    </a:p>
+                    <a:p>
+                      <a:pPr marL="0" lvl="0" indent="0" algn="l" rtl="0">
+                        <a:spcBef>
+                          <a:spcPts val="0"/>
+                        </a:spcBef>
+                        <a:spcAft>
+                          <a:spcPts val="0"/>
+                        </a:spcAft>
+                        <a:buNone/>
+                      </a:pPr>
+                      <a:r>
+                        <a:rPr lang="en-US" sz="1800" dirty="0"/>
+                        <a:t>Enter d program prints delivery</a:t>
+                      </a:r>
+                    </a:p>
+                    <a:p>
+                      <a:pPr marL="0" lvl="0" indent="0" algn="l" rtl="0">
+                        <a:spcBef>
+                          <a:spcPts val="0"/>
+                        </a:spcBef>
+                        <a:spcAft>
+                          <a:spcPts val="0"/>
+                        </a:spcAft>
+                        <a:buNone/>
+                      </a:pPr>
+                      <a:r>
+                        <a:rPr lang="en-US" sz="1800" dirty="0"/>
+                        <a:t>Enter invalid program stops</a:t>
+                      </a:r>
+                      <a:endParaRPr sz="1800" dirty="0"/>
                     </a:p>
                   </a:txBody>
                   <a:tcPr marL="91425" marR="91425" marT="91425" marB="91425"/>
@@ -8325,10 +9903,40 @@
           </a:graphicData>
         </a:graphic>
       </p:graphicFrame>
+      <p:pic>
+        <p:nvPicPr>
+          <p:cNvPr id="3" name="Picture 2">
+            <a:extLst>
+              <a:ext uri="{FF2B5EF4-FFF2-40B4-BE49-F238E27FC236}">
+                <a16:creationId xmlns:a16="http://schemas.microsoft.com/office/drawing/2014/main" id="{C194188A-17BC-4895-A3AD-339186BE31EC}"/>
+              </a:ext>
+            </a:extLst>
+          </p:cNvPr>
+          <p:cNvPicPr>
+            <a:picLocks noChangeAspect="1"/>
+          </p:cNvPicPr>
+          <p:nvPr/>
+        </p:nvPicPr>
+        <p:blipFill>
+          <a:blip r:embed="rId3"/>
+          <a:stretch>
+            <a:fillRect/>
+          </a:stretch>
+        </p:blipFill>
+        <p:spPr>
+          <a:xfrm>
+            <a:off x="2283516" y="1017725"/>
+            <a:ext cx="2669626" cy="2255562"/>
+          </a:xfrm>
+          <a:prstGeom prst="rect">
+            <a:avLst/>
+          </a:prstGeom>
+        </p:spPr>
+      </p:pic>
     </p:spTree>
     <p:extLst>
       <p:ext uri="{BB962C8B-B14F-4D97-AF65-F5344CB8AC3E}">
-        <p14:creationId xmlns:p14="http://schemas.microsoft.com/office/powerpoint/2010/main" val="2121840653"/>
+        <p14:creationId xmlns:p14="http://schemas.microsoft.com/office/powerpoint/2010/main" val="1610753565"/>
       </p:ext>
     </p:extLst>
   </p:cSld>
@@ -8341,17 +9949,9 @@
 <file path=ppt/slides/slide9.xml><?xml version="1.0" encoding="utf-8"?>
 <p:sld xmlns:a="http://schemas.openxmlformats.org/drawingml/2006/main" xmlns:r="http://schemas.openxmlformats.org/officeDocument/2006/relationships" xmlns:p="http://schemas.openxmlformats.org/presentationml/2006/main">
   <p:cSld>
-    <p:bg>
-      <p:bgPr>
-        <a:solidFill>
-          <a:srgbClr val="D9EAD3"/>
-        </a:solidFill>
-        <a:effectLst/>
-      </p:bgPr>
-    </p:bg>
     <p:spTree>
       <p:nvGrpSpPr>
-        <p:cNvPr id="1" name="Shape 83"/>
+        <p:cNvPr id="1" name="Shape 77"/>
         <p:cNvGrpSpPr/>
         <p:nvPr/>
       </p:nvGrpSpPr>
@@ -8365,7 +9965,7 @@
       </p:grpSpPr>
       <p:sp>
         <p:nvSpPr>
-          <p:cNvPr id="84" name="Google Shape;84;p18"/>
+          <p:cNvPr id="78" name="Google Shape;78;p17"/>
           <p:cNvSpPr txBox="1">
             <a:spLocks noGrp="1"/>
           </p:cNvSpPr>
@@ -8398,56 +9998,236 @@
               <a:buNone/>
             </a:pPr>
             <a:r>
-              <a:rPr lang="en"/>
-              <a:t>Version Control Evidence</a:t>
+              <a:rPr lang="en" dirty="0"/>
+              <a:t>Component 2 version 2 - Test Plan (?and screenshot)</a:t>
             </a:r>
-            <a:endParaRPr/>
+            <a:endParaRPr dirty="0"/>
           </a:p>
         </p:txBody>
       </p:sp>
-      <p:sp>
-        <p:nvSpPr>
-          <p:cNvPr id="85" name="Google Shape;85;p18"/>
-          <p:cNvSpPr txBox="1">
-            <a:spLocks noGrp="1"/>
-          </p:cNvSpPr>
+      <p:graphicFrame>
+        <p:nvGraphicFramePr>
+          <p:cNvPr id="79" name="Google Shape;79;p17"/>
+          <p:cNvGraphicFramePr/>
           <p:nvPr>
-            <p:ph type="body" idx="1"/>
+            <p:extLst>
+              <p:ext uri="{D42A27DB-BD31-4B8C-83A1-F6EECF244321}">
+                <p14:modId xmlns:p14="http://schemas.microsoft.com/office/powerpoint/2010/main" val="1775466017"/>
+              </p:ext>
+            </p:extLst>
           </p:nvPr>
-        </p:nvSpPr>
+        </p:nvGraphicFramePr>
+        <p:xfrm>
+          <a:off x="311700" y="3433573"/>
+          <a:ext cx="8520600" cy="1737300"/>
+        </p:xfrm>
+        <a:graphic>
+          <a:graphicData uri="http://schemas.openxmlformats.org/drawingml/2006/table">
+            <a:tbl>
+              <a:tblPr>
+                <a:noFill/>
+                <a:tableStyleId>{E1099E06-0E6B-448D-9D27-60429F06E6F4}</a:tableStyleId>
+              </a:tblPr>
+              <a:tblGrid>
+                <a:gridCol w="4260300">
+                  <a:extLst>
+                    <a:ext uri="{9D8B030D-6E8A-4147-A177-3AD203B41FA5}">
+                      <a16:colId xmlns:a16="http://schemas.microsoft.com/office/drawing/2014/main" val="20000"/>
+                    </a:ext>
+                  </a:extLst>
+                </a:gridCol>
+                <a:gridCol w="4260300">
+                  <a:extLst>
+                    <a:ext uri="{9D8B030D-6E8A-4147-A177-3AD203B41FA5}">
+                      <a16:colId xmlns:a16="http://schemas.microsoft.com/office/drawing/2014/main" val="20001"/>
+                    </a:ext>
+                  </a:extLst>
+                </a:gridCol>
+              </a:tblGrid>
+              <a:tr h="381000">
+                <a:tc>
+                  <a:txBody>
+                    <a:bodyPr/>
+                    <a:lstStyle/>
+                    <a:p>
+                      <a:pPr marL="0" lvl="0" indent="0" algn="l" rtl="0">
+                        <a:spcBef>
+                          <a:spcPts val="0"/>
+                        </a:spcBef>
+                        <a:spcAft>
+                          <a:spcPts val="0"/>
+                        </a:spcAft>
+                        <a:buNone/>
+                      </a:pPr>
+                      <a:r>
+                        <a:rPr lang="en" sz="1800" b="1"/>
+                        <a:t>Test Case</a:t>
+                      </a:r>
+                      <a:endParaRPr sz="1800" b="1"/>
+                    </a:p>
+                  </a:txBody>
+                  <a:tcPr marL="91425" marR="91425" marT="91425" marB="91425">
+                    <a:solidFill>
+                      <a:srgbClr val="CCCCCC"/>
+                    </a:solidFill>
+                  </a:tcPr>
+                </a:tc>
+                <a:tc>
+                  <a:txBody>
+                    <a:bodyPr/>
+                    <a:lstStyle/>
+                    <a:p>
+                      <a:pPr marL="0" lvl="0" indent="0" algn="l" rtl="0">
+                        <a:spcBef>
+                          <a:spcPts val="0"/>
+                        </a:spcBef>
+                        <a:spcAft>
+                          <a:spcPts val="0"/>
+                        </a:spcAft>
+                        <a:buNone/>
+                      </a:pPr>
+                      <a:r>
+                        <a:rPr lang="en" sz="1800" b="1"/>
+                        <a:t>Expected Values</a:t>
+                      </a:r>
+                      <a:endParaRPr sz="1800" b="1"/>
+                    </a:p>
+                  </a:txBody>
+                  <a:tcPr marL="91425" marR="91425" marT="91425" marB="91425">
+                    <a:solidFill>
+                      <a:srgbClr val="CCCCCC"/>
+                    </a:solidFill>
+                  </a:tcPr>
+                </a:tc>
+                <a:extLst>
+                  <a:ext uri="{0D108BD9-81ED-4DB2-BD59-A6C34878D82A}">
+                    <a16:rowId xmlns:a16="http://schemas.microsoft.com/office/drawing/2014/main" val="10000"/>
+                  </a:ext>
+                </a:extLst>
+              </a:tr>
+              <a:tr h="396200">
+                <a:tc>
+                  <a:txBody>
+                    <a:bodyPr/>
+                    <a:lstStyle/>
+                    <a:p>
+                      <a:pPr marL="0" lvl="0" indent="0" algn="l" rtl="0">
+                        <a:spcBef>
+                          <a:spcPts val="0"/>
+                        </a:spcBef>
+                        <a:spcAft>
+                          <a:spcPts val="0"/>
+                        </a:spcAft>
+                        <a:buNone/>
+                      </a:pPr>
+                      <a:r>
+                        <a:rPr lang="en-US" sz="1800" dirty="0"/>
+                        <a:t>Run program</a:t>
+                      </a:r>
+                      <a:endParaRPr sz="1800" dirty="0"/>
+                    </a:p>
+                  </a:txBody>
+                  <a:tcPr marL="91425" marR="91425" marT="91425" marB="91425"/>
+                </a:tc>
+                <a:tc>
+                  <a:txBody>
+                    <a:bodyPr/>
+                    <a:lstStyle/>
+                    <a:p>
+                      <a:pPr marL="0" lvl="0" indent="0" algn="l" rtl="0">
+                        <a:spcBef>
+                          <a:spcPts val="0"/>
+                        </a:spcBef>
+                        <a:spcAft>
+                          <a:spcPts val="0"/>
+                        </a:spcAft>
+                        <a:buNone/>
+                      </a:pPr>
+                      <a:r>
+                        <a:rPr lang="en-US" sz="1800" dirty="0"/>
+                        <a:t>Enter p program prints pickup </a:t>
+                      </a:r>
+                    </a:p>
+                    <a:p>
+                      <a:pPr marL="0" lvl="0" indent="0" algn="l" rtl="0">
+                        <a:spcBef>
+                          <a:spcPts val="0"/>
+                        </a:spcBef>
+                        <a:spcAft>
+                          <a:spcPts val="0"/>
+                        </a:spcAft>
+                        <a:buNone/>
+                      </a:pPr>
+                      <a:r>
+                        <a:rPr lang="en-US" sz="1800" dirty="0"/>
+                        <a:t>Enter d program prints delivery</a:t>
+                      </a:r>
+                    </a:p>
+                    <a:p>
+                      <a:pPr marL="0" lvl="0" indent="0" algn="l" rtl="0">
+                        <a:spcBef>
+                          <a:spcPts val="0"/>
+                        </a:spcBef>
+                        <a:spcAft>
+                          <a:spcPts val="0"/>
+                        </a:spcAft>
+                        <a:buNone/>
+                      </a:pPr>
+                      <a:r>
+                        <a:rPr lang="en-US" sz="1800" dirty="0"/>
+                        <a:t>Enter invalid program prints error message</a:t>
+                      </a:r>
+                      <a:endParaRPr sz="1800" dirty="0"/>
+                    </a:p>
+                  </a:txBody>
+                  <a:tcPr marL="91425" marR="91425" marT="91425" marB="91425"/>
+                </a:tc>
+                <a:extLst>
+                  <a:ext uri="{0D108BD9-81ED-4DB2-BD59-A6C34878D82A}">
+                    <a16:rowId xmlns:a16="http://schemas.microsoft.com/office/drawing/2014/main" val="10001"/>
+                  </a:ext>
+                </a:extLst>
+              </a:tr>
+            </a:tbl>
+          </a:graphicData>
+        </a:graphic>
+      </p:graphicFrame>
+      <p:pic>
+        <p:nvPicPr>
+          <p:cNvPr id="4" name="Picture 3">
+            <a:extLst>
+              <a:ext uri="{FF2B5EF4-FFF2-40B4-BE49-F238E27FC236}">
+                <a16:creationId xmlns:a16="http://schemas.microsoft.com/office/drawing/2014/main" id="{A81A5C77-67E9-4621-A23C-14F7C079BBB7}"/>
+              </a:ext>
+            </a:extLst>
+          </p:cNvPr>
+          <p:cNvPicPr>
+            <a:picLocks noChangeAspect="1"/>
+          </p:cNvPicPr>
+          <p:nvPr/>
+        </p:nvPicPr>
+        <p:blipFill>
+          <a:blip r:embed="rId3"/>
+          <a:stretch>
+            <a:fillRect/>
+          </a:stretch>
+        </p:blipFill>
         <p:spPr>
           <a:xfrm>
-            <a:off x="311700" y="1152475"/>
-            <a:ext cx="8464200" cy="3739200"/>
+            <a:off x="2785825" y="1089226"/>
+            <a:ext cx="2687323" cy="2121821"/>
           </a:xfrm>
           <a:prstGeom prst="rect">
             <a:avLst/>
           </a:prstGeom>
         </p:spPr>
-        <p:txBody>
-          <a:bodyPr spcFirstLastPara="1" wrap="square" lIns="91425" tIns="91425" rIns="91425" bIns="91425" anchor="t" anchorCtr="0">
-            <a:noAutofit/>
-          </a:bodyPr>
-          <a:lstStyle/>
-          <a:p>
-            <a:pPr marL="0" lvl="0" indent="0" algn="l" rtl="0">
-              <a:spcBef>
-                <a:spcPts val="0"/>
-              </a:spcBef>
-              <a:spcAft>
-                <a:spcPts val="1600"/>
-              </a:spcAft>
-              <a:buNone/>
-            </a:pPr>
-            <a:r>
-              <a:rPr lang="en" i="1"/>
-              <a:t>Your version control evidence should go here.  This could be in the form of annotated screenshots which show you you managed this process or you could make a brief screencast explaining how you implemented version control.</a:t>
-            </a:r>
-            <a:endParaRPr i="1"/>
-          </a:p>
-        </p:txBody>
-      </p:sp>
+      </p:pic>
     </p:spTree>
+    <p:extLst>
+      <p:ext uri="{BB962C8B-B14F-4D97-AF65-F5344CB8AC3E}">
+        <p14:creationId xmlns:p14="http://schemas.microsoft.com/office/powerpoint/2010/main" val="877091840"/>
+      </p:ext>
+    </p:extLst>
   </p:cSld>
   <p:clrMapOvr>
     <a:masterClrMapping/>

--- a/022_91893+_+91897+Documentation.pptx
+++ b/022_91893+_+91897+Documentation.pptx
@@ -5,7 +5,7 @@
     <p:sldMasterId id="2147483659" r:id="rId1"/>
   </p:sldMasterIdLst>
   <p:notesMasterIdLst>
-    <p:notesMasterId r:id="rId17"/>
+    <p:notesMasterId r:id="rId18"/>
   </p:notesMasterIdLst>
   <p:sldIdLst>
     <p:sldId id="256" r:id="rId2"/>
@@ -19,10 +19,11 @@
     <p:sldId id="268" r:id="rId10"/>
     <p:sldId id="269" r:id="rId11"/>
     <p:sldId id="270" r:id="rId12"/>
-    <p:sldId id="267" r:id="rId13"/>
-    <p:sldId id="264" r:id="rId14"/>
-    <p:sldId id="261" r:id="rId15"/>
-    <p:sldId id="262" r:id="rId16"/>
+    <p:sldId id="271" r:id="rId13"/>
+    <p:sldId id="267" r:id="rId14"/>
+    <p:sldId id="264" r:id="rId15"/>
+    <p:sldId id="261" r:id="rId16"/>
+    <p:sldId id="262" r:id="rId17"/>
   </p:sldIdLst>
   <p:sldSz cx="9144000" cy="5143500" type="screen16x9"/>
   <p:notesSz cx="6858000" cy="9144000"/>
@@ -1094,6 +1095,115 @@
   <p:cSld>
     <p:spTree>
       <p:nvGrpSpPr>
+        <p:cNvPr id="1" name="Shape 74"/>
+        <p:cNvGrpSpPr/>
+        <p:nvPr/>
+      </p:nvGrpSpPr>
+      <p:grpSpPr>
+        <a:xfrm>
+          <a:off x="0" y="0"/>
+          <a:ext cx="0" cy="0"/>
+          <a:chOff x="0" y="0"/>
+          <a:chExt cx="0" cy="0"/>
+        </a:xfrm>
+      </p:grpSpPr>
+      <p:sp>
+        <p:nvSpPr>
+          <p:cNvPr id="75" name="Google Shape;75;gac10fef634_0_20:notes"/>
+          <p:cNvSpPr>
+            <a:spLocks noGrp="1" noRot="1" noChangeAspect="1"/>
+          </p:cNvSpPr>
+          <p:nvPr>
+            <p:ph type="sldImg" idx="2"/>
+          </p:nvPr>
+        </p:nvSpPr>
+        <p:spPr>
+          <a:xfrm>
+            <a:off x="381000" y="685800"/>
+            <a:ext cx="6096000" cy="3429000"/>
+          </a:xfrm>
+          <a:custGeom>
+            <a:avLst/>
+            <a:gdLst/>
+            <a:ahLst/>
+            <a:cxnLst/>
+            <a:rect l="l" t="t" r="r" b="b"/>
+            <a:pathLst>
+              <a:path w="120000" h="120000" extrusionOk="0">
+                <a:moveTo>
+                  <a:pt x="0" y="0"/>
+                </a:moveTo>
+                <a:lnTo>
+                  <a:pt x="120000" y="0"/>
+                </a:lnTo>
+                <a:lnTo>
+                  <a:pt x="120000" y="120000"/>
+                </a:lnTo>
+                <a:lnTo>
+                  <a:pt x="0" y="120000"/>
+                </a:lnTo>
+                <a:close/>
+              </a:path>
+            </a:pathLst>
+          </a:custGeom>
+        </p:spPr>
+      </p:sp>
+      <p:sp>
+        <p:nvSpPr>
+          <p:cNvPr id="76" name="Google Shape;76;gac10fef634_0_20:notes"/>
+          <p:cNvSpPr txBox="1">
+            <a:spLocks noGrp="1"/>
+          </p:cNvSpPr>
+          <p:nvPr>
+            <p:ph type="body" idx="1"/>
+          </p:nvPr>
+        </p:nvSpPr>
+        <p:spPr>
+          <a:xfrm>
+            <a:off x="685800" y="4343400"/>
+            <a:ext cx="5486400" cy="4114800"/>
+          </a:xfrm>
+          <a:prstGeom prst="rect">
+            <a:avLst/>
+          </a:prstGeom>
+        </p:spPr>
+        <p:txBody>
+          <a:bodyPr spcFirstLastPara="1" wrap="square" lIns="91425" tIns="91425" rIns="91425" bIns="91425" anchor="t" anchorCtr="0">
+            <a:noAutofit/>
+          </a:bodyPr>
+          <a:lstStyle/>
+          <a:p>
+            <a:pPr marL="0" lvl="0" indent="0" algn="l" rtl="0">
+              <a:spcBef>
+                <a:spcPts val="0"/>
+              </a:spcBef>
+              <a:spcAft>
+                <a:spcPts val="0"/>
+              </a:spcAft>
+              <a:buNone/>
+            </a:pPr>
+            <a:endParaRPr/>
+          </a:p>
+        </p:txBody>
+      </p:sp>
+    </p:spTree>
+    <p:extLst>
+      <p:ext uri="{BB962C8B-B14F-4D97-AF65-F5344CB8AC3E}">
+        <p14:creationId xmlns:p14="http://schemas.microsoft.com/office/powerpoint/2010/main" val="4175107816"/>
+      </p:ext>
+    </p:extLst>
+  </p:cSld>
+  <p:clrMapOvr>
+    <a:masterClrMapping/>
+  </p:clrMapOvr>
+</p:notes>
+</file>
+
+<file path=ppt/notesSlides/notesSlide13.xml><?xml version="1.0" encoding="utf-8"?>
+<p:notes xmlns:a="http://schemas.openxmlformats.org/drawingml/2006/main" xmlns:r="http://schemas.openxmlformats.org/officeDocument/2006/relationships" xmlns:p="http://schemas.openxmlformats.org/presentationml/2006/main" showMasterSp="0" showMasterPhAnim="0">
+  <p:cSld>
+    <p:spTree>
+      <p:nvGrpSpPr>
         <p:cNvPr id="1" name="Shape 69"/>
         <p:cNvGrpSpPr/>
         <p:nvPr/>
@@ -1198,7 +1308,7 @@
 </p:notes>
 </file>
 
-<file path=ppt/notesSlides/notesSlide13.xml><?xml version="1.0" encoding="utf-8"?>
+<file path=ppt/notesSlides/notesSlide14.xml><?xml version="1.0" encoding="utf-8"?>
 <p:notes xmlns:a="http://schemas.openxmlformats.org/drawingml/2006/main" xmlns:r="http://schemas.openxmlformats.org/officeDocument/2006/relationships" xmlns:p="http://schemas.openxmlformats.org/presentationml/2006/main" showMasterSp="0" showMasterPhAnim="0">
   <p:cSld>
     <p:spTree>
@@ -1307,7 +1417,7 @@
 </p:notes>
 </file>
 
-<file path=ppt/notesSlides/notesSlide14.xml><?xml version="1.0" encoding="utf-8"?>
+<file path=ppt/notesSlides/notesSlide15.xml><?xml version="1.0" encoding="utf-8"?>
 <p:notes xmlns:a="http://schemas.openxmlformats.org/drawingml/2006/main" xmlns:r="http://schemas.openxmlformats.org/officeDocument/2006/relationships" xmlns:p="http://schemas.openxmlformats.org/presentationml/2006/main" showMasterSp="0" showMasterPhAnim="0">
   <p:cSld>
     <p:spTree>
@@ -1432,7 +1542,7 @@
 </p:notes>
 </file>
 
-<file path=ppt/notesSlides/notesSlide15.xml><?xml version="1.0" encoding="utf-8"?>
+<file path=ppt/notesSlides/notesSlide16.xml><?xml version="1.0" encoding="utf-8"?>
 <p:notes xmlns:a="http://schemas.openxmlformats.org/drawingml/2006/main" xmlns:r="http://schemas.openxmlformats.org/officeDocument/2006/relationships" xmlns:p="http://schemas.openxmlformats.org/presentationml/2006/main" showMasterSp="0" showMasterPhAnim="0">
   <p:cSld>
     <p:spTree>
@@ -7800,11 +7910,17 @@
         <p:nvGraphicFramePr>
           <p:cNvPr id="79" name="Google Shape;79;p17"/>
           <p:cNvGraphicFramePr/>
-          <p:nvPr/>
+          <p:nvPr>
+            <p:extLst>
+              <p:ext uri="{D42A27DB-BD31-4B8C-83A1-F6EECF244321}">
+                <p14:modId xmlns:p14="http://schemas.microsoft.com/office/powerpoint/2010/main" val="36058803"/>
+              </p:ext>
+            </p:extLst>
+          </p:nvPr>
         </p:nvGraphicFramePr>
         <p:xfrm>
-          <a:off x="311700" y="3433573"/>
-          <a:ext cx="8520600" cy="1737300"/>
+          <a:off x="311700" y="2982805"/>
+          <a:ext cx="8520600" cy="2285940"/>
         </p:xfrm>
         <a:graphic>
           <a:graphicData uri="http://schemas.openxmlformats.org/drawingml/2006/table">
@@ -7890,7 +8006,7 @@
                   </a:ext>
                 </a:extLst>
               </a:tr>
-              <a:tr h="396200">
+              <a:tr h="0">
                 <a:tc>
                   <a:txBody>
                     <a:bodyPr/>
@@ -7930,7 +8046,7 @@
                       </a:pPr>
                       <a:r>
                         <a:rPr lang="en-US" sz="1800" dirty="0"/>
-                        <a:t>Enter p program prints pickup </a:t>
+                        <a:t>Enter 1 program prints pickup </a:t>
                       </a:r>
                     </a:p>
                     <a:p>
@@ -7945,7 +8061,7 @@
                       </a:pPr>
                       <a:r>
                         <a:rPr lang="en-US" sz="1800" dirty="0"/>
-                        <a:t>Enter d program prints delivery</a:t>
+                        <a:t>Enter 2 program prints delivery</a:t>
                       </a:r>
                     </a:p>
                     <a:p>
@@ -7962,6 +8078,21 @@
                         <a:rPr lang="en-US" sz="1800" dirty="0"/>
                         <a:t>Enter invalid program prints error message</a:t>
                       </a:r>
+                    </a:p>
+                    <a:p>
+                      <a:pPr marL="0" lvl="0" indent="0" algn="l" rtl="0">
+                        <a:spcBef>
+                          <a:spcPts val="0"/>
+                        </a:spcBef>
+                        <a:spcAft>
+                          <a:spcPts val="0"/>
+                        </a:spcAft>
+                        <a:buNone/>
+                      </a:pPr>
+                      <a:r>
+                        <a:rPr lang="en-US" sz="1800" dirty="0"/>
+                        <a:t>Enter number other than 1 or 2 does not work</a:t>
+                      </a:r>
                       <a:endParaRPr sz="1800" dirty="0"/>
                     </a:p>
                   </a:txBody>
@@ -7977,6 +8108,66 @@
           </a:graphicData>
         </a:graphic>
       </p:graphicFrame>
+      <p:pic>
+        <p:nvPicPr>
+          <p:cNvPr id="3" name="Picture 2">
+            <a:extLst>
+              <a:ext uri="{FF2B5EF4-FFF2-40B4-BE49-F238E27FC236}">
+                <a16:creationId xmlns:a16="http://schemas.microsoft.com/office/drawing/2014/main" id="{B53F79F4-3DC2-4DD6-B3D9-389C5216E1F8}"/>
+              </a:ext>
+            </a:extLst>
+          </p:cNvPr>
+          <p:cNvPicPr>
+            <a:picLocks noChangeAspect="1"/>
+          </p:cNvPicPr>
+          <p:nvPr/>
+        </p:nvPicPr>
+        <p:blipFill>
+          <a:blip r:embed="rId3"/>
+          <a:stretch>
+            <a:fillRect/>
+          </a:stretch>
+        </p:blipFill>
+        <p:spPr>
+          <a:xfrm>
+            <a:off x="934078" y="1294782"/>
+            <a:ext cx="2189513" cy="1760353"/>
+          </a:xfrm>
+          <a:prstGeom prst="rect">
+            <a:avLst/>
+          </a:prstGeom>
+        </p:spPr>
+      </p:pic>
+      <p:pic>
+        <p:nvPicPr>
+          <p:cNvPr id="5" name="Picture 4">
+            <a:extLst>
+              <a:ext uri="{FF2B5EF4-FFF2-40B4-BE49-F238E27FC236}">
+                <a16:creationId xmlns:a16="http://schemas.microsoft.com/office/drawing/2014/main" id="{0834F78D-07FD-489A-8D70-5AA7ED803AFA}"/>
+              </a:ext>
+            </a:extLst>
+          </p:cNvPr>
+          <p:cNvPicPr>
+            <a:picLocks noChangeAspect="1"/>
+          </p:cNvPicPr>
+          <p:nvPr/>
+        </p:nvPicPr>
+        <p:blipFill>
+          <a:blip r:embed="rId4"/>
+          <a:stretch>
+            <a:fillRect/>
+          </a:stretch>
+        </p:blipFill>
+        <p:spPr>
+          <a:xfrm>
+            <a:off x="3559651" y="1017725"/>
+            <a:ext cx="4650271" cy="2037410"/>
+          </a:xfrm>
+          <a:prstGeom prst="rect">
+            <a:avLst/>
+          </a:prstGeom>
+        </p:spPr>
+      </p:pic>
     </p:spTree>
     <p:extLst>
       <p:ext uri="{BB962C8B-B14F-4D97-AF65-F5344CB8AC3E}">
@@ -7991,6 +8182,356 @@
 </file>
 
 <file path=ppt/slides/slide12.xml><?xml version="1.0" encoding="utf-8"?>
+<p:sld xmlns:a="http://schemas.openxmlformats.org/drawingml/2006/main" xmlns:r="http://schemas.openxmlformats.org/officeDocument/2006/relationships" xmlns:p="http://schemas.openxmlformats.org/presentationml/2006/main">
+  <p:cSld>
+    <p:spTree>
+      <p:nvGrpSpPr>
+        <p:cNvPr id="1" name="Shape 77"/>
+        <p:cNvGrpSpPr/>
+        <p:nvPr/>
+      </p:nvGrpSpPr>
+      <p:grpSpPr>
+        <a:xfrm>
+          <a:off x="0" y="0"/>
+          <a:ext cx="0" cy="0"/>
+          <a:chOff x="0" y="0"/>
+          <a:chExt cx="0" cy="0"/>
+        </a:xfrm>
+      </p:grpSpPr>
+      <p:sp>
+        <p:nvSpPr>
+          <p:cNvPr id="78" name="Google Shape;78;p17"/>
+          <p:cNvSpPr txBox="1">
+            <a:spLocks noGrp="1"/>
+          </p:cNvSpPr>
+          <p:nvPr>
+            <p:ph type="title"/>
+          </p:nvPr>
+        </p:nvSpPr>
+        <p:spPr>
+          <a:xfrm>
+            <a:off x="311700" y="445025"/>
+            <a:ext cx="8520600" cy="572700"/>
+          </a:xfrm>
+          <a:prstGeom prst="rect">
+            <a:avLst/>
+          </a:prstGeom>
+        </p:spPr>
+        <p:txBody>
+          <a:bodyPr spcFirstLastPara="1" wrap="square" lIns="91425" tIns="91425" rIns="91425" bIns="91425" anchor="t" anchorCtr="0">
+            <a:noAutofit/>
+          </a:bodyPr>
+          <a:lstStyle/>
+          <a:p>
+            <a:pPr marL="0" lvl="0" indent="0" algn="l" rtl="0">
+              <a:spcBef>
+                <a:spcPts val="0"/>
+              </a:spcBef>
+              <a:spcAft>
+                <a:spcPts val="0"/>
+              </a:spcAft>
+              <a:buNone/>
+            </a:pPr>
+            <a:r>
+              <a:rPr lang="en" dirty="0"/>
+              <a:t>Component 2 version 5 - Test Plan (?and screenshot)</a:t>
+            </a:r>
+            <a:endParaRPr dirty="0"/>
+          </a:p>
+        </p:txBody>
+      </p:sp>
+      <p:graphicFrame>
+        <p:nvGraphicFramePr>
+          <p:cNvPr id="79" name="Google Shape;79;p17"/>
+          <p:cNvGraphicFramePr/>
+          <p:nvPr>
+            <p:extLst>
+              <p:ext uri="{D42A27DB-BD31-4B8C-83A1-F6EECF244321}">
+                <p14:modId xmlns:p14="http://schemas.microsoft.com/office/powerpoint/2010/main" val="3353960036"/>
+              </p:ext>
+            </p:extLst>
+          </p:nvPr>
+        </p:nvGraphicFramePr>
+        <p:xfrm>
+          <a:off x="311700" y="2982805"/>
+          <a:ext cx="8520600" cy="1813500"/>
+        </p:xfrm>
+        <a:graphic>
+          <a:graphicData uri="http://schemas.openxmlformats.org/drawingml/2006/table">
+            <a:tbl>
+              <a:tblPr>
+                <a:noFill/>
+                <a:tableStyleId>{E1099E06-0E6B-448D-9D27-60429F06E6F4}</a:tableStyleId>
+              </a:tblPr>
+              <a:tblGrid>
+                <a:gridCol w="4260300">
+                  <a:extLst>
+                    <a:ext uri="{9D8B030D-6E8A-4147-A177-3AD203B41FA5}">
+                      <a16:colId xmlns:a16="http://schemas.microsoft.com/office/drawing/2014/main" val="20000"/>
+                    </a:ext>
+                  </a:extLst>
+                </a:gridCol>
+                <a:gridCol w="4260300">
+                  <a:extLst>
+                    <a:ext uri="{9D8B030D-6E8A-4147-A177-3AD203B41FA5}">
+                      <a16:colId xmlns:a16="http://schemas.microsoft.com/office/drawing/2014/main" val="20001"/>
+                    </a:ext>
+                  </a:extLst>
+                </a:gridCol>
+              </a:tblGrid>
+              <a:tr h="381000">
+                <a:tc>
+                  <a:txBody>
+                    <a:bodyPr/>
+                    <a:lstStyle/>
+                    <a:p>
+                      <a:pPr marL="0" lvl="0" indent="0" algn="l" rtl="0">
+                        <a:spcBef>
+                          <a:spcPts val="0"/>
+                        </a:spcBef>
+                        <a:spcAft>
+                          <a:spcPts val="0"/>
+                        </a:spcAft>
+                        <a:buNone/>
+                      </a:pPr>
+                      <a:r>
+                        <a:rPr lang="en" sz="1800" b="1"/>
+                        <a:t>Test Case</a:t>
+                      </a:r>
+                      <a:endParaRPr sz="1800" b="1"/>
+                    </a:p>
+                  </a:txBody>
+                  <a:tcPr marL="91425" marR="91425" marT="91425" marB="91425">
+                    <a:solidFill>
+                      <a:srgbClr val="CCCCCC"/>
+                    </a:solidFill>
+                  </a:tcPr>
+                </a:tc>
+                <a:tc>
+                  <a:txBody>
+                    <a:bodyPr/>
+                    <a:lstStyle/>
+                    <a:p>
+                      <a:pPr marL="0" lvl="0" indent="0" algn="l" rtl="0">
+                        <a:spcBef>
+                          <a:spcPts val="0"/>
+                        </a:spcBef>
+                        <a:spcAft>
+                          <a:spcPts val="0"/>
+                        </a:spcAft>
+                        <a:buNone/>
+                      </a:pPr>
+                      <a:r>
+                        <a:rPr lang="en" sz="1800" b="1"/>
+                        <a:t>Expected Values</a:t>
+                      </a:r>
+                      <a:endParaRPr sz="1800" b="1"/>
+                    </a:p>
+                  </a:txBody>
+                  <a:tcPr marL="91425" marR="91425" marT="91425" marB="91425">
+                    <a:solidFill>
+                      <a:srgbClr val="CCCCCC"/>
+                    </a:solidFill>
+                  </a:tcPr>
+                </a:tc>
+                <a:extLst>
+                  <a:ext uri="{0D108BD9-81ED-4DB2-BD59-A6C34878D82A}">
+                    <a16:rowId xmlns:a16="http://schemas.microsoft.com/office/drawing/2014/main" val="10000"/>
+                  </a:ext>
+                </a:extLst>
+              </a:tr>
+              <a:tr h="0">
+                <a:tc>
+                  <a:txBody>
+                    <a:bodyPr/>
+                    <a:lstStyle/>
+                    <a:p>
+                      <a:pPr marL="0" lvl="0" indent="0" algn="l" rtl="0">
+                        <a:spcBef>
+                          <a:spcPts val="0"/>
+                        </a:spcBef>
+                        <a:spcAft>
+                          <a:spcPts val="0"/>
+                        </a:spcAft>
+                        <a:buNone/>
+                      </a:pPr>
+                      <a:r>
+                        <a:rPr lang="en-US" sz="1800" dirty="0"/>
+                        <a:t>Run program</a:t>
+                      </a:r>
+                      <a:endParaRPr sz="1800" dirty="0"/>
+                    </a:p>
+                  </a:txBody>
+                  <a:tcPr marL="91425" marR="91425" marT="91425" marB="91425"/>
+                </a:tc>
+                <a:tc>
+                  <a:txBody>
+                    <a:bodyPr/>
+                    <a:lstStyle/>
+                    <a:p>
+                      <a:pPr marL="0" lvl="0" indent="0" algn="l" rtl="0">
+                        <a:spcBef>
+                          <a:spcPts val="0"/>
+                        </a:spcBef>
+                        <a:spcAft>
+                          <a:spcPts val="0"/>
+                        </a:spcAft>
+                        <a:buNone/>
+                      </a:pPr>
+                      <a:r>
+                        <a:rPr lang="en-US" sz="1100" dirty="0"/>
+                        <a:t>Enter 1 program prints pickup </a:t>
+                      </a:r>
+                    </a:p>
+                    <a:p>
+                      <a:pPr marL="0" lvl="0" indent="0" algn="l" rtl="0">
+                        <a:spcBef>
+                          <a:spcPts val="0"/>
+                        </a:spcBef>
+                        <a:spcAft>
+                          <a:spcPts val="0"/>
+                        </a:spcAft>
+                        <a:buNone/>
+                      </a:pPr>
+                      <a:r>
+                        <a:rPr lang="en-US" sz="1100" dirty="0"/>
+                        <a:t>Enter 2 program prints delivery</a:t>
+                      </a:r>
+                    </a:p>
+                    <a:p>
+                      <a:pPr marL="0" lvl="0" indent="0" algn="l" rtl="0">
+                        <a:spcBef>
+                          <a:spcPts val="0"/>
+                        </a:spcBef>
+                        <a:spcAft>
+                          <a:spcPts val="0"/>
+                        </a:spcAft>
+                        <a:buNone/>
+                      </a:pPr>
+                      <a:r>
+                        <a:rPr lang="en-US" sz="1100" dirty="0"/>
+                        <a:t>Enter invalid entry program prints error message then asks for input again</a:t>
+                      </a:r>
+                    </a:p>
+                    <a:p>
+                      <a:pPr marL="0" lvl="0" indent="0" algn="l" rtl="0">
+                        <a:spcBef>
+                          <a:spcPts val="0"/>
+                        </a:spcBef>
+                        <a:spcAft>
+                          <a:spcPts val="0"/>
+                        </a:spcAft>
+                        <a:buNone/>
+                      </a:pPr>
+                      <a:r>
+                        <a:rPr lang="en-US" sz="1100" dirty="0"/>
+                        <a:t>Enter number other than 1 or 2 error message and asks </a:t>
+                      </a:r>
+                      <a:r>
+                        <a:rPr lang="en-US" sz="1100"/>
+                        <a:t>for entry again</a:t>
+                      </a:r>
+                      <a:endParaRPr lang="en-US" sz="1100" dirty="0"/>
+                    </a:p>
+                    <a:p>
+                      <a:pPr marL="0" lvl="0" indent="0" algn="l" rtl="0">
+                        <a:spcBef>
+                          <a:spcPts val="0"/>
+                        </a:spcBef>
+                        <a:spcAft>
+                          <a:spcPts val="0"/>
+                        </a:spcAft>
+                        <a:buNone/>
+                      </a:pPr>
+                      <a:endParaRPr sz="1100" dirty="0"/>
+                    </a:p>
+                  </a:txBody>
+                  <a:tcPr marL="91425" marR="91425" marT="91425" marB="91425"/>
+                </a:tc>
+                <a:extLst>
+                  <a:ext uri="{0D108BD9-81ED-4DB2-BD59-A6C34878D82A}">
+                    <a16:rowId xmlns:a16="http://schemas.microsoft.com/office/drawing/2014/main" val="10001"/>
+                  </a:ext>
+                </a:extLst>
+              </a:tr>
+            </a:tbl>
+          </a:graphicData>
+        </a:graphic>
+      </p:graphicFrame>
+      <p:pic>
+        <p:nvPicPr>
+          <p:cNvPr id="4" name="Picture 3">
+            <a:extLst>
+              <a:ext uri="{FF2B5EF4-FFF2-40B4-BE49-F238E27FC236}">
+                <a16:creationId xmlns:a16="http://schemas.microsoft.com/office/drawing/2014/main" id="{F4CCFE92-CD20-40FB-AD55-ED0719AB8636}"/>
+              </a:ext>
+            </a:extLst>
+          </p:cNvPr>
+          <p:cNvPicPr>
+            <a:picLocks noChangeAspect="1"/>
+          </p:cNvPicPr>
+          <p:nvPr/>
+        </p:nvPicPr>
+        <p:blipFill>
+          <a:blip r:embed="rId3"/>
+          <a:stretch>
+            <a:fillRect/>
+          </a:stretch>
+        </p:blipFill>
+        <p:spPr>
+          <a:xfrm>
+            <a:off x="2337159" y="1017725"/>
+            <a:ext cx="2340858" cy="1834412"/>
+          </a:xfrm>
+          <a:prstGeom prst="rect">
+            <a:avLst/>
+          </a:prstGeom>
+        </p:spPr>
+      </p:pic>
+      <p:pic>
+        <p:nvPicPr>
+          <p:cNvPr id="7" name="Picture 6">
+            <a:extLst>
+              <a:ext uri="{FF2B5EF4-FFF2-40B4-BE49-F238E27FC236}">
+                <a16:creationId xmlns:a16="http://schemas.microsoft.com/office/drawing/2014/main" id="{8984CFED-48E7-4600-9779-A49B2AAE814A}"/>
+              </a:ext>
+            </a:extLst>
+          </p:cNvPr>
+          <p:cNvPicPr>
+            <a:picLocks noChangeAspect="1"/>
+          </p:cNvPicPr>
+          <p:nvPr/>
+        </p:nvPicPr>
+        <p:blipFill>
+          <a:blip r:embed="rId4"/>
+          <a:stretch>
+            <a:fillRect/>
+          </a:stretch>
+        </p:blipFill>
+        <p:spPr>
+          <a:xfrm>
+            <a:off x="5013843" y="1007228"/>
+            <a:ext cx="2218156" cy="1834412"/>
+          </a:xfrm>
+          <a:prstGeom prst="rect">
+            <a:avLst/>
+          </a:prstGeom>
+        </p:spPr>
+      </p:pic>
+    </p:spTree>
+    <p:extLst>
+      <p:ext uri="{BB962C8B-B14F-4D97-AF65-F5344CB8AC3E}">
+        <p14:creationId xmlns:p14="http://schemas.microsoft.com/office/powerpoint/2010/main" val="1787132134"/>
+      </p:ext>
+    </p:extLst>
+  </p:cSld>
+  <p:clrMapOvr>
+    <a:masterClrMapping/>
+  </p:clrMapOvr>
+</p:sld>
+</file>
+
+<file path=ppt/slides/slide13.xml><?xml version="1.0" encoding="utf-8"?>
 <p:sld xmlns:a="http://schemas.openxmlformats.org/drawingml/2006/main" xmlns:r="http://schemas.openxmlformats.org/officeDocument/2006/relationships" xmlns:p="http://schemas.openxmlformats.org/presentationml/2006/main">
   <p:cSld>
     <p:bg>
@@ -8070,7 +8611,7 @@
 </p:sld>
 </file>
 
-<file path=ppt/slides/slide13.xml><?xml version="1.0" encoding="utf-8"?>
+<file path=ppt/slides/slide14.xml><?xml version="1.0" encoding="utf-8"?>
 <p:sld xmlns:a="http://schemas.openxmlformats.org/drawingml/2006/main" xmlns:r="http://schemas.openxmlformats.org/officeDocument/2006/relationships" xmlns:p="http://schemas.openxmlformats.org/presentationml/2006/main">
   <p:cSld>
     <p:spTree>
@@ -8285,7 +8826,7 @@
 </p:sld>
 </file>
 
-<file path=ppt/slides/slide14.xml><?xml version="1.0" encoding="utf-8"?>
+<file path=ppt/slides/slide15.xml><?xml version="1.0" encoding="utf-8"?>
 <p:sld xmlns:a="http://schemas.openxmlformats.org/drawingml/2006/main" xmlns:r="http://schemas.openxmlformats.org/officeDocument/2006/relationships" xmlns:p="http://schemas.openxmlformats.org/presentationml/2006/main">
   <p:cSld>
     <p:bg>
@@ -8402,7 +8943,7 @@
 </p:sld>
 </file>
 
-<file path=ppt/slides/slide15.xml><?xml version="1.0" encoding="utf-8"?>
+<file path=ppt/slides/slide16.xml><?xml version="1.0" encoding="utf-8"?>
 <p:sld xmlns:a="http://schemas.openxmlformats.org/drawingml/2006/main" xmlns:r="http://schemas.openxmlformats.org/officeDocument/2006/relationships" xmlns:p="http://schemas.openxmlformats.org/presentationml/2006/main">
   <p:cSld>
     <p:bg>

--- a/022_91893+_+91897+Documentation.pptx
+++ b/022_91893+_+91897+Documentation.pptx
@@ -5,7 +5,7 @@
     <p:sldMasterId id="2147483659" r:id="rId1"/>
   </p:sldMasterIdLst>
   <p:notesMasterIdLst>
-    <p:notesMasterId r:id="rId18"/>
+    <p:notesMasterId r:id="rId19"/>
   </p:notesMasterIdLst>
   <p:sldIdLst>
     <p:sldId id="256" r:id="rId2"/>
@@ -15,15 +15,16 @@
     <p:sldId id="260" r:id="rId6"/>
     <p:sldId id="265" r:id="rId7"/>
     <p:sldId id="263" r:id="rId8"/>
-    <p:sldId id="266" r:id="rId9"/>
-    <p:sldId id="268" r:id="rId10"/>
-    <p:sldId id="269" r:id="rId11"/>
-    <p:sldId id="270" r:id="rId12"/>
-    <p:sldId id="271" r:id="rId13"/>
-    <p:sldId id="267" r:id="rId14"/>
-    <p:sldId id="264" r:id="rId15"/>
-    <p:sldId id="261" r:id="rId16"/>
-    <p:sldId id="262" r:id="rId17"/>
+    <p:sldId id="272" r:id="rId9"/>
+    <p:sldId id="266" r:id="rId10"/>
+    <p:sldId id="268" r:id="rId11"/>
+    <p:sldId id="269" r:id="rId12"/>
+    <p:sldId id="270" r:id="rId13"/>
+    <p:sldId id="271" r:id="rId14"/>
+    <p:sldId id="267" r:id="rId15"/>
+    <p:sldId id="264" r:id="rId16"/>
+    <p:sldId id="261" r:id="rId17"/>
+    <p:sldId id="262" r:id="rId18"/>
   </p:sldIdLst>
   <p:sldSz cx="9144000" cy="5143500" type="screen16x9"/>
   <p:notesSz cx="6858000" cy="9144000"/>
@@ -971,7 +972,7 @@
     </p:spTree>
     <p:extLst>
       <p:ext uri="{BB962C8B-B14F-4D97-AF65-F5344CB8AC3E}">
-        <p14:creationId xmlns:p14="http://schemas.microsoft.com/office/powerpoint/2010/main" val="3885951740"/>
+        <p14:creationId xmlns:p14="http://schemas.microsoft.com/office/powerpoint/2010/main" val="1116925877"/>
       </p:ext>
     </p:extLst>
   </p:cSld>
@@ -1080,7 +1081,7 @@
     </p:spTree>
     <p:extLst>
       <p:ext uri="{BB962C8B-B14F-4D97-AF65-F5344CB8AC3E}">
-        <p14:creationId xmlns:p14="http://schemas.microsoft.com/office/powerpoint/2010/main" val="379021524"/>
+        <p14:creationId xmlns:p14="http://schemas.microsoft.com/office/powerpoint/2010/main" val="3885951740"/>
       </p:ext>
     </p:extLst>
   </p:cSld>
@@ -1189,6 +1190,115 @@
     </p:spTree>
     <p:extLst>
       <p:ext uri="{BB962C8B-B14F-4D97-AF65-F5344CB8AC3E}">
+        <p14:creationId xmlns:p14="http://schemas.microsoft.com/office/powerpoint/2010/main" val="379021524"/>
+      </p:ext>
+    </p:extLst>
+  </p:cSld>
+  <p:clrMapOvr>
+    <a:masterClrMapping/>
+  </p:clrMapOvr>
+</p:notes>
+</file>
+
+<file path=ppt/notesSlides/notesSlide13.xml><?xml version="1.0" encoding="utf-8"?>
+<p:notes xmlns:a="http://schemas.openxmlformats.org/drawingml/2006/main" xmlns:r="http://schemas.openxmlformats.org/officeDocument/2006/relationships" xmlns:p="http://schemas.openxmlformats.org/presentationml/2006/main" showMasterSp="0" showMasterPhAnim="0">
+  <p:cSld>
+    <p:spTree>
+      <p:nvGrpSpPr>
+        <p:cNvPr id="1" name="Shape 74"/>
+        <p:cNvGrpSpPr/>
+        <p:nvPr/>
+      </p:nvGrpSpPr>
+      <p:grpSpPr>
+        <a:xfrm>
+          <a:off x="0" y="0"/>
+          <a:ext cx="0" cy="0"/>
+          <a:chOff x="0" y="0"/>
+          <a:chExt cx="0" cy="0"/>
+        </a:xfrm>
+      </p:grpSpPr>
+      <p:sp>
+        <p:nvSpPr>
+          <p:cNvPr id="75" name="Google Shape;75;gac10fef634_0_20:notes"/>
+          <p:cNvSpPr>
+            <a:spLocks noGrp="1" noRot="1" noChangeAspect="1"/>
+          </p:cNvSpPr>
+          <p:nvPr>
+            <p:ph type="sldImg" idx="2"/>
+          </p:nvPr>
+        </p:nvSpPr>
+        <p:spPr>
+          <a:xfrm>
+            <a:off x="381000" y="685800"/>
+            <a:ext cx="6096000" cy="3429000"/>
+          </a:xfrm>
+          <a:custGeom>
+            <a:avLst/>
+            <a:gdLst/>
+            <a:ahLst/>
+            <a:cxnLst/>
+            <a:rect l="l" t="t" r="r" b="b"/>
+            <a:pathLst>
+              <a:path w="120000" h="120000" extrusionOk="0">
+                <a:moveTo>
+                  <a:pt x="0" y="0"/>
+                </a:moveTo>
+                <a:lnTo>
+                  <a:pt x="120000" y="0"/>
+                </a:lnTo>
+                <a:lnTo>
+                  <a:pt x="120000" y="120000"/>
+                </a:lnTo>
+                <a:lnTo>
+                  <a:pt x="0" y="120000"/>
+                </a:lnTo>
+                <a:close/>
+              </a:path>
+            </a:pathLst>
+          </a:custGeom>
+        </p:spPr>
+      </p:sp>
+      <p:sp>
+        <p:nvSpPr>
+          <p:cNvPr id="76" name="Google Shape;76;gac10fef634_0_20:notes"/>
+          <p:cNvSpPr txBox="1">
+            <a:spLocks noGrp="1"/>
+          </p:cNvSpPr>
+          <p:nvPr>
+            <p:ph type="body" idx="1"/>
+          </p:nvPr>
+        </p:nvSpPr>
+        <p:spPr>
+          <a:xfrm>
+            <a:off x="685800" y="4343400"/>
+            <a:ext cx="5486400" cy="4114800"/>
+          </a:xfrm>
+          <a:prstGeom prst="rect">
+            <a:avLst/>
+          </a:prstGeom>
+        </p:spPr>
+        <p:txBody>
+          <a:bodyPr spcFirstLastPara="1" wrap="square" lIns="91425" tIns="91425" rIns="91425" bIns="91425" anchor="t" anchorCtr="0">
+            <a:noAutofit/>
+          </a:bodyPr>
+          <a:lstStyle/>
+          <a:p>
+            <a:pPr marL="0" lvl="0" indent="0" algn="l" rtl="0">
+              <a:spcBef>
+                <a:spcPts val="0"/>
+              </a:spcBef>
+              <a:spcAft>
+                <a:spcPts val="0"/>
+              </a:spcAft>
+              <a:buNone/>
+            </a:pPr>
+            <a:endParaRPr/>
+          </a:p>
+        </p:txBody>
+      </p:sp>
+    </p:spTree>
+    <p:extLst>
+      <p:ext uri="{BB962C8B-B14F-4D97-AF65-F5344CB8AC3E}">
         <p14:creationId xmlns:p14="http://schemas.microsoft.com/office/powerpoint/2010/main" val="4175107816"/>
       </p:ext>
     </p:extLst>
@@ -1199,7 +1309,7 @@
 </p:notes>
 </file>
 
-<file path=ppt/notesSlides/notesSlide13.xml><?xml version="1.0" encoding="utf-8"?>
+<file path=ppt/notesSlides/notesSlide14.xml><?xml version="1.0" encoding="utf-8"?>
 <p:notes xmlns:a="http://schemas.openxmlformats.org/drawingml/2006/main" xmlns:r="http://schemas.openxmlformats.org/officeDocument/2006/relationships" xmlns:p="http://schemas.openxmlformats.org/presentationml/2006/main" showMasterSp="0" showMasterPhAnim="0">
   <p:cSld>
     <p:spTree>
@@ -1308,7 +1418,7 @@
 </p:notes>
 </file>
 
-<file path=ppt/notesSlides/notesSlide14.xml><?xml version="1.0" encoding="utf-8"?>
+<file path=ppt/notesSlides/notesSlide15.xml><?xml version="1.0" encoding="utf-8"?>
 <p:notes xmlns:a="http://schemas.openxmlformats.org/drawingml/2006/main" xmlns:r="http://schemas.openxmlformats.org/officeDocument/2006/relationships" xmlns:p="http://schemas.openxmlformats.org/presentationml/2006/main" showMasterSp="0" showMasterPhAnim="0">
   <p:cSld>
     <p:spTree>
@@ -1417,7 +1527,7 @@
 </p:notes>
 </file>
 
-<file path=ppt/notesSlides/notesSlide15.xml><?xml version="1.0" encoding="utf-8"?>
+<file path=ppt/notesSlides/notesSlide16.xml><?xml version="1.0" encoding="utf-8"?>
 <p:notes xmlns:a="http://schemas.openxmlformats.org/drawingml/2006/main" xmlns:r="http://schemas.openxmlformats.org/officeDocument/2006/relationships" xmlns:p="http://schemas.openxmlformats.org/presentationml/2006/main" showMasterSp="0" showMasterPhAnim="0">
   <p:cSld>
     <p:spTree>
@@ -1542,7 +1652,7 @@
 </p:notes>
 </file>
 
-<file path=ppt/notesSlides/notesSlide16.xml><?xml version="1.0" encoding="utf-8"?>
+<file path=ppt/notesSlides/notesSlide17.xml><?xml version="1.0" encoding="utf-8"?>
 <p:notes xmlns:a="http://schemas.openxmlformats.org/drawingml/2006/main" xmlns:r="http://schemas.openxmlformats.org/officeDocument/2006/relationships" xmlns:p="http://schemas.openxmlformats.org/presentationml/2006/main" showMasterSp="0" showMasterPhAnim="0">
   <p:cSld>
     <p:spTree>
@@ -2314,7 +2424,7 @@
   <p:cSld>
     <p:spTree>
       <p:nvGrpSpPr>
-        <p:cNvPr id="1" name="Shape 74"/>
+        <p:cNvPr id="1" name="Shape 69"/>
         <p:cNvGrpSpPr/>
         <p:nvPr/>
       </p:nvGrpSpPr>
@@ -2328,7 +2438,7 @@
       </p:grpSpPr>
       <p:sp>
         <p:nvSpPr>
-          <p:cNvPr id="75" name="Google Shape;75;gac10fef634_0_20:notes"/>
+          <p:cNvPr id="70" name="Google Shape;70;gac10fef634_0_16:notes"/>
           <p:cNvSpPr>
             <a:spLocks noGrp="1" noRot="1" noChangeAspect="1"/>
           </p:cNvSpPr>
@@ -2369,7 +2479,7 @@
       </p:sp>
       <p:sp>
         <p:nvSpPr>
-          <p:cNvPr id="76" name="Google Shape;76;gac10fef634_0_20:notes"/>
+          <p:cNvPr id="71" name="Google Shape;71;gac10fef634_0_16:notes"/>
           <p:cNvSpPr txBox="1">
             <a:spLocks noGrp="1"/>
           </p:cNvSpPr>
@@ -2408,7 +2518,7 @@
     </p:spTree>
     <p:extLst>
       <p:ext uri="{BB962C8B-B14F-4D97-AF65-F5344CB8AC3E}">
-        <p14:creationId xmlns:p14="http://schemas.microsoft.com/office/powerpoint/2010/main" val="3405483479"/>
+        <p14:creationId xmlns:p14="http://schemas.microsoft.com/office/powerpoint/2010/main" val="3937866775"/>
       </p:ext>
     </p:extLst>
   </p:cSld>
@@ -2517,7 +2627,7 @@
     </p:spTree>
     <p:extLst>
       <p:ext uri="{BB962C8B-B14F-4D97-AF65-F5344CB8AC3E}">
-        <p14:creationId xmlns:p14="http://schemas.microsoft.com/office/powerpoint/2010/main" val="1116925877"/>
+        <p14:creationId xmlns:p14="http://schemas.microsoft.com/office/powerpoint/2010/main" val="3405483479"/>
       </p:ext>
     </p:extLst>
   </p:cSld>
@@ -7611,6 +7721,295 @@
             </a:pPr>
             <a:r>
               <a:rPr lang="en" dirty="0"/>
+              <a:t>Component 2 version 2 - Test Plan (?and screenshot)</a:t>
+            </a:r>
+            <a:endParaRPr dirty="0"/>
+          </a:p>
+        </p:txBody>
+      </p:sp>
+      <p:graphicFrame>
+        <p:nvGraphicFramePr>
+          <p:cNvPr id="79" name="Google Shape;79;p17"/>
+          <p:cNvGraphicFramePr/>
+          <p:nvPr>
+            <p:extLst>
+              <p:ext uri="{D42A27DB-BD31-4B8C-83A1-F6EECF244321}">
+                <p14:modId xmlns:p14="http://schemas.microsoft.com/office/powerpoint/2010/main" val="1775466017"/>
+              </p:ext>
+            </p:extLst>
+          </p:nvPr>
+        </p:nvGraphicFramePr>
+        <p:xfrm>
+          <a:off x="311700" y="3433573"/>
+          <a:ext cx="8520600" cy="1737300"/>
+        </p:xfrm>
+        <a:graphic>
+          <a:graphicData uri="http://schemas.openxmlformats.org/drawingml/2006/table">
+            <a:tbl>
+              <a:tblPr>
+                <a:noFill/>
+                <a:tableStyleId>{E1099E06-0E6B-448D-9D27-60429F06E6F4}</a:tableStyleId>
+              </a:tblPr>
+              <a:tblGrid>
+                <a:gridCol w="4260300">
+                  <a:extLst>
+                    <a:ext uri="{9D8B030D-6E8A-4147-A177-3AD203B41FA5}">
+                      <a16:colId xmlns:a16="http://schemas.microsoft.com/office/drawing/2014/main" val="20000"/>
+                    </a:ext>
+                  </a:extLst>
+                </a:gridCol>
+                <a:gridCol w="4260300">
+                  <a:extLst>
+                    <a:ext uri="{9D8B030D-6E8A-4147-A177-3AD203B41FA5}">
+                      <a16:colId xmlns:a16="http://schemas.microsoft.com/office/drawing/2014/main" val="20001"/>
+                    </a:ext>
+                  </a:extLst>
+                </a:gridCol>
+              </a:tblGrid>
+              <a:tr h="381000">
+                <a:tc>
+                  <a:txBody>
+                    <a:bodyPr/>
+                    <a:lstStyle/>
+                    <a:p>
+                      <a:pPr marL="0" lvl="0" indent="0" algn="l" rtl="0">
+                        <a:spcBef>
+                          <a:spcPts val="0"/>
+                        </a:spcBef>
+                        <a:spcAft>
+                          <a:spcPts val="0"/>
+                        </a:spcAft>
+                        <a:buNone/>
+                      </a:pPr>
+                      <a:r>
+                        <a:rPr lang="en" sz="1800" b="1"/>
+                        <a:t>Test Case</a:t>
+                      </a:r>
+                      <a:endParaRPr sz="1800" b="1"/>
+                    </a:p>
+                  </a:txBody>
+                  <a:tcPr marL="91425" marR="91425" marT="91425" marB="91425">
+                    <a:solidFill>
+                      <a:srgbClr val="CCCCCC"/>
+                    </a:solidFill>
+                  </a:tcPr>
+                </a:tc>
+                <a:tc>
+                  <a:txBody>
+                    <a:bodyPr/>
+                    <a:lstStyle/>
+                    <a:p>
+                      <a:pPr marL="0" lvl="0" indent="0" algn="l" rtl="0">
+                        <a:spcBef>
+                          <a:spcPts val="0"/>
+                        </a:spcBef>
+                        <a:spcAft>
+                          <a:spcPts val="0"/>
+                        </a:spcAft>
+                        <a:buNone/>
+                      </a:pPr>
+                      <a:r>
+                        <a:rPr lang="en" sz="1800" b="1"/>
+                        <a:t>Expected Values</a:t>
+                      </a:r>
+                      <a:endParaRPr sz="1800" b="1"/>
+                    </a:p>
+                  </a:txBody>
+                  <a:tcPr marL="91425" marR="91425" marT="91425" marB="91425">
+                    <a:solidFill>
+                      <a:srgbClr val="CCCCCC"/>
+                    </a:solidFill>
+                  </a:tcPr>
+                </a:tc>
+                <a:extLst>
+                  <a:ext uri="{0D108BD9-81ED-4DB2-BD59-A6C34878D82A}">
+                    <a16:rowId xmlns:a16="http://schemas.microsoft.com/office/drawing/2014/main" val="10000"/>
+                  </a:ext>
+                </a:extLst>
+              </a:tr>
+              <a:tr h="396200">
+                <a:tc>
+                  <a:txBody>
+                    <a:bodyPr/>
+                    <a:lstStyle/>
+                    <a:p>
+                      <a:pPr marL="0" lvl="0" indent="0" algn="l" rtl="0">
+                        <a:spcBef>
+                          <a:spcPts val="0"/>
+                        </a:spcBef>
+                        <a:spcAft>
+                          <a:spcPts val="0"/>
+                        </a:spcAft>
+                        <a:buNone/>
+                      </a:pPr>
+                      <a:r>
+                        <a:rPr lang="en-US" sz="1800" dirty="0"/>
+                        <a:t>Run program</a:t>
+                      </a:r>
+                      <a:endParaRPr sz="1800" dirty="0"/>
+                    </a:p>
+                  </a:txBody>
+                  <a:tcPr marL="91425" marR="91425" marT="91425" marB="91425"/>
+                </a:tc>
+                <a:tc>
+                  <a:txBody>
+                    <a:bodyPr/>
+                    <a:lstStyle/>
+                    <a:p>
+                      <a:pPr marL="0" lvl="0" indent="0" algn="l" rtl="0">
+                        <a:spcBef>
+                          <a:spcPts val="0"/>
+                        </a:spcBef>
+                        <a:spcAft>
+                          <a:spcPts val="0"/>
+                        </a:spcAft>
+                        <a:buNone/>
+                      </a:pPr>
+                      <a:r>
+                        <a:rPr lang="en-US" sz="1800" dirty="0"/>
+                        <a:t>Enter p program prints pickup </a:t>
+                      </a:r>
+                    </a:p>
+                    <a:p>
+                      <a:pPr marL="0" lvl="0" indent="0" algn="l" rtl="0">
+                        <a:spcBef>
+                          <a:spcPts val="0"/>
+                        </a:spcBef>
+                        <a:spcAft>
+                          <a:spcPts val="0"/>
+                        </a:spcAft>
+                        <a:buNone/>
+                      </a:pPr>
+                      <a:r>
+                        <a:rPr lang="en-US" sz="1800" dirty="0"/>
+                        <a:t>Enter d program prints delivery</a:t>
+                      </a:r>
+                    </a:p>
+                    <a:p>
+                      <a:pPr marL="0" lvl="0" indent="0" algn="l" rtl="0">
+                        <a:spcBef>
+                          <a:spcPts val="0"/>
+                        </a:spcBef>
+                        <a:spcAft>
+                          <a:spcPts val="0"/>
+                        </a:spcAft>
+                        <a:buNone/>
+                      </a:pPr>
+                      <a:r>
+                        <a:rPr lang="en-US" sz="1800" dirty="0"/>
+                        <a:t>Enter invalid program prints error message</a:t>
+                      </a:r>
+                      <a:endParaRPr sz="1800" dirty="0"/>
+                    </a:p>
+                  </a:txBody>
+                  <a:tcPr marL="91425" marR="91425" marT="91425" marB="91425"/>
+                </a:tc>
+                <a:extLst>
+                  <a:ext uri="{0D108BD9-81ED-4DB2-BD59-A6C34878D82A}">
+                    <a16:rowId xmlns:a16="http://schemas.microsoft.com/office/drawing/2014/main" val="10001"/>
+                  </a:ext>
+                </a:extLst>
+              </a:tr>
+            </a:tbl>
+          </a:graphicData>
+        </a:graphic>
+      </p:graphicFrame>
+      <p:pic>
+        <p:nvPicPr>
+          <p:cNvPr id="4" name="Picture 3">
+            <a:extLst>
+              <a:ext uri="{FF2B5EF4-FFF2-40B4-BE49-F238E27FC236}">
+                <a16:creationId xmlns:a16="http://schemas.microsoft.com/office/drawing/2014/main" id="{A81A5C77-67E9-4621-A23C-14F7C079BBB7}"/>
+              </a:ext>
+            </a:extLst>
+          </p:cNvPr>
+          <p:cNvPicPr>
+            <a:picLocks noChangeAspect="1"/>
+          </p:cNvPicPr>
+          <p:nvPr/>
+        </p:nvPicPr>
+        <p:blipFill>
+          <a:blip r:embed="rId3"/>
+          <a:stretch>
+            <a:fillRect/>
+          </a:stretch>
+        </p:blipFill>
+        <p:spPr>
+          <a:xfrm>
+            <a:off x="2785825" y="1089226"/>
+            <a:ext cx="2687323" cy="2121821"/>
+          </a:xfrm>
+          <a:prstGeom prst="rect">
+            <a:avLst/>
+          </a:prstGeom>
+        </p:spPr>
+      </p:pic>
+    </p:spTree>
+    <p:extLst>
+      <p:ext uri="{BB962C8B-B14F-4D97-AF65-F5344CB8AC3E}">
+        <p14:creationId xmlns:p14="http://schemas.microsoft.com/office/powerpoint/2010/main" val="877091840"/>
+      </p:ext>
+    </p:extLst>
+  </p:cSld>
+  <p:clrMapOvr>
+    <a:masterClrMapping/>
+  </p:clrMapOvr>
+</p:sld>
+</file>
+
+<file path=ppt/slides/slide11.xml><?xml version="1.0" encoding="utf-8"?>
+<p:sld xmlns:a="http://schemas.openxmlformats.org/drawingml/2006/main" xmlns:r="http://schemas.openxmlformats.org/officeDocument/2006/relationships" xmlns:p="http://schemas.openxmlformats.org/presentationml/2006/main">
+  <p:cSld>
+    <p:spTree>
+      <p:nvGrpSpPr>
+        <p:cNvPr id="1" name="Shape 77"/>
+        <p:cNvGrpSpPr/>
+        <p:nvPr/>
+      </p:nvGrpSpPr>
+      <p:grpSpPr>
+        <a:xfrm>
+          <a:off x="0" y="0"/>
+          <a:ext cx="0" cy="0"/>
+          <a:chOff x="0" y="0"/>
+          <a:chExt cx="0" cy="0"/>
+        </a:xfrm>
+      </p:grpSpPr>
+      <p:sp>
+        <p:nvSpPr>
+          <p:cNvPr id="78" name="Google Shape;78;p17"/>
+          <p:cNvSpPr txBox="1">
+            <a:spLocks noGrp="1"/>
+          </p:cNvSpPr>
+          <p:nvPr>
+            <p:ph type="title"/>
+          </p:nvPr>
+        </p:nvSpPr>
+        <p:spPr>
+          <a:xfrm>
+            <a:off x="311700" y="445025"/>
+            <a:ext cx="8520600" cy="572700"/>
+          </a:xfrm>
+          <a:prstGeom prst="rect">
+            <a:avLst/>
+          </a:prstGeom>
+        </p:spPr>
+        <p:txBody>
+          <a:bodyPr spcFirstLastPara="1" wrap="square" lIns="91425" tIns="91425" rIns="91425" bIns="91425" anchor="t" anchorCtr="0">
+            <a:noAutofit/>
+          </a:bodyPr>
+          <a:lstStyle/>
+          <a:p>
+            <a:pPr marL="0" lvl="0" indent="0" algn="l" rtl="0">
+              <a:spcBef>
+                <a:spcPts val="0"/>
+              </a:spcBef>
+              <a:spcAft>
+                <a:spcPts val="0"/>
+              </a:spcAft>
+              <a:buNone/>
+            </a:pPr>
+            <a:r>
+              <a:rPr lang="en" dirty="0"/>
               <a:t>Component 2 version 3 - Test Plan (?and screenshot)</a:t>
             </a:r>
             <a:endParaRPr dirty="0"/>
@@ -7847,7 +8246,7 @@
 </p:sld>
 </file>
 
-<file path=ppt/slides/slide11.xml><?xml version="1.0" encoding="utf-8"?>
+<file path=ppt/slides/slide12.xml><?xml version="1.0" encoding="utf-8"?>
 <p:sld xmlns:a="http://schemas.openxmlformats.org/drawingml/2006/main" xmlns:r="http://schemas.openxmlformats.org/officeDocument/2006/relationships" xmlns:p="http://schemas.openxmlformats.org/presentationml/2006/main">
   <p:cSld>
     <p:spTree>
@@ -8181,7 +8580,7 @@
 </p:sld>
 </file>
 
-<file path=ppt/slides/slide12.xml><?xml version="1.0" encoding="utf-8"?>
+<file path=ppt/slides/slide13.xml><?xml version="1.0" encoding="utf-8"?>
 <p:sld xmlns:a="http://schemas.openxmlformats.org/drawingml/2006/main" xmlns:r="http://schemas.openxmlformats.org/officeDocument/2006/relationships" xmlns:p="http://schemas.openxmlformats.org/presentationml/2006/main">
   <p:cSld>
     <p:spTree>
@@ -8531,7 +8930,7 @@
 </p:sld>
 </file>
 
-<file path=ppt/slides/slide13.xml><?xml version="1.0" encoding="utf-8"?>
+<file path=ppt/slides/slide14.xml><?xml version="1.0" encoding="utf-8"?>
 <p:sld xmlns:a="http://schemas.openxmlformats.org/drawingml/2006/main" xmlns:r="http://schemas.openxmlformats.org/officeDocument/2006/relationships" xmlns:p="http://schemas.openxmlformats.org/presentationml/2006/main">
   <p:cSld>
     <p:bg>
@@ -8611,7 +9010,7 @@
 </p:sld>
 </file>
 
-<file path=ppt/slides/slide14.xml><?xml version="1.0" encoding="utf-8"?>
+<file path=ppt/slides/slide15.xml><?xml version="1.0" encoding="utf-8"?>
 <p:sld xmlns:a="http://schemas.openxmlformats.org/drawingml/2006/main" xmlns:r="http://schemas.openxmlformats.org/officeDocument/2006/relationships" xmlns:p="http://schemas.openxmlformats.org/presentationml/2006/main">
   <p:cSld>
     <p:spTree>
@@ -8826,7 +9225,7 @@
 </p:sld>
 </file>
 
-<file path=ppt/slides/slide15.xml><?xml version="1.0" encoding="utf-8"?>
+<file path=ppt/slides/slide16.xml><?xml version="1.0" encoding="utf-8"?>
 <p:sld xmlns:a="http://schemas.openxmlformats.org/drawingml/2006/main" xmlns:r="http://schemas.openxmlformats.org/officeDocument/2006/relationships" xmlns:p="http://schemas.openxmlformats.org/presentationml/2006/main">
   <p:cSld>
     <p:bg>
@@ -8943,7 +9342,7 @@
 </p:sld>
 </file>
 
-<file path=ppt/slides/slide16.xml><?xml version="1.0" encoding="utf-8"?>
+<file path=ppt/slides/slide17.xml><?xml version="1.0" encoding="utf-8"?>
 <p:sld xmlns:a="http://schemas.openxmlformats.org/drawingml/2006/main" xmlns:r="http://schemas.openxmlformats.org/officeDocument/2006/relationships" xmlns:p="http://schemas.openxmlformats.org/presentationml/2006/main">
   <p:cSld>
     <p:bg>
@@ -10201,6 +10600,116 @@
 <file path=ppt/slides/slide8.xml><?xml version="1.0" encoding="utf-8"?>
 <p:sld xmlns:a="http://schemas.openxmlformats.org/drawingml/2006/main" xmlns:r="http://schemas.openxmlformats.org/officeDocument/2006/relationships" xmlns:p="http://schemas.openxmlformats.org/presentationml/2006/main">
   <p:cSld>
+    <p:bg>
+      <p:bgPr>
+        <a:solidFill>
+          <a:srgbClr val="D9EAD3"/>
+        </a:solidFill>
+        <a:effectLst/>
+      </p:bgPr>
+    </p:bg>
+    <p:spTree>
+      <p:nvGrpSpPr>
+        <p:cNvPr id="1" name="Shape 72"/>
+        <p:cNvGrpSpPr/>
+        <p:nvPr/>
+      </p:nvGrpSpPr>
+      <p:grpSpPr>
+        <a:xfrm>
+          <a:off x="0" y="0"/>
+          <a:ext cx="0" cy="0"/>
+          <a:chOff x="0" y="0"/>
+          <a:chExt cx="0" cy="0"/>
+        </a:xfrm>
+      </p:grpSpPr>
+      <p:sp>
+        <p:nvSpPr>
+          <p:cNvPr id="73" name="Google Shape;73;p16"/>
+          <p:cNvSpPr txBox="1">
+            <a:spLocks noGrp="1"/>
+          </p:cNvSpPr>
+          <p:nvPr>
+            <p:ph type="title"/>
+          </p:nvPr>
+        </p:nvSpPr>
+        <p:spPr>
+          <a:xfrm>
+            <a:off x="311700" y="445025"/>
+            <a:ext cx="8520600" cy="572700"/>
+          </a:xfrm>
+          <a:prstGeom prst="rect">
+            <a:avLst/>
+          </a:prstGeom>
+        </p:spPr>
+        <p:txBody>
+          <a:bodyPr spcFirstLastPara="1" wrap="square" lIns="91425" tIns="91425" rIns="91425" bIns="91425" anchor="t" anchorCtr="0">
+            <a:noAutofit/>
+          </a:bodyPr>
+          <a:lstStyle/>
+          <a:p>
+            <a:pPr marL="0" lvl="0" indent="0" algn="l" rtl="0">
+              <a:spcBef>
+                <a:spcPts val="0"/>
+              </a:spcBef>
+              <a:spcAft>
+                <a:spcPts val="0"/>
+              </a:spcAft>
+              <a:buNone/>
+            </a:pPr>
+            <a:r>
+              <a:rPr lang="en" dirty="0"/>
+              <a:t>Component 2 version 2 (Trello screenshot)</a:t>
+            </a:r>
+            <a:endParaRPr dirty="0"/>
+          </a:p>
+        </p:txBody>
+      </p:sp>
+      <p:pic>
+        <p:nvPicPr>
+          <p:cNvPr id="5" name="Picture 4">
+            <a:extLst>
+              <a:ext uri="{FF2B5EF4-FFF2-40B4-BE49-F238E27FC236}">
+                <a16:creationId xmlns:a16="http://schemas.microsoft.com/office/drawing/2014/main" id="{D26BA006-9CD7-4677-AA8F-7C82AB23FA4C}"/>
+              </a:ext>
+            </a:extLst>
+          </p:cNvPr>
+          <p:cNvPicPr>
+            <a:picLocks noChangeAspect="1"/>
+          </p:cNvPicPr>
+          <p:nvPr/>
+        </p:nvPicPr>
+        <p:blipFill>
+          <a:blip r:embed="rId3"/>
+          <a:stretch>
+            <a:fillRect/>
+          </a:stretch>
+        </p:blipFill>
+        <p:spPr>
+          <a:xfrm>
+            <a:off x="1046921" y="1339182"/>
+            <a:ext cx="7018250" cy="3153305"/>
+          </a:xfrm>
+          <a:prstGeom prst="rect">
+            <a:avLst/>
+          </a:prstGeom>
+        </p:spPr>
+      </p:pic>
+    </p:spTree>
+    <p:extLst>
+      <p:ext uri="{BB962C8B-B14F-4D97-AF65-F5344CB8AC3E}">
+        <p14:creationId xmlns:p14="http://schemas.microsoft.com/office/powerpoint/2010/main" val="1210210978"/>
+      </p:ext>
+    </p:extLst>
+  </p:cSld>
+  <p:clrMapOvr>
+    <a:masterClrMapping/>
+  </p:clrMapOvr>
+</p:sld>
+</file>
+
+<file path=ppt/slides/slide9.xml><?xml version="1.0" encoding="utf-8"?>
+<p:sld xmlns:a="http://schemas.openxmlformats.org/drawingml/2006/main" xmlns:r="http://schemas.openxmlformats.org/officeDocument/2006/relationships" xmlns:p="http://schemas.openxmlformats.org/presentationml/2006/main">
+  <p:cSld>
     <p:spTree>
       <p:nvGrpSpPr>
         <p:cNvPr id="1" name="Shape 77"/>
@@ -10478,295 +10987,6 @@
     <p:extLst>
       <p:ext uri="{BB962C8B-B14F-4D97-AF65-F5344CB8AC3E}">
         <p14:creationId xmlns:p14="http://schemas.microsoft.com/office/powerpoint/2010/main" val="1610753565"/>
-      </p:ext>
-    </p:extLst>
-  </p:cSld>
-  <p:clrMapOvr>
-    <a:masterClrMapping/>
-  </p:clrMapOvr>
-</p:sld>
-</file>
-
-<file path=ppt/slides/slide9.xml><?xml version="1.0" encoding="utf-8"?>
-<p:sld xmlns:a="http://schemas.openxmlformats.org/drawingml/2006/main" xmlns:r="http://schemas.openxmlformats.org/officeDocument/2006/relationships" xmlns:p="http://schemas.openxmlformats.org/presentationml/2006/main">
-  <p:cSld>
-    <p:spTree>
-      <p:nvGrpSpPr>
-        <p:cNvPr id="1" name="Shape 77"/>
-        <p:cNvGrpSpPr/>
-        <p:nvPr/>
-      </p:nvGrpSpPr>
-      <p:grpSpPr>
-        <a:xfrm>
-          <a:off x="0" y="0"/>
-          <a:ext cx="0" cy="0"/>
-          <a:chOff x="0" y="0"/>
-          <a:chExt cx="0" cy="0"/>
-        </a:xfrm>
-      </p:grpSpPr>
-      <p:sp>
-        <p:nvSpPr>
-          <p:cNvPr id="78" name="Google Shape;78;p17"/>
-          <p:cNvSpPr txBox="1">
-            <a:spLocks noGrp="1"/>
-          </p:cNvSpPr>
-          <p:nvPr>
-            <p:ph type="title"/>
-          </p:nvPr>
-        </p:nvSpPr>
-        <p:spPr>
-          <a:xfrm>
-            <a:off x="311700" y="445025"/>
-            <a:ext cx="8520600" cy="572700"/>
-          </a:xfrm>
-          <a:prstGeom prst="rect">
-            <a:avLst/>
-          </a:prstGeom>
-        </p:spPr>
-        <p:txBody>
-          <a:bodyPr spcFirstLastPara="1" wrap="square" lIns="91425" tIns="91425" rIns="91425" bIns="91425" anchor="t" anchorCtr="0">
-            <a:noAutofit/>
-          </a:bodyPr>
-          <a:lstStyle/>
-          <a:p>
-            <a:pPr marL="0" lvl="0" indent="0" algn="l" rtl="0">
-              <a:spcBef>
-                <a:spcPts val="0"/>
-              </a:spcBef>
-              <a:spcAft>
-                <a:spcPts val="0"/>
-              </a:spcAft>
-              <a:buNone/>
-            </a:pPr>
-            <a:r>
-              <a:rPr lang="en" dirty="0"/>
-              <a:t>Component 2 version 2 - Test Plan (?and screenshot)</a:t>
-            </a:r>
-            <a:endParaRPr dirty="0"/>
-          </a:p>
-        </p:txBody>
-      </p:sp>
-      <p:graphicFrame>
-        <p:nvGraphicFramePr>
-          <p:cNvPr id="79" name="Google Shape;79;p17"/>
-          <p:cNvGraphicFramePr/>
-          <p:nvPr>
-            <p:extLst>
-              <p:ext uri="{D42A27DB-BD31-4B8C-83A1-F6EECF244321}">
-                <p14:modId xmlns:p14="http://schemas.microsoft.com/office/powerpoint/2010/main" val="1775466017"/>
-              </p:ext>
-            </p:extLst>
-          </p:nvPr>
-        </p:nvGraphicFramePr>
-        <p:xfrm>
-          <a:off x="311700" y="3433573"/>
-          <a:ext cx="8520600" cy="1737300"/>
-        </p:xfrm>
-        <a:graphic>
-          <a:graphicData uri="http://schemas.openxmlformats.org/drawingml/2006/table">
-            <a:tbl>
-              <a:tblPr>
-                <a:noFill/>
-                <a:tableStyleId>{E1099E06-0E6B-448D-9D27-60429F06E6F4}</a:tableStyleId>
-              </a:tblPr>
-              <a:tblGrid>
-                <a:gridCol w="4260300">
-                  <a:extLst>
-                    <a:ext uri="{9D8B030D-6E8A-4147-A177-3AD203B41FA5}">
-                      <a16:colId xmlns:a16="http://schemas.microsoft.com/office/drawing/2014/main" val="20000"/>
-                    </a:ext>
-                  </a:extLst>
-                </a:gridCol>
-                <a:gridCol w="4260300">
-                  <a:extLst>
-                    <a:ext uri="{9D8B030D-6E8A-4147-A177-3AD203B41FA5}">
-                      <a16:colId xmlns:a16="http://schemas.microsoft.com/office/drawing/2014/main" val="20001"/>
-                    </a:ext>
-                  </a:extLst>
-                </a:gridCol>
-              </a:tblGrid>
-              <a:tr h="381000">
-                <a:tc>
-                  <a:txBody>
-                    <a:bodyPr/>
-                    <a:lstStyle/>
-                    <a:p>
-                      <a:pPr marL="0" lvl="0" indent="0" algn="l" rtl="0">
-                        <a:spcBef>
-                          <a:spcPts val="0"/>
-                        </a:spcBef>
-                        <a:spcAft>
-                          <a:spcPts val="0"/>
-                        </a:spcAft>
-                        <a:buNone/>
-                      </a:pPr>
-                      <a:r>
-                        <a:rPr lang="en" sz="1800" b="1"/>
-                        <a:t>Test Case</a:t>
-                      </a:r>
-                      <a:endParaRPr sz="1800" b="1"/>
-                    </a:p>
-                  </a:txBody>
-                  <a:tcPr marL="91425" marR="91425" marT="91425" marB="91425">
-                    <a:solidFill>
-                      <a:srgbClr val="CCCCCC"/>
-                    </a:solidFill>
-                  </a:tcPr>
-                </a:tc>
-                <a:tc>
-                  <a:txBody>
-                    <a:bodyPr/>
-                    <a:lstStyle/>
-                    <a:p>
-                      <a:pPr marL="0" lvl="0" indent="0" algn="l" rtl="0">
-                        <a:spcBef>
-                          <a:spcPts val="0"/>
-                        </a:spcBef>
-                        <a:spcAft>
-                          <a:spcPts val="0"/>
-                        </a:spcAft>
-                        <a:buNone/>
-                      </a:pPr>
-                      <a:r>
-                        <a:rPr lang="en" sz="1800" b="1"/>
-                        <a:t>Expected Values</a:t>
-                      </a:r>
-                      <a:endParaRPr sz="1800" b="1"/>
-                    </a:p>
-                  </a:txBody>
-                  <a:tcPr marL="91425" marR="91425" marT="91425" marB="91425">
-                    <a:solidFill>
-                      <a:srgbClr val="CCCCCC"/>
-                    </a:solidFill>
-                  </a:tcPr>
-                </a:tc>
-                <a:extLst>
-                  <a:ext uri="{0D108BD9-81ED-4DB2-BD59-A6C34878D82A}">
-                    <a16:rowId xmlns:a16="http://schemas.microsoft.com/office/drawing/2014/main" val="10000"/>
-                  </a:ext>
-                </a:extLst>
-              </a:tr>
-              <a:tr h="396200">
-                <a:tc>
-                  <a:txBody>
-                    <a:bodyPr/>
-                    <a:lstStyle/>
-                    <a:p>
-                      <a:pPr marL="0" lvl="0" indent="0" algn="l" rtl="0">
-                        <a:spcBef>
-                          <a:spcPts val="0"/>
-                        </a:spcBef>
-                        <a:spcAft>
-                          <a:spcPts val="0"/>
-                        </a:spcAft>
-                        <a:buNone/>
-                      </a:pPr>
-                      <a:r>
-                        <a:rPr lang="en-US" sz="1800" dirty="0"/>
-                        <a:t>Run program</a:t>
-                      </a:r>
-                      <a:endParaRPr sz="1800" dirty="0"/>
-                    </a:p>
-                  </a:txBody>
-                  <a:tcPr marL="91425" marR="91425" marT="91425" marB="91425"/>
-                </a:tc>
-                <a:tc>
-                  <a:txBody>
-                    <a:bodyPr/>
-                    <a:lstStyle/>
-                    <a:p>
-                      <a:pPr marL="0" lvl="0" indent="0" algn="l" rtl="0">
-                        <a:spcBef>
-                          <a:spcPts val="0"/>
-                        </a:spcBef>
-                        <a:spcAft>
-                          <a:spcPts val="0"/>
-                        </a:spcAft>
-                        <a:buNone/>
-                      </a:pPr>
-                      <a:r>
-                        <a:rPr lang="en-US" sz="1800" dirty="0"/>
-                        <a:t>Enter p program prints pickup </a:t>
-                      </a:r>
-                    </a:p>
-                    <a:p>
-                      <a:pPr marL="0" lvl="0" indent="0" algn="l" rtl="0">
-                        <a:spcBef>
-                          <a:spcPts val="0"/>
-                        </a:spcBef>
-                        <a:spcAft>
-                          <a:spcPts val="0"/>
-                        </a:spcAft>
-                        <a:buNone/>
-                      </a:pPr>
-                      <a:r>
-                        <a:rPr lang="en-US" sz="1800" dirty="0"/>
-                        <a:t>Enter d program prints delivery</a:t>
-                      </a:r>
-                    </a:p>
-                    <a:p>
-                      <a:pPr marL="0" lvl="0" indent="0" algn="l" rtl="0">
-                        <a:spcBef>
-                          <a:spcPts val="0"/>
-                        </a:spcBef>
-                        <a:spcAft>
-                          <a:spcPts val="0"/>
-                        </a:spcAft>
-                        <a:buNone/>
-                      </a:pPr>
-                      <a:r>
-                        <a:rPr lang="en-US" sz="1800" dirty="0"/>
-                        <a:t>Enter invalid program prints error message</a:t>
-                      </a:r>
-                      <a:endParaRPr sz="1800" dirty="0"/>
-                    </a:p>
-                  </a:txBody>
-                  <a:tcPr marL="91425" marR="91425" marT="91425" marB="91425"/>
-                </a:tc>
-                <a:extLst>
-                  <a:ext uri="{0D108BD9-81ED-4DB2-BD59-A6C34878D82A}">
-                    <a16:rowId xmlns:a16="http://schemas.microsoft.com/office/drawing/2014/main" val="10001"/>
-                  </a:ext>
-                </a:extLst>
-              </a:tr>
-            </a:tbl>
-          </a:graphicData>
-        </a:graphic>
-      </p:graphicFrame>
-      <p:pic>
-        <p:nvPicPr>
-          <p:cNvPr id="4" name="Picture 3">
-            <a:extLst>
-              <a:ext uri="{FF2B5EF4-FFF2-40B4-BE49-F238E27FC236}">
-                <a16:creationId xmlns:a16="http://schemas.microsoft.com/office/drawing/2014/main" id="{A81A5C77-67E9-4621-A23C-14F7C079BBB7}"/>
-              </a:ext>
-            </a:extLst>
-          </p:cNvPr>
-          <p:cNvPicPr>
-            <a:picLocks noChangeAspect="1"/>
-          </p:cNvPicPr>
-          <p:nvPr/>
-        </p:nvPicPr>
-        <p:blipFill>
-          <a:blip r:embed="rId3"/>
-          <a:stretch>
-            <a:fillRect/>
-          </a:stretch>
-        </p:blipFill>
-        <p:spPr>
-          <a:xfrm>
-            <a:off x="2785825" y="1089226"/>
-            <a:ext cx="2687323" cy="2121821"/>
-          </a:xfrm>
-          <a:prstGeom prst="rect">
-            <a:avLst/>
-          </a:prstGeom>
-        </p:spPr>
-      </p:pic>
-    </p:spTree>
-    <p:extLst>
-      <p:ext uri="{BB962C8B-B14F-4D97-AF65-F5344CB8AC3E}">
-        <p14:creationId xmlns:p14="http://schemas.microsoft.com/office/powerpoint/2010/main" val="877091840"/>
       </p:ext>
     </p:extLst>
   </p:cSld>

--- a/022_91893+_+91897+Documentation.pptx
+++ b/022_91893+_+91897+Documentation.pptx
@@ -5,7 +5,7 @@
     <p:sldMasterId id="2147483659" r:id="rId1"/>
   </p:sldMasterIdLst>
   <p:notesMasterIdLst>
-    <p:notesMasterId r:id="rId19"/>
+    <p:notesMasterId r:id="rId20"/>
   </p:notesMasterIdLst>
   <p:sldIdLst>
     <p:sldId id="256" r:id="rId2"/>
@@ -23,8 +23,9 @@
     <p:sldId id="271" r:id="rId14"/>
     <p:sldId id="267" r:id="rId15"/>
     <p:sldId id="264" r:id="rId16"/>
-    <p:sldId id="261" r:id="rId17"/>
-    <p:sldId id="262" r:id="rId18"/>
+    <p:sldId id="273" r:id="rId17"/>
+    <p:sldId id="261" r:id="rId18"/>
+    <p:sldId id="262" r:id="rId19"/>
   </p:sldIdLst>
   <p:sldSz cx="9144000" cy="5143500" type="screen16x9"/>
   <p:notesSz cx="6858000" cy="9144000"/>
@@ -1532,6 +1533,115 @@
   <p:cSld>
     <p:spTree>
       <p:nvGrpSpPr>
+        <p:cNvPr id="1" name="Shape 74"/>
+        <p:cNvGrpSpPr/>
+        <p:nvPr/>
+      </p:nvGrpSpPr>
+      <p:grpSpPr>
+        <a:xfrm>
+          <a:off x="0" y="0"/>
+          <a:ext cx="0" cy="0"/>
+          <a:chOff x="0" y="0"/>
+          <a:chExt cx="0" cy="0"/>
+        </a:xfrm>
+      </p:grpSpPr>
+      <p:sp>
+        <p:nvSpPr>
+          <p:cNvPr id="75" name="Google Shape;75;gac10fef634_0_20:notes"/>
+          <p:cNvSpPr>
+            <a:spLocks noGrp="1" noRot="1" noChangeAspect="1"/>
+          </p:cNvSpPr>
+          <p:nvPr>
+            <p:ph type="sldImg" idx="2"/>
+          </p:nvPr>
+        </p:nvSpPr>
+        <p:spPr>
+          <a:xfrm>
+            <a:off x="381000" y="685800"/>
+            <a:ext cx="6096000" cy="3429000"/>
+          </a:xfrm>
+          <a:custGeom>
+            <a:avLst/>
+            <a:gdLst/>
+            <a:ahLst/>
+            <a:cxnLst/>
+            <a:rect l="l" t="t" r="r" b="b"/>
+            <a:pathLst>
+              <a:path w="120000" h="120000" extrusionOk="0">
+                <a:moveTo>
+                  <a:pt x="0" y="0"/>
+                </a:moveTo>
+                <a:lnTo>
+                  <a:pt x="120000" y="0"/>
+                </a:lnTo>
+                <a:lnTo>
+                  <a:pt x="120000" y="120000"/>
+                </a:lnTo>
+                <a:lnTo>
+                  <a:pt x="0" y="120000"/>
+                </a:lnTo>
+                <a:close/>
+              </a:path>
+            </a:pathLst>
+          </a:custGeom>
+        </p:spPr>
+      </p:sp>
+      <p:sp>
+        <p:nvSpPr>
+          <p:cNvPr id="76" name="Google Shape;76;gac10fef634_0_20:notes"/>
+          <p:cNvSpPr txBox="1">
+            <a:spLocks noGrp="1"/>
+          </p:cNvSpPr>
+          <p:nvPr>
+            <p:ph type="body" idx="1"/>
+          </p:nvPr>
+        </p:nvSpPr>
+        <p:spPr>
+          <a:xfrm>
+            <a:off x="685800" y="4343400"/>
+            <a:ext cx="5486400" cy="4114800"/>
+          </a:xfrm>
+          <a:prstGeom prst="rect">
+            <a:avLst/>
+          </a:prstGeom>
+        </p:spPr>
+        <p:txBody>
+          <a:bodyPr spcFirstLastPara="1" wrap="square" lIns="91425" tIns="91425" rIns="91425" bIns="91425" anchor="t" anchorCtr="0">
+            <a:noAutofit/>
+          </a:bodyPr>
+          <a:lstStyle/>
+          <a:p>
+            <a:pPr marL="0" lvl="0" indent="0" algn="l" rtl="0">
+              <a:spcBef>
+                <a:spcPts val="0"/>
+              </a:spcBef>
+              <a:spcAft>
+                <a:spcPts val="0"/>
+              </a:spcAft>
+              <a:buNone/>
+            </a:pPr>
+            <a:endParaRPr/>
+          </a:p>
+        </p:txBody>
+      </p:sp>
+    </p:spTree>
+    <p:extLst>
+      <p:ext uri="{BB962C8B-B14F-4D97-AF65-F5344CB8AC3E}">
+        <p14:creationId xmlns:p14="http://schemas.microsoft.com/office/powerpoint/2010/main" val="1462083619"/>
+      </p:ext>
+    </p:extLst>
+  </p:cSld>
+  <p:clrMapOvr>
+    <a:masterClrMapping/>
+  </p:clrMapOvr>
+</p:notes>
+</file>
+
+<file path=ppt/notesSlides/notesSlide17.xml><?xml version="1.0" encoding="utf-8"?>
+<p:notes xmlns:a="http://schemas.openxmlformats.org/drawingml/2006/main" xmlns:r="http://schemas.openxmlformats.org/officeDocument/2006/relationships" xmlns:p="http://schemas.openxmlformats.org/presentationml/2006/main" showMasterSp="0" showMasterPhAnim="0">
+  <p:cSld>
+    <p:spTree>
+      <p:nvGrpSpPr>
         <p:cNvPr id="1" name="Shape 80"/>
         <p:cNvGrpSpPr/>
         <p:nvPr/>
@@ -1652,7 +1762,7 @@
 </p:notes>
 </file>
 
-<file path=ppt/notesSlides/notesSlide17.xml><?xml version="1.0" encoding="utf-8"?>
+<file path=ppt/notesSlides/notesSlide18.xml><?xml version="1.0" encoding="utf-8"?>
 <p:notes xmlns:a="http://schemas.openxmlformats.org/drawingml/2006/main" xmlns:r="http://schemas.openxmlformats.org/officeDocument/2006/relationships" xmlns:p="http://schemas.openxmlformats.org/presentationml/2006/main" showMasterSp="0" showMasterPhAnim="0">
   <p:cSld>
     <p:spTree>
@@ -8991,12 +9101,42 @@
             </a:pPr>
             <a:r>
               <a:rPr lang="en" dirty="0"/>
-              <a:t>Component 2 (Trello screenshot)</a:t>
+              <a:t>Component 3 (Trello screenshot)</a:t>
             </a:r>
             <a:endParaRPr dirty="0"/>
           </a:p>
         </p:txBody>
       </p:sp>
+      <p:pic>
+        <p:nvPicPr>
+          <p:cNvPr id="3" name="Picture 2">
+            <a:extLst>
+              <a:ext uri="{FF2B5EF4-FFF2-40B4-BE49-F238E27FC236}">
+                <a16:creationId xmlns:a16="http://schemas.microsoft.com/office/drawing/2014/main" id="{699D2BC1-BC98-4F6D-BAB2-102ADC32DC1A}"/>
+              </a:ext>
+            </a:extLst>
+          </p:cNvPr>
+          <p:cNvPicPr>
+            <a:picLocks noChangeAspect="1"/>
+          </p:cNvPicPr>
+          <p:nvPr/>
+        </p:nvPicPr>
+        <p:blipFill>
+          <a:blip r:embed="rId3"/>
+          <a:stretch>
+            <a:fillRect/>
+          </a:stretch>
+        </p:blipFill>
+        <p:spPr>
+          <a:xfrm>
+            <a:off x="311700" y="1152654"/>
+            <a:ext cx="7927160" cy="3379590"/>
+          </a:xfrm>
+          <a:prstGeom prst="rect">
+            <a:avLst/>
+          </a:prstGeom>
+        </p:spPr>
+      </p:pic>
     </p:spTree>
     <p:extLst>
       <p:ext uri="{BB962C8B-B14F-4D97-AF65-F5344CB8AC3E}">
@@ -9063,7 +9203,333 @@
             </a:pPr>
             <a:r>
               <a:rPr lang="en" dirty="0"/>
-              <a:t>Component 2 - Test Plan (?and screenshot)</a:t>
+              <a:t>Component 3 version 1 - Test Plan (?and screenshot)</a:t>
+            </a:r>
+            <a:endParaRPr dirty="0"/>
+          </a:p>
+        </p:txBody>
+      </p:sp>
+      <p:graphicFrame>
+        <p:nvGraphicFramePr>
+          <p:cNvPr id="79" name="Google Shape;79;p17"/>
+          <p:cNvGraphicFramePr/>
+          <p:nvPr>
+            <p:extLst>
+              <p:ext uri="{D42A27DB-BD31-4B8C-83A1-F6EECF244321}">
+                <p14:modId xmlns:p14="http://schemas.microsoft.com/office/powerpoint/2010/main" val="2255455525"/>
+              </p:ext>
+            </p:extLst>
+          </p:nvPr>
+        </p:nvGraphicFramePr>
+        <p:xfrm>
+          <a:off x="311700" y="3574139"/>
+          <a:ext cx="8520600" cy="1280100"/>
+        </p:xfrm>
+        <a:graphic>
+          <a:graphicData uri="http://schemas.openxmlformats.org/drawingml/2006/table">
+            <a:tbl>
+              <a:tblPr>
+                <a:noFill/>
+                <a:tableStyleId>{E1099E06-0E6B-448D-9D27-60429F06E6F4}</a:tableStyleId>
+              </a:tblPr>
+              <a:tblGrid>
+                <a:gridCol w="4260300">
+                  <a:extLst>
+                    <a:ext uri="{9D8B030D-6E8A-4147-A177-3AD203B41FA5}">
+                      <a16:colId xmlns:a16="http://schemas.microsoft.com/office/drawing/2014/main" val="20000"/>
+                    </a:ext>
+                  </a:extLst>
+                </a:gridCol>
+                <a:gridCol w="4260300">
+                  <a:extLst>
+                    <a:ext uri="{9D8B030D-6E8A-4147-A177-3AD203B41FA5}">
+                      <a16:colId xmlns:a16="http://schemas.microsoft.com/office/drawing/2014/main" val="20001"/>
+                    </a:ext>
+                  </a:extLst>
+                </a:gridCol>
+              </a:tblGrid>
+              <a:tr h="381000">
+                <a:tc>
+                  <a:txBody>
+                    <a:bodyPr/>
+                    <a:lstStyle/>
+                    <a:p>
+                      <a:pPr marL="0" lvl="0" indent="0" algn="l" rtl="0">
+                        <a:spcBef>
+                          <a:spcPts val="0"/>
+                        </a:spcBef>
+                        <a:spcAft>
+                          <a:spcPts val="0"/>
+                        </a:spcAft>
+                        <a:buNone/>
+                      </a:pPr>
+                      <a:r>
+                        <a:rPr lang="en" sz="1800" b="1" dirty="0"/>
+                        <a:t>Test Case</a:t>
+                      </a:r>
+                      <a:endParaRPr sz="1800" b="1" dirty="0"/>
+                    </a:p>
+                  </a:txBody>
+                  <a:tcPr marL="91425" marR="91425" marT="91425" marB="91425">
+                    <a:solidFill>
+                      <a:srgbClr val="CCCCCC"/>
+                    </a:solidFill>
+                  </a:tcPr>
+                </a:tc>
+                <a:tc>
+                  <a:txBody>
+                    <a:bodyPr/>
+                    <a:lstStyle/>
+                    <a:p>
+                      <a:pPr marL="0" lvl="0" indent="0" algn="l" rtl="0">
+                        <a:spcBef>
+                          <a:spcPts val="0"/>
+                        </a:spcBef>
+                        <a:spcAft>
+                          <a:spcPts val="0"/>
+                        </a:spcAft>
+                        <a:buNone/>
+                      </a:pPr>
+                      <a:r>
+                        <a:rPr lang="en" sz="1800" b="1"/>
+                        <a:t>Expected Values</a:t>
+                      </a:r>
+                      <a:endParaRPr sz="1800" b="1"/>
+                    </a:p>
+                  </a:txBody>
+                  <a:tcPr marL="91425" marR="91425" marT="91425" marB="91425">
+                    <a:solidFill>
+                      <a:srgbClr val="CCCCCC"/>
+                    </a:solidFill>
+                  </a:tcPr>
+                </a:tc>
+                <a:extLst>
+                  <a:ext uri="{0D108BD9-81ED-4DB2-BD59-A6C34878D82A}">
+                    <a16:rowId xmlns:a16="http://schemas.microsoft.com/office/drawing/2014/main" val="10000"/>
+                  </a:ext>
+                </a:extLst>
+              </a:tr>
+              <a:tr h="396200">
+                <a:tc>
+                  <a:txBody>
+                    <a:bodyPr/>
+                    <a:lstStyle/>
+                    <a:p>
+                      <a:pPr marL="0" lvl="0" indent="0" algn="l" rtl="0">
+                        <a:spcBef>
+                          <a:spcPts val="0"/>
+                        </a:spcBef>
+                        <a:spcAft>
+                          <a:spcPts val="0"/>
+                        </a:spcAft>
+                        <a:buNone/>
+                      </a:pPr>
+                      <a:r>
+                        <a:rPr lang="en-US" sz="1400" dirty="0"/>
+                        <a:t>Input name </a:t>
+                      </a:r>
+                    </a:p>
+                    <a:p>
+                      <a:pPr marL="0" lvl="0" indent="0" algn="l" rtl="0">
+                        <a:spcBef>
+                          <a:spcPts val="0"/>
+                        </a:spcBef>
+                        <a:spcAft>
+                          <a:spcPts val="0"/>
+                        </a:spcAft>
+                        <a:buNone/>
+                      </a:pPr>
+                      <a:r>
+                        <a:rPr lang="en-US" sz="1400" dirty="0"/>
+                        <a:t>Input phone number</a:t>
+                      </a:r>
+                    </a:p>
+                    <a:p>
+                      <a:pPr marL="0" lvl="0" indent="0" algn="l" rtl="0">
+                        <a:spcBef>
+                          <a:spcPts val="0"/>
+                        </a:spcBef>
+                        <a:spcAft>
+                          <a:spcPts val="0"/>
+                        </a:spcAft>
+                        <a:buNone/>
+                      </a:pPr>
+                      <a:r>
+                        <a:rPr lang="en-US" sz="1400" dirty="0"/>
+                        <a:t>Left input blank</a:t>
+                      </a:r>
+                      <a:endParaRPr sz="1400" dirty="0"/>
+                    </a:p>
+                  </a:txBody>
+                  <a:tcPr marL="91425" marR="91425" marT="91425" marB="91425"/>
+                </a:tc>
+                <a:tc>
+                  <a:txBody>
+                    <a:bodyPr/>
+                    <a:lstStyle/>
+                    <a:p>
+                      <a:pPr marL="0" lvl="0" indent="0" algn="l" rtl="0">
+                        <a:spcBef>
+                          <a:spcPts val="0"/>
+                        </a:spcBef>
+                        <a:spcAft>
+                          <a:spcPts val="0"/>
+                        </a:spcAft>
+                        <a:buNone/>
+                      </a:pPr>
+                      <a:r>
+                        <a:rPr lang="en-US" sz="1400" dirty="0"/>
+                        <a:t>Printed name correctly</a:t>
+                      </a:r>
+                    </a:p>
+                    <a:p>
+                      <a:pPr marL="0" lvl="0" indent="0" algn="l" rtl="0">
+                        <a:spcBef>
+                          <a:spcPts val="0"/>
+                        </a:spcBef>
+                        <a:spcAft>
+                          <a:spcPts val="0"/>
+                        </a:spcAft>
+                        <a:buNone/>
+                      </a:pPr>
+                      <a:r>
+                        <a:rPr lang="en-US" sz="1400" dirty="0"/>
+                        <a:t>Printed phone number correctly</a:t>
+                      </a:r>
+                    </a:p>
+                    <a:p>
+                      <a:pPr marL="0" lvl="0" indent="0" algn="l" rtl="0">
+                        <a:spcBef>
+                          <a:spcPts val="0"/>
+                        </a:spcBef>
+                        <a:spcAft>
+                          <a:spcPts val="0"/>
+                        </a:spcAft>
+                        <a:buNone/>
+                      </a:pPr>
+                      <a:r>
+                        <a:rPr lang="en-US" sz="1400" dirty="0"/>
+                        <a:t>Accepted blank and printed </a:t>
+                      </a:r>
+                      <a:r>
+                        <a:rPr lang="en-US" sz="1400"/>
+                        <a:t>blank inpu</a:t>
+                      </a:r>
+                      <a:r>
+                        <a:rPr lang="en-US" sz="1400" dirty="0"/>
+                        <a:t>t</a:t>
+                      </a:r>
+                    </a:p>
+                  </a:txBody>
+                  <a:tcPr marL="91425" marR="91425" marT="91425" marB="91425"/>
+                </a:tc>
+                <a:extLst>
+                  <a:ext uri="{0D108BD9-81ED-4DB2-BD59-A6C34878D82A}">
+                    <a16:rowId xmlns:a16="http://schemas.microsoft.com/office/drawing/2014/main" val="10001"/>
+                  </a:ext>
+                </a:extLst>
+              </a:tr>
+            </a:tbl>
+          </a:graphicData>
+        </a:graphic>
+      </p:graphicFrame>
+      <p:pic>
+        <p:nvPicPr>
+          <p:cNvPr id="3" name="Picture 2">
+            <a:extLst>
+              <a:ext uri="{FF2B5EF4-FFF2-40B4-BE49-F238E27FC236}">
+                <a16:creationId xmlns:a16="http://schemas.microsoft.com/office/drawing/2014/main" id="{4D2AACE5-EDA8-4651-953F-F68BB4E57D76}"/>
+              </a:ext>
+            </a:extLst>
+          </p:cNvPr>
+          <p:cNvPicPr>
+            <a:picLocks noChangeAspect="1"/>
+          </p:cNvPicPr>
+          <p:nvPr/>
+        </p:nvPicPr>
+        <p:blipFill>
+          <a:blip r:embed="rId3"/>
+          <a:stretch>
+            <a:fillRect/>
+          </a:stretch>
+        </p:blipFill>
+        <p:spPr>
+          <a:xfrm>
+            <a:off x="2826389" y="952292"/>
+            <a:ext cx="2660011" cy="2571750"/>
+          </a:xfrm>
+          <a:prstGeom prst="rect">
+            <a:avLst/>
+          </a:prstGeom>
+        </p:spPr>
+      </p:pic>
+    </p:spTree>
+    <p:extLst>
+      <p:ext uri="{BB962C8B-B14F-4D97-AF65-F5344CB8AC3E}">
+        <p14:creationId xmlns:p14="http://schemas.microsoft.com/office/powerpoint/2010/main" val="2121840653"/>
+      </p:ext>
+    </p:extLst>
+  </p:cSld>
+  <p:clrMapOvr>
+    <a:masterClrMapping/>
+  </p:clrMapOvr>
+</p:sld>
+</file>
+
+<file path=ppt/slides/slide16.xml><?xml version="1.0" encoding="utf-8"?>
+<p:sld xmlns:a="http://schemas.openxmlformats.org/drawingml/2006/main" xmlns:r="http://schemas.openxmlformats.org/officeDocument/2006/relationships" xmlns:p="http://schemas.openxmlformats.org/presentationml/2006/main">
+  <p:cSld>
+    <p:spTree>
+      <p:nvGrpSpPr>
+        <p:cNvPr id="1" name="Shape 77"/>
+        <p:cNvGrpSpPr/>
+        <p:nvPr/>
+      </p:nvGrpSpPr>
+      <p:grpSpPr>
+        <a:xfrm>
+          <a:off x="0" y="0"/>
+          <a:ext cx="0" cy="0"/>
+          <a:chOff x="0" y="0"/>
+          <a:chExt cx="0" cy="0"/>
+        </a:xfrm>
+      </p:grpSpPr>
+      <p:sp>
+        <p:nvSpPr>
+          <p:cNvPr id="78" name="Google Shape;78;p17"/>
+          <p:cNvSpPr txBox="1">
+            <a:spLocks noGrp="1"/>
+          </p:cNvSpPr>
+          <p:nvPr>
+            <p:ph type="title"/>
+          </p:nvPr>
+        </p:nvSpPr>
+        <p:spPr>
+          <a:xfrm>
+            <a:off x="311700" y="445025"/>
+            <a:ext cx="8520600" cy="572700"/>
+          </a:xfrm>
+          <a:prstGeom prst="rect">
+            <a:avLst/>
+          </a:prstGeom>
+        </p:spPr>
+        <p:txBody>
+          <a:bodyPr spcFirstLastPara="1" wrap="square" lIns="91425" tIns="91425" rIns="91425" bIns="91425" anchor="t" anchorCtr="0">
+            <a:noAutofit/>
+          </a:bodyPr>
+          <a:lstStyle/>
+          <a:p>
+            <a:pPr marL="0" lvl="0" indent="0" algn="l" rtl="0">
+              <a:spcBef>
+                <a:spcPts val="0"/>
+              </a:spcBef>
+              <a:spcAft>
+                <a:spcPts val="0"/>
+              </a:spcAft>
+              <a:buNone/>
+            </a:pPr>
+            <a:r>
+              <a:rPr lang="en" dirty="0"/>
+              <a:t>Component 3 - Test Plan (?and screenshot)</a:t>
             </a:r>
             <a:endParaRPr dirty="0"/>
           </a:p>
@@ -9215,7 +9681,7 @@
     </p:spTree>
     <p:extLst>
       <p:ext uri="{BB962C8B-B14F-4D97-AF65-F5344CB8AC3E}">
-        <p14:creationId xmlns:p14="http://schemas.microsoft.com/office/powerpoint/2010/main" val="2121840653"/>
+        <p14:creationId xmlns:p14="http://schemas.microsoft.com/office/powerpoint/2010/main" val="283185065"/>
       </p:ext>
     </p:extLst>
   </p:cSld>
@@ -9225,7 +9691,7 @@
 </p:sld>
 </file>
 
-<file path=ppt/slides/slide16.xml><?xml version="1.0" encoding="utf-8"?>
+<file path=ppt/slides/slide17.xml><?xml version="1.0" encoding="utf-8"?>
 <p:sld xmlns:a="http://schemas.openxmlformats.org/drawingml/2006/main" xmlns:r="http://schemas.openxmlformats.org/officeDocument/2006/relationships" xmlns:p="http://schemas.openxmlformats.org/presentationml/2006/main">
   <p:cSld>
     <p:bg>
@@ -9342,7 +9808,7 @@
 </p:sld>
 </file>
 
-<file path=ppt/slides/slide17.xml><?xml version="1.0" encoding="utf-8"?>
+<file path=ppt/slides/slide18.xml><?xml version="1.0" encoding="utf-8"?>
 <p:sld xmlns:a="http://schemas.openxmlformats.org/drawingml/2006/main" xmlns:r="http://schemas.openxmlformats.org/officeDocument/2006/relationships" xmlns:p="http://schemas.openxmlformats.org/presentationml/2006/main">
   <p:cSld>
     <p:bg>

--- a/022_91893+_+91897+Documentation.pptx
+++ b/022_91893+_+91897+Documentation.pptx
@@ -5,7 +5,7 @@
     <p:sldMasterId id="2147483659" r:id="rId1"/>
   </p:sldMasterIdLst>
   <p:notesMasterIdLst>
-    <p:notesMasterId r:id="rId20"/>
+    <p:notesMasterId r:id="rId21"/>
   </p:notesMasterIdLst>
   <p:sldIdLst>
     <p:sldId id="256" r:id="rId2"/>
@@ -23,9 +23,10 @@
     <p:sldId id="271" r:id="rId14"/>
     <p:sldId id="267" r:id="rId15"/>
     <p:sldId id="264" r:id="rId16"/>
-    <p:sldId id="273" r:id="rId17"/>
-    <p:sldId id="261" r:id="rId18"/>
-    <p:sldId id="262" r:id="rId19"/>
+    <p:sldId id="274" r:id="rId17"/>
+    <p:sldId id="273" r:id="rId18"/>
+    <p:sldId id="261" r:id="rId19"/>
+    <p:sldId id="262" r:id="rId20"/>
   </p:sldIdLst>
   <p:sldSz cx="9144000" cy="5143500" type="screen16x9"/>
   <p:notesSz cx="6858000" cy="9144000"/>
@@ -1533,6 +1534,115 @@
   <p:cSld>
     <p:spTree>
       <p:nvGrpSpPr>
+        <p:cNvPr id="1" name="Shape 69"/>
+        <p:cNvGrpSpPr/>
+        <p:nvPr/>
+      </p:nvGrpSpPr>
+      <p:grpSpPr>
+        <a:xfrm>
+          <a:off x="0" y="0"/>
+          <a:ext cx="0" cy="0"/>
+          <a:chOff x="0" y="0"/>
+          <a:chExt cx="0" cy="0"/>
+        </a:xfrm>
+      </p:grpSpPr>
+      <p:sp>
+        <p:nvSpPr>
+          <p:cNvPr id="70" name="Google Shape;70;gac10fef634_0_16:notes"/>
+          <p:cNvSpPr>
+            <a:spLocks noGrp="1" noRot="1" noChangeAspect="1"/>
+          </p:cNvSpPr>
+          <p:nvPr>
+            <p:ph type="sldImg" idx="2"/>
+          </p:nvPr>
+        </p:nvSpPr>
+        <p:spPr>
+          <a:xfrm>
+            <a:off x="381000" y="685800"/>
+            <a:ext cx="6096000" cy="3429000"/>
+          </a:xfrm>
+          <a:custGeom>
+            <a:avLst/>
+            <a:gdLst/>
+            <a:ahLst/>
+            <a:cxnLst/>
+            <a:rect l="l" t="t" r="r" b="b"/>
+            <a:pathLst>
+              <a:path w="120000" h="120000" extrusionOk="0">
+                <a:moveTo>
+                  <a:pt x="0" y="0"/>
+                </a:moveTo>
+                <a:lnTo>
+                  <a:pt x="120000" y="0"/>
+                </a:lnTo>
+                <a:lnTo>
+                  <a:pt x="120000" y="120000"/>
+                </a:lnTo>
+                <a:lnTo>
+                  <a:pt x="0" y="120000"/>
+                </a:lnTo>
+                <a:close/>
+              </a:path>
+            </a:pathLst>
+          </a:custGeom>
+        </p:spPr>
+      </p:sp>
+      <p:sp>
+        <p:nvSpPr>
+          <p:cNvPr id="71" name="Google Shape;71;gac10fef634_0_16:notes"/>
+          <p:cNvSpPr txBox="1">
+            <a:spLocks noGrp="1"/>
+          </p:cNvSpPr>
+          <p:nvPr>
+            <p:ph type="body" idx="1"/>
+          </p:nvPr>
+        </p:nvSpPr>
+        <p:spPr>
+          <a:xfrm>
+            <a:off x="685800" y="4343400"/>
+            <a:ext cx="5486400" cy="4114800"/>
+          </a:xfrm>
+          <a:prstGeom prst="rect">
+            <a:avLst/>
+          </a:prstGeom>
+        </p:spPr>
+        <p:txBody>
+          <a:bodyPr spcFirstLastPara="1" wrap="square" lIns="91425" tIns="91425" rIns="91425" bIns="91425" anchor="t" anchorCtr="0">
+            <a:noAutofit/>
+          </a:bodyPr>
+          <a:lstStyle/>
+          <a:p>
+            <a:pPr marL="0" lvl="0" indent="0" algn="l" rtl="0">
+              <a:spcBef>
+                <a:spcPts val="0"/>
+              </a:spcBef>
+              <a:spcAft>
+                <a:spcPts val="0"/>
+              </a:spcAft>
+              <a:buNone/>
+            </a:pPr>
+            <a:endParaRPr/>
+          </a:p>
+        </p:txBody>
+      </p:sp>
+    </p:spTree>
+    <p:extLst>
+      <p:ext uri="{BB962C8B-B14F-4D97-AF65-F5344CB8AC3E}">
+        <p14:creationId xmlns:p14="http://schemas.microsoft.com/office/powerpoint/2010/main" val="737950362"/>
+      </p:ext>
+    </p:extLst>
+  </p:cSld>
+  <p:clrMapOvr>
+    <a:masterClrMapping/>
+  </p:clrMapOvr>
+</p:notes>
+</file>
+
+<file path=ppt/notesSlides/notesSlide17.xml><?xml version="1.0" encoding="utf-8"?>
+<p:notes xmlns:a="http://schemas.openxmlformats.org/drawingml/2006/main" xmlns:r="http://schemas.openxmlformats.org/officeDocument/2006/relationships" xmlns:p="http://schemas.openxmlformats.org/presentationml/2006/main" showMasterSp="0" showMasterPhAnim="0">
+  <p:cSld>
+    <p:spTree>
+      <p:nvGrpSpPr>
         <p:cNvPr id="1" name="Shape 74"/>
         <p:cNvGrpSpPr/>
         <p:nvPr/>
@@ -1637,7 +1747,7 @@
 </p:notes>
 </file>
 
-<file path=ppt/notesSlides/notesSlide17.xml><?xml version="1.0" encoding="utf-8"?>
+<file path=ppt/notesSlides/notesSlide18.xml><?xml version="1.0" encoding="utf-8"?>
 <p:notes xmlns:a="http://schemas.openxmlformats.org/drawingml/2006/main" xmlns:r="http://schemas.openxmlformats.org/officeDocument/2006/relationships" xmlns:p="http://schemas.openxmlformats.org/presentationml/2006/main" showMasterSp="0" showMasterPhAnim="0">
   <p:cSld>
     <p:spTree>
@@ -1762,7 +1872,7 @@
 </p:notes>
 </file>
 
-<file path=ppt/notesSlides/notesSlide18.xml><?xml version="1.0" encoding="utf-8"?>
+<file path=ppt/notesSlides/notesSlide19.xml><?xml version="1.0" encoding="utf-8"?>
 <p:notes xmlns:a="http://schemas.openxmlformats.org/drawingml/2006/main" xmlns:r="http://schemas.openxmlformats.org/officeDocument/2006/relationships" xmlns:p="http://schemas.openxmlformats.org/presentationml/2006/main" showMasterSp="0" showMasterPhAnim="0">
   <p:cSld>
     <p:spTree>
@@ -9101,7 +9211,7 @@
             </a:pPr>
             <a:r>
               <a:rPr lang="en" dirty="0"/>
-              <a:t>Component 3 (Trello screenshot)</a:t>
+              <a:t>Component 3 Pickup info (Trello screenshot)</a:t>
             </a:r>
             <a:endParaRPr dirty="0"/>
           </a:p>
@@ -9409,15 +9519,7 @@
                       </a:pPr>
                       <a:r>
                         <a:rPr lang="en-US" sz="1400" dirty="0"/>
-                        <a:t>Accepted blank and printed </a:t>
-                      </a:r>
-                      <a:r>
-                        <a:rPr lang="en-US" sz="1400"/>
-                        <a:t>blank inpu</a:t>
-                      </a:r>
-                      <a:r>
-                        <a:rPr lang="en-US" sz="1400" dirty="0"/>
-                        <a:t>t</a:t>
+                        <a:t>Accepted blank and printed blank input</a:t>
                       </a:r>
                     </a:p>
                   </a:txBody>
@@ -9479,6 +9581,116 @@
 <file path=ppt/slides/slide16.xml><?xml version="1.0" encoding="utf-8"?>
 <p:sld xmlns:a="http://schemas.openxmlformats.org/drawingml/2006/main" xmlns:r="http://schemas.openxmlformats.org/officeDocument/2006/relationships" xmlns:p="http://schemas.openxmlformats.org/presentationml/2006/main">
   <p:cSld>
+    <p:bg>
+      <p:bgPr>
+        <a:solidFill>
+          <a:srgbClr val="D9EAD3"/>
+        </a:solidFill>
+        <a:effectLst/>
+      </p:bgPr>
+    </p:bg>
+    <p:spTree>
+      <p:nvGrpSpPr>
+        <p:cNvPr id="1" name="Shape 72"/>
+        <p:cNvGrpSpPr/>
+        <p:nvPr/>
+      </p:nvGrpSpPr>
+      <p:grpSpPr>
+        <a:xfrm>
+          <a:off x="0" y="0"/>
+          <a:ext cx="0" cy="0"/>
+          <a:chOff x="0" y="0"/>
+          <a:chExt cx="0" cy="0"/>
+        </a:xfrm>
+      </p:grpSpPr>
+      <p:sp>
+        <p:nvSpPr>
+          <p:cNvPr id="73" name="Google Shape;73;p16"/>
+          <p:cNvSpPr txBox="1">
+            <a:spLocks noGrp="1"/>
+          </p:cNvSpPr>
+          <p:nvPr>
+            <p:ph type="title"/>
+          </p:nvPr>
+        </p:nvSpPr>
+        <p:spPr>
+          <a:xfrm>
+            <a:off x="311700" y="445025"/>
+            <a:ext cx="8520600" cy="572700"/>
+          </a:xfrm>
+          <a:prstGeom prst="rect">
+            <a:avLst/>
+          </a:prstGeom>
+        </p:spPr>
+        <p:txBody>
+          <a:bodyPr spcFirstLastPara="1" wrap="square" lIns="91425" tIns="91425" rIns="91425" bIns="91425" anchor="t" anchorCtr="0">
+            <a:noAutofit/>
+          </a:bodyPr>
+          <a:lstStyle/>
+          <a:p>
+            <a:pPr marL="0" lvl="0" indent="0" algn="l" rtl="0">
+              <a:spcBef>
+                <a:spcPts val="0"/>
+              </a:spcBef>
+              <a:spcAft>
+                <a:spcPts val="0"/>
+              </a:spcAft>
+              <a:buNone/>
+            </a:pPr>
+            <a:r>
+              <a:rPr lang="en" dirty="0"/>
+              <a:t>Component 3 Pickup info v2 (Trello screenshot)</a:t>
+            </a:r>
+            <a:endParaRPr dirty="0"/>
+          </a:p>
+        </p:txBody>
+      </p:sp>
+      <p:pic>
+        <p:nvPicPr>
+          <p:cNvPr id="4" name="Picture 3">
+            <a:extLst>
+              <a:ext uri="{FF2B5EF4-FFF2-40B4-BE49-F238E27FC236}">
+                <a16:creationId xmlns:a16="http://schemas.microsoft.com/office/drawing/2014/main" id="{2A6873B3-84EC-4308-B716-FBAD5F54BD72}"/>
+              </a:ext>
+            </a:extLst>
+          </p:cNvPr>
+          <p:cNvPicPr>
+            <a:picLocks noChangeAspect="1"/>
+          </p:cNvPicPr>
+          <p:nvPr/>
+        </p:nvPicPr>
+        <p:blipFill>
+          <a:blip r:embed="rId3"/>
+          <a:stretch>
+            <a:fillRect/>
+          </a:stretch>
+        </p:blipFill>
+        <p:spPr>
+          <a:xfrm>
+            <a:off x="906398" y="1017725"/>
+            <a:ext cx="7005152" cy="3899394"/>
+          </a:xfrm>
+          <a:prstGeom prst="rect">
+            <a:avLst/>
+          </a:prstGeom>
+        </p:spPr>
+      </p:pic>
+    </p:spTree>
+    <p:extLst>
+      <p:ext uri="{BB962C8B-B14F-4D97-AF65-F5344CB8AC3E}">
+        <p14:creationId xmlns:p14="http://schemas.microsoft.com/office/powerpoint/2010/main" val="2813053517"/>
+      </p:ext>
+    </p:extLst>
+  </p:cSld>
+  <p:clrMapOvr>
+    <a:masterClrMapping/>
+  </p:clrMapOvr>
+</p:sld>
+</file>
+
+<file path=ppt/slides/slide17.xml><?xml version="1.0" encoding="utf-8"?>
+<p:sld xmlns:a="http://schemas.openxmlformats.org/drawingml/2006/main" xmlns:r="http://schemas.openxmlformats.org/officeDocument/2006/relationships" xmlns:p="http://schemas.openxmlformats.org/presentationml/2006/main">
+  <p:cSld>
     <p:spTree>
       <p:nvGrpSpPr>
         <p:cNvPr id="1" name="Shape 77"/>
@@ -9529,7 +9741,7 @@
             </a:pPr>
             <a:r>
               <a:rPr lang="en" dirty="0"/>
-              <a:t>Component 3 - Test Plan (?and screenshot)</a:t>
+              <a:t>Component 3 v2 - Test Plan (?and screenshot)</a:t>
             </a:r>
             <a:endParaRPr dirty="0"/>
           </a:p>
@@ -9539,11 +9751,17 @@
         <p:nvGraphicFramePr>
           <p:cNvPr id="79" name="Google Shape;79;p17"/>
           <p:cNvGraphicFramePr/>
-          <p:nvPr/>
+          <p:nvPr>
+            <p:extLst>
+              <p:ext uri="{D42A27DB-BD31-4B8C-83A1-F6EECF244321}">
+                <p14:modId xmlns:p14="http://schemas.microsoft.com/office/powerpoint/2010/main" val="642487816"/>
+              </p:ext>
+            </p:extLst>
+          </p:nvPr>
         </p:nvGraphicFramePr>
         <p:xfrm>
-          <a:off x="382475" y="1267725"/>
-          <a:ext cx="8520600" cy="914340"/>
+          <a:off x="311700" y="3639864"/>
+          <a:ext cx="8520600" cy="1493460"/>
         </p:xfrm>
         <a:graphic>
           <a:graphicData uri="http://schemas.openxmlformats.org/drawingml/2006/table">
@@ -9644,7 +9862,41 @@
                         </a:spcAft>
                         <a:buNone/>
                       </a:pPr>
-                      <a:endParaRPr sz="1800"/>
+                      <a:r>
+                        <a:rPr lang="en-US" sz="1400" dirty="0"/>
+                        <a:t>Input name</a:t>
+                      </a:r>
+                    </a:p>
+                    <a:p>
+                      <a:pPr marL="0" lvl="0" indent="0" algn="l" rtl="0">
+                        <a:spcBef>
+                          <a:spcPts val="0"/>
+                        </a:spcBef>
+                        <a:spcAft>
+                          <a:spcPts val="0"/>
+                        </a:spcAft>
+                        <a:buNone/>
+                      </a:pPr>
+                      <a:r>
+                        <a:rPr lang="en-US" sz="1400" dirty="0"/>
+                        <a:t>Input phone number</a:t>
+                      </a:r>
+                    </a:p>
+                    <a:p>
+                      <a:pPr marL="0" lvl="0" indent="0" algn="l" rtl="0">
+                        <a:spcBef>
+                          <a:spcPts val="0"/>
+                        </a:spcBef>
+                        <a:spcAft>
+                          <a:spcPts val="0"/>
+                        </a:spcAft>
+                        <a:buNone/>
+                      </a:pPr>
+                      <a:r>
+                        <a:rPr lang="en-US" sz="1400" dirty="0"/>
+                        <a:t>Left input blank</a:t>
+                      </a:r>
+                      <a:endParaRPr sz="1400" dirty="0"/>
                     </a:p>
                   </a:txBody>
                   <a:tcPr marL="91425" marR="91425" marT="91425" marB="91425"/>
@@ -9663,7 +9915,45 @@
                         </a:spcAft>
                         <a:buNone/>
                       </a:pPr>
-                      <a:endParaRPr sz="1800"/>
+                      <a:r>
+                        <a:rPr lang="en-US" sz="1400" dirty="0"/>
+                        <a:t>Printed name correctly</a:t>
+                      </a:r>
+                    </a:p>
+                    <a:p>
+                      <a:pPr marL="0" lvl="0" indent="0" algn="l" rtl="0">
+                        <a:spcBef>
+                          <a:spcPts val="0"/>
+                        </a:spcBef>
+                        <a:spcAft>
+                          <a:spcPts val="0"/>
+                        </a:spcAft>
+                        <a:buNone/>
+                      </a:pPr>
+                      <a:r>
+                        <a:rPr lang="en-US" sz="1400" dirty="0"/>
+                        <a:t>Printed phone number</a:t>
+                      </a:r>
+                    </a:p>
+                    <a:p>
+                      <a:pPr marL="0" lvl="0" indent="0" algn="l" rtl="0">
+                        <a:spcBef>
+                          <a:spcPts val="0"/>
+                        </a:spcBef>
+                        <a:spcAft>
+                          <a:spcPts val="0"/>
+                        </a:spcAft>
+                        <a:buNone/>
+                      </a:pPr>
+                      <a:r>
+                        <a:rPr lang="en-US" sz="1400" dirty="0"/>
+                        <a:t>Prints “Sorry this cannot be blank” – goes back </a:t>
+                      </a:r>
+                      <a:r>
+                        <a:rPr lang="en-US" sz="1400"/>
+                        <a:t>to input </a:t>
+                      </a:r>
+                      <a:endParaRPr sz="1400" dirty="0"/>
                     </a:p>
                   </a:txBody>
                   <a:tcPr marL="91425" marR="91425" marT="91425" marB="91425"/>
@@ -9678,6 +9968,66 @@
           </a:graphicData>
         </a:graphic>
       </p:graphicFrame>
+      <p:pic>
+        <p:nvPicPr>
+          <p:cNvPr id="3" name="Picture 2">
+            <a:extLst>
+              <a:ext uri="{FF2B5EF4-FFF2-40B4-BE49-F238E27FC236}">
+                <a16:creationId xmlns:a16="http://schemas.microsoft.com/office/drawing/2014/main" id="{EC85A4D1-D797-4D89-A0E9-F628F90E60BD}"/>
+              </a:ext>
+            </a:extLst>
+          </p:cNvPr>
+          <p:cNvPicPr>
+            <a:picLocks noChangeAspect="1"/>
+          </p:cNvPicPr>
+          <p:nvPr/>
+        </p:nvPicPr>
+        <p:blipFill>
+          <a:blip r:embed="rId3"/>
+          <a:stretch>
+            <a:fillRect/>
+          </a:stretch>
+        </p:blipFill>
+        <p:spPr>
+          <a:xfrm>
+            <a:off x="3420924" y="2406263"/>
+            <a:ext cx="4755667" cy="1000174"/>
+          </a:xfrm>
+          <a:prstGeom prst="rect">
+            <a:avLst/>
+          </a:prstGeom>
+        </p:spPr>
+      </p:pic>
+      <p:pic>
+        <p:nvPicPr>
+          <p:cNvPr id="5" name="Picture 4">
+            <a:extLst>
+              <a:ext uri="{FF2B5EF4-FFF2-40B4-BE49-F238E27FC236}">
+                <a16:creationId xmlns:a16="http://schemas.microsoft.com/office/drawing/2014/main" id="{30DEFED7-C66A-4F6B-963E-FBA2B0C3CE31}"/>
+              </a:ext>
+            </a:extLst>
+          </p:cNvPr>
+          <p:cNvPicPr>
+            <a:picLocks noChangeAspect="1"/>
+          </p:cNvPicPr>
+          <p:nvPr/>
+        </p:nvPicPr>
+        <p:blipFill>
+          <a:blip r:embed="rId4"/>
+          <a:stretch>
+            <a:fillRect/>
+          </a:stretch>
+        </p:blipFill>
+        <p:spPr>
+          <a:xfrm>
+            <a:off x="4572000" y="990889"/>
+            <a:ext cx="3487855" cy="1442210"/>
+          </a:xfrm>
+          <a:prstGeom prst="rect">
+            <a:avLst/>
+          </a:prstGeom>
+        </p:spPr>
+      </p:pic>
     </p:spTree>
     <p:extLst>
       <p:ext uri="{BB962C8B-B14F-4D97-AF65-F5344CB8AC3E}">
@@ -9691,7 +10041,7 @@
 </p:sld>
 </file>
 
-<file path=ppt/slides/slide17.xml><?xml version="1.0" encoding="utf-8"?>
+<file path=ppt/slides/slide18.xml><?xml version="1.0" encoding="utf-8"?>
 <p:sld xmlns:a="http://schemas.openxmlformats.org/drawingml/2006/main" xmlns:r="http://schemas.openxmlformats.org/officeDocument/2006/relationships" xmlns:p="http://schemas.openxmlformats.org/presentationml/2006/main">
   <p:cSld>
     <p:bg>
@@ -9808,7 +10158,7 @@
 </p:sld>
 </file>
 
-<file path=ppt/slides/slide18.xml><?xml version="1.0" encoding="utf-8"?>
+<file path=ppt/slides/slide19.xml><?xml version="1.0" encoding="utf-8"?>
 <p:sld xmlns:a="http://schemas.openxmlformats.org/drawingml/2006/main" xmlns:r="http://schemas.openxmlformats.org/officeDocument/2006/relationships" xmlns:p="http://schemas.openxmlformats.org/presentationml/2006/main">
   <p:cSld>
     <p:bg>

--- a/022_91893+_+91897+Documentation.pptx
+++ b/022_91893+_+91897+Documentation.pptx
@@ -5,7 +5,7 @@
     <p:sldMasterId id="2147483659" r:id="rId1"/>
   </p:sldMasterIdLst>
   <p:notesMasterIdLst>
-    <p:notesMasterId r:id="rId21"/>
+    <p:notesMasterId r:id="rId23"/>
   </p:notesMasterIdLst>
   <p:sldIdLst>
     <p:sldId id="256" r:id="rId2"/>
@@ -25,8 +25,10 @@
     <p:sldId id="264" r:id="rId16"/>
     <p:sldId id="274" r:id="rId17"/>
     <p:sldId id="273" r:id="rId18"/>
-    <p:sldId id="261" r:id="rId19"/>
-    <p:sldId id="262" r:id="rId20"/>
+    <p:sldId id="276" r:id="rId19"/>
+    <p:sldId id="275" r:id="rId20"/>
+    <p:sldId id="261" r:id="rId21"/>
+    <p:sldId id="262" r:id="rId22"/>
   </p:sldIdLst>
   <p:sldSz cx="9144000" cy="5143500" type="screen16x9"/>
   <p:notesSz cx="6858000" cy="9144000"/>
@@ -1752,7 +1754,7 @@
   <p:cSld>
     <p:spTree>
       <p:nvGrpSpPr>
-        <p:cNvPr id="1" name="Shape 80"/>
+        <p:cNvPr id="1" name="Shape 69"/>
         <p:cNvGrpSpPr/>
         <p:nvPr/>
       </p:nvGrpSpPr>
@@ -1766,7 +1768,7 @@
       </p:grpSpPr>
       <p:sp>
         <p:nvSpPr>
-          <p:cNvPr id="81" name="Google Shape;81;gac10fef634_0_25:notes"/>
+          <p:cNvPr id="70" name="Google Shape;70;gac10fef634_0_16:notes"/>
           <p:cNvSpPr>
             <a:spLocks noGrp="1" noRot="1" noChangeAspect="1"/>
           </p:cNvSpPr>
@@ -1807,7 +1809,7 @@
       </p:sp>
       <p:sp>
         <p:nvSpPr>
-          <p:cNvPr id="82" name="Google Shape;82;gac10fef634_0_25:notes"/>
+          <p:cNvPr id="71" name="Google Shape;71;gac10fef634_0_16:notes"/>
           <p:cNvSpPr txBox="1">
             <a:spLocks noGrp="1"/>
           </p:cNvSpPr>
@@ -1837,27 +1839,6 @@
               <a:spcAft>
                 <a:spcPts val="0"/>
               </a:spcAft>
-              <a:buClr>
-                <a:schemeClr val="dk1"/>
-              </a:buClr>
-              <a:buSzPts val="1100"/>
-              <a:buFont typeface="Arial"/>
-              <a:buNone/>
-            </a:pPr>
-            <a:r>
-              <a:rPr lang="en"/>
-              <a:t>Your version control evidence should go here.  This could be in the form of annotated screenshots which show you you managed this process or you could make a brief screencast explaining how you implemented version control.</a:t>
-            </a:r>
-            <a:endParaRPr/>
-          </a:p>
-          <a:p>
-            <a:pPr marL="0" lvl="0" indent="0" algn="l" rtl="0">
-              <a:spcBef>
-                <a:spcPts val="0"/>
-              </a:spcBef>
-              <a:spcAft>
-                <a:spcPts val="0"/>
-              </a:spcAft>
               <a:buNone/>
             </a:pPr>
             <a:endParaRPr/>
@@ -1865,6 +1846,11 @@
         </p:txBody>
       </p:sp>
     </p:spTree>
+    <p:extLst>
+      <p:ext uri="{BB962C8B-B14F-4D97-AF65-F5344CB8AC3E}">
+        <p14:creationId xmlns:p14="http://schemas.microsoft.com/office/powerpoint/2010/main" val="3707784998"/>
+      </p:ext>
+    </p:extLst>
   </p:cSld>
   <p:clrMapOvr>
     <a:masterClrMapping/>
@@ -1877,7 +1863,7 @@
   <p:cSld>
     <p:spTree>
       <p:nvGrpSpPr>
-        <p:cNvPr id="1" name="Shape 86"/>
+        <p:cNvPr id="1" name="Shape 74"/>
         <p:cNvGrpSpPr/>
         <p:nvPr/>
       </p:nvGrpSpPr>
@@ -1891,7 +1877,7 @@
       </p:grpSpPr>
       <p:sp>
         <p:nvSpPr>
-          <p:cNvPr id="87" name="Google Shape;87;gac10fef634_0_30:notes"/>
+          <p:cNvPr id="75" name="Google Shape;75;gac10fef634_0_20:notes"/>
           <p:cNvSpPr>
             <a:spLocks noGrp="1" noRot="1" noChangeAspect="1"/>
           </p:cNvSpPr>
@@ -1932,7 +1918,7 @@
       </p:sp>
       <p:sp>
         <p:nvSpPr>
-          <p:cNvPr id="88" name="Google Shape;88;gac10fef634_0_30:notes"/>
+          <p:cNvPr id="76" name="Google Shape;76;gac10fef634_0_20:notes"/>
           <p:cNvSpPr txBox="1">
             <a:spLocks noGrp="1"/>
           </p:cNvSpPr>
@@ -1964,15 +1950,16 @@
               </a:spcAft>
               <a:buNone/>
             </a:pPr>
-            <a:r>
-              <a:rPr lang="en"/>
-              <a:t>Discusses how the information from planning, testing and trialling of components assisted in the development of a high-quality outcome</a:t>
-            </a:r>
             <a:endParaRPr/>
           </a:p>
         </p:txBody>
       </p:sp>
     </p:spTree>
+    <p:extLst>
+      <p:ext uri="{BB962C8B-B14F-4D97-AF65-F5344CB8AC3E}">
+        <p14:creationId xmlns:p14="http://schemas.microsoft.com/office/powerpoint/2010/main" val="3345766261"/>
+      </p:ext>
+    </p:extLst>
   </p:cSld>
   <p:clrMapOvr>
     <a:masterClrMapping/>
@@ -2075,6 +2062,239 @@
             <a:r>
               <a:rPr lang="en"/>
               <a:t>Explain the relevant implications here.  Then as you work, develop your code, discuss how the implications are being met.</a:t>
+            </a:r>
+            <a:endParaRPr/>
+          </a:p>
+        </p:txBody>
+      </p:sp>
+    </p:spTree>
+  </p:cSld>
+  <p:clrMapOvr>
+    <a:masterClrMapping/>
+  </p:clrMapOvr>
+</p:notes>
+</file>
+
+<file path=ppt/notesSlides/notesSlide20.xml><?xml version="1.0" encoding="utf-8"?>
+<p:notes xmlns:a="http://schemas.openxmlformats.org/drawingml/2006/main" xmlns:r="http://schemas.openxmlformats.org/officeDocument/2006/relationships" xmlns:p="http://schemas.openxmlformats.org/presentationml/2006/main" showMasterSp="0" showMasterPhAnim="0">
+  <p:cSld>
+    <p:spTree>
+      <p:nvGrpSpPr>
+        <p:cNvPr id="1" name="Shape 80"/>
+        <p:cNvGrpSpPr/>
+        <p:nvPr/>
+      </p:nvGrpSpPr>
+      <p:grpSpPr>
+        <a:xfrm>
+          <a:off x="0" y="0"/>
+          <a:ext cx="0" cy="0"/>
+          <a:chOff x="0" y="0"/>
+          <a:chExt cx="0" cy="0"/>
+        </a:xfrm>
+      </p:grpSpPr>
+      <p:sp>
+        <p:nvSpPr>
+          <p:cNvPr id="81" name="Google Shape;81;gac10fef634_0_25:notes"/>
+          <p:cNvSpPr>
+            <a:spLocks noGrp="1" noRot="1" noChangeAspect="1"/>
+          </p:cNvSpPr>
+          <p:nvPr>
+            <p:ph type="sldImg" idx="2"/>
+          </p:nvPr>
+        </p:nvSpPr>
+        <p:spPr>
+          <a:xfrm>
+            <a:off x="381000" y="685800"/>
+            <a:ext cx="6096000" cy="3429000"/>
+          </a:xfrm>
+          <a:custGeom>
+            <a:avLst/>
+            <a:gdLst/>
+            <a:ahLst/>
+            <a:cxnLst/>
+            <a:rect l="l" t="t" r="r" b="b"/>
+            <a:pathLst>
+              <a:path w="120000" h="120000" extrusionOk="0">
+                <a:moveTo>
+                  <a:pt x="0" y="0"/>
+                </a:moveTo>
+                <a:lnTo>
+                  <a:pt x="120000" y="0"/>
+                </a:lnTo>
+                <a:lnTo>
+                  <a:pt x="120000" y="120000"/>
+                </a:lnTo>
+                <a:lnTo>
+                  <a:pt x="0" y="120000"/>
+                </a:lnTo>
+                <a:close/>
+              </a:path>
+            </a:pathLst>
+          </a:custGeom>
+        </p:spPr>
+      </p:sp>
+      <p:sp>
+        <p:nvSpPr>
+          <p:cNvPr id="82" name="Google Shape;82;gac10fef634_0_25:notes"/>
+          <p:cNvSpPr txBox="1">
+            <a:spLocks noGrp="1"/>
+          </p:cNvSpPr>
+          <p:nvPr>
+            <p:ph type="body" idx="1"/>
+          </p:nvPr>
+        </p:nvSpPr>
+        <p:spPr>
+          <a:xfrm>
+            <a:off x="685800" y="4343400"/>
+            <a:ext cx="5486400" cy="4114800"/>
+          </a:xfrm>
+          <a:prstGeom prst="rect">
+            <a:avLst/>
+          </a:prstGeom>
+        </p:spPr>
+        <p:txBody>
+          <a:bodyPr spcFirstLastPara="1" wrap="square" lIns="91425" tIns="91425" rIns="91425" bIns="91425" anchor="t" anchorCtr="0">
+            <a:noAutofit/>
+          </a:bodyPr>
+          <a:lstStyle/>
+          <a:p>
+            <a:pPr marL="0" lvl="0" indent="0" algn="l" rtl="0">
+              <a:spcBef>
+                <a:spcPts val="0"/>
+              </a:spcBef>
+              <a:spcAft>
+                <a:spcPts val="0"/>
+              </a:spcAft>
+              <a:buClr>
+                <a:schemeClr val="dk1"/>
+              </a:buClr>
+              <a:buSzPts val="1100"/>
+              <a:buFont typeface="Arial"/>
+              <a:buNone/>
+            </a:pPr>
+            <a:r>
+              <a:rPr lang="en"/>
+              <a:t>Your version control evidence should go here.  This could be in the form of annotated screenshots which show you you managed this process or you could make a brief screencast explaining how you implemented version control.</a:t>
+            </a:r>
+            <a:endParaRPr/>
+          </a:p>
+          <a:p>
+            <a:pPr marL="0" lvl="0" indent="0" algn="l" rtl="0">
+              <a:spcBef>
+                <a:spcPts val="0"/>
+              </a:spcBef>
+              <a:spcAft>
+                <a:spcPts val="0"/>
+              </a:spcAft>
+              <a:buNone/>
+            </a:pPr>
+            <a:endParaRPr/>
+          </a:p>
+        </p:txBody>
+      </p:sp>
+    </p:spTree>
+  </p:cSld>
+  <p:clrMapOvr>
+    <a:masterClrMapping/>
+  </p:clrMapOvr>
+</p:notes>
+</file>
+
+<file path=ppt/notesSlides/notesSlide21.xml><?xml version="1.0" encoding="utf-8"?>
+<p:notes xmlns:a="http://schemas.openxmlformats.org/drawingml/2006/main" xmlns:r="http://schemas.openxmlformats.org/officeDocument/2006/relationships" xmlns:p="http://schemas.openxmlformats.org/presentationml/2006/main" showMasterSp="0" showMasterPhAnim="0">
+  <p:cSld>
+    <p:spTree>
+      <p:nvGrpSpPr>
+        <p:cNvPr id="1" name="Shape 86"/>
+        <p:cNvGrpSpPr/>
+        <p:nvPr/>
+      </p:nvGrpSpPr>
+      <p:grpSpPr>
+        <a:xfrm>
+          <a:off x="0" y="0"/>
+          <a:ext cx="0" cy="0"/>
+          <a:chOff x="0" y="0"/>
+          <a:chExt cx="0" cy="0"/>
+        </a:xfrm>
+      </p:grpSpPr>
+      <p:sp>
+        <p:nvSpPr>
+          <p:cNvPr id="87" name="Google Shape;87;gac10fef634_0_30:notes"/>
+          <p:cNvSpPr>
+            <a:spLocks noGrp="1" noRot="1" noChangeAspect="1"/>
+          </p:cNvSpPr>
+          <p:nvPr>
+            <p:ph type="sldImg" idx="2"/>
+          </p:nvPr>
+        </p:nvSpPr>
+        <p:spPr>
+          <a:xfrm>
+            <a:off x="381000" y="685800"/>
+            <a:ext cx="6096000" cy="3429000"/>
+          </a:xfrm>
+          <a:custGeom>
+            <a:avLst/>
+            <a:gdLst/>
+            <a:ahLst/>
+            <a:cxnLst/>
+            <a:rect l="l" t="t" r="r" b="b"/>
+            <a:pathLst>
+              <a:path w="120000" h="120000" extrusionOk="0">
+                <a:moveTo>
+                  <a:pt x="0" y="0"/>
+                </a:moveTo>
+                <a:lnTo>
+                  <a:pt x="120000" y="0"/>
+                </a:lnTo>
+                <a:lnTo>
+                  <a:pt x="120000" y="120000"/>
+                </a:lnTo>
+                <a:lnTo>
+                  <a:pt x="0" y="120000"/>
+                </a:lnTo>
+                <a:close/>
+              </a:path>
+            </a:pathLst>
+          </a:custGeom>
+        </p:spPr>
+      </p:sp>
+      <p:sp>
+        <p:nvSpPr>
+          <p:cNvPr id="88" name="Google Shape;88;gac10fef634_0_30:notes"/>
+          <p:cNvSpPr txBox="1">
+            <a:spLocks noGrp="1"/>
+          </p:cNvSpPr>
+          <p:nvPr>
+            <p:ph type="body" idx="1"/>
+          </p:nvPr>
+        </p:nvSpPr>
+        <p:spPr>
+          <a:xfrm>
+            <a:off x="685800" y="4343400"/>
+            <a:ext cx="5486400" cy="4114800"/>
+          </a:xfrm>
+          <a:prstGeom prst="rect">
+            <a:avLst/>
+          </a:prstGeom>
+        </p:spPr>
+        <p:txBody>
+          <a:bodyPr spcFirstLastPara="1" wrap="square" lIns="91425" tIns="91425" rIns="91425" bIns="91425" anchor="t" anchorCtr="0">
+            <a:noAutofit/>
+          </a:bodyPr>
+          <a:lstStyle/>
+          <a:p>
+            <a:pPr marL="0" lvl="0" indent="0" algn="l" rtl="0">
+              <a:spcBef>
+                <a:spcPts val="0"/>
+              </a:spcBef>
+              <a:spcAft>
+                <a:spcPts val="0"/>
+              </a:spcAft>
+              <a:buNone/>
+            </a:pPr>
+            <a:r>
+              <a:rPr lang="en"/>
+              <a:t>Discusses how the information from planning, testing and trialling of components assisted in the development of a high-quality outcome</a:t>
             </a:r>
             <a:endParaRPr/>
           </a:p>
@@ -10054,7 +10274,7 @@
     </p:bg>
     <p:spTree>
       <p:nvGrpSpPr>
-        <p:cNvPr id="1" name="Shape 83"/>
+        <p:cNvPr id="1" name="Shape 72"/>
         <p:cNvGrpSpPr/>
         <p:nvPr/>
       </p:nvGrpSpPr>
@@ -10068,7 +10288,7 @@
       </p:grpSpPr>
       <p:sp>
         <p:nvSpPr>
-          <p:cNvPr id="84" name="Google Shape;84;p18"/>
+          <p:cNvPr id="73" name="Google Shape;73;p16"/>
           <p:cNvSpPr txBox="1">
             <a:spLocks noGrp="1"/>
           </p:cNvSpPr>
@@ -10101,56 +10321,49 @@
               <a:buNone/>
             </a:pPr>
             <a:r>
-              <a:rPr lang="en"/>
-              <a:t>Version Control Evidence</a:t>
+              <a:rPr lang="en" dirty="0"/>
+              <a:t>Component 3 Pickup info v3 (Trello screenshot)</a:t>
             </a:r>
-            <a:endParaRPr/>
+            <a:endParaRPr dirty="0"/>
           </a:p>
         </p:txBody>
       </p:sp>
-      <p:sp>
-        <p:nvSpPr>
-          <p:cNvPr id="85" name="Google Shape;85;p18"/>
-          <p:cNvSpPr txBox="1">
-            <a:spLocks noGrp="1"/>
-          </p:cNvSpPr>
-          <p:nvPr>
-            <p:ph type="body" idx="1"/>
-          </p:nvPr>
-        </p:nvSpPr>
+      <p:pic>
+        <p:nvPicPr>
+          <p:cNvPr id="3" name="Picture 2">
+            <a:extLst>
+              <a:ext uri="{FF2B5EF4-FFF2-40B4-BE49-F238E27FC236}">
+                <a16:creationId xmlns:a16="http://schemas.microsoft.com/office/drawing/2014/main" id="{95B79D25-ACBD-496C-8ED3-C67784896CED}"/>
+              </a:ext>
+            </a:extLst>
+          </p:cNvPr>
+          <p:cNvPicPr>
+            <a:picLocks noChangeAspect="1"/>
+          </p:cNvPicPr>
+          <p:nvPr/>
+        </p:nvPicPr>
+        <p:blipFill>
+          <a:blip r:embed="rId3"/>
+          <a:stretch>
+            <a:fillRect/>
+          </a:stretch>
+        </p:blipFill>
         <p:spPr>
           <a:xfrm>
-            <a:off x="311700" y="1152475"/>
-            <a:ext cx="8464200" cy="3739200"/>
+            <a:off x="980660" y="1017725"/>
+            <a:ext cx="6626087" cy="3371167"/>
           </a:xfrm>
           <a:prstGeom prst="rect">
             <a:avLst/>
           </a:prstGeom>
         </p:spPr>
-        <p:txBody>
-          <a:bodyPr spcFirstLastPara="1" wrap="square" lIns="91425" tIns="91425" rIns="91425" bIns="91425" anchor="t" anchorCtr="0">
-            <a:noAutofit/>
-          </a:bodyPr>
-          <a:lstStyle/>
-          <a:p>
-            <a:pPr marL="0" lvl="0" indent="0" algn="l" rtl="0">
-              <a:spcBef>
-                <a:spcPts val="0"/>
-              </a:spcBef>
-              <a:spcAft>
-                <a:spcPts val="1600"/>
-              </a:spcAft>
-              <a:buNone/>
-            </a:pPr>
-            <a:r>
-              <a:rPr lang="en" i="1"/>
-              <a:t>Your version control evidence should go here.  This could be in the form of annotated screenshots which show you you managed this process or you could make a brief screencast explaining how you implemented version control.</a:t>
-            </a:r>
-            <a:endParaRPr i="1"/>
-          </a:p>
-        </p:txBody>
-      </p:sp>
+      </p:pic>
     </p:spTree>
+    <p:extLst>
+      <p:ext uri="{BB962C8B-B14F-4D97-AF65-F5344CB8AC3E}">
+        <p14:creationId xmlns:p14="http://schemas.microsoft.com/office/powerpoint/2010/main" val="3041130741"/>
+      </p:ext>
+    </p:extLst>
   </p:cSld>
   <p:clrMapOvr>
     <a:masterClrMapping/>
@@ -10161,17 +10374,9 @@
 <file path=ppt/slides/slide19.xml><?xml version="1.0" encoding="utf-8"?>
 <p:sld xmlns:a="http://schemas.openxmlformats.org/drawingml/2006/main" xmlns:r="http://schemas.openxmlformats.org/officeDocument/2006/relationships" xmlns:p="http://schemas.openxmlformats.org/presentationml/2006/main">
   <p:cSld>
-    <p:bg>
-      <p:bgPr>
-        <a:solidFill>
-          <a:srgbClr val="FFE599"/>
-        </a:solidFill>
-        <a:effectLst/>
-      </p:bgPr>
-    </p:bg>
     <p:spTree>
       <p:nvGrpSpPr>
-        <p:cNvPr id="1" name="Shape 89"/>
+        <p:cNvPr id="1" name="Shape 77"/>
         <p:cNvGrpSpPr/>
         <p:nvPr/>
       </p:nvGrpSpPr>
@@ -10185,18 +10390,18 @@
       </p:grpSpPr>
       <p:sp>
         <p:nvSpPr>
-          <p:cNvPr id="90" name="Google Shape;90;p19"/>
+          <p:cNvPr id="78" name="Google Shape;78;p17"/>
           <p:cNvSpPr txBox="1">
             <a:spLocks noGrp="1"/>
           </p:cNvSpPr>
           <p:nvPr>
-            <p:ph type="body" idx="1"/>
+            <p:ph type="title"/>
           </p:nvPr>
         </p:nvSpPr>
         <p:spPr>
           <a:xfrm>
-            <a:off x="311700" y="397700"/>
-            <a:ext cx="8520600" cy="4171200"/>
+            <a:off x="311700" y="445025"/>
+            <a:ext cx="8520600" cy="572700"/>
           </a:xfrm>
           <a:prstGeom prst="rect">
             <a:avLst/>
@@ -10213,23 +10418,295 @@
                 <a:spcPts val="0"/>
               </a:spcBef>
               <a:spcAft>
-                <a:spcPts val="1600"/>
+                <a:spcPts val="0"/>
               </a:spcAft>
               <a:buNone/>
             </a:pPr>
             <a:r>
-              <a:rPr lang="en" b="1" i="1">
-                <a:solidFill>
-                  <a:srgbClr val="595959"/>
-                </a:solidFill>
-              </a:rPr>
-              <a:t>Discusses how the information from planning, testing and trialling of components assisted in the development of a high-quality outcome</a:t>
+              <a:rPr lang="en" dirty="0"/>
+              <a:t>Component 3 v3 - Test Plan (?and screenshot)</a:t>
             </a:r>
-            <a:endParaRPr/>
+            <a:endParaRPr dirty="0"/>
           </a:p>
         </p:txBody>
       </p:sp>
+      <p:graphicFrame>
+        <p:nvGraphicFramePr>
+          <p:cNvPr id="79" name="Google Shape;79;p17"/>
+          <p:cNvGraphicFramePr/>
+          <p:nvPr/>
+        </p:nvGraphicFramePr>
+        <p:xfrm>
+          <a:off x="311700" y="3639864"/>
+          <a:ext cx="8520600" cy="1493460"/>
+        </p:xfrm>
+        <a:graphic>
+          <a:graphicData uri="http://schemas.openxmlformats.org/drawingml/2006/table">
+            <a:tbl>
+              <a:tblPr>
+                <a:noFill/>
+                <a:tableStyleId>{E1099E06-0E6B-448D-9D27-60429F06E6F4}</a:tableStyleId>
+              </a:tblPr>
+              <a:tblGrid>
+                <a:gridCol w="4260300">
+                  <a:extLst>
+                    <a:ext uri="{9D8B030D-6E8A-4147-A177-3AD203B41FA5}">
+                      <a16:colId xmlns:a16="http://schemas.microsoft.com/office/drawing/2014/main" val="20000"/>
+                    </a:ext>
+                  </a:extLst>
+                </a:gridCol>
+                <a:gridCol w="4260300">
+                  <a:extLst>
+                    <a:ext uri="{9D8B030D-6E8A-4147-A177-3AD203B41FA5}">
+                      <a16:colId xmlns:a16="http://schemas.microsoft.com/office/drawing/2014/main" val="20001"/>
+                    </a:ext>
+                  </a:extLst>
+                </a:gridCol>
+              </a:tblGrid>
+              <a:tr h="381000">
+                <a:tc>
+                  <a:txBody>
+                    <a:bodyPr/>
+                    <a:lstStyle/>
+                    <a:p>
+                      <a:pPr marL="0" lvl="0" indent="0" algn="l" rtl="0">
+                        <a:spcBef>
+                          <a:spcPts val="0"/>
+                        </a:spcBef>
+                        <a:spcAft>
+                          <a:spcPts val="0"/>
+                        </a:spcAft>
+                        <a:buNone/>
+                      </a:pPr>
+                      <a:r>
+                        <a:rPr lang="en" sz="1800" b="1"/>
+                        <a:t>Test Case</a:t>
+                      </a:r>
+                      <a:endParaRPr sz="1800" b="1"/>
+                    </a:p>
+                  </a:txBody>
+                  <a:tcPr marL="91425" marR="91425" marT="91425" marB="91425">
+                    <a:solidFill>
+                      <a:srgbClr val="CCCCCC"/>
+                    </a:solidFill>
+                  </a:tcPr>
+                </a:tc>
+                <a:tc>
+                  <a:txBody>
+                    <a:bodyPr/>
+                    <a:lstStyle/>
+                    <a:p>
+                      <a:pPr marL="0" lvl="0" indent="0" algn="l" rtl="0">
+                        <a:spcBef>
+                          <a:spcPts val="0"/>
+                        </a:spcBef>
+                        <a:spcAft>
+                          <a:spcPts val="0"/>
+                        </a:spcAft>
+                        <a:buNone/>
+                      </a:pPr>
+                      <a:r>
+                        <a:rPr lang="en" sz="1800" b="1"/>
+                        <a:t>Expected Values</a:t>
+                      </a:r>
+                      <a:endParaRPr sz="1800" b="1"/>
+                    </a:p>
+                  </a:txBody>
+                  <a:tcPr marL="91425" marR="91425" marT="91425" marB="91425">
+                    <a:solidFill>
+                      <a:srgbClr val="CCCCCC"/>
+                    </a:solidFill>
+                  </a:tcPr>
+                </a:tc>
+                <a:extLst>
+                  <a:ext uri="{0D108BD9-81ED-4DB2-BD59-A6C34878D82A}">
+                    <a16:rowId xmlns:a16="http://schemas.microsoft.com/office/drawing/2014/main" val="10000"/>
+                  </a:ext>
+                </a:extLst>
+              </a:tr>
+              <a:tr h="396200">
+                <a:tc>
+                  <a:txBody>
+                    <a:bodyPr/>
+                    <a:lstStyle/>
+                    <a:p>
+                      <a:pPr marL="0" lvl="0" indent="0" algn="l" rtl="0">
+                        <a:spcBef>
+                          <a:spcPts val="0"/>
+                        </a:spcBef>
+                        <a:spcAft>
+                          <a:spcPts val="0"/>
+                        </a:spcAft>
+                        <a:buNone/>
+                      </a:pPr>
+                      <a:r>
+                        <a:rPr lang="en-US" sz="1400" dirty="0"/>
+                        <a:t>Input name</a:t>
+                      </a:r>
+                    </a:p>
+                    <a:p>
+                      <a:pPr marL="0" lvl="0" indent="0" algn="l" rtl="0">
+                        <a:spcBef>
+                          <a:spcPts val="0"/>
+                        </a:spcBef>
+                        <a:spcAft>
+                          <a:spcPts val="0"/>
+                        </a:spcAft>
+                        <a:buNone/>
+                      </a:pPr>
+                      <a:r>
+                        <a:rPr lang="en-US" sz="1400" dirty="0"/>
+                        <a:t>Input phone number</a:t>
+                      </a:r>
+                    </a:p>
+                    <a:p>
+                      <a:pPr marL="0" lvl="0" indent="0" algn="l" rtl="0">
+                        <a:spcBef>
+                          <a:spcPts val="0"/>
+                        </a:spcBef>
+                        <a:spcAft>
+                          <a:spcPts val="0"/>
+                        </a:spcAft>
+                        <a:buNone/>
+                      </a:pPr>
+                      <a:r>
+                        <a:rPr lang="en-US" sz="1400" dirty="0"/>
+                        <a:t>Left input blank</a:t>
+                      </a:r>
+                      <a:endParaRPr sz="1400" dirty="0"/>
+                    </a:p>
+                  </a:txBody>
+                  <a:tcPr marL="91425" marR="91425" marT="91425" marB="91425"/>
+                </a:tc>
+                <a:tc>
+                  <a:txBody>
+                    <a:bodyPr/>
+                    <a:lstStyle/>
+                    <a:p>
+                      <a:pPr marL="0" lvl="0" indent="0" algn="l" rtl="0">
+                        <a:spcBef>
+                          <a:spcPts val="0"/>
+                        </a:spcBef>
+                        <a:spcAft>
+                          <a:spcPts val="0"/>
+                        </a:spcAft>
+                        <a:buNone/>
+                      </a:pPr>
+                      <a:r>
+                        <a:rPr lang="en-US" sz="1400" dirty="0"/>
+                        <a:t>Printed name correctly</a:t>
+                      </a:r>
+                    </a:p>
+                    <a:p>
+                      <a:pPr marL="0" lvl="0" indent="0" algn="l" rtl="0">
+                        <a:spcBef>
+                          <a:spcPts val="0"/>
+                        </a:spcBef>
+                        <a:spcAft>
+                          <a:spcPts val="0"/>
+                        </a:spcAft>
+                        <a:buNone/>
+                      </a:pPr>
+                      <a:r>
+                        <a:rPr lang="en-US" sz="1400" dirty="0"/>
+                        <a:t>Printed phone number</a:t>
+                      </a:r>
+                    </a:p>
+                    <a:p>
+                      <a:pPr marL="0" lvl="0" indent="0" algn="l" rtl="0">
+                        <a:spcBef>
+                          <a:spcPts val="0"/>
+                        </a:spcBef>
+                        <a:spcAft>
+                          <a:spcPts val="0"/>
+                        </a:spcAft>
+                        <a:buNone/>
+                      </a:pPr>
+                      <a:r>
+                        <a:rPr lang="en-US" sz="1400" dirty="0"/>
+                        <a:t>Prints “Sorry this cannot be blank” – goes back to input </a:t>
+                      </a:r>
+                      <a:endParaRPr sz="1400" dirty="0"/>
+                    </a:p>
+                  </a:txBody>
+                  <a:tcPr marL="91425" marR="91425" marT="91425" marB="91425"/>
+                </a:tc>
+                <a:extLst>
+                  <a:ext uri="{0D108BD9-81ED-4DB2-BD59-A6C34878D82A}">
+                    <a16:rowId xmlns:a16="http://schemas.microsoft.com/office/drawing/2014/main" val="10001"/>
+                  </a:ext>
+                </a:extLst>
+              </a:tr>
+            </a:tbl>
+          </a:graphicData>
+        </a:graphic>
+      </p:graphicFrame>
+      <p:pic>
+        <p:nvPicPr>
+          <p:cNvPr id="4" name="Picture 3">
+            <a:extLst>
+              <a:ext uri="{FF2B5EF4-FFF2-40B4-BE49-F238E27FC236}">
+                <a16:creationId xmlns:a16="http://schemas.microsoft.com/office/drawing/2014/main" id="{1AF626CD-1848-4634-9CA7-DF2D78D22310}"/>
+              </a:ext>
+            </a:extLst>
+          </p:cNvPr>
+          <p:cNvPicPr>
+            <a:picLocks noChangeAspect="1"/>
+          </p:cNvPicPr>
+          <p:nvPr/>
+        </p:nvPicPr>
+        <p:blipFill>
+          <a:blip r:embed="rId3"/>
+          <a:stretch>
+            <a:fillRect/>
+          </a:stretch>
+        </p:blipFill>
+        <p:spPr>
+          <a:xfrm>
+            <a:off x="1013792" y="1066698"/>
+            <a:ext cx="2837578" cy="2146852"/>
+          </a:xfrm>
+          <a:prstGeom prst="rect">
+            <a:avLst/>
+          </a:prstGeom>
+        </p:spPr>
+      </p:pic>
+      <p:pic>
+        <p:nvPicPr>
+          <p:cNvPr id="7" name="Picture 6">
+            <a:extLst>
+              <a:ext uri="{FF2B5EF4-FFF2-40B4-BE49-F238E27FC236}">
+                <a16:creationId xmlns:a16="http://schemas.microsoft.com/office/drawing/2014/main" id="{9C818AEE-3B6A-4155-A0D8-46769E703234}"/>
+              </a:ext>
+            </a:extLst>
+          </p:cNvPr>
+          <p:cNvPicPr>
+            <a:picLocks noChangeAspect="1"/>
+          </p:cNvPicPr>
+          <p:nvPr/>
+        </p:nvPicPr>
+        <p:blipFill>
+          <a:blip r:embed="rId4"/>
+          <a:stretch>
+            <a:fillRect/>
+          </a:stretch>
+        </p:blipFill>
+        <p:spPr>
+          <a:xfrm>
+            <a:off x="4015202" y="1500463"/>
+            <a:ext cx="4259170" cy="1656662"/>
+          </a:xfrm>
+          <a:prstGeom prst="rect">
+            <a:avLst/>
+          </a:prstGeom>
+        </p:spPr>
+      </p:pic>
     </p:spTree>
+    <p:extLst>
+      <p:ext uri="{BB962C8B-B14F-4D97-AF65-F5344CB8AC3E}">
+        <p14:creationId xmlns:p14="http://schemas.microsoft.com/office/powerpoint/2010/main" val="3655371901"/>
+      </p:ext>
+    </p:extLst>
   </p:cSld>
   <p:clrMapOvr>
     <a:masterClrMapping/>
@@ -10388,6 +10865,202 @@
               <a:t> to learn how to do this.</a:t>
             </a:r>
             <a:endParaRPr dirty="0"/>
+          </a:p>
+        </p:txBody>
+      </p:sp>
+    </p:spTree>
+  </p:cSld>
+  <p:clrMapOvr>
+    <a:masterClrMapping/>
+  </p:clrMapOvr>
+</p:sld>
+</file>
+
+<file path=ppt/slides/slide20.xml><?xml version="1.0" encoding="utf-8"?>
+<p:sld xmlns:a="http://schemas.openxmlformats.org/drawingml/2006/main" xmlns:r="http://schemas.openxmlformats.org/officeDocument/2006/relationships" xmlns:p="http://schemas.openxmlformats.org/presentationml/2006/main">
+  <p:cSld>
+    <p:bg>
+      <p:bgPr>
+        <a:solidFill>
+          <a:srgbClr val="D9EAD3"/>
+        </a:solidFill>
+        <a:effectLst/>
+      </p:bgPr>
+    </p:bg>
+    <p:spTree>
+      <p:nvGrpSpPr>
+        <p:cNvPr id="1" name="Shape 83"/>
+        <p:cNvGrpSpPr/>
+        <p:nvPr/>
+      </p:nvGrpSpPr>
+      <p:grpSpPr>
+        <a:xfrm>
+          <a:off x="0" y="0"/>
+          <a:ext cx="0" cy="0"/>
+          <a:chOff x="0" y="0"/>
+          <a:chExt cx="0" cy="0"/>
+        </a:xfrm>
+      </p:grpSpPr>
+      <p:sp>
+        <p:nvSpPr>
+          <p:cNvPr id="84" name="Google Shape;84;p18"/>
+          <p:cNvSpPr txBox="1">
+            <a:spLocks noGrp="1"/>
+          </p:cNvSpPr>
+          <p:nvPr>
+            <p:ph type="title"/>
+          </p:nvPr>
+        </p:nvSpPr>
+        <p:spPr>
+          <a:xfrm>
+            <a:off x="311700" y="445025"/>
+            <a:ext cx="8520600" cy="572700"/>
+          </a:xfrm>
+          <a:prstGeom prst="rect">
+            <a:avLst/>
+          </a:prstGeom>
+        </p:spPr>
+        <p:txBody>
+          <a:bodyPr spcFirstLastPara="1" wrap="square" lIns="91425" tIns="91425" rIns="91425" bIns="91425" anchor="t" anchorCtr="0">
+            <a:noAutofit/>
+          </a:bodyPr>
+          <a:lstStyle/>
+          <a:p>
+            <a:pPr marL="0" lvl="0" indent="0" algn="l" rtl="0">
+              <a:spcBef>
+                <a:spcPts val="0"/>
+              </a:spcBef>
+              <a:spcAft>
+                <a:spcPts val="0"/>
+              </a:spcAft>
+              <a:buNone/>
+            </a:pPr>
+            <a:r>
+              <a:rPr lang="en"/>
+              <a:t>Version Control Evidence</a:t>
+            </a:r>
+            <a:endParaRPr/>
+          </a:p>
+        </p:txBody>
+      </p:sp>
+      <p:sp>
+        <p:nvSpPr>
+          <p:cNvPr id="85" name="Google Shape;85;p18"/>
+          <p:cNvSpPr txBox="1">
+            <a:spLocks noGrp="1"/>
+          </p:cNvSpPr>
+          <p:nvPr>
+            <p:ph type="body" idx="1"/>
+          </p:nvPr>
+        </p:nvSpPr>
+        <p:spPr>
+          <a:xfrm>
+            <a:off x="311700" y="1152475"/>
+            <a:ext cx="8464200" cy="3739200"/>
+          </a:xfrm>
+          <a:prstGeom prst="rect">
+            <a:avLst/>
+          </a:prstGeom>
+        </p:spPr>
+        <p:txBody>
+          <a:bodyPr spcFirstLastPara="1" wrap="square" lIns="91425" tIns="91425" rIns="91425" bIns="91425" anchor="t" anchorCtr="0">
+            <a:noAutofit/>
+          </a:bodyPr>
+          <a:lstStyle/>
+          <a:p>
+            <a:pPr marL="0" lvl="0" indent="0" algn="l" rtl="0">
+              <a:spcBef>
+                <a:spcPts val="0"/>
+              </a:spcBef>
+              <a:spcAft>
+                <a:spcPts val="1600"/>
+              </a:spcAft>
+              <a:buNone/>
+            </a:pPr>
+            <a:r>
+              <a:rPr lang="en" i="1"/>
+              <a:t>Your version control evidence should go here.  This could be in the form of annotated screenshots which show you you managed this process or you could make a brief screencast explaining how you implemented version control.</a:t>
+            </a:r>
+            <a:endParaRPr i="1"/>
+          </a:p>
+        </p:txBody>
+      </p:sp>
+    </p:spTree>
+  </p:cSld>
+  <p:clrMapOvr>
+    <a:masterClrMapping/>
+  </p:clrMapOvr>
+</p:sld>
+</file>
+
+<file path=ppt/slides/slide21.xml><?xml version="1.0" encoding="utf-8"?>
+<p:sld xmlns:a="http://schemas.openxmlformats.org/drawingml/2006/main" xmlns:r="http://schemas.openxmlformats.org/officeDocument/2006/relationships" xmlns:p="http://schemas.openxmlformats.org/presentationml/2006/main">
+  <p:cSld>
+    <p:bg>
+      <p:bgPr>
+        <a:solidFill>
+          <a:srgbClr val="FFE599"/>
+        </a:solidFill>
+        <a:effectLst/>
+      </p:bgPr>
+    </p:bg>
+    <p:spTree>
+      <p:nvGrpSpPr>
+        <p:cNvPr id="1" name="Shape 89"/>
+        <p:cNvGrpSpPr/>
+        <p:nvPr/>
+      </p:nvGrpSpPr>
+      <p:grpSpPr>
+        <a:xfrm>
+          <a:off x="0" y="0"/>
+          <a:ext cx="0" cy="0"/>
+          <a:chOff x="0" y="0"/>
+          <a:chExt cx="0" cy="0"/>
+        </a:xfrm>
+      </p:grpSpPr>
+      <p:sp>
+        <p:nvSpPr>
+          <p:cNvPr id="90" name="Google Shape;90;p19"/>
+          <p:cNvSpPr txBox="1">
+            <a:spLocks noGrp="1"/>
+          </p:cNvSpPr>
+          <p:nvPr>
+            <p:ph type="body" idx="1"/>
+          </p:nvPr>
+        </p:nvSpPr>
+        <p:spPr>
+          <a:xfrm>
+            <a:off x="311700" y="397700"/>
+            <a:ext cx="8520600" cy="4171200"/>
+          </a:xfrm>
+          <a:prstGeom prst="rect">
+            <a:avLst/>
+          </a:prstGeom>
+        </p:spPr>
+        <p:txBody>
+          <a:bodyPr spcFirstLastPara="1" wrap="square" lIns="91425" tIns="91425" rIns="91425" bIns="91425" anchor="t" anchorCtr="0">
+            <a:noAutofit/>
+          </a:bodyPr>
+          <a:lstStyle/>
+          <a:p>
+            <a:pPr marL="0" lvl="0" indent="0" algn="l" rtl="0">
+              <a:spcBef>
+                <a:spcPts val="0"/>
+              </a:spcBef>
+              <a:spcAft>
+                <a:spcPts val="1600"/>
+              </a:spcAft>
+              <a:buNone/>
+            </a:pPr>
+            <a:r>
+              <a:rPr lang="en" b="1" i="1">
+                <a:solidFill>
+                  <a:srgbClr val="595959"/>
+                </a:solidFill>
+              </a:rPr>
+              <a:t>Discusses how the information from planning, testing and trialling of components assisted in the development of a high-quality outcome</a:t>
+            </a:r>
+            <a:endParaRPr/>
           </a:p>
         </p:txBody>
       </p:sp>

--- a/022_91893+_+91897+Documentation.pptx
+++ b/022_91893+_+91897+Documentation.pptx
@@ -5,7 +5,7 @@
     <p:sldMasterId id="2147483659" r:id="rId1"/>
   </p:sldMasterIdLst>
   <p:notesMasterIdLst>
-    <p:notesMasterId r:id="rId23"/>
+    <p:notesMasterId r:id="rId25"/>
   </p:notesMasterIdLst>
   <p:sldIdLst>
     <p:sldId id="256" r:id="rId2"/>
@@ -27,8 +27,10 @@
     <p:sldId id="273" r:id="rId18"/>
     <p:sldId id="276" r:id="rId19"/>
     <p:sldId id="275" r:id="rId20"/>
-    <p:sldId id="261" r:id="rId21"/>
-    <p:sldId id="262" r:id="rId22"/>
+    <p:sldId id="277" r:id="rId21"/>
+    <p:sldId id="278" r:id="rId22"/>
+    <p:sldId id="261" r:id="rId23"/>
+    <p:sldId id="262" r:id="rId24"/>
   </p:sldIdLst>
   <p:sldSz cx="9144000" cy="5143500" type="screen16x9"/>
   <p:notesSz cx="6858000" cy="9144000"/>
@@ -2080,6 +2082,224 @@
   <p:cSld>
     <p:spTree>
       <p:nvGrpSpPr>
+        <p:cNvPr id="1" name="Shape 69"/>
+        <p:cNvGrpSpPr/>
+        <p:nvPr/>
+      </p:nvGrpSpPr>
+      <p:grpSpPr>
+        <a:xfrm>
+          <a:off x="0" y="0"/>
+          <a:ext cx="0" cy="0"/>
+          <a:chOff x="0" y="0"/>
+          <a:chExt cx="0" cy="0"/>
+        </a:xfrm>
+      </p:grpSpPr>
+      <p:sp>
+        <p:nvSpPr>
+          <p:cNvPr id="70" name="Google Shape;70;gac10fef634_0_16:notes"/>
+          <p:cNvSpPr>
+            <a:spLocks noGrp="1" noRot="1" noChangeAspect="1"/>
+          </p:cNvSpPr>
+          <p:nvPr>
+            <p:ph type="sldImg" idx="2"/>
+          </p:nvPr>
+        </p:nvSpPr>
+        <p:spPr>
+          <a:xfrm>
+            <a:off x="381000" y="685800"/>
+            <a:ext cx="6096000" cy="3429000"/>
+          </a:xfrm>
+          <a:custGeom>
+            <a:avLst/>
+            <a:gdLst/>
+            <a:ahLst/>
+            <a:cxnLst/>
+            <a:rect l="l" t="t" r="r" b="b"/>
+            <a:pathLst>
+              <a:path w="120000" h="120000" extrusionOk="0">
+                <a:moveTo>
+                  <a:pt x="0" y="0"/>
+                </a:moveTo>
+                <a:lnTo>
+                  <a:pt x="120000" y="0"/>
+                </a:lnTo>
+                <a:lnTo>
+                  <a:pt x="120000" y="120000"/>
+                </a:lnTo>
+                <a:lnTo>
+                  <a:pt x="0" y="120000"/>
+                </a:lnTo>
+                <a:close/>
+              </a:path>
+            </a:pathLst>
+          </a:custGeom>
+        </p:spPr>
+      </p:sp>
+      <p:sp>
+        <p:nvSpPr>
+          <p:cNvPr id="71" name="Google Shape;71;gac10fef634_0_16:notes"/>
+          <p:cNvSpPr txBox="1">
+            <a:spLocks noGrp="1"/>
+          </p:cNvSpPr>
+          <p:nvPr>
+            <p:ph type="body" idx="1"/>
+          </p:nvPr>
+        </p:nvSpPr>
+        <p:spPr>
+          <a:xfrm>
+            <a:off x="685800" y="4343400"/>
+            <a:ext cx="5486400" cy="4114800"/>
+          </a:xfrm>
+          <a:prstGeom prst="rect">
+            <a:avLst/>
+          </a:prstGeom>
+        </p:spPr>
+        <p:txBody>
+          <a:bodyPr spcFirstLastPara="1" wrap="square" lIns="91425" tIns="91425" rIns="91425" bIns="91425" anchor="t" anchorCtr="0">
+            <a:noAutofit/>
+          </a:bodyPr>
+          <a:lstStyle/>
+          <a:p>
+            <a:pPr marL="0" lvl="0" indent="0" algn="l" rtl="0">
+              <a:spcBef>
+                <a:spcPts val="0"/>
+              </a:spcBef>
+              <a:spcAft>
+                <a:spcPts val="0"/>
+              </a:spcAft>
+              <a:buNone/>
+            </a:pPr>
+            <a:endParaRPr/>
+          </a:p>
+        </p:txBody>
+      </p:sp>
+    </p:spTree>
+    <p:extLst>
+      <p:ext uri="{BB962C8B-B14F-4D97-AF65-F5344CB8AC3E}">
+        <p14:creationId xmlns:p14="http://schemas.microsoft.com/office/powerpoint/2010/main" val="2379009342"/>
+      </p:ext>
+    </p:extLst>
+  </p:cSld>
+  <p:clrMapOvr>
+    <a:masterClrMapping/>
+  </p:clrMapOvr>
+</p:notes>
+</file>
+
+<file path=ppt/notesSlides/notesSlide21.xml><?xml version="1.0" encoding="utf-8"?>
+<p:notes xmlns:a="http://schemas.openxmlformats.org/drawingml/2006/main" xmlns:r="http://schemas.openxmlformats.org/officeDocument/2006/relationships" xmlns:p="http://schemas.openxmlformats.org/presentationml/2006/main" showMasterSp="0" showMasterPhAnim="0">
+  <p:cSld>
+    <p:spTree>
+      <p:nvGrpSpPr>
+        <p:cNvPr id="1" name="Shape 74"/>
+        <p:cNvGrpSpPr/>
+        <p:nvPr/>
+      </p:nvGrpSpPr>
+      <p:grpSpPr>
+        <a:xfrm>
+          <a:off x="0" y="0"/>
+          <a:ext cx="0" cy="0"/>
+          <a:chOff x="0" y="0"/>
+          <a:chExt cx="0" cy="0"/>
+        </a:xfrm>
+      </p:grpSpPr>
+      <p:sp>
+        <p:nvSpPr>
+          <p:cNvPr id="75" name="Google Shape;75;gac10fef634_0_20:notes"/>
+          <p:cNvSpPr>
+            <a:spLocks noGrp="1" noRot="1" noChangeAspect="1"/>
+          </p:cNvSpPr>
+          <p:nvPr>
+            <p:ph type="sldImg" idx="2"/>
+          </p:nvPr>
+        </p:nvSpPr>
+        <p:spPr>
+          <a:xfrm>
+            <a:off x="381000" y="685800"/>
+            <a:ext cx="6096000" cy="3429000"/>
+          </a:xfrm>
+          <a:custGeom>
+            <a:avLst/>
+            <a:gdLst/>
+            <a:ahLst/>
+            <a:cxnLst/>
+            <a:rect l="l" t="t" r="r" b="b"/>
+            <a:pathLst>
+              <a:path w="120000" h="120000" extrusionOk="0">
+                <a:moveTo>
+                  <a:pt x="0" y="0"/>
+                </a:moveTo>
+                <a:lnTo>
+                  <a:pt x="120000" y="0"/>
+                </a:lnTo>
+                <a:lnTo>
+                  <a:pt x="120000" y="120000"/>
+                </a:lnTo>
+                <a:lnTo>
+                  <a:pt x="0" y="120000"/>
+                </a:lnTo>
+                <a:close/>
+              </a:path>
+            </a:pathLst>
+          </a:custGeom>
+        </p:spPr>
+      </p:sp>
+      <p:sp>
+        <p:nvSpPr>
+          <p:cNvPr id="76" name="Google Shape;76;gac10fef634_0_20:notes"/>
+          <p:cNvSpPr txBox="1">
+            <a:spLocks noGrp="1"/>
+          </p:cNvSpPr>
+          <p:nvPr>
+            <p:ph type="body" idx="1"/>
+          </p:nvPr>
+        </p:nvSpPr>
+        <p:spPr>
+          <a:xfrm>
+            <a:off x="685800" y="4343400"/>
+            <a:ext cx="5486400" cy="4114800"/>
+          </a:xfrm>
+          <a:prstGeom prst="rect">
+            <a:avLst/>
+          </a:prstGeom>
+        </p:spPr>
+        <p:txBody>
+          <a:bodyPr spcFirstLastPara="1" wrap="square" lIns="91425" tIns="91425" rIns="91425" bIns="91425" anchor="t" anchorCtr="0">
+            <a:noAutofit/>
+          </a:bodyPr>
+          <a:lstStyle/>
+          <a:p>
+            <a:pPr marL="0" lvl="0" indent="0" algn="l" rtl="0">
+              <a:spcBef>
+                <a:spcPts val="0"/>
+              </a:spcBef>
+              <a:spcAft>
+                <a:spcPts val="0"/>
+              </a:spcAft>
+              <a:buNone/>
+            </a:pPr>
+            <a:endParaRPr/>
+          </a:p>
+        </p:txBody>
+      </p:sp>
+    </p:spTree>
+    <p:extLst>
+      <p:ext uri="{BB962C8B-B14F-4D97-AF65-F5344CB8AC3E}">
+        <p14:creationId xmlns:p14="http://schemas.microsoft.com/office/powerpoint/2010/main" val="2600002804"/>
+      </p:ext>
+    </p:extLst>
+  </p:cSld>
+  <p:clrMapOvr>
+    <a:masterClrMapping/>
+  </p:clrMapOvr>
+</p:notes>
+</file>
+
+<file path=ppt/notesSlides/notesSlide22.xml><?xml version="1.0" encoding="utf-8"?>
+<p:notes xmlns:a="http://schemas.openxmlformats.org/drawingml/2006/main" xmlns:r="http://schemas.openxmlformats.org/officeDocument/2006/relationships" xmlns:p="http://schemas.openxmlformats.org/presentationml/2006/main" showMasterSp="0" showMasterPhAnim="0">
+  <p:cSld>
+    <p:spTree>
+      <p:nvGrpSpPr>
         <p:cNvPr id="1" name="Shape 80"/>
         <p:cNvGrpSpPr/>
         <p:nvPr/>
@@ -2200,7 +2420,7 @@
 </p:notes>
 </file>
 
-<file path=ppt/notesSlides/notesSlide21.xml><?xml version="1.0" encoding="utf-8"?>
+<file path=ppt/notesSlides/notesSlide23.xml><?xml version="1.0" encoding="utf-8"?>
 <p:notes xmlns:a="http://schemas.openxmlformats.org/drawingml/2006/main" xmlns:r="http://schemas.openxmlformats.org/officeDocument/2006/relationships" xmlns:p="http://schemas.openxmlformats.org/presentationml/2006/main" showMasterSp="0" showMasterPhAnim="0">
   <p:cSld>
     <p:spTree>
@@ -10889,6 +11109,429 @@
     </p:bg>
     <p:spTree>
       <p:nvGrpSpPr>
+        <p:cNvPr id="1" name="Shape 72"/>
+        <p:cNvGrpSpPr/>
+        <p:nvPr/>
+      </p:nvGrpSpPr>
+      <p:grpSpPr>
+        <a:xfrm>
+          <a:off x="0" y="0"/>
+          <a:ext cx="0" cy="0"/>
+          <a:chOff x="0" y="0"/>
+          <a:chExt cx="0" cy="0"/>
+        </a:xfrm>
+      </p:grpSpPr>
+      <p:sp>
+        <p:nvSpPr>
+          <p:cNvPr id="73" name="Google Shape;73;p16"/>
+          <p:cNvSpPr txBox="1">
+            <a:spLocks noGrp="1"/>
+          </p:cNvSpPr>
+          <p:nvPr>
+            <p:ph type="title"/>
+          </p:nvPr>
+        </p:nvSpPr>
+        <p:spPr>
+          <a:xfrm>
+            <a:off x="311700" y="445025"/>
+            <a:ext cx="8520600" cy="572700"/>
+          </a:xfrm>
+          <a:prstGeom prst="rect">
+            <a:avLst/>
+          </a:prstGeom>
+        </p:spPr>
+        <p:txBody>
+          <a:bodyPr spcFirstLastPara="1" wrap="square" lIns="91425" tIns="91425" rIns="91425" bIns="91425" anchor="t" anchorCtr="0">
+            <a:noAutofit/>
+          </a:bodyPr>
+          <a:lstStyle/>
+          <a:p>
+            <a:pPr marL="0" lvl="0" indent="0" algn="l" rtl="0">
+              <a:spcBef>
+                <a:spcPts val="0"/>
+              </a:spcBef>
+              <a:spcAft>
+                <a:spcPts val="0"/>
+              </a:spcAft>
+              <a:buNone/>
+            </a:pPr>
+            <a:r>
+              <a:rPr lang="en" dirty="0"/>
+              <a:t>Component 3 Pickup info v4 (Trello screenshot)</a:t>
+            </a:r>
+            <a:endParaRPr dirty="0"/>
+          </a:p>
+        </p:txBody>
+      </p:sp>
+      <p:pic>
+        <p:nvPicPr>
+          <p:cNvPr id="4" name="Picture 3">
+            <a:extLst>
+              <a:ext uri="{FF2B5EF4-FFF2-40B4-BE49-F238E27FC236}">
+                <a16:creationId xmlns:a16="http://schemas.microsoft.com/office/drawing/2014/main" id="{E7739CD6-14A2-43F4-88F7-C077C4DC2591}"/>
+              </a:ext>
+            </a:extLst>
+          </p:cNvPr>
+          <p:cNvPicPr>
+            <a:picLocks noChangeAspect="1"/>
+          </p:cNvPicPr>
+          <p:nvPr/>
+        </p:nvPicPr>
+        <p:blipFill>
+          <a:blip r:embed="rId3"/>
+          <a:stretch>
+            <a:fillRect/>
+          </a:stretch>
+        </p:blipFill>
+        <p:spPr>
+          <a:xfrm>
+            <a:off x="543339" y="1373313"/>
+            <a:ext cx="7720637" cy="3325162"/>
+          </a:xfrm>
+          <a:prstGeom prst="rect">
+            <a:avLst/>
+          </a:prstGeom>
+        </p:spPr>
+      </p:pic>
+    </p:spTree>
+    <p:extLst>
+      <p:ext uri="{BB962C8B-B14F-4D97-AF65-F5344CB8AC3E}">
+        <p14:creationId xmlns:p14="http://schemas.microsoft.com/office/powerpoint/2010/main" val="1707656414"/>
+      </p:ext>
+    </p:extLst>
+  </p:cSld>
+  <p:clrMapOvr>
+    <a:masterClrMapping/>
+  </p:clrMapOvr>
+</p:sld>
+</file>
+
+<file path=ppt/slides/slide21.xml><?xml version="1.0" encoding="utf-8"?>
+<p:sld xmlns:a="http://schemas.openxmlformats.org/drawingml/2006/main" xmlns:r="http://schemas.openxmlformats.org/officeDocument/2006/relationships" xmlns:p="http://schemas.openxmlformats.org/presentationml/2006/main">
+  <p:cSld>
+    <p:spTree>
+      <p:nvGrpSpPr>
+        <p:cNvPr id="1" name="Shape 77"/>
+        <p:cNvGrpSpPr/>
+        <p:nvPr/>
+      </p:nvGrpSpPr>
+      <p:grpSpPr>
+        <a:xfrm>
+          <a:off x="0" y="0"/>
+          <a:ext cx="0" cy="0"/>
+          <a:chOff x="0" y="0"/>
+          <a:chExt cx="0" cy="0"/>
+        </a:xfrm>
+      </p:grpSpPr>
+      <p:sp>
+        <p:nvSpPr>
+          <p:cNvPr id="78" name="Google Shape;78;p17"/>
+          <p:cNvSpPr txBox="1">
+            <a:spLocks noGrp="1"/>
+          </p:cNvSpPr>
+          <p:nvPr>
+            <p:ph type="title"/>
+          </p:nvPr>
+        </p:nvSpPr>
+        <p:spPr>
+          <a:xfrm>
+            <a:off x="311700" y="445025"/>
+            <a:ext cx="8520600" cy="572700"/>
+          </a:xfrm>
+          <a:prstGeom prst="rect">
+            <a:avLst/>
+          </a:prstGeom>
+        </p:spPr>
+        <p:txBody>
+          <a:bodyPr spcFirstLastPara="1" wrap="square" lIns="91425" tIns="91425" rIns="91425" bIns="91425" anchor="t" anchorCtr="0">
+            <a:noAutofit/>
+          </a:bodyPr>
+          <a:lstStyle/>
+          <a:p>
+            <a:pPr marL="0" lvl="0" indent="0" algn="l" rtl="0">
+              <a:spcBef>
+                <a:spcPts val="0"/>
+              </a:spcBef>
+              <a:spcAft>
+                <a:spcPts val="0"/>
+              </a:spcAft>
+              <a:buNone/>
+            </a:pPr>
+            <a:r>
+              <a:rPr lang="en" dirty="0"/>
+              <a:t>Component 3 v4 - Test Plan (?and screenshot)</a:t>
+            </a:r>
+            <a:endParaRPr dirty="0"/>
+          </a:p>
+        </p:txBody>
+      </p:sp>
+      <p:graphicFrame>
+        <p:nvGraphicFramePr>
+          <p:cNvPr id="79" name="Google Shape;79;p17"/>
+          <p:cNvGraphicFramePr/>
+          <p:nvPr/>
+        </p:nvGraphicFramePr>
+        <p:xfrm>
+          <a:off x="311700" y="3639864"/>
+          <a:ext cx="8520600" cy="1493460"/>
+        </p:xfrm>
+        <a:graphic>
+          <a:graphicData uri="http://schemas.openxmlformats.org/drawingml/2006/table">
+            <a:tbl>
+              <a:tblPr>
+                <a:noFill/>
+                <a:tableStyleId>{E1099E06-0E6B-448D-9D27-60429F06E6F4}</a:tableStyleId>
+              </a:tblPr>
+              <a:tblGrid>
+                <a:gridCol w="4260300">
+                  <a:extLst>
+                    <a:ext uri="{9D8B030D-6E8A-4147-A177-3AD203B41FA5}">
+                      <a16:colId xmlns:a16="http://schemas.microsoft.com/office/drawing/2014/main" val="20000"/>
+                    </a:ext>
+                  </a:extLst>
+                </a:gridCol>
+                <a:gridCol w="4260300">
+                  <a:extLst>
+                    <a:ext uri="{9D8B030D-6E8A-4147-A177-3AD203B41FA5}">
+                      <a16:colId xmlns:a16="http://schemas.microsoft.com/office/drawing/2014/main" val="20001"/>
+                    </a:ext>
+                  </a:extLst>
+                </a:gridCol>
+              </a:tblGrid>
+              <a:tr h="381000">
+                <a:tc>
+                  <a:txBody>
+                    <a:bodyPr/>
+                    <a:lstStyle/>
+                    <a:p>
+                      <a:pPr marL="0" lvl="0" indent="0" algn="l" rtl="0">
+                        <a:spcBef>
+                          <a:spcPts val="0"/>
+                        </a:spcBef>
+                        <a:spcAft>
+                          <a:spcPts val="0"/>
+                        </a:spcAft>
+                        <a:buNone/>
+                      </a:pPr>
+                      <a:r>
+                        <a:rPr lang="en" sz="1800" b="1"/>
+                        <a:t>Test Case</a:t>
+                      </a:r>
+                      <a:endParaRPr sz="1800" b="1"/>
+                    </a:p>
+                  </a:txBody>
+                  <a:tcPr marL="91425" marR="91425" marT="91425" marB="91425">
+                    <a:solidFill>
+                      <a:srgbClr val="CCCCCC"/>
+                    </a:solidFill>
+                  </a:tcPr>
+                </a:tc>
+                <a:tc>
+                  <a:txBody>
+                    <a:bodyPr/>
+                    <a:lstStyle/>
+                    <a:p>
+                      <a:pPr marL="0" lvl="0" indent="0" algn="l" rtl="0">
+                        <a:spcBef>
+                          <a:spcPts val="0"/>
+                        </a:spcBef>
+                        <a:spcAft>
+                          <a:spcPts val="0"/>
+                        </a:spcAft>
+                        <a:buNone/>
+                      </a:pPr>
+                      <a:r>
+                        <a:rPr lang="en" sz="1800" b="1"/>
+                        <a:t>Expected Values</a:t>
+                      </a:r>
+                      <a:endParaRPr sz="1800" b="1"/>
+                    </a:p>
+                  </a:txBody>
+                  <a:tcPr marL="91425" marR="91425" marT="91425" marB="91425">
+                    <a:solidFill>
+                      <a:srgbClr val="CCCCCC"/>
+                    </a:solidFill>
+                  </a:tcPr>
+                </a:tc>
+                <a:extLst>
+                  <a:ext uri="{0D108BD9-81ED-4DB2-BD59-A6C34878D82A}">
+                    <a16:rowId xmlns:a16="http://schemas.microsoft.com/office/drawing/2014/main" val="10000"/>
+                  </a:ext>
+                </a:extLst>
+              </a:tr>
+              <a:tr h="396200">
+                <a:tc>
+                  <a:txBody>
+                    <a:bodyPr/>
+                    <a:lstStyle/>
+                    <a:p>
+                      <a:pPr marL="0" lvl="0" indent="0" algn="l" rtl="0">
+                        <a:spcBef>
+                          <a:spcPts val="0"/>
+                        </a:spcBef>
+                        <a:spcAft>
+                          <a:spcPts val="0"/>
+                        </a:spcAft>
+                        <a:buNone/>
+                      </a:pPr>
+                      <a:r>
+                        <a:rPr lang="en-US" sz="1400" dirty="0"/>
+                        <a:t>Input name</a:t>
+                      </a:r>
+                    </a:p>
+                    <a:p>
+                      <a:pPr marL="0" lvl="0" indent="0" algn="l" rtl="0">
+                        <a:spcBef>
+                          <a:spcPts val="0"/>
+                        </a:spcBef>
+                        <a:spcAft>
+                          <a:spcPts val="0"/>
+                        </a:spcAft>
+                        <a:buNone/>
+                      </a:pPr>
+                      <a:r>
+                        <a:rPr lang="en-US" sz="1400" dirty="0"/>
+                        <a:t>Input phone number</a:t>
+                      </a:r>
+                    </a:p>
+                    <a:p>
+                      <a:pPr marL="0" lvl="0" indent="0" algn="l" rtl="0">
+                        <a:spcBef>
+                          <a:spcPts val="0"/>
+                        </a:spcBef>
+                        <a:spcAft>
+                          <a:spcPts val="0"/>
+                        </a:spcAft>
+                        <a:buNone/>
+                      </a:pPr>
+                      <a:r>
+                        <a:rPr lang="en-US" sz="1400" dirty="0"/>
+                        <a:t>Left input blank</a:t>
+                      </a:r>
+                      <a:endParaRPr sz="1400" dirty="0"/>
+                    </a:p>
+                  </a:txBody>
+                  <a:tcPr marL="91425" marR="91425" marT="91425" marB="91425"/>
+                </a:tc>
+                <a:tc>
+                  <a:txBody>
+                    <a:bodyPr/>
+                    <a:lstStyle/>
+                    <a:p>
+                      <a:pPr marL="0" lvl="0" indent="0" algn="l" rtl="0">
+                        <a:spcBef>
+                          <a:spcPts val="0"/>
+                        </a:spcBef>
+                        <a:spcAft>
+                          <a:spcPts val="0"/>
+                        </a:spcAft>
+                        <a:buNone/>
+                      </a:pPr>
+                      <a:r>
+                        <a:rPr lang="en-US" sz="1400" dirty="0"/>
+                        <a:t>Printed name correctly</a:t>
+                      </a:r>
+                    </a:p>
+                    <a:p>
+                      <a:pPr marL="0" lvl="0" indent="0" algn="l" rtl="0">
+                        <a:spcBef>
+                          <a:spcPts val="0"/>
+                        </a:spcBef>
+                        <a:spcAft>
+                          <a:spcPts val="0"/>
+                        </a:spcAft>
+                        <a:buNone/>
+                      </a:pPr>
+                      <a:r>
+                        <a:rPr lang="en-US" sz="1400" dirty="0"/>
+                        <a:t>Printed phone number</a:t>
+                      </a:r>
+                    </a:p>
+                    <a:p>
+                      <a:pPr marL="0" lvl="0" indent="0" algn="l" rtl="0">
+                        <a:spcBef>
+                          <a:spcPts val="0"/>
+                        </a:spcBef>
+                        <a:spcAft>
+                          <a:spcPts val="0"/>
+                        </a:spcAft>
+                        <a:buNone/>
+                      </a:pPr>
+                      <a:r>
+                        <a:rPr lang="en-US" sz="1400" dirty="0"/>
+                        <a:t>Prints “Sorry this cannot be blank” – goes back to input </a:t>
+                      </a:r>
+                      <a:endParaRPr sz="1400" dirty="0"/>
+                    </a:p>
+                  </a:txBody>
+                  <a:tcPr marL="91425" marR="91425" marT="91425" marB="91425"/>
+                </a:tc>
+                <a:extLst>
+                  <a:ext uri="{0D108BD9-81ED-4DB2-BD59-A6C34878D82A}">
+                    <a16:rowId xmlns:a16="http://schemas.microsoft.com/office/drawing/2014/main" val="10001"/>
+                  </a:ext>
+                </a:extLst>
+              </a:tr>
+            </a:tbl>
+          </a:graphicData>
+        </a:graphic>
+      </p:graphicFrame>
+      <p:pic>
+        <p:nvPicPr>
+          <p:cNvPr id="3" name="Picture 2">
+            <a:extLst>
+              <a:ext uri="{FF2B5EF4-FFF2-40B4-BE49-F238E27FC236}">
+                <a16:creationId xmlns:a16="http://schemas.microsoft.com/office/drawing/2014/main" id="{8C2015B3-B259-4ED1-A1B1-F5B2AE69BBF3}"/>
+              </a:ext>
+            </a:extLst>
+          </p:cNvPr>
+          <p:cNvPicPr>
+            <a:picLocks noChangeAspect="1"/>
+          </p:cNvPicPr>
+          <p:nvPr/>
+        </p:nvPicPr>
+        <p:blipFill>
+          <a:blip r:embed="rId3"/>
+          <a:stretch>
+            <a:fillRect/>
+          </a:stretch>
+        </p:blipFill>
+        <p:spPr>
+          <a:xfrm>
+            <a:off x="618206" y="1017725"/>
+            <a:ext cx="2946629" cy="2571750"/>
+          </a:xfrm>
+          <a:prstGeom prst="rect">
+            <a:avLst/>
+          </a:prstGeom>
+        </p:spPr>
+      </p:pic>
+    </p:spTree>
+    <p:extLst>
+      <p:ext uri="{BB962C8B-B14F-4D97-AF65-F5344CB8AC3E}">
+        <p14:creationId xmlns:p14="http://schemas.microsoft.com/office/powerpoint/2010/main" val="465866692"/>
+      </p:ext>
+    </p:extLst>
+  </p:cSld>
+  <p:clrMapOvr>
+    <a:masterClrMapping/>
+  </p:clrMapOvr>
+</p:sld>
+</file>
+
+<file path=ppt/slides/slide22.xml><?xml version="1.0" encoding="utf-8"?>
+<p:sld xmlns:a="http://schemas.openxmlformats.org/drawingml/2006/main" xmlns:r="http://schemas.openxmlformats.org/officeDocument/2006/relationships" xmlns:p="http://schemas.openxmlformats.org/presentationml/2006/main">
+  <p:cSld>
+    <p:bg>
+      <p:bgPr>
+        <a:solidFill>
+          <a:srgbClr val="D9EAD3"/>
+        </a:solidFill>
+        <a:effectLst/>
+      </p:bgPr>
+    </p:bg>
+    <p:spTree>
+      <p:nvGrpSpPr>
         <p:cNvPr id="1" name="Shape 83"/>
         <p:cNvGrpSpPr/>
         <p:nvPr/>
@@ -10993,7 +11636,7 @@
 </p:sld>
 </file>
 
-<file path=ppt/slides/slide21.xml><?xml version="1.0" encoding="utf-8"?>
+<file path=ppt/slides/slide23.xml><?xml version="1.0" encoding="utf-8"?>
 <p:sld xmlns:a="http://schemas.openxmlformats.org/drawingml/2006/main" xmlns:r="http://schemas.openxmlformats.org/officeDocument/2006/relationships" xmlns:p="http://schemas.openxmlformats.org/presentationml/2006/main">
   <p:cSld>
     <p:bg>

--- a/022_91893+_+91897+Documentation.pptx
+++ b/022_91893+_+91897+Documentation.pptx
@@ -5,7 +5,7 @@
     <p:sldMasterId id="2147483659" r:id="rId1"/>
   </p:sldMasterIdLst>
   <p:notesMasterIdLst>
-    <p:notesMasterId r:id="rId25"/>
+    <p:notesMasterId r:id="rId27"/>
   </p:notesMasterIdLst>
   <p:sldIdLst>
     <p:sldId id="256" r:id="rId2"/>
@@ -29,8 +29,10 @@
     <p:sldId id="275" r:id="rId20"/>
     <p:sldId id="277" r:id="rId21"/>
     <p:sldId id="278" r:id="rId22"/>
-    <p:sldId id="261" r:id="rId23"/>
-    <p:sldId id="262" r:id="rId24"/>
+    <p:sldId id="279" r:id="rId23"/>
+    <p:sldId id="280" r:id="rId24"/>
+    <p:sldId id="261" r:id="rId25"/>
+    <p:sldId id="262" r:id="rId26"/>
   </p:sldIdLst>
   <p:sldSz cx="9144000" cy="5143500" type="screen16x9"/>
   <p:notesSz cx="6858000" cy="9144000"/>
@@ -2300,6 +2302,224 @@
   <p:cSld>
     <p:spTree>
       <p:nvGrpSpPr>
+        <p:cNvPr id="1" name="Shape 69"/>
+        <p:cNvGrpSpPr/>
+        <p:nvPr/>
+      </p:nvGrpSpPr>
+      <p:grpSpPr>
+        <a:xfrm>
+          <a:off x="0" y="0"/>
+          <a:ext cx="0" cy="0"/>
+          <a:chOff x="0" y="0"/>
+          <a:chExt cx="0" cy="0"/>
+        </a:xfrm>
+      </p:grpSpPr>
+      <p:sp>
+        <p:nvSpPr>
+          <p:cNvPr id="70" name="Google Shape;70;gac10fef634_0_16:notes"/>
+          <p:cNvSpPr>
+            <a:spLocks noGrp="1" noRot="1" noChangeAspect="1"/>
+          </p:cNvSpPr>
+          <p:nvPr>
+            <p:ph type="sldImg" idx="2"/>
+          </p:nvPr>
+        </p:nvSpPr>
+        <p:spPr>
+          <a:xfrm>
+            <a:off x="381000" y="685800"/>
+            <a:ext cx="6096000" cy="3429000"/>
+          </a:xfrm>
+          <a:custGeom>
+            <a:avLst/>
+            <a:gdLst/>
+            <a:ahLst/>
+            <a:cxnLst/>
+            <a:rect l="l" t="t" r="r" b="b"/>
+            <a:pathLst>
+              <a:path w="120000" h="120000" extrusionOk="0">
+                <a:moveTo>
+                  <a:pt x="0" y="0"/>
+                </a:moveTo>
+                <a:lnTo>
+                  <a:pt x="120000" y="0"/>
+                </a:lnTo>
+                <a:lnTo>
+                  <a:pt x="120000" y="120000"/>
+                </a:lnTo>
+                <a:lnTo>
+                  <a:pt x="0" y="120000"/>
+                </a:lnTo>
+                <a:close/>
+              </a:path>
+            </a:pathLst>
+          </a:custGeom>
+        </p:spPr>
+      </p:sp>
+      <p:sp>
+        <p:nvSpPr>
+          <p:cNvPr id="71" name="Google Shape;71;gac10fef634_0_16:notes"/>
+          <p:cNvSpPr txBox="1">
+            <a:spLocks noGrp="1"/>
+          </p:cNvSpPr>
+          <p:nvPr>
+            <p:ph type="body" idx="1"/>
+          </p:nvPr>
+        </p:nvSpPr>
+        <p:spPr>
+          <a:xfrm>
+            <a:off x="685800" y="4343400"/>
+            <a:ext cx="5486400" cy="4114800"/>
+          </a:xfrm>
+          <a:prstGeom prst="rect">
+            <a:avLst/>
+          </a:prstGeom>
+        </p:spPr>
+        <p:txBody>
+          <a:bodyPr spcFirstLastPara="1" wrap="square" lIns="91425" tIns="91425" rIns="91425" bIns="91425" anchor="t" anchorCtr="0">
+            <a:noAutofit/>
+          </a:bodyPr>
+          <a:lstStyle/>
+          <a:p>
+            <a:pPr marL="0" lvl="0" indent="0" algn="l" rtl="0">
+              <a:spcBef>
+                <a:spcPts val="0"/>
+              </a:spcBef>
+              <a:spcAft>
+                <a:spcPts val="0"/>
+              </a:spcAft>
+              <a:buNone/>
+            </a:pPr>
+            <a:endParaRPr/>
+          </a:p>
+        </p:txBody>
+      </p:sp>
+    </p:spTree>
+    <p:extLst>
+      <p:ext uri="{BB962C8B-B14F-4D97-AF65-F5344CB8AC3E}">
+        <p14:creationId xmlns:p14="http://schemas.microsoft.com/office/powerpoint/2010/main" val="4005796089"/>
+      </p:ext>
+    </p:extLst>
+  </p:cSld>
+  <p:clrMapOvr>
+    <a:masterClrMapping/>
+  </p:clrMapOvr>
+</p:notes>
+</file>
+
+<file path=ppt/notesSlides/notesSlide23.xml><?xml version="1.0" encoding="utf-8"?>
+<p:notes xmlns:a="http://schemas.openxmlformats.org/drawingml/2006/main" xmlns:r="http://schemas.openxmlformats.org/officeDocument/2006/relationships" xmlns:p="http://schemas.openxmlformats.org/presentationml/2006/main" showMasterSp="0" showMasterPhAnim="0">
+  <p:cSld>
+    <p:spTree>
+      <p:nvGrpSpPr>
+        <p:cNvPr id="1" name="Shape 74"/>
+        <p:cNvGrpSpPr/>
+        <p:nvPr/>
+      </p:nvGrpSpPr>
+      <p:grpSpPr>
+        <a:xfrm>
+          <a:off x="0" y="0"/>
+          <a:ext cx="0" cy="0"/>
+          <a:chOff x="0" y="0"/>
+          <a:chExt cx="0" cy="0"/>
+        </a:xfrm>
+      </p:grpSpPr>
+      <p:sp>
+        <p:nvSpPr>
+          <p:cNvPr id="75" name="Google Shape;75;gac10fef634_0_20:notes"/>
+          <p:cNvSpPr>
+            <a:spLocks noGrp="1" noRot="1" noChangeAspect="1"/>
+          </p:cNvSpPr>
+          <p:nvPr>
+            <p:ph type="sldImg" idx="2"/>
+          </p:nvPr>
+        </p:nvSpPr>
+        <p:spPr>
+          <a:xfrm>
+            <a:off x="381000" y="685800"/>
+            <a:ext cx="6096000" cy="3429000"/>
+          </a:xfrm>
+          <a:custGeom>
+            <a:avLst/>
+            <a:gdLst/>
+            <a:ahLst/>
+            <a:cxnLst/>
+            <a:rect l="l" t="t" r="r" b="b"/>
+            <a:pathLst>
+              <a:path w="120000" h="120000" extrusionOk="0">
+                <a:moveTo>
+                  <a:pt x="0" y="0"/>
+                </a:moveTo>
+                <a:lnTo>
+                  <a:pt x="120000" y="0"/>
+                </a:lnTo>
+                <a:lnTo>
+                  <a:pt x="120000" y="120000"/>
+                </a:lnTo>
+                <a:lnTo>
+                  <a:pt x="0" y="120000"/>
+                </a:lnTo>
+                <a:close/>
+              </a:path>
+            </a:pathLst>
+          </a:custGeom>
+        </p:spPr>
+      </p:sp>
+      <p:sp>
+        <p:nvSpPr>
+          <p:cNvPr id="76" name="Google Shape;76;gac10fef634_0_20:notes"/>
+          <p:cNvSpPr txBox="1">
+            <a:spLocks noGrp="1"/>
+          </p:cNvSpPr>
+          <p:nvPr>
+            <p:ph type="body" idx="1"/>
+          </p:nvPr>
+        </p:nvSpPr>
+        <p:spPr>
+          <a:xfrm>
+            <a:off x="685800" y="4343400"/>
+            <a:ext cx="5486400" cy="4114800"/>
+          </a:xfrm>
+          <a:prstGeom prst="rect">
+            <a:avLst/>
+          </a:prstGeom>
+        </p:spPr>
+        <p:txBody>
+          <a:bodyPr spcFirstLastPara="1" wrap="square" lIns="91425" tIns="91425" rIns="91425" bIns="91425" anchor="t" anchorCtr="0">
+            <a:noAutofit/>
+          </a:bodyPr>
+          <a:lstStyle/>
+          <a:p>
+            <a:pPr marL="0" lvl="0" indent="0" algn="l" rtl="0">
+              <a:spcBef>
+                <a:spcPts val="0"/>
+              </a:spcBef>
+              <a:spcAft>
+                <a:spcPts val="0"/>
+              </a:spcAft>
+              <a:buNone/>
+            </a:pPr>
+            <a:endParaRPr/>
+          </a:p>
+        </p:txBody>
+      </p:sp>
+    </p:spTree>
+    <p:extLst>
+      <p:ext uri="{BB962C8B-B14F-4D97-AF65-F5344CB8AC3E}">
+        <p14:creationId xmlns:p14="http://schemas.microsoft.com/office/powerpoint/2010/main" val="1486777025"/>
+      </p:ext>
+    </p:extLst>
+  </p:cSld>
+  <p:clrMapOvr>
+    <a:masterClrMapping/>
+  </p:clrMapOvr>
+</p:notes>
+</file>
+
+<file path=ppt/notesSlides/notesSlide24.xml><?xml version="1.0" encoding="utf-8"?>
+<p:notes xmlns:a="http://schemas.openxmlformats.org/drawingml/2006/main" xmlns:r="http://schemas.openxmlformats.org/officeDocument/2006/relationships" xmlns:p="http://schemas.openxmlformats.org/presentationml/2006/main" showMasterSp="0" showMasterPhAnim="0">
+  <p:cSld>
+    <p:spTree>
+      <p:nvGrpSpPr>
         <p:cNvPr id="1" name="Shape 80"/>
         <p:cNvGrpSpPr/>
         <p:nvPr/>
@@ -2420,7 +2640,7 @@
 </p:notes>
 </file>
 
-<file path=ppt/notesSlides/notesSlide23.xml><?xml version="1.0" encoding="utf-8"?>
+<file path=ppt/notesSlides/notesSlide25.xml><?xml version="1.0" encoding="utf-8"?>
 <p:notes xmlns:a="http://schemas.openxmlformats.org/drawingml/2006/main" xmlns:r="http://schemas.openxmlformats.org/officeDocument/2006/relationships" xmlns:p="http://schemas.openxmlformats.org/presentationml/2006/main" showMasterSp="0" showMasterPhAnim="0">
   <p:cSld>
     <p:spTree>
@@ -11532,6 +11752,559 @@
     </p:bg>
     <p:spTree>
       <p:nvGrpSpPr>
+        <p:cNvPr id="1" name="Shape 72"/>
+        <p:cNvGrpSpPr/>
+        <p:nvPr/>
+      </p:nvGrpSpPr>
+      <p:grpSpPr>
+        <a:xfrm>
+          <a:off x="0" y="0"/>
+          <a:ext cx="0" cy="0"/>
+          <a:chOff x="0" y="0"/>
+          <a:chExt cx="0" cy="0"/>
+        </a:xfrm>
+      </p:grpSpPr>
+      <p:sp>
+        <p:nvSpPr>
+          <p:cNvPr id="73" name="Google Shape;73;p16"/>
+          <p:cNvSpPr txBox="1">
+            <a:spLocks noGrp="1"/>
+          </p:cNvSpPr>
+          <p:nvPr>
+            <p:ph type="title"/>
+          </p:nvPr>
+        </p:nvSpPr>
+        <p:spPr>
+          <a:xfrm>
+            <a:off x="311700" y="445025"/>
+            <a:ext cx="8520600" cy="572700"/>
+          </a:xfrm>
+          <a:prstGeom prst="rect">
+            <a:avLst/>
+          </a:prstGeom>
+        </p:spPr>
+        <p:txBody>
+          <a:bodyPr spcFirstLastPara="1" wrap="square" lIns="91425" tIns="91425" rIns="91425" bIns="91425" anchor="t" anchorCtr="0">
+            <a:noAutofit/>
+          </a:bodyPr>
+          <a:lstStyle/>
+          <a:p>
+            <a:pPr marL="0" lvl="0" indent="0" algn="l" rtl="0">
+              <a:spcBef>
+                <a:spcPts val="0"/>
+              </a:spcBef>
+              <a:spcAft>
+                <a:spcPts val="0"/>
+              </a:spcAft>
+              <a:buNone/>
+            </a:pPr>
+            <a:r>
+              <a:rPr lang="en" dirty="0"/>
+              <a:t>Component 4 Delivery info (Trello screenshot)</a:t>
+            </a:r>
+            <a:endParaRPr dirty="0"/>
+          </a:p>
+        </p:txBody>
+      </p:sp>
+      <p:pic>
+        <p:nvPicPr>
+          <p:cNvPr id="3" name="Picture 2">
+            <a:extLst>
+              <a:ext uri="{FF2B5EF4-FFF2-40B4-BE49-F238E27FC236}">
+                <a16:creationId xmlns:a16="http://schemas.microsoft.com/office/drawing/2014/main" id="{7483C5F9-2028-4CB6-870B-03454EE20AD1}"/>
+              </a:ext>
+            </a:extLst>
+          </p:cNvPr>
+          <p:cNvPicPr>
+            <a:picLocks noChangeAspect="1"/>
+          </p:cNvPicPr>
+          <p:nvPr/>
+        </p:nvPicPr>
+        <p:blipFill>
+          <a:blip r:embed="rId3"/>
+          <a:stretch>
+            <a:fillRect/>
+          </a:stretch>
+        </p:blipFill>
+        <p:spPr>
+          <a:xfrm>
+            <a:off x="1179443" y="1371412"/>
+            <a:ext cx="7294978" cy="2909040"/>
+          </a:xfrm>
+          <a:prstGeom prst="rect">
+            <a:avLst/>
+          </a:prstGeom>
+        </p:spPr>
+      </p:pic>
+    </p:spTree>
+    <p:extLst>
+      <p:ext uri="{BB962C8B-B14F-4D97-AF65-F5344CB8AC3E}">
+        <p14:creationId xmlns:p14="http://schemas.microsoft.com/office/powerpoint/2010/main" val="2657966767"/>
+      </p:ext>
+    </p:extLst>
+  </p:cSld>
+  <p:clrMapOvr>
+    <a:masterClrMapping/>
+  </p:clrMapOvr>
+</p:sld>
+</file>
+
+<file path=ppt/slides/slide23.xml><?xml version="1.0" encoding="utf-8"?>
+<p:sld xmlns:a="http://schemas.openxmlformats.org/drawingml/2006/main" xmlns:r="http://schemas.openxmlformats.org/officeDocument/2006/relationships" xmlns:p="http://schemas.openxmlformats.org/presentationml/2006/main">
+  <p:cSld>
+    <p:spTree>
+      <p:nvGrpSpPr>
+        <p:cNvPr id="1" name="Shape 77"/>
+        <p:cNvGrpSpPr/>
+        <p:nvPr/>
+      </p:nvGrpSpPr>
+      <p:grpSpPr>
+        <a:xfrm>
+          <a:off x="0" y="0"/>
+          <a:ext cx="0" cy="0"/>
+          <a:chOff x="0" y="0"/>
+          <a:chExt cx="0" cy="0"/>
+        </a:xfrm>
+      </p:grpSpPr>
+      <p:sp>
+        <p:nvSpPr>
+          <p:cNvPr id="78" name="Google Shape;78;p17"/>
+          <p:cNvSpPr txBox="1">
+            <a:spLocks noGrp="1"/>
+          </p:cNvSpPr>
+          <p:nvPr>
+            <p:ph type="title"/>
+          </p:nvPr>
+        </p:nvSpPr>
+        <p:spPr>
+          <a:xfrm>
+            <a:off x="311700" y="445025"/>
+            <a:ext cx="8520600" cy="572700"/>
+          </a:xfrm>
+          <a:prstGeom prst="rect">
+            <a:avLst/>
+          </a:prstGeom>
+        </p:spPr>
+        <p:txBody>
+          <a:bodyPr spcFirstLastPara="1" wrap="square" lIns="91425" tIns="91425" rIns="91425" bIns="91425" anchor="t" anchorCtr="0">
+            <a:noAutofit/>
+          </a:bodyPr>
+          <a:lstStyle/>
+          <a:p>
+            <a:pPr marL="0" lvl="0" indent="0" algn="l" rtl="0">
+              <a:spcBef>
+                <a:spcPts val="0"/>
+              </a:spcBef>
+              <a:spcAft>
+                <a:spcPts val="0"/>
+              </a:spcAft>
+              <a:buNone/>
+            </a:pPr>
+            <a:r>
+              <a:rPr lang="en" sz="2400" dirty="0"/>
+              <a:t>Component 4 v1 - Test Plan (?and screenshot)</a:t>
+            </a:r>
+            <a:endParaRPr sz="2400" dirty="0"/>
+          </a:p>
+        </p:txBody>
+      </p:sp>
+      <p:graphicFrame>
+        <p:nvGraphicFramePr>
+          <p:cNvPr id="79" name="Google Shape;79;p17"/>
+          <p:cNvGraphicFramePr/>
+          <p:nvPr>
+            <p:extLst>
+              <p:ext uri="{D42A27DB-BD31-4B8C-83A1-F6EECF244321}">
+                <p14:modId xmlns:p14="http://schemas.microsoft.com/office/powerpoint/2010/main" val="1405338624"/>
+              </p:ext>
+            </p:extLst>
+          </p:nvPr>
+        </p:nvGraphicFramePr>
+        <p:xfrm>
+          <a:off x="311700" y="3009960"/>
+          <a:ext cx="8520600" cy="1920180"/>
+        </p:xfrm>
+        <a:graphic>
+          <a:graphicData uri="http://schemas.openxmlformats.org/drawingml/2006/table">
+            <a:tbl>
+              <a:tblPr>
+                <a:noFill/>
+                <a:tableStyleId>{E1099E06-0E6B-448D-9D27-60429F06E6F4}</a:tableStyleId>
+              </a:tblPr>
+              <a:tblGrid>
+                <a:gridCol w="4260300">
+                  <a:extLst>
+                    <a:ext uri="{9D8B030D-6E8A-4147-A177-3AD203B41FA5}">
+                      <a16:colId xmlns:a16="http://schemas.microsoft.com/office/drawing/2014/main" val="20000"/>
+                    </a:ext>
+                  </a:extLst>
+                </a:gridCol>
+                <a:gridCol w="4260300">
+                  <a:extLst>
+                    <a:ext uri="{9D8B030D-6E8A-4147-A177-3AD203B41FA5}">
+                      <a16:colId xmlns:a16="http://schemas.microsoft.com/office/drawing/2014/main" val="20001"/>
+                    </a:ext>
+                  </a:extLst>
+                </a:gridCol>
+              </a:tblGrid>
+              <a:tr h="381000">
+                <a:tc>
+                  <a:txBody>
+                    <a:bodyPr/>
+                    <a:lstStyle/>
+                    <a:p>
+                      <a:pPr marL="0" lvl="0" indent="0" algn="l" rtl="0">
+                        <a:spcBef>
+                          <a:spcPts val="0"/>
+                        </a:spcBef>
+                        <a:spcAft>
+                          <a:spcPts val="0"/>
+                        </a:spcAft>
+                        <a:buNone/>
+                      </a:pPr>
+                      <a:r>
+                        <a:rPr lang="en" sz="1800" b="1"/>
+                        <a:t>Test Case</a:t>
+                      </a:r>
+                      <a:endParaRPr sz="1800" b="1"/>
+                    </a:p>
+                  </a:txBody>
+                  <a:tcPr marL="91425" marR="91425" marT="91425" marB="91425">
+                    <a:solidFill>
+                      <a:srgbClr val="CCCCCC"/>
+                    </a:solidFill>
+                  </a:tcPr>
+                </a:tc>
+                <a:tc>
+                  <a:txBody>
+                    <a:bodyPr/>
+                    <a:lstStyle/>
+                    <a:p>
+                      <a:pPr marL="0" lvl="0" indent="0" algn="l" rtl="0">
+                        <a:spcBef>
+                          <a:spcPts val="0"/>
+                        </a:spcBef>
+                        <a:spcAft>
+                          <a:spcPts val="0"/>
+                        </a:spcAft>
+                        <a:buNone/>
+                      </a:pPr>
+                      <a:r>
+                        <a:rPr lang="en" sz="1800" b="1"/>
+                        <a:t>Expected Values</a:t>
+                      </a:r>
+                      <a:endParaRPr sz="1800" b="1"/>
+                    </a:p>
+                  </a:txBody>
+                  <a:tcPr marL="91425" marR="91425" marT="91425" marB="91425">
+                    <a:solidFill>
+                      <a:srgbClr val="CCCCCC"/>
+                    </a:solidFill>
+                  </a:tcPr>
+                </a:tc>
+                <a:extLst>
+                  <a:ext uri="{0D108BD9-81ED-4DB2-BD59-A6C34878D82A}">
+                    <a16:rowId xmlns:a16="http://schemas.microsoft.com/office/drawing/2014/main" val="10000"/>
+                  </a:ext>
+                </a:extLst>
+              </a:tr>
+              <a:tr h="396200">
+                <a:tc>
+                  <a:txBody>
+                    <a:bodyPr/>
+                    <a:lstStyle/>
+                    <a:p>
+                      <a:pPr marL="0" lvl="0" indent="0" algn="l" rtl="0">
+                        <a:spcBef>
+                          <a:spcPts val="0"/>
+                        </a:spcBef>
+                        <a:spcAft>
+                          <a:spcPts val="0"/>
+                        </a:spcAft>
+                        <a:buNone/>
+                      </a:pPr>
+                      <a:r>
+                        <a:rPr lang="en-US" sz="1400" dirty="0"/>
+                        <a:t>Input name</a:t>
+                      </a:r>
+                    </a:p>
+                    <a:p>
+                      <a:pPr marL="0" lvl="0" indent="0" algn="l" rtl="0">
+                        <a:spcBef>
+                          <a:spcPts val="0"/>
+                        </a:spcBef>
+                        <a:spcAft>
+                          <a:spcPts val="0"/>
+                        </a:spcAft>
+                        <a:buNone/>
+                      </a:pPr>
+                      <a:r>
+                        <a:rPr lang="en-US" sz="1400" dirty="0"/>
+                        <a:t>Input phone number</a:t>
+                      </a:r>
+                    </a:p>
+                    <a:p>
+                      <a:pPr marL="0" lvl="0" indent="0" algn="l" rtl="0">
+                        <a:spcBef>
+                          <a:spcPts val="0"/>
+                        </a:spcBef>
+                        <a:spcAft>
+                          <a:spcPts val="0"/>
+                        </a:spcAft>
+                        <a:buNone/>
+                      </a:pPr>
+                      <a:r>
+                        <a:rPr lang="en-US" sz="1400" dirty="0"/>
+                        <a:t>Input house number</a:t>
+                      </a:r>
+                    </a:p>
+                    <a:p>
+                      <a:pPr marL="0" lvl="0" indent="0" algn="l" rtl="0">
+                        <a:spcBef>
+                          <a:spcPts val="0"/>
+                        </a:spcBef>
+                        <a:spcAft>
+                          <a:spcPts val="0"/>
+                        </a:spcAft>
+                        <a:buNone/>
+                      </a:pPr>
+                      <a:r>
+                        <a:rPr lang="en-US" sz="1400" dirty="0"/>
+                        <a:t>Input street name</a:t>
+                      </a:r>
+                    </a:p>
+                    <a:p>
+                      <a:pPr marL="0" lvl="0" indent="0" algn="l" rtl="0">
+                        <a:spcBef>
+                          <a:spcPts val="0"/>
+                        </a:spcBef>
+                        <a:spcAft>
+                          <a:spcPts val="0"/>
+                        </a:spcAft>
+                        <a:buNone/>
+                      </a:pPr>
+                      <a:r>
+                        <a:rPr lang="en-US" sz="1400" dirty="0"/>
+                        <a:t>Input suburb</a:t>
+                      </a:r>
+                    </a:p>
+                    <a:p>
+                      <a:pPr marL="0" lvl="0" indent="0" algn="l" rtl="0">
+                        <a:spcBef>
+                          <a:spcPts val="0"/>
+                        </a:spcBef>
+                        <a:spcAft>
+                          <a:spcPts val="0"/>
+                        </a:spcAft>
+                        <a:buNone/>
+                      </a:pPr>
+                      <a:r>
+                        <a:rPr lang="en-US" sz="1400" dirty="0"/>
+                        <a:t>Left input blank</a:t>
+                      </a:r>
+                      <a:endParaRPr sz="1400" dirty="0"/>
+                    </a:p>
+                  </a:txBody>
+                  <a:tcPr marL="91425" marR="91425" marT="91425" marB="91425"/>
+                </a:tc>
+                <a:tc>
+                  <a:txBody>
+                    <a:bodyPr/>
+                    <a:lstStyle/>
+                    <a:p>
+                      <a:pPr marL="0" lvl="0" indent="0" algn="l" rtl="0">
+                        <a:spcBef>
+                          <a:spcPts val="0"/>
+                        </a:spcBef>
+                        <a:spcAft>
+                          <a:spcPts val="0"/>
+                        </a:spcAft>
+                        <a:buNone/>
+                      </a:pPr>
+                      <a:r>
+                        <a:rPr lang="en-US" sz="1400" dirty="0"/>
+                        <a:t>Printed name correctly</a:t>
+                      </a:r>
+                    </a:p>
+                    <a:p>
+                      <a:pPr marL="0" lvl="0" indent="0" algn="l" rtl="0">
+                        <a:spcBef>
+                          <a:spcPts val="0"/>
+                        </a:spcBef>
+                        <a:spcAft>
+                          <a:spcPts val="0"/>
+                        </a:spcAft>
+                        <a:buNone/>
+                      </a:pPr>
+                      <a:r>
+                        <a:rPr lang="en-US" sz="1400" dirty="0"/>
+                        <a:t>Printed phone number</a:t>
+                      </a:r>
+                    </a:p>
+                    <a:p>
+                      <a:pPr marL="0" lvl="0" indent="0" algn="l" rtl="0">
+                        <a:spcBef>
+                          <a:spcPts val="0"/>
+                        </a:spcBef>
+                        <a:spcAft>
+                          <a:spcPts val="0"/>
+                        </a:spcAft>
+                        <a:buNone/>
+                      </a:pPr>
+                      <a:r>
+                        <a:rPr lang="en-US" sz="1400" dirty="0"/>
+                        <a:t>Accepted blank and printed blank input</a:t>
+                      </a:r>
+                    </a:p>
+                    <a:p>
+                      <a:pPr marL="0" lvl="0" indent="0" algn="l" rtl="0">
+                        <a:spcBef>
+                          <a:spcPts val="0"/>
+                        </a:spcBef>
+                        <a:spcAft>
+                          <a:spcPts val="0"/>
+                        </a:spcAft>
+                        <a:buNone/>
+                      </a:pPr>
+                      <a:r>
+                        <a:rPr lang="en-US" sz="1400" dirty="0"/>
+                        <a:t>Printed street name</a:t>
+                      </a:r>
+                    </a:p>
+                    <a:p>
+                      <a:pPr marL="0" lvl="0" indent="0" algn="l" rtl="0">
+                        <a:spcBef>
+                          <a:spcPts val="0"/>
+                        </a:spcBef>
+                        <a:spcAft>
+                          <a:spcPts val="0"/>
+                        </a:spcAft>
+                        <a:buNone/>
+                      </a:pPr>
+                      <a:r>
+                        <a:rPr lang="en-US" sz="1400" dirty="0"/>
+                        <a:t>Printed suburb name</a:t>
+                      </a:r>
+                    </a:p>
+                    <a:p>
+                      <a:pPr marL="0" lvl="0" indent="0" algn="l" rtl="0">
+                        <a:spcBef>
+                          <a:spcPts val="0"/>
+                        </a:spcBef>
+                        <a:spcAft>
+                          <a:spcPts val="0"/>
+                        </a:spcAft>
+                        <a:buNone/>
+                      </a:pPr>
+                      <a:r>
+                        <a:rPr lang="en-US" sz="1400" dirty="0"/>
+                        <a:t>Asked </a:t>
+                      </a:r>
+                      <a:r>
+                        <a:rPr lang="en-US" sz="1400"/>
+                        <a:t>for input again</a:t>
+                      </a:r>
+                      <a:endParaRPr lang="en-US" sz="1400" dirty="0"/>
+                    </a:p>
+                  </a:txBody>
+                  <a:tcPr marL="91425" marR="91425" marT="91425" marB="91425"/>
+                </a:tc>
+                <a:extLst>
+                  <a:ext uri="{0D108BD9-81ED-4DB2-BD59-A6C34878D82A}">
+                    <a16:rowId xmlns:a16="http://schemas.microsoft.com/office/drawing/2014/main" val="10001"/>
+                  </a:ext>
+                </a:extLst>
+              </a:tr>
+            </a:tbl>
+          </a:graphicData>
+        </a:graphic>
+      </p:graphicFrame>
+      <p:pic>
+        <p:nvPicPr>
+          <p:cNvPr id="4" name="Picture 3">
+            <a:extLst>
+              <a:ext uri="{FF2B5EF4-FFF2-40B4-BE49-F238E27FC236}">
+                <a16:creationId xmlns:a16="http://schemas.microsoft.com/office/drawing/2014/main" id="{DE02703A-7D66-4FE1-AC5A-46ABB54D44C7}"/>
+              </a:ext>
+            </a:extLst>
+          </p:cNvPr>
+          <p:cNvPicPr>
+            <a:picLocks noChangeAspect="1"/>
+          </p:cNvPicPr>
+          <p:nvPr/>
+        </p:nvPicPr>
+        <p:blipFill>
+          <a:blip r:embed="rId3"/>
+          <a:stretch>
+            <a:fillRect/>
+          </a:stretch>
+        </p:blipFill>
+        <p:spPr>
+          <a:xfrm>
+            <a:off x="1731142" y="1017725"/>
+            <a:ext cx="1568265" cy="1840375"/>
+          </a:xfrm>
+          <a:prstGeom prst="rect">
+            <a:avLst/>
+          </a:prstGeom>
+        </p:spPr>
+      </p:pic>
+      <p:pic>
+        <p:nvPicPr>
+          <p:cNvPr id="6" name="Picture 5">
+            <a:extLst>
+              <a:ext uri="{FF2B5EF4-FFF2-40B4-BE49-F238E27FC236}">
+                <a16:creationId xmlns:a16="http://schemas.microsoft.com/office/drawing/2014/main" id="{3529B4F4-EBA3-475A-AA56-BABA08CA7AAA}"/>
+              </a:ext>
+            </a:extLst>
+          </p:cNvPr>
+          <p:cNvPicPr>
+            <a:picLocks noChangeAspect="1"/>
+          </p:cNvPicPr>
+          <p:nvPr/>
+        </p:nvPicPr>
+        <p:blipFill>
+          <a:blip r:embed="rId4"/>
+          <a:stretch>
+            <a:fillRect/>
+          </a:stretch>
+        </p:blipFill>
+        <p:spPr>
+          <a:xfrm>
+            <a:off x="3689695" y="917534"/>
+            <a:ext cx="3625505" cy="2040757"/>
+          </a:xfrm>
+          <a:prstGeom prst="rect">
+            <a:avLst/>
+          </a:prstGeom>
+        </p:spPr>
+      </p:pic>
+    </p:spTree>
+    <p:extLst>
+      <p:ext uri="{BB962C8B-B14F-4D97-AF65-F5344CB8AC3E}">
+        <p14:creationId xmlns:p14="http://schemas.microsoft.com/office/powerpoint/2010/main" val="422567403"/>
+      </p:ext>
+    </p:extLst>
+  </p:cSld>
+  <p:clrMapOvr>
+    <a:masterClrMapping/>
+  </p:clrMapOvr>
+</p:sld>
+</file>
+
+<file path=ppt/slides/slide24.xml><?xml version="1.0" encoding="utf-8"?>
+<p:sld xmlns:a="http://schemas.openxmlformats.org/drawingml/2006/main" xmlns:r="http://schemas.openxmlformats.org/officeDocument/2006/relationships" xmlns:p="http://schemas.openxmlformats.org/presentationml/2006/main">
+  <p:cSld>
+    <p:bg>
+      <p:bgPr>
+        <a:solidFill>
+          <a:srgbClr val="D9EAD3"/>
+        </a:solidFill>
+        <a:effectLst/>
+      </p:bgPr>
+    </p:bg>
+    <p:spTree>
+      <p:nvGrpSpPr>
         <p:cNvPr id="1" name="Shape 83"/>
         <p:cNvGrpSpPr/>
         <p:nvPr/>
@@ -11636,7 +12409,7 @@
 </p:sld>
 </file>
 
-<file path=ppt/slides/slide23.xml><?xml version="1.0" encoding="utf-8"?>
+<file path=ppt/slides/slide25.xml><?xml version="1.0" encoding="utf-8"?>
 <p:sld xmlns:a="http://schemas.openxmlformats.org/drawingml/2006/main" xmlns:r="http://schemas.openxmlformats.org/officeDocument/2006/relationships" xmlns:p="http://schemas.openxmlformats.org/presentationml/2006/main">
   <p:cSld>
     <p:bg>

--- a/022_91893+_+91897+Documentation.pptx
+++ b/022_91893+_+91897+Documentation.pptx
@@ -5,7 +5,7 @@
     <p:sldMasterId id="2147483659" r:id="rId1"/>
   </p:sldMasterIdLst>
   <p:notesMasterIdLst>
-    <p:notesMasterId r:id="rId27"/>
+    <p:notesMasterId r:id="rId30"/>
   </p:notesMasterIdLst>
   <p:sldIdLst>
     <p:sldId id="256" r:id="rId2"/>
@@ -31,8 +31,11 @@
     <p:sldId id="278" r:id="rId22"/>
     <p:sldId id="279" r:id="rId23"/>
     <p:sldId id="280" r:id="rId24"/>
-    <p:sldId id="261" r:id="rId25"/>
-    <p:sldId id="262" r:id="rId26"/>
+    <p:sldId id="281" r:id="rId25"/>
+    <p:sldId id="282" r:id="rId26"/>
+    <p:sldId id="283" r:id="rId27"/>
+    <p:sldId id="261" r:id="rId28"/>
+    <p:sldId id="262" r:id="rId29"/>
   </p:sldIdLst>
   <p:sldSz cx="9144000" cy="5143500" type="screen16x9"/>
   <p:notesSz cx="6858000" cy="9144000"/>
@@ -2520,6 +2523,333 @@
   <p:cSld>
     <p:spTree>
       <p:nvGrpSpPr>
+        <p:cNvPr id="1" name="Shape 69"/>
+        <p:cNvGrpSpPr/>
+        <p:nvPr/>
+      </p:nvGrpSpPr>
+      <p:grpSpPr>
+        <a:xfrm>
+          <a:off x="0" y="0"/>
+          <a:ext cx="0" cy="0"/>
+          <a:chOff x="0" y="0"/>
+          <a:chExt cx="0" cy="0"/>
+        </a:xfrm>
+      </p:grpSpPr>
+      <p:sp>
+        <p:nvSpPr>
+          <p:cNvPr id="70" name="Google Shape;70;gac10fef634_0_16:notes"/>
+          <p:cNvSpPr>
+            <a:spLocks noGrp="1" noRot="1" noChangeAspect="1"/>
+          </p:cNvSpPr>
+          <p:nvPr>
+            <p:ph type="sldImg" idx="2"/>
+          </p:nvPr>
+        </p:nvSpPr>
+        <p:spPr>
+          <a:xfrm>
+            <a:off x="381000" y="685800"/>
+            <a:ext cx="6096000" cy="3429000"/>
+          </a:xfrm>
+          <a:custGeom>
+            <a:avLst/>
+            <a:gdLst/>
+            <a:ahLst/>
+            <a:cxnLst/>
+            <a:rect l="l" t="t" r="r" b="b"/>
+            <a:pathLst>
+              <a:path w="120000" h="120000" extrusionOk="0">
+                <a:moveTo>
+                  <a:pt x="0" y="0"/>
+                </a:moveTo>
+                <a:lnTo>
+                  <a:pt x="120000" y="0"/>
+                </a:lnTo>
+                <a:lnTo>
+                  <a:pt x="120000" y="120000"/>
+                </a:lnTo>
+                <a:lnTo>
+                  <a:pt x="0" y="120000"/>
+                </a:lnTo>
+                <a:close/>
+              </a:path>
+            </a:pathLst>
+          </a:custGeom>
+        </p:spPr>
+      </p:sp>
+      <p:sp>
+        <p:nvSpPr>
+          <p:cNvPr id="71" name="Google Shape;71;gac10fef634_0_16:notes"/>
+          <p:cNvSpPr txBox="1">
+            <a:spLocks noGrp="1"/>
+          </p:cNvSpPr>
+          <p:nvPr>
+            <p:ph type="body" idx="1"/>
+          </p:nvPr>
+        </p:nvSpPr>
+        <p:spPr>
+          <a:xfrm>
+            <a:off x="685800" y="4343400"/>
+            <a:ext cx="5486400" cy="4114800"/>
+          </a:xfrm>
+          <a:prstGeom prst="rect">
+            <a:avLst/>
+          </a:prstGeom>
+        </p:spPr>
+        <p:txBody>
+          <a:bodyPr spcFirstLastPara="1" wrap="square" lIns="91425" tIns="91425" rIns="91425" bIns="91425" anchor="t" anchorCtr="0">
+            <a:noAutofit/>
+          </a:bodyPr>
+          <a:lstStyle/>
+          <a:p>
+            <a:pPr marL="0" lvl="0" indent="0" algn="l" rtl="0">
+              <a:spcBef>
+                <a:spcPts val="0"/>
+              </a:spcBef>
+              <a:spcAft>
+                <a:spcPts val="0"/>
+              </a:spcAft>
+              <a:buNone/>
+            </a:pPr>
+            <a:endParaRPr/>
+          </a:p>
+        </p:txBody>
+      </p:sp>
+    </p:spTree>
+    <p:extLst>
+      <p:ext uri="{BB962C8B-B14F-4D97-AF65-F5344CB8AC3E}">
+        <p14:creationId xmlns:p14="http://schemas.microsoft.com/office/powerpoint/2010/main" val="3308496737"/>
+      </p:ext>
+    </p:extLst>
+  </p:cSld>
+  <p:clrMapOvr>
+    <a:masterClrMapping/>
+  </p:clrMapOvr>
+</p:notes>
+</file>
+
+<file path=ppt/notesSlides/notesSlide25.xml><?xml version="1.0" encoding="utf-8"?>
+<p:notes xmlns:a="http://schemas.openxmlformats.org/drawingml/2006/main" xmlns:r="http://schemas.openxmlformats.org/officeDocument/2006/relationships" xmlns:p="http://schemas.openxmlformats.org/presentationml/2006/main" showMasterSp="0" showMasterPhAnim="0">
+  <p:cSld>
+    <p:spTree>
+      <p:nvGrpSpPr>
+        <p:cNvPr id="1" name="Shape 74"/>
+        <p:cNvGrpSpPr/>
+        <p:nvPr/>
+      </p:nvGrpSpPr>
+      <p:grpSpPr>
+        <a:xfrm>
+          <a:off x="0" y="0"/>
+          <a:ext cx="0" cy="0"/>
+          <a:chOff x="0" y="0"/>
+          <a:chExt cx="0" cy="0"/>
+        </a:xfrm>
+      </p:grpSpPr>
+      <p:sp>
+        <p:nvSpPr>
+          <p:cNvPr id="75" name="Google Shape;75;gac10fef634_0_20:notes"/>
+          <p:cNvSpPr>
+            <a:spLocks noGrp="1" noRot="1" noChangeAspect="1"/>
+          </p:cNvSpPr>
+          <p:nvPr>
+            <p:ph type="sldImg" idx="2"/>
+          </p:nvPr>
+        </p:nvSpPr>
+        <p:spPr>
+          <a:xfrm>
+            <a:off x="381000" y="685800"/>
+            <a:ext cx="6096000" cy="3429000"/>
+          </a:xfrm>
+          <a:custGeom>
+            <a:avLst/>
+            <a:gdLst/>
+            <a:ahLst/>
+            <a:cxnLst/>
+            <a:rect l="l" t="t" r="r" b="b"/>
+            <a:pathLst>
+              <a:path w="120000" h="120000" extrusionOk="0">
+                <a:moveTo>
+                  <a:pt x="0" y="0"/>
+                </a:moveTo>
+                <a:lnTo>
+                  <a:pt x="120000" y="0"/>
+                </a:lnTo>
+                <a:lnTo>
+                  <a:pt x="120000" y="120000"/>
+                </a:lnTo>
+                <a:lnTo>
+                  <a:pt x="0" y="120000"/>
+                </a:lnTo>
+                <a:close/>
+              </a:path>
+            </a:pathLst>
+          </a:custGeom>
+        </p:spPr>
+      </p:sp>
+      <p:sp>
+        <p:nvSpPr>
+          <p:cNvPr id="76" name="Google Shape;76;gac10fef634_0_20:notes"/>
+          <p:cNvSpPr txBox="1">
+            <a:spLocks noGrp="1"/>
+          </p:cNvSpPr>
+          <p:nvPr>
+            <p:ph type="body" idx="1"/>
+          </p:nvPr>
+        </p:nvSpPr>
+        <p:spPr>
+          <a:xfrm>
+            <a:off x="685800" y="4343400"/>
+            <a:ext cx="5486400" cy="4114800"/>
+          </a:xfrm>
+          <a:prstGeom prst="rect">
+            <a:avLst/>
+          </a:prstGeom>
+        </p:spPr>
+        <p:txBody>
+          <a:bodyPr spcFirstLastPara="1" wrap="square" lIns="91425" tIns="91425" rIns="91425" bIns="91425" anchor="t" anchorCtr="0">
+            <a:noAutofit/>
+          </a:bodyPr>
+          <a:lstStyle/>
+          <a:p>
+            <a:pPr marL="0" lvl="0" indent="0" algn="l" rtl="0">
+              <a:spcBef>
+                <a:spcPts val="0"/>
+              </a:spcBef>
+              <a:spcAft>
+                <a:spcPts val="0"/>
+              </a:spcAft>
+              <a:buNone/>
+            </a:pPr>
+            <a:endParaRPr/>
+          </a:p>
+        </p:txBody>
+      </p:sp>
+    </p:spTree>
+    <p:extLst>
+      <p:ext uri="{BB962C8B-B14F-4D97-AF65-F5344CB8AC3E}">
+        <p14:creationId xmlns:p14="http://schemas.microsoft.com/office/powerpoint/2010/main" val="70749333"/>
+      </p:ext>
+    </p:extLst>
+  </p:cSld>
+  <p:clrMapOvr>
+    <a:masterClrMapping/>
+  </p:clrMapOvr>
+</p:notes>
+</file>
+
+<file path=ppt/notesSlides/notesSlide26.xml><?xml version="1.0" encoding="utf-8"?>
+<p:notes xmlns:a="http://schemas.openxmlformats.org/drawingml/2006/main" xmlns:r="http://schemas.openxmlformats.org/officeDocument/2006/relationships" xmlns:p="http://schemas.openxmlformats.org/presentationml/2006/main" showMasterSp="0" showMasterPhAnim="0">
+  <p:cSld>
+    <p:spTree>
+      <p:nvGrpSpPr>
+        <p:cNvPr id="1" name="Shape 74"/>
+        <p:cNvGrpSpPr/>
+        <p:nvPr/>
+      </p:nvGrpSpPr>
+      <p:grpSpPr>
+        <a:xfrm>
+          <a:off x="0" y="0"/>
+          <a:ext cx="0" cy="0"/>
+          <a:chOff x="0" y="0"/>
+          <a:chExt cx="0" cy="0"/>
+        </a:xfrm>
+      </p:grpSpPr>
+      <p:sp>
+        <p:nvSpPr>
+          <p:cNvPr id="75" name="Google Shape;75;gac10fef634_0_20:notes"/>
+          <p:cNvSpPr>
+            <a:spLocks noGrp="1" noRot="1" noChangeAspect="1"/>
+          </p:cNvSpPr>
+          <p:nvPr>
+            <p:ph type="sldImg" idx="2"/>
+          </p:nvPr>
+        </p:nvSpPr>
+        <p:spPr>
+          <a:xfrm>
+            <a:off x="381000" y="685800"/>
+            <a:ext cx="6096000" cy="3429000"/>
+          </a:xfrm>
+          <a:custGeom>
+            <a:avLst/>
+            <a:gdLst/>
+            <a:ahLst/>
+            <a:cxnLst/>
+            <a:rect l="l" t="t" r="r" b="b"/>
+            <a:pathLst>
+              <a:path w="120000" h="120000" extrusionOk="0">
+                <a:moveTo>
+                  <a:pt x="0" y="0"/>
+                </a:moveTo>
+                <a:lnTo>
+                  <a:pt x="120000" y="0"/>
+                </a:lnTo>
+                <a:lnTo>
+                  <a:pt x="120000" y="120000"/>
+                </a:lnTo>
+                <a:lnTo>
+                  <a:pt x="0" y="120000"/>
+                </a:lnTo>
+                <a:close/>
+              </a:path>
+            </a:pathLst>
+          </a:custGeom>
+        </p:spPr>
+      </p:sp>
+      <p:sp>
+        <p:nvSpPr>
+          <p:cNvPr id="76" name="Google Shape;76;gac10fef634_0_20:notes"/>
+          <p:cNvSpPr txBox="1">
+            <a:spLocks noGrp="1"/>
+          </p:cNvSpPr>
+          <p:nvPr>
+            <p:ph type="body" idx="1"/>
+          </p:nvPr>
+        </p:nvSpPr>
+        <p:spPr>
+          <a:xfrm>
+            <a:off x="685800" y="4343400"/>
+            <a:ext cx="5486400" cy="4114800"/>
+          </a:xfrm>
+          <a:prstGeom prst="rect">
+            <a:avLst/>
+          </a:prstGeom>
+        </p:spPr>
+        <p:txBody>
+          <a:bodyPr spcFirstLastPara="1" wrap="square" lIns="91425" tIns="91425" rIns="91425" bIns="91425" anchor="t" anchorCtr="0">
+            <a:noAutofit/>
+          </a:bodyPr>
+          <a:lstStyle/>
+          <a:p>
+            <a:pPr marL="0" lvl="0" indent="0" algn="l" rtl="0">
+              <a:spcBef>
+                <a:spcPts val="0"/>
+              </a:spcBef>
+              <a:spcAft>
+                <a:spcPts val="0"/>
+              </a:spcAft>
+              <a:buNone/>
+            </a:pPr>
+            <a:endParaRPr/>
+          </a:p>
+        </p:txBody>
+      </p:sp>
+    </p:spTree>
+    <p:extLst>
+      <p:ext uri="{BB962C8B-B14F-4D97-AF65-F5344CB8AC3E}">
+        <p14:creationId xmlns:p14="http://schemas.microsoft.com/office/powerpoint/2010/main" val="4223261782"/>
+      </p:ext>
+    </p:extLst>
+  </p:cSld>
+  <p:clrMapOvr>
+    <a:masterClrMapping/>
+  </p:clrMapOvr>
+</p:notes>
+</file>
+
+<file path=ppt/notesSlides/notesSlide27.xml><?xml version="1.0" encoding="utf-8"?>
+<p:notes xmlns:a="http://schemas.openxmlformats.org/drawingml/2006/main" xmlns:r="http://schemas.openxmlformats.org/officeDocument/2006/relationships" xmlns:p="http://schemas.openxmlformats.org/presentationml/2006/main" showMasterSp="0" showMasterPhAnim="0">
+  <p:cSld>
+    <p:spTree>
+      <p:nvGrpSpPr>
         <p:cNvPr id="1" name="Shape 80"/>
         <p:cNvGrpSpPr/>
         <p:nvPr/>
@@ -2640,7 +2970,7 @@
 </p:notes>
 </file>
 
-<file path=ppt/notesSlides/notesSlide25.xml><?xml version="1.0" encoding="utf-8"?>
+<file path=ppt/notesSlides/notesSlide28.xml><?xml version="1.0" encoding="utf-8"?>
 <p:notes xmlns:a="http://schemas.openxmlformats.org/drawingml/2006/main" xmlns:r="http://schemas.openxmlformats.org/officeDocument/2006/relationships" xmlns:p="http://schemas.openxmlformats.org/presentationml/2006/main" showMasterSp="0" showMasterPhAnim="0">
   <p:cSld>
     <p:spTree>
@@ -12305,6 +12635,986 @@
     </p:bg>
     <p:spTree>
       <p:nvGrpSpPr>
+        <p:cNvPr id="1" name="Shape 72"/>
+        <p:cNvGrpSpPr/>
+        <p:nvPr/>
+      </p:nvGrpSpPr>
+      <p:grpSpPr>
+        <a:xfrm>
+          <a:off x="0" y="0"/>
+          <a:ext cx="0" cy="0"/>
+          <a:chOff x="0" y="0"/>
+          <a:chExt cx="0" cy="0"/>
+        </a:xfrm>
+      </p:grpSpPr>
+      <p:sp>
+        <p:nvSpPr>
+          <p:cNvPr id="73" name="Google Shape;73;p16"/>
+          <p:cNvSpPr txBox="1">
+            <a:spLocks noGrp="1"/>
+          </p:cNvSpPr>
+          <p:nvPr>
+            <p:ph type="title"/>
+          </p:nvPr>
+        </p:nvSpPr>
+        <p:spPr>
+          <a:xfrm>
+            <a:off x="311700" y="445025"/>
+            <a:ext cx="8520600" cy="572700"/>
+          </a:xfrm>
+          <a:prstGeom prst="rect">
+            <a:avLst/>
+          </a:prstGeom>
+        </p:spPr>
+        <p:txBody>
+          <a:bodyPr spcFirstLastPara="1" wrap="square" lIns="91425" tIns="91425" rIns="91425" bIns="91425" anchor="t" anchorCtr="0">
+            <a:noAutofit/>
+          </a:bodyPr>
+          <a:lstStyle/>
+          <a:p>
+            <a:pPr marL="0" lvl="0" indent="0" algn="l" rtl="0">
+              <a:spcBef>
+                <a:spcPts val="0"/>
+              </a:spcBef>
+              <a:spcAft>
+                <a:spcPts val="0"/>
+              </a:spcAft>
+              <a:buNone/>
+            </a:pPr>
+            <a:r>
+              <a:rPr lang="en" dirty="0"/>
+              <a:t>Component 4 v2 Delivery info (Trello screenshot)</a:t>
+            </a:r>
+            <a:endParaRPr dirty="0"/>
+          </a:p>
+        </p:txBody>
+      </p:sp>
+      <p:pic>
+        <p:nvPicPr>
+          <p:cNvPr id="4" name="Picture 3">
+            <a:extLst>
+              <a:ext uri="{FF2B5EF4-FFF2-40B4-BE49-F238E27FC236}">
+                <a16:creationId xmlns:a16="http://schemas.microsoft.com/office/drawing/2014/main" id="{1C651473-A77B-4664-A077-13352E574783}"/>
+              </a:ext>
+            </a:extLst>
+          </p:cNvPr>
+          <p:cNvPicPr>
+            <a:picLocks noChangeAspect="1"/>
+          </p:cNvPicPr>
+          <p:nvPr/>
+        </p:nvPicPr>
+        <p:blipFill>
+          <a:blip r:embed="rId3"/>
+          <a:stretch>
+            <a:fillRect/>
+          </a:stretch>
+        </p:blipFill>
+        <p:spPr>
+          <a:xfrm>
+            <a:off x="311700" y="1225784"/>
+            <a:ext cx="8163339" cy="2994779"/>
+          </a:xfrm>
+          <a:prstGeom prst="rect">
+            <a:avLst/>
+          </a:prstGeom>
+        </p:spPr>
+      </p:pic>
+    </p:spTree>
+    <p:extLst>
+      <p:ext uri="{BB962C8B-B14F-4D97-AF65-F5344CB8AC3E}">
+        <p14:creationId xmlns:p14="http://schemas.microsoft.com/office/powerpoint/2010/main" val="2752255078"/>
+      </p:ext>
+    </p:extLst>
+  </p:cSld>
+  <p:clrMapOvr>
+    <a:masterClrMapping/>
+  </p:clrMapOvr>
+</p:sld>
+</file>
+
+<file path=ppt/slides/slide25.xml><?xml version="1.0" encoding="utf-8"?>
+<p:sld xmlns:a="http://schemas.openxmlformats.org/drawingml/2006/main" xmlns:r="http://schemas.openxmlformats.org/officeDocument/2006/relationships" xmlns:p="http://schemas.openxmlformats.org/presentationml/2006/main">
+  <p:cSld>
+    <p:spTree>
+      <p:nvGrpSpPr>
+        <p:cNvPr id="1" name="Shape 77"/>
+        <p:cNvGrpSpPr/>
+        <p:nvPr/>
+      </p:nvGrpSpPr>
+      <p:grpSpPr>
+        <a:xfrm>
+          <a:off x="0" y="0"/>
+          <a:ext cx="0" cy="0"/>
+          <a:chOff x="0" y="0"/>
+          <a:chExt cx="0" cy="0"/>
+        </a:xfrm>
+      </p:grpSpPr>
+      <p:sp>
+        <p:nvSpPr>
+          <p:cNvPr id="78" name="Google Shape;78;p17"/>
+          <p:cNvSpPr txBox="1">
+            <a:spLocks noGrp="1"/>
+          </p:cNvSpPr>
+          <p:nvPr>
+            <p:ph type="title"/>
+          </p:nvPr>
+        </p:nvSpPr>
+        <p:spPr>
+          <a:xfrm>
+            <a:off x="311700" y="445025"/>
+            <a:ext cx="8520600" cy="572700"/>
+          </a:xfrm>
+          <a:prstGeom prst="rect">
+            <a:avLst/>
+          </a:prstGeom>
+        </p:spPr>
+        <p:txBody>
+          <a:bodyPr spcFirstLastPara="1" wrap="square" lIns="91425" tIns="91425" rIns="91425" bIns="91425" anchor="t" anchorCtr="0">
+            <a:noAutofit/>
+          </a:bodyPr>
+          <a:lstStyle/>
+          <a:p>
+            <a:pPr marL="0" lvl="0" indent="0" algn="l" rtl="0">
+              <a:spcBef>
+                <a:spcPts val="0"/>
+              </a:spcBef>
+              <a:spcAft>
+                <a:spcPts val="0"/>
+              </a:spcAft>
+              <a:buNone/>
+            </a:pPr>
+            <a:r>
+              <a:rPr lang="en" sz="2400" dirty="0"/>
+              <a:t>Component 4 v2 - Test Plan (?and screenshot)</a:t>
+            </a:r>
+            <a:endParaRPr sz="2400" dirty="0"/>
+          </a:p>
+        </p:txBody>
+      </p:sp>
+      <p:graphicFrame>
+        <p:nvGraphicFramePr>
+          <p:cNvPr id="79" name="Google Shape;79;p17"/>
+          <p:cNvGraphicFramePr/>
+          <p:nvPr>
+            <p:extLst>
+              <p:ext uri="{D42A27DB-BD31-4B8C-83A1-F6EECF244321}">
+                <p14:modId xmlns:p14="http://schemas.microsoft.com/office/powerpoint/2010/main" val="2469105662"/>
+              </p:ext>
+            </p:extLst>
+          </p:nvPr>
+        </p:nvGraphicFramePr>
+        <p:xfrm>
+          <a:off x="311700" y="3009960"/>
+          <a:ext cx="8520600" cy="1920180"/>
+        </p:xfrm>
+        <a:graphic>
+          <a:graphicData uri="http://schemas.openxmlformats.org/drawingml/2006/table">
+            <a:tbl>
+              <a:tblPr>
+                <a:noFill/>
+                <a:tableStyleId>{E1099E06-0E6B-448D-9D27-60429F06E6F4}</a:tableStyleId>
+              </a:tblPr>
+              <a:tblGrid>
+                <a:gridCol w="4260300">
+                  <a:extLst>
+                    <a:ext uri="{9D8B030D-6E8A-4147-A177-3AD203B41FA5}">
+                      <a16:colId xmlns:a16="http://schemas.microsoft.com/office/drawing/2014/main" val="20000"/>
+                    </a:ext>
+                  </a:extLst>
+                </a:gridCol>
+                <a:gridCol w="4260300">
+                  <a:extLst>
+                    <a:ext uri="{9D8B030D-6E8A-4147-A177-3AD203B41FA5}">
+                      <a16:colId xmlns:a16="http://schemas.microsoft.com/office/drawing/2014/main" val="20001"/>
+                    </a:ext>
+                  </a:extLst>
+                </a:gridCol>
+              </a:tblGrid>
+              <a:tr h="381000">
+                <a:tc>
+                  <a:txBody>
+                    <a:bodyPr/>
+                    <a:lstStyle/>
+                    <a:p>
+                      <a:pPr marL="0" lvl="0" indent="0" algn="l" rtl="0">
+                        <a:spcBef>
+                          <a:spcPts val="0"/>
+                        </a:spcBef>
+                        <a:spcAft>
+                          <a:spcPts val="0"/>
+                        </a:spcAft>
+                        <a:buNone/>
+                      </a:pPr>
+                      <a:r>
+                        <a:rPr lang="en" sz="1800" b="1"/>
+                        <a:t>Test Case</a:t>
+                      </a:r>
+                      <a:endParaRPr sz="1800" b="1"/>
+                    </a:p>
+                  </a:txBody>
+                  <a:tcPr marL="91425" marR="91425" marT="91425" marB="91425">
+                    <a:solidFill>
+                      <a:srgbClr val="CCCCCC"/>
+                    </a:solidFill>
+                  </a:tcPr>
+                </a:tc>
+                <a:tc>
+                  <a:txBody>
+                    <a:bodyPr/>
+                    <a:lstStyle/>
+                    <a:p>
+                      <a:pPr marL="0" lvl="0" indent="0" algn="l" rtl="0">
+                        <a:spcBef>
+                          <a:spcPts val="0"/>
+                        </a:spcBef>
+                        <a:spcAft>
+                          <a:spcPts val="0"/>
+                        </a:spcAft>
+                        <a:buNone/>
+                      </a:pPr>
+                      <a:r>
+                        <a:rPr lang="en" sz="1800" b="1"/>
+                        <a:t>Expected Values</a:t>
+                      </a:r>
+                      <a:endParaRPr sz="1800" b="1"/>
+                    </a:p>
+                  </a:txBody>
+                  <a:tcPr marL="91425" marR="91425" marT="91425" marB="91425">
+                    <a:solidFill>
+                      <a:srgbClr val="CCCCCC"/>
+                    </a:solidFill>
+                  </a:tcPr>
+                </a:tc>
+                <a:extLst>
+                  <a:ext uri="{0D108BD9-81ED-4DB2-BD59-A6C34878D82A}">
+                    <a16:rowId xmlns:a16="http://schemas.microsoft.com/office/drawing/2014/main" val="10000"/>
+                  </a:ext>
+                </a:extLst>
+              </a:tr>
+              <a:tr h="396200">
+                <a:tc>
+                  <a:txBody>
+                    <a:bodyPr/>
+                    <a:lstStyle/>
+                    <a:p>
+                      <a:pPr marL="0" lvl="0" indent="0" algn="l" rtl="0">
+                        <a:spcBef>
+                          <a:spcPts val="0"/>
+                        </a:spcBef>
+                        <a:spcAft>
+                          <a:spcPts val="0"/>
+                        </a:spcAft>
+                        <a:buNone/>
+                      </a:pPr>
+                      <a:r>
+                        <a:rPr lang="en-US" sz="1400" dirty="0"/>
+                        <a:t>Input name</a:t>
+                      </a:r>
+                    </a:p>
+                    <a:p>
+                      <a:pPr marL="0" lvl="0" indent="0" algn="l" rtl="0">
+                        <a:spcBef>
+                          <a:spcPts val="0"/>
+                        </a:spcBef>
+                        <a:spcAft>
+                          <a:spcPts val="0"/>
+                        </a:spcAft>
+                        <a:buNone/>
+                      </a:pPr>
+                      <a:r>
+                        <a:rPr lang="en-US" sz="1400" dirty="0"/>
+                        <a:t>Input phone number</a:t>
+                      </a:r>
+                    </a:p>
+                    <a:p>
+                      <a:pPr marL="0" lvl="0" indent="0" algn="l" rtl="0">
+                        <a:spcBef>
+                          <a:spcPts val="0"/>
+                        </a:spcBef>
+                        <a:spcAft>
+                          <a:spcPts val="0"/>
+                        </a:spcAft>
+                        <a:buNone/>
+                      </a:pPr>
+                      <a:r>
+                        <a:rPr lang="en-US" sz="1400" dirty="0"/>
+                        <a:t>Input house number</a:t>
+                      </a:r>
+                    </a:p>
+                    <a:p>
+                      <a:pPr marL="0" lvl="0" indent="0" algn="l" rtl="0">
+                        <a:spcBef>
+                          <a:spcPts val="0"/>
+                        </a:spcBef>
+                        <a:spcAft>
+                          <a:spcPts val="0"/>
+                        </a:spcAft>
+                        <a:buNone/>
+                      </a:pPr>
+                      <a:r>
+                        <a:rPr lang="en-US" sz="1400" dirty="0"/>
+                        <a:t>Input street name</a:t>
+                      </a:r>
+                    </a:p>
+                    <a:p>
+                      <a:pPr marL="0" lvl="0" indent="0" algn="l" rtl="0">
+                        <a:spcBef>
+                          <a:spcPts val="0"/>
+                        </a:spcBef>
+                        <a:spcAft>
+                          <a:spcPts val="0"/>
+                        </a:spcAft>
+                        <a:buNone/>
+                      </a:pPr>
+                      <a:r>
+                        <a:rPr lang="en-US" sz="1400" dirty="0"/>
+                        <a:t>Input suburb</a:t>
+                      </a:r>
+                    </a:p>
+                    <a:p>
+                      <a:pPr marL="0" lvl="0" indent="0" algn="l" rtl="0">
+                        <a:spcBef>
+                          <a:spcPts val="0"/>
+                        </a:spcBef>
+                        <a:spcAft>
+                          <a:spcPts val="0"/>
+                        </a:spcAft>
+                        <a:buNone/>
+                      </a:pPr>
+                      <a:r>
+                        <a:rPr lang="en-US" sz="1400" dirty="0"/>
+                        <a:t>Left input blank</a:t>
+                      </a:r>
+                      <a:endParaRPr sz="1400" dirty="0"/>
+                    </a:p>
+                  </a:txBody>
+                  <a:tcPr marL="91425" marR="91425" marT="91425" marB="91425"/>
+                </a:tc>
+                <a:tc>
+                  <a:txBody>
+                    <a:bodyPr/>
+                    <a:lstStyle/>
+                    <a:p>
+                      <a:pPr marL="0" lvl="0" indent="0" algn="l" rtl="0">
+                        <a:spcBef>
+                          <a:spcPts val="0"/>
+                        </a:spcBef>
+                        <a:spcAft>
+                          <a:spcPts val="0"/>
+                        </a:spcAft>
+                        <a:buNone/>
+                      </a:pPr>
+                      <a:r>
+                        <a:rPr lang="en-US" sz="1400" dirty="0"/>
+                        <a:t>Printed name correctly</a:t>
+                      </a:r>
+                    </a:p>
+                    <a:p>
+                      <a:pPr marL="0" lvl="0" indent="0" algn="l" rtl="0">
+                        <a:spcBef>
+                          <a:spcPts val="0"/>
+                        </a:spcBef>
+                        <a:spcAft>
+                          <a:spcPts val="0"/>
+                        </a:spcAft>
+                        <a:buNone/>
+                      </a:pPr>
+                      <a:r>
+                        <a:rPr lang="en-US" sz="1400" dirty="0"/>
+                        <a:t>Printed phone number</a:t>
+                      </a:r>
+                    </a:p>
+                    <a:p>
+                      <a:pPr marL="0" lvl="0" indent="0" algn="l" rtl="0">
+                        <a:spcBef>
+                          <a:spcPts val="0"/>
+                        </a:spcBef>
+                        <a:spcAft>
+                          <a:spcPts val="0"/>
+                        </a:spcAft>
+                        <a:buNone/>
+                      </a:pPr>
+                      <a:r>
+                        <a:rPr lang="en-US" sz="1400" dirty="0"/>
+                        <a:t>Printed house number</a:t>
+                      </a:r>
+                    </a:p>
+                    <a:p>
+                      <a:pPr marL="0" lvl="0" indent="0" algn="l" rtl="0">
+                        <a:spcBef>
+                          <a:spcPts val="0"/>
+                        </a:spcBef>
+                        <a:spcAft>
+                          <a:spcPts val="0"/>
+                        </a:spcAft>
+                        <a:buNone/>
+                      </a:pPr>
+                      <a:r>
+                        <a:rPr lang="en-US" sz="1400" dirty="0"/>
+                        <a:t>Printed street name</a:t>
+                      </a:r>
+                    </a:p>
+                    <a:p>
+                      <a:pPr marL="0" lvl="0" indent="0" algn="l" rtl="0">
+                        <a:spcBef>
+                          <a:spcPts val="0"/>
+                        </a:spcBef>
+                        <a:spcAft>
+                          <a:spcPts val="0"/>
+                        </a:spcAft>
+                        <a:buNone/>
+                      </a:pPr>
+                      <a:r>
+                        <a:rPr lang="en-US" sz="1400" dirty="0"/>
+                        <a:t>Printed suburb name</a:t>
+                      </a:r>
+                    </a:p>
+                    <a:p>
+                      <a:pPr marL="0" lvl="0" indent="0" algn="l" rtl="0">
+                        <a:spcBef>
+                          <a:spcPts val="0"/>
+                        </a:spcBef>
+                        <a:spcAft>
+                          <a:spcPts val="0"/>
+                        </a:spcAft>
+                        <a:buNone/>
+                      </a:pPr>
+                      <a:r>
+                        <a:rPr lang="en-US" sz="1400" dirty="0"/>
+                        <a:t>Asked for input again</a:t>
+                      </a:r>
+                    </a:p>
+                  </a:txBody>
+                  <a:tcPr marL="91425" marR="91425" marT="91425" marB="91425"/>
+                </a:tc>
+                <a:extLst>
+                  <a:ext uri="{0D108BD9-81ED-4DB2-BD59-A6C34878D82A}">
+                    <a16:rowId xmlns:a16="http://schemas.microsoft.com/office/drawing/2014/main" val="10001"/>
+                  </a:ext>
+                </a:extLst>
+              </a:tr>
+            </a:tbl>
+          </a:graphicData>
+        </a:graphic>
+      </p:graphicFrame>
+      <p:pic>
+        <p:nvPicPr>
+          <p:cNvPr id="3" name="Picture 2">
+            <a:extLst>
+              <a:ext uri="{FF2B5EF4-FFF2-40B4-BE49-F238E27FC236}">
+                <a16:creationId xmlns:a16="http://schemas.microsoft.com/office/drawing/2014/main" id="{1F3F38A9-DEB5-4F97-A71D-A19A71E20AFD}"/>
+              </a:ext>
+            </a:extLst>
+          </p:cNvPr>
+          <p:cNvPicPr>
+            <a:picLocks noChangeAspect="1"/>
+          </p:cNvPicPr>
+          <p:nvPr/>
+        </p:nvPicPr>
+        <p:blipFill>
+          <a:blip r:embed="rId3"/>
+          <a:stretch>
+            <a:fillRect/>
+          </a:stretch>
+        </p:blipFill>
+        <p:spPr>
+          <a:xfrm>
+            <a:off x="1071057" y="1015033"/>
+            <a:ext cx="2122717" cy="1923346"/>
+          </a:xfrm>
+          <a:prstGeom prst="rect">
+            <a:avLst/>
+          </a:prstGeom>
+        </p:spPr>
+      </p:pic>
+      <p:pic>
+        <p:nvPicPr>
+          <p:cNvPr id="7" name="Picture 6">
+            <a:extLst>
+              <a:ext uri="{FF2B5EF4-FFF2-40B4-BE49-F238E27FC236}">
+                <a16:creationId xmlns:a16="http://schemas.microsoft.com/office/drawing/2014/main" id="{5CB53243-8C67-4C11-83A1-82C0E60766B8}"/>
+              </a:ext>
+            </a:extLst>
+          </p:cNvPr>
+          <p:cNvPicPr>
+            <a:picLocks noChangeAspect="1"/>
+          </p:cNvPicPr>
+          <p:nvPr/>
+        </p:nvPicPr>
+        <p:blipFill>
+          <a:blip r:embed="rId4"/>
+          <a:stretch>
+            <a:fillRect/>
+          </a:stretch>
+        </p:blipFill>
+        <p:spPr>
+          <a:xfrm>
+            <a:off x="3786877" y="907514"/>
+            <a:ext cx="2587418" cy="2030865"/>
+          </a:xfrm>
+          <a:prstGeom prst="rect">
+            <a:avLst/>
+          </a:prstGeom>
+        </p:spPr>
+      </p:pic>
+    </p:spTree>
+    <p:extLst>
+      <p:ext uri="{BB962C8B-B14F-4D97-AF65-F5344CB8AC3E}">
+        <p14:creationId xmlns:p14="http://schemas.microsoft.com/office/powerpoint/2010/main" val="932398523"/>
+      </p:ext>
+    </p:extLst>
+  </p:cSld>
+  <p:clrMapOvr>
+    <a:masterClrMapping/>
+  </p:clrMapOvr>
+</p:sld>
+</file>
+
+<file path=ppt/slides/slide26.xml><?xml version="1.0" encoding="utf-8"?>
+<p:sld xmlns:a="http://schemas.openxmlformats.org/drawingml/2006/main" xmlns:r="http://schemas.openxmlformats.org/officeDocument/2006/relationships" xmlns:p="http://schemas.openxmlformats.org/presentationml/2006/main">
+  <p:cSld>
+    <p:spTree>
+      <p:nvGrpSpPr>
+        <p:cNvPr id="1" name="Shape 77"/>
+        <p:cNvGrpSpPr/>
+        <p:nvPr/>
+      </p:nvGrpSpPr>
+      <p:grpSpPr>
+        <a:xfrm>
+          <a:off x="0" y="0"/>
+          <a:ext cx="0" cy="0"/>
+          <a:chOff x="0" y="0"/>
+          <a:chExt cx="0" cy="0"/>
+        </a:xfrm>
+      </p:grpSpPr>
+      <p:sp>
+        <p:nvSpPr>
+          <p:cNvPr id="78" name="Google Shape;78;p17"/>
+          <p:cNvSpPr txBox="1">
+            <a:spLocks noGrp="1"/>
+          </p:cNvSpPr>
+          <p:nvPr>
+            <p:ph type="title"/>
+          </p:nvPr>
+        </p:nvSpPr>
+        <p:spPr>
+          <a:xfrm>
+            <a:off x="311700" y="445025"/>
+            <a:ext cx="8520600" cy="572700"/>
+          </a:xfrm>
+          <a:prstGeom prst="rect">
+            <a:avLst/>
+          </a:prstGeom>
+        </p:spPr>
+        <p:txBody>
+          <a:bodyPr spcFirstLastPara="1" wrap="square" lIns="91425" tIns="91425" rIns="91425" bIns="91425" anchor="t" anchorCtr="0">
+            <a:noAutofit/>
+          </a:bodyPr>
+          <a:lstStyle/>
+          <a:p>
+            <a:pPr marL="0" lvl="0" indent="0" algn="l" rtl="0">
+              <a:spcBef>
+                <a:spcPts val="0"/>
+              </a:spcBef>
+              <a:spcAft>
+                <a:spcPts val="0"/>
+              </a:spcAft>
+              <a:buNone/>
+            </a:pPr>
+            <a:r>
+              <a:rPr lang="en" sz="2400" dirty="0"/>
+              <a:t>Component 4 v2 - Test Plan (?and screenshot)</a:t>
+            </a:r>
+            <a:endParaRPr sz="2400" dirty="0"/>
+          </a:p>
+        </p:txBody>
+      </p:sp>
+      <p:graphicFrame>
+        <p:nvGraphicFramePr>
+          <p:cNvPr id="79" name="Google Shape;79;p17"/>
+          <p:cNvGraphicFramePr/>
+          <p:nvPr/>
+        </p:nvGraphicFramePr>
+        <p:xfrm>
+          <a:off x="311700" y="3009960"/>
+          <a:ext cx="8520600" cy="1920180"/>
+        </p:xfrm>
+        <a:graphic>
+          <a:graphicData uri="http://schemas.openxmlformats.org/drawingml/2006/table">
+            <a:tbl>
+              <a:tblPr>
+                <a:noFill/>
+                <a:tableStyleId>{E1099E06-0E6B-448D-9D27-60429F06E6F4}</a:tableStyleId>
+              </a:tblPr>
+              <a:tblGrid>
+                <a:gridCol w="4260300">
+                  <a:extLst>
+                    <a:ext uri="{9D8B030D-6E8A-4147-A177-3AD203B41FA5}">
+                      <a16:colId xmlns:a16="http://schemas.microsoft.com/office/drawing/2014/main" val="20000"/>
+                    </a:ext>
+                  </a:extLst>
+                </a:gridCol>
+                <a:gridCol w="4260300">
+                  <a:extLst>
+                    <a:ext uri="{9D8B030D-6E8A-4147-A177-3AD203B41FA5}">
+                      <a16:colId xmlns:a16="http://schemas.microsoft.com/office/drawing/2014/main" val="20001"/>
+                    </a:ext>
+                  </a:extLst>
+                </a:gridCol>
+              </a:tblGrid>
+              <a:tr h="381000">
+                <a:tc>
+                  <a:txBody>
+                    <a:bodyPr/>
+                    <a:lstStyle/>
+                    <a:p>
+                      <a:pPr marL="0" lvl="0" indent="0" algn="l" rtl="0">
+                        <a:spcBef>
+                          <a:spcPts val="0"/>
+                        </a:spcBef>
+                        <a:spcAft>
+                          <a:spcPts val="0"/>
+                        </a:spcAft>
+                        <a:buNone/>
+                      </a:pPr>
+                      <a:r>
+                        <a:rPr lang="en" sz="1800" b="1"/>
+                        <a:t>Test Case</a:t>
+                      </a:r>
+                      <a:endParaRPr sz="1800" b="1"/>
+                    </a:p>
+                  </a:txBody>
+                  <a:tcPr marL="91425" marR="91425" marT="91425" marB="91425">
+                    <a:solidFill>
+                      <a:srgbClr val="CCCCCC"/>
+                    </a:solidFill>
+                  </a:tcPr>
+                </a:tc>
+                <a:tc>
+                  <a:txBody>
+                    <a:bodyPr/>
+                    <a:lstStyle/>
+                    <a:p>
+                      <a:pPr marL="0" lvl="0" indent="0" algn="l" rtl="0">
+                        <a:spcBef>
+                          <a:spcPts val="0"/>
+                        </a:spcBef>
+                        <a:spcAft>
+                          <a:spcPts val="0"/>
+                        </a:spcAft>
+                        <a:buNone/>
+                      </a:pPr>
+                      <a:r>
+                        <a:rPr lang="en" sz="1800" b="1"/>
+                        <a:t>Expected Values</a:t>
+                      </a:r>
+                      <a:endParaRPr sz="1800" b="1"/>
+                    </a:p>
+                  </a:txBody>
+                  <a:tcPr marL="91425" marR="91425" marT="91425" marB="91425">
+                    <a:solidFill>
+                      <a:srgbClr val="CCCCCC"/>
+                    </a:solidFill>
+                  </a:tcPr>
+                </a:tc>
+                <a:extLst>
+                  <a:ext uri="{0D108BD9-81ED-4DB2-BD59-A6C34878D82A}">
+                    <a16:rowId xmlns:a16="http://schemas.microsoft.com/office/drawing/2014/main" val="10000"/>
+                  </a:ext>
+                </a:extLst>
+              </a:tr>
+              <a:tr h="396200">
+                <a:tc>
+                  <a:txBody>
+                    <a:bodyPr/>
+                    <a:lstStyle/>
+                    <a:p>
+                      <a:pPr marL="0" lvl="0" indent="0" algn="l" rtl="0">
+                        <a:spcBef>
+                          <a:spcPts val="0"/>
+                        </a:spcBef>
+                        <a:spcAft>
+                          <a:spcPts val="0"/>
+                        </a:spcAft>
+                        <a:buNone/>
+                      </a:pPr>
+                      <a:r>
+                        <a:rPr lang="en-US" sz="1400" dirty="0"/>
+                        <a:t>Input name</a:t>
+                      </a:r>
+                    </a:p>
+                    <a:p>
+                      <a:pPr marL="0" lvl="0" indent="0" algn="l" rtl="0">
+                        <a:spcBef>
+                          <a:spcPts val="0"/>
+                        </a:spcBef>
+                        <a:spcAft>
+                          <a:spcPts val="0"/>
+                        </a:spcAft>
+                        <a:buNone/>
+                      </a:pPr>
+                      <a:r>
+                        <a:rPr lang="en-US" sz="1400" dirty="0"/>
+                        <a:t>Input phone number</a:t>
+                      </a:r>
+                    </a:p>
+                    <a:p>
+                      <a:pPr marL="0" lvl="0" indent="0" algn="l" rtl="0">
+                        <a:spcBef>
+                          <a:spcPts val="0"/>
+                        </a:spcBef>
+                        <a:spcAft>
+                          <a:spcPts val="0"/>
+                        </a:spcAft>
+                        <a:buNone/>
+                      </a:pPr>
+                      <a:r>
+                        <a:rPr lang="en-US" sz="1400" dirty="0"/>
+                        <a:t>Input house number</a:t>
+                      </a:r>
+                    </a:p>
+                    <a:p>
+                      <a:pPr marL="0" lvl="0" indent="0" algn="l" rtl="0">
+                        <a:spcBef>
+                          <a:spcPts val="0"/>
+                        </a:spcBef>
+                        <a:spcAft>
+                          <a:spcPts val="0"/>
+                        </a:spcAft>
+                        <a:buNone/>
+                      </a:pPr>
+                      <a:r>
+                        <a:rPr lang="en-US" sz="1400" dirty="0"/>
+                        <a:t>Input street name</a:t>
+                      </a:r>
+                    </a:p>
+                    <a:p>
+                      <a:pPr marL="0" lvl="0" indent="0" algn="l" rtl="0">
+                        <a:spcBef>
+                          <a:spcPts val="0"/>
+                        </a:spcBef>
+                        <a:spcAft>
+                          <a:spcPts val="0"/>
+                        </a:spcAft>
+                        <a:buNone/>
+                      </a:pPr>
+                      <a:r>
+                        <a:rPr lang="en-US" sz="1400" dirty="0"/>
+                        <a:t>Input suburb</a:t>
+                      </a:r>
+                    </a:p>
+                    <a:p>
+                      <a:pPr marL="0" lvl="0" indent="0" algn="l" rtl="0">
+                        <a:spcBef>
+                          <a:spcPts val="0"/>
+                        </a:spcBef>
+                        <a:spcAft>
+                          <a:spcPts val="0"/>
+                        </a:spcAft>
+                        <a:buNone/>
+                      </a:pPr>
+                      <a:r>
+                        <a:rPr lang="en-US" sz="1400" dirty="0"/>
+                        <a:t>Left input blank</a:t>
+                      </a:r>
+                      <a:endParaRPr sz="1400" dirty="0"/>
+                    </a:p>
+                  </a:txBody>
+                  <a:tcPr marL="91425" marR="91425" marT="91425" marB="91425"/>
+                </a:tc>
+                <a:tc>
+                  <a:txBody>
+                    <a:bodyPr/>
+                    <a:lstStyle/>
+                    <a:p>
+                      <a:pPr marL="0" lvl="0" indent="0" algn="l" rtl="0">
+                        <a:spcBef>
+                          <a:spcPts val="0"/>
+                        </a:spcBef>
+                        <a:spcAft>
+                          <a:spcPts val="0"/>
+                        </a:spcAft>
+                        <a:buNone/>
+                      </a:pPr>
+                      <a:r>
+                        <a:rPr lang="en-US" sz="1400" dirty="0"/>
+                        <a:t>Printed name correctly</a:t>
+                      </a:r>
+                    </a:p>
+                    <a:p>
+                      <a:pPr marL="0" lvl="0" indent="0" algn="l" rtl="0">
+                        <a:spcBef>
+                          <a:spcPts val="0"/>
+                        </a:spcBef>
+                        <a:spcAft>
+                          <a:spcPts val="0"/>
+                        </a:spcAft>
+                        <a:buNone/>
+                      </a:pPr>
+                      <a:r>
+                        <a:rPr lang="en-US" sz="1400" dirty="0"/>
+                        <a:t>Printed phone number</a:t>
+                      </a:r>
+                    </a:p>
+                    <a:p>
+                      <a:pPr marL="0" lvl="0" indent="0" algn="l" rtl="0">
+                        <a:spcBef>
+                          <a:spcPts val="0"/>
+                        </a:spcBef>
+                        <a:spcAft>
+                          <a:spcPts val="0"/>
+                        </a:spcAft>
+                        <a:buNone/>
+                      </a:pPr>
+                      <a:r>
+                        <a:rPr lang="en-US" sz="1400" dirty="0"/>
+                        <a:t>Printed house number</a:t>
+                      </a:r>
+                    </a:p>
+                    <a:p>
+                      <a:pPr marL="0" lvl="0" indent="0" algn="l" rtl="0">
+                        <a:spcBef>
+                          <a:spcPts val="0"/>
+                        </a:spcBef>
+                        <a:spcAft>
+                          <a:spcPts val="0"/>
+                        </a:spcAft>
+                        <a:buNone/>
+                      </a:pPr>
+                      <a:r>
+                        <a:rPr lang="en-US" sz="1400" dirty="0"/>
+                        <a:t>Printed street name</a:t>
+                      </a:r>
+                    </a:p>
+                    <a:p>
+                      <a:pPr marL="0" lvl="0" indent="0" algn="l" rtl="0">
+                        <a:spcBef>
+                          <a:spcPts val="0"/>
+                        </a:spcBef>
+                        <a:spcAft>
+                          <a:spcPts val="0"/>
+                        </a:spcAft>
+                        <a:buNone/>
+                      </a:pPr>
+                      <a:r>
+                        <a:rPr lang="en-US" sz="1400" dirty="0"/>
+                        <a:t>Printed suburb name</a:t>
+                      </a:r>
+                    </a:p>
+                    <a:p>
+                      <a:pPr marL="0" lvl="0" indent="0" algn="l" rtl="0">
+                        <a:spcBef>
+                          <a:spcPts val="0"/>
+                        </a:spcBef>
+                        <a:spcAft>
+                          <a:spcPts val="0"/>
+                        </a:spcAft>
+                        <a:buNone/>
+                      </a:pPr>
+                      <a:r>
+                        <a:rPr lang="en-US" sz="1400" dirty="0"/>
+                        <a:t>Asked for input again</a:t>
+                      </a:r>
+                    </a:p>
+                  </a:txBody>
+                  <a:tcPr marL="91425" marR="91425" marT="91425" marB="91425"/>
+                </a:tc>
+                <a:extLst>
+                  <a:ext uri="{0D108BD9-81ED-4DB2-BD59-A6C34878D82A}">
+                    <a16:rowId xmlns:a16="http://schemas.microsoft.com/office/drawing/2014/main" val="10001"/>
+                  </a:ext>
+                </a:extLst>
+              </a:tr>
+            </a:tbl>
+          </a:graphicData>
+        </a:graphic>
+      </p:graphicFrame>
+      <p:pic>
+        <p:nvPicPr>
+          <p:cNvPr id="4" name="Picture 3">
+            <a:extLst>
+              <a:ext uri="{FF2B5EF4-FFF2-40B4-BE49-F238E27FC236}">
+                <a16:creationId xmlns:a16="http://schemas.microsoft.com/office/drawing/2014/main" id="{7875FF7C-20C7-4ECA-A56A-366193B684A7}"/>
+              </a:ext>
+            </a:extLst>
+          </p:cNvPr>
+          <p:cNvPicPr>
+            <a:picLocks noChangeAspect="1"/>
+          </p:cNvPicPr>
+          <p:nvPr/>
+        </p:nvPicPr>
+        <p:blipFill>
+          <a:blip r:embed="rId3"/>
+          <a:stretch>
+            <a:fillRect/>
+          </a:stretch>
+        </p:blipFill>
+        <p:spPr>
+          <a:xfrm>
+            <a:off x="1603515" y="912985"/>
+            <a:ext cx="4068416" cy="2074299"/>
+          </a:xfrm>
+          <a:prstGeom prst="rect">
+            <a:avLst/>
+          </a:prstGeom>
+        </p:spPr>
+      </p:pic>
+      <p:pic>
+        <p:nvPicPr>
+          <p:cNvPr id="6" name="Picture 5">
+            <a:extLst>
+              <a:ext uri="{FF2B5EF4-FFF2-40B4-BE49-F238E27FC236}">
+                <a16:creationId xmlns:a16="http://schemas.microsoft.com/office/drawing/2014/main" id="{1E68B06D-26F5-437A-83E0-CD0667C20D88}"/>
+              </a:ext>
+            </a:extLst>
+          </p:cNvPr>
+          <p:cNvPicPr>
+            <a:picLocks noChangeAspect="1"/>
+          </p:cNvPicPr>
+          <p:nvPr/>
+        </p:nvPicPr>
+        <p:blipFill>
+          <a:blip r:embed="rId4"/>
+          <a:stretch>
+            <a:fillRect/>
+          </a:stretch>
+        </p:blipFill>
+        <p:spPr>
+          <a:xfrm>
+            <a:off x="5914620" y="1034407"/>
+            <a:ext cx="2098252" cy="1831454"/>
+          </a:xfrm>
+          <a:prstGeom prst="rect">
+            <a:avLst/>
+          </a:prstGeom>
+        </p:spPr>
+      </p:pic>
+    </p:spTree>
+    <p:extLst>
+      <p:ext uri="{BB962C8B-B14F-4D97-AF65-F5344CB8AC3E}">
+        <p14:creationId xmlns:p14="http://schemas.microsoft.com/office/powerpoint/2010/main" val="2090451148"/>
+      </p:ext>
+    </p:extLst>
+  </p:cSld>
+  <p:clrMapOvr>
+    <a:masterClrMapping/>
+  </p:clrMapOvr>
+</p:sld>
+</file>
+
+<file path=ppt/slides/slide27.xml><?xml version="1.0" encoding="utf-8"?>
+<p:sld xmlns:a="http://schemas.openxmlformats.org/drawingml/2006/main" xmlns:r="http://schemas.openxmlformats.org/officeDocument/2006/relationships" xmlns:p="http://schemas.openxmlformats.org/presentationml/2006/main">
+  <p:cSld>
+    <p:bg>
+      <p:bgPr>
+        <a:solidFill>
+          <a:srgbClr val="D9EAD3"/>
+        </a:solidFill>
+        <a:effectLst/>
+      </p:bgPr>
+    </p:bg>
+    <p:spTree>
+      <p:nvGrpSpPr>
         <p:cNvPr id="1" name="Shape 83"/>
         <p:cNvGrpSpPr/>
         <p:nvPr/>
@@ -12409,7 +13719,7 @@
 </p:sld>
 </file>
 
-<file path=ppt/slides/slide25.xml><?xml version="1.0" encoding="utf-8"?>
+<file path=ppt/slides/slide28.xml><?xml version="1.0" encoding="utf-8"?>
 <p:sld xmlns:a="http://schemas.openxmlformats.org/drawingml/2006/main" xmlns:r="http://schemas.openxmlformats.org/officeDocument/2006/relationships" xmlns:p="http://schemas.openxmlformats.org/presentationml/2006/main">
   <p:cSld>
     <p:bg>

--- a/022_91893+_+91897+Documentation.pptx
+++ b/022_91893+_+91897+Documentation.pptx
@@ -5,7 +5,7 @@
     <p:sldMasterId id="2147483659" r:id="rId1"/>
   </p:sldMasterIdLst>
   <p:notesMasterIdLst>
-    <p:notesMasterId r:id="rId30"/>
+    <p:notesMasterId r:id="rId32"/>
   </p:notesMasterIdLst>
   <p:sldIdLst>
     <p:sldId id="256" r:id="rId2"/>
@@ -34,8 +34,10 @@
     <p:sldId id="281" r:id="rId25"/>
     <p:sldId id="282" r:id="rId26"/>
     <p:sldId id="283" r:id="rId27"/>
-    <p:sldId id="261" r:id="rId28"/>
-    <p:sldId id="262" r:id="rId29"/>
+    <p:sldId id="284" r:id="rId28"/>
+    <p:sldId id="285" r:id="rId29"/>
+    <p:sldId id="261" r:id="rId30"/>
+    <p:sldId id="262" r:id="rId31"/>
   </p:sldIdLst>
   <p:sldSz cx="9144000" cy="5143500" type="screen16x9"/>
   <p:notesSz cx="6858000" cy="9144000"/>
@@ -2850,6 +2852,224 @@
   <p:cSld>
     <p:spTree>
       <p:nvGrpSpPr>
+        <p:cNvPr id="1" name="Shape 69"/>
+        <p:cNvGrpSpPr/>
+        <p:nvPr/>
+      </p:nvGrpSpPr>
+      <p:grpSpPr>
+        <a:xfrm>
+          <a:off x="0" y="0"/>
+          <a:ext cx="0" cy="0"/>
+          <a:chOff x="0" y="0"/>
+          <a:chExt cx="0" cy="0"/>
+        </a:xfrm>
+      </p:grpSpPr>
+      <p:sp>
+        <p:nvSpPr>
+          <p:cNvPr id="70" name="Google Shape;70;gac10fef634_0_16:notes"/>
+          <p:cNvSpPr>
+            <a:spLocks noGrp="1" noRot="1" noChangeAspect="1"/>
+          </p:cNvSpPr>
+          <p:nvPr>
+            <p:ph type="sldImg" idx="2"/>
+          </p:nvPr>
+        </p:nvSpPr>
+        <p:spPr>
+          <a:xfrm>
+            <a:off x="381000" y="685800"/>
+            <a:ext cx="6096000" cy="3429000"/>
+          </a:xfrm>
+          <a:custGeom>
+            <a:avLst/>
+            <a:gdLst/>
+            <a:ahLst/>
+            <a:cxnLst/>
+            <a:rect l="l" t="t" r="r" b="b"/>
+            <a:pathLst>
+              <a:path w="120000" h="120000" extrusionOk="0">
+                <a:moveTo>
+                  <a:pt x="0" y="0"/>
+                </a:moveTo>
+                <a:lnTo>
+                  <a:pt x="120000" y="0"/>
+                </a:lnTo>
+                <a:lnTo>
+                  <a:pt x="120000" y="120000"/>
+                </a:lnTo>
+                <a:lnTo>
+                  <a:pt x="0" y="120000"/>
+                </a:lnTo>
+                <a:close/>
+              </a:path>
+            </a:pathLst>
+          </a:custGeom>
+        </p:spPr>
+      </p:sp>
+      <p:sp>
+        <p:nvSpPr>
+          <p:cNvPr id="71" name="Google Shape;71;gac10fef634_0_16:notes"/>
+          <p:cNvSpPr txBox="1">
+            <a:spLocks noGrp="1"/>
+          </p:cNvSpPr>
+          <p:nvPr>
+            <p:ph type="body" idx="1"/>
+          </p:nvPr>
+        </p:nvSpPr>
+        <p:spPr>
+          <a:xfrm>
+            <a:off x="685800" y="4343400"/>
+            <a:ext cx="5486400" cy="4114800"/>
+          </a:xfrm>
+          <a:prstGeom prst="rect">
+            <a:avLst/>
+          </a:prstGeom>
+        </p:spPr>
+        <p:txBody>
+          <a:bodyPr spcFirstLastPara="1" wrap="square" lIns="91425" tIns="91425" rIns="91425" bIns="91425" anchor="t" anchorCtr="0">
+            <a:noAutofit/>
+          </a:bodyPr>
+          <a:lstStyle/>
+          <a:p>
+            <a:pPr marL="0" lvl="0" indent="0" algn="l" rtl="0">
+              <a:spcBef>
+                <a:spcPts val="0"/>
+              </a:spcBef>
+              <a:spcAft>
+                <a:spcPts val="0"/>
+              </a:spcAft>
+              <a:buNone/>
+            </a:pPr>
+            <a:endParaRPr/>
+          </a:p>
+        </p:txBody>
+      </p:sp>
+    </p:spTree>
+    <p:extLst>
+      <p:ext uri="{BB962C8B-B14F-4D97-AF65-F5344CB8AC3E}">
+        <p14:creationId xmlns:p14="http://schemas.microsoft.com/office/powerpoint/2010/main" val="1857565214"/>
+      </p:ext>
+    </p:extLst>
+  </p:cSld>
+  <p:clrMapOvr>
+    <a:masterClrMapping/>
+  </p:clrMapOvr>
+</p:notes>
+</file>
+
+<file path=ppt/notesSlides/notesSlide28.xml><?xml version="1.0" encoding="utf-8"?>
+<p:notes xmlns:a="http://schemas.openxmlformats.org/drawingml/2006/main" xmlns:r="http://schemas.openxmlformats.org/officeDocument/2006/relationships" xmlns:p="http://schemas.openxmlformats.org/presentationml/2006/main" showMasterSp="0" showMasterPhAnim="0">
+  <p:cSld>
+    <p:spTree>
+      <p:nvGrpSpPr>
+        <p:cNvPr id="1" name="Shape 74"/>
+        <p:cNvGrpSpPr/>
+        <p:nvPr/>
+      </p:nvGrpSpPr>
+      <p:grpSpPr>
+        <a:xfrm>
+          <a:off x="0" y="0"/>
+          <a:ext cx="0" cy="0"/>
+          <a:chOff x="0" y="0"/>
+          <a:chExt cx="0" cy="0"/>
+        </a:xfrm>
+      </p:grpSpPr>
+      <p:sp>
+        <p:nvSpPr>
+          <p:cNvPr id="75" name="Google Shape;75;gac10fef634_0_20:notes"/>
+          <p:cNvSpPr>
+            <a:spLocks noGrp="1" noRot="1" noChangeAspect="1"/>
+          </p:cNvSpPr>
+          <p:nvPr>
+            <p:ph type="sldImg" idx="2"/>
+          </p:nvPr>
+        </p:nvSpPr>
+        <p:spPr>
+          <a:xfrm>
+            <a:off x="381000" y="685800"/>
+            <a:ext cx="6096000" cy="3429000"/>
+          </a:xfrm>
+          <a:custGeom>
+            <a:avLst/>
+            <a:gdLst/>
+            <a:ahLst/>
+            <a:cxnLst/>
+            <a:rect l="l" t="t" r="r" b="b"/>
+            <a:pathLst>
+              <a:path w="120000" h="120000" extrusionOk="0">
+                <a:moveTo>
+                  <a:pt x="0" y="0"/>
+                </a:moveTo>
+                <a:lnTo>
+                  <a:pt x="120000" y="0"/>
+                </a:lnTo>
+                <a:lnTo>
+                  <a:pt x="120000" y="120000"/>
+                </a:lnTo>
+                <a:lnTo>
+                  <a:pt x="0" y="120000"/>
+                </a:lnTo>
+                <a:close/>
+              </a:path>
+            </a:pathLst>
+          </a:custGeom>
+        </p:spPr>
+      </p:sp>
+      <p:sp>
+        <p:nvSpPr>
+          <p:cNvPr id="76" name="Google Shape;76;gac10fef634_0_20:notes"/>
+          <p:cNvSpPr txBox="1">
+            <a:spLocks noGrp="1"/>
+          </p:cNvSpPr>
+          <p:nvPr>
+            <p:ph type="body" idx="1"/>
+          </p:nvPr>
+        </p:nvSpPr>
+        <p:spPr>
+          <a:xfrm>
+            <a:off x="685800" y="4343400"/>
+            <a:ext cx="5486400" cy="4114800"/>
+          </a:xfrm>
+          <a:prstGeom prst="rect">
+            <a:avLst/>
+          </a:prstGeom>
+        </p:spPr>
+        <p:txBody>
+          <a:bodyPr spcFirstLastPara="1" wrap="square" lIns="91425" tIns="91425" rIns="91425" bIns="91425" anchor="t" anchorCtr="0">
+            <a:noAutofit/>
+          </a:bodyPr>
+          <a:lstStyle/>
+          <a:p>
+            <a:pPr marL="0" lvl="0" indent="0" algn="l" rtl="0">
+              <a:spcBef>
+                <a:spcPts val="0"/>
+              </a:spcBef>
+              <a:spcAft>
+                <a:spcPts val="0"/>
+              </a:spcAft>
+              <a:buNone/>
+            </a:pPr>
+            <a:endParaRPr/>
+          </a:p>
+        </p:txBody>
+      </p:sp>
+    </p:spTree>
+    <p:extLst>
+      <p:ext uri="{BB962C8B-B14F-4D97-AF65-F5344CB8AC3E}">
+        <p14:creationId xmlns:p14="http://schemas.microsoft.com/office/powerpoint/2010/main" val="1487489589"/>
+      </p:ext>
+    </p:extLst>
+  </p:cSld>
+  <p:clrMapOvr>
+    <a:masterClrMapping/>
+  </p:clrMapOvr>
+</p:notes>
+</file>
+
+<file path=ppt/notesSlides/notesSlide29.xml><?xml version="1.0" encoding="utf-8"?>
+<p:notes xmlns:a="http://schemas.openxmlformats.org/drawingml/2006/main" xmlns:r="http://schemas.openxmlformats.org/officeDocument/2006/relationships" xmlns:p="http://schemas.openxmlformats.org/presentationml/2006/main" showMasterSp="0" showMasterPhAnim="0">
+  <p:cSld>
+    <p:spTree>
+      <p:nvGrpSpPr>
         <p:cNvPr id="1" name="Shape 80"/>
         <p:cNvGrpSpPr/>
         <p:nvPr/>
@@ -2958,114 +3178,6 @@
               </a:spcAft>
               <a:buNone/>
             </a:pPr>
-            <a:endParaRPr/>
-          </a:p>
-        </p:txBody>
-      </p:sp>
-    </p:spTree>
-  </p:cSld>
-  <p:clrMapOvr>
-    <a:masterClrMapping/>
-  </p:clrMapOvr>
-</p:notes>
-</file>
-
-<file path=ppt/notesSlides/notesSlide28.xml><?xml version="1.0" encoding="utf-8"?>
-<p:notes xmlns:a="http://schemas.openxmlformats.org/drawingml/2006/main" xmlns:r="http://schemas.openxmlformats.org/officeDocument/2006/relationships" xmlns:p="http://schemas.openxmlformats.org/presentationml/2006/main" showMasterSp="0" showMasterPhAnim="0">
-  <p:cSld>
-    <p:spTree>
-      <p:nvGrpSpPr>
-        <p:cNvPr id="1" name="Shape 86"/>
-        <p:cNvGrpSpPr/>
-        <p:nvPr/>
-      </p:nvGrpSpPr>
-      <p:grpSpPr>
-        <a:xfrm>
-          <a:off x="0" y="0"/>
-          <a:ext cx="0" cy="0"/>
-          <a:chOff x="0" y="0"/>
-          <a:chExt cx="0" cy="0"/>
-        </a:xfrm>
-      </p:grpSpPr>
-      <p:sp>
-        <p:nvSpPr>
-          <p:cNvPr id="87" name="Google Shape;87;gac10fef634_0_30:notes"/>
-          <p:cNvSpPr>
-            <a:spLocks noGrp="1" noRot="1" noChangeAspect="1"/>
-          </p:cNvSpPr>
-          <p:nvPr>
-            <p:ph type="sldImg" idx="2"/>
-          </p:nvPr>
-        </p:nvSpPr>
-        <p:spPr>
-          <a:xfrm>
-            <a:off x="381000" y="685800"/>
-            <a:ext cx="6096000" cy="3429000"/>
-          </a:xfrm>
-          <a:custGeom>
-            <a:avLst/>
-            <a:gdLst/>
-            <a:ahLst/>
-            <a:cxnLst/>
-            <a:rect l="l" t="t" r="r" b="b"/>
-            <a:pathLst>
-              <a:path w="120000" h="120000" extrusionOk="0">
-                <a:moveTo>
-                  <a:pt x="0" y="0"/>
-                </a:moveTo>
-                <a:lnTo>
-                  <a:pt x="120000" y="0"/>
-                </a:lnTo>
-                <a:lnTo>
-                  <a:pt x="120000" y="120000"/>
-                </a:lnTo>
-                <a:lnTo>
-                  <a:pt x="0" y="120000"/>
-                </a:lnTo>
-                <a:close/>
-              </a:path>
-            </a:pathLst>
-          </a:custGeom>
-        </p:spPr>
-      </p:sp>
-      <p:sp>
-        <p:nvSpPr>
-          <p:cNvPr id="88" name="Google Shape;88;gac10fef634_0_30:notes"/>
-          <p:cNvSpPr txBox="1">
-            <a:spLocks noGrp="1"/>
-          </p:cNvSpPr>
-          <p:nvPr>
-            <p:ph type="body" idx="1"/>
-          </p:nvPr>
-        </p:nvSpPr>
-        <p:spPr>
-          <a:xfrm>
-            <a:off x="685800" y="4343400"/>
-            <a:ext cx="5486400" cy="4114800"/>
-          </a:xfrm>
-          <a:prstGeom prst="rect">
-            <a:avLst/>
-          </a:prstGeom>
-        </p:spPr>
-        <p:txBody>
-          <a:bodyPr spcFirstLastPara="1" wrap="square" lIns="91425" tIns="91425" rIns="91425" bIns="91425" anchor="t" anchorCtr="0">
-            <a:noAutofit/>
-          </a:bodyPr>
-          <a:lstStyle/>
-          <a:p>
-            <a:pPr marL="0" lvl="0" indent="0" algn="l" rtl="0">
-              <a:spcBef>
-                <a:spcPts val="0"/>
-              </a:spcBef>
-              <a:spcAft>
-                <a:spcPts val="0"/>
-              </a:spcAft>
-              <a:buNone/>
-            </a:pPr>
-            <a:r>
-              <a:rPr lang="en"/>
-              <a:t>Discusses how the information from planning, testing and trialling of components assisted in the development of a high-quality outcome</a:t>
-            </a:r>
             <a:endParaRPr/>
           </a:p>
         </p:txBody>
@@ -3191,6 +3303,114 @@
               </a:spcAft>
               <a:buNone/>
             </a:pPr>
+            <a:endParaRPr/>
+          </a:p>
+        </p:txBody>
+      </p:sp>
+    </p:spTree>
+  </p:cSld>
+  <p:clrMapOvr>
+    <a:masterClrMapping/>
+  </p:clrMapOvr>
+</p:notes>
+</file>
+
+<file path=ppt/notesSlides/notesSlide30.xml><?xml version="1.0" encoding="utf-8"?>
+<p:notes xmlns:a="http://schemas.openxmlformats.org/drawingml/2006/main" xmlns:r="http://schemas.openxmlformats.org/officeDocument/2006/relationships" xmlns:p="http://schemas.openxmlformats.org/presentationml/2006/main" showMasterSp="0" showMasterPhAnim="0">
+  <p:cSld>
+    <p:spTree>
+      <p:nvGrpSpPr>
+        <p:cNvPr id="1" name="Shape 86"/>
+        <p:cNvGrpSpPr/>
+        <p:nvPr/>
+      </p:nvGrpSpPr>
+      <p:grpSpPr>
+        <a:xfrm>
+          <a:off x="0" y="0"/>
+          <a:ext cx="0" cy="0"/>
+          <a:chOff x="0" y="0"/>
+          <a:chExt cx="0" cy="0"/>
+        </a:xfrm>
+      </p:grpSpPr>
+      <p:sp>
+        <p:nvSpPr>
+          <p:cNvPr id="87" name="Google Shape;87;gac10fef634_0_30:notes"/>
+          <p:cNvSpPr>
+            <a:spLocks noGrp="1" noRot="1" noChangeAspect="1"/>
+          </p:cNvSpPr>
+          <p:nvPr>
+            <p:ph type="sldImg" idx="2"/>
+          </p:nvPr>
+        </p:nvSpPr>
+        <p:spPr>
+          <a:xfrm>
+            <a:off x="381000" y="685800"/>
+            <a:ext cx="6096000" cy="3429000"/>
+          </a:xfrm>
+          <a:custGeom>
+            <a:avLst/>
+            <a:gdLst/>
+            <a:ahLst/>
+            <a:cxnLst/>
+            <a:rect l="l" t="t" r="r" b="b"/>
+            <a:pathLst>
+              <a:path w="120000" h="120000" extrusionOk="0">
+                <a:moveTo>
+                  <a:pt x="0" y="0"/>
+                </a:moveTo>
+                <a:lnTo>
+                  <a:pt x="120000" y="0"/>
+                </a:lnTo>
+                <a:lnTo>
+                  <a:pt x="120000" y="120000"/>
+                </a:lnTo>
+                <a:lnTo>
+                  <a:pt x="0" y="120000"/>
+                </a:lnTo>
+                <a:close/>
+              </a:path>
+            </a:pathLst>
+          </a:custGeom>
+        </p:spPr>
+      </p:sp>
+      <p:sp>
+        <p:nvSpPr>
+          <p:cNvPr id="88" name="Google Shape;88;gac10fef634_0_30:notes"/>
+          <p:cNvSpPr txBox="1">
+            <a:spLocks noGrp="1"/>
+          </p:cNvSpPr>
+          <p:nvPr>
+            <p:ph type="body" idx="1"/>
+          </p:nvPr>
+        </p:nvSpPr>
+        <p:spPr>
+          <a:xfrm>
+            <a:off x="685800" y="4343400"/>
+            <a:ext cx="5486400" cy="4114800"/>
+          </a:xfrm>
+          <a:prstGeom prst="rect">
+            <a:avLst/>
+          </a:prstGeom>
+        </p:spPr>
+        <p:txBody>
+          <a:bodyPr spcFirstLastPara="1" wrap="square" lIns="91425" tIns="91425" rIns="91425" bIns="91425" anchor="t" anchorCtr="0">
+            <a:noAutofit/>
+          </a:bodyPr>
+          <a:lstStyle/>
+          <a:p>
+            <a:pPr marL="0" lvl="0" indent="0" algn="l" rtl="0">
+              <a:spcBef>
+                <a:spcPts val="0"/>
+              </a:spcBef>
+              <a:spcAft>
+                <a:spcPts val="0"/>
+              </a:spcAft>
+              <a:buNone/>
+            </a:pPr>
+            <a:r>
+              <a:rPr lang="en"/>
+              <a:t>Discusses how the information from planning, testing and trialling of components assisted in the development of a high-quality outcome</a:t>
+            </a:r>
             <a:endParaRPr/>
           </a:p>
         </p:txBody>
@@ -13615,6 +13835,404 @@
     </p:bg>
     <p:spTree>
       <p:nvGrpSpPr>
+        <p:cNvPr id="1" name="Shape 72"/>
+        <p:cNvGrpSpPr/>
+        <p:nvPr/>
+      </p:nvGrpSpPr>
+      <p:grpSpPr>
+        <a:xfrm>
+          <a:off x="0" y="0"/>
+          <a:ext cx="0" cy="0"/>
+          <a:chOff x="0" y="0"/>
+          <a:chExt cx="0" cy="0"/>
+        </a:xfrm>
+      </p:grpSpPr>
+      <p:sp>
+        <p:nvSpPr>
+          <p:cNvPr id="73" name="Google Shape;73;p16"/>
+          <p:cNvSpPr txBox="1">
+            <a:spLocks noGrp="1"/>
+          </p:cNvSpPr>
+          <p:nvPr>
+            <p:ph type="title"/>
+          </p:nvPr>
+        </p:nvSpPr>
+        <p:spPr>
+          <a:xfrm>
+            <a:off x="311700" y="445025"/>
+            <a:ext cx="8520600" cy="572700"/>
+          </a:xfrm>
+          <a:prstGeom prst="rect">
+            <a:avLst/>
+          </a:prstGeom>
+        </p:spPr>
+        <p:txBody>
+          <a:bodyPr spcFirstLastPara="1" wrap="square" lIns="91425" tIns="91425" rIns="91425" bIns="91425" anchor="t" anchorCtr="0">
+            <a:noAutofit/>
+          </a:bodyPr>
+          <a:lstStyle/>
+          <a:p>
+            <a:pPr marL="0" lvl="0" indent="0" algn="l" rtl="0">
+              <a:spcBef>
+                <a:spcPts val="0"/>
+              </a:spcBef>
+              <a:spcAft>
+                <a:spcPts val="0"/>
+              </a:spcAft>
+              <a:buNone/>
+            </a:pPr>
+            <a:r>
+              <a:rPr lang="en" dirty="0"/>
+              <a:t>Component 5 Pizza menu (Trello screenshot)</a:t>
+            </a:r>
+            <a:endParaRPr dirty="0"/>
+          </a:p>
+        </p:txBody>
+      </p:sp>
+      <p:pic>
+        <p:nvPicPr>
+          <p:cNvPr id="6" name="Picture 5">
+            <a:extLst>
+              <a:ext uri="{FF2B5EF4-FFF2-40B4-BE49-F238E27FC236}">
+                <a16:creationId xmlns:a16="http://schemas.microsoft.com/office/drawing/2014/main" id="{E26E2F54-9114-44F3-AF8D-C13FA3A81B08}"/>
+              </a:ext>
+            </a:extLst>
+          </p:cNvPr>
+          <p:cNvPicPr>
+            <a:picLocks noChangeAspect="1"/>
+          </p:cNvPicPr>
+          <p:nvPr/>
+        </p:nvPicPr>
+        <p:blipFill>
+          <a:blip r:embed="rId3"/>
+          <a:stretch>
+            <a:fillRect/>
+          </a:stretch>
+        </p:blipFill>
+        <p:spPr>
+          <a:xfrm>
+            <a:off x="198782" y="1017725"/>
+            <a:ext cx="8520600" cy="3462968"/>
+          </a:xfrm>
+          <a:prstGeom prst="rect">
+            <a:avLst/>
+          </a:prstGeom>
+        </p:spPr>
+      </p:pic>
+    </p:spTree>
+    <p:extLst>
+      <p:ext uri="{BB962C8B-B14F-4D97-AF65-F5344CB8AC3E}">
+        <p14:creationId xmlns:p14="http://schemas.microsoft.com/office/powerpoint/2010/main" val="3806062376"/>
+      </p:ext>
+    </p:extLst>
+  </p:cSld>
+  <p:clrMapOvr>
+    <a:masterClrMapping/>
+  </p:clrMapOvr>
+</p:sld>
+</file>
+
+<file path=ppt/slides/slide28.xml><?xml version="1.0" encoding="utf-8"?>
+<p:sld xmlns:a="http://schemas.openxmlformats.org/drawingml/2006/main" xmlns:r="http://schemas.openxmlformats.org/officeDocument/2006/relationships" xmlns:p="http://schemas.openxmlformats.org/presentationml/2006/main">
+  <p:cSld>
+    <p:spTree>
+      <p:nvGrpSpPr>
+        <p:cNvPr id="1" name="Shape 77"/>
+        <p:cNvGrpSpPr/>
+        <p:nvPr/>
+      </p:nvGrpSpPr>
+      <p:grpSpPr>
+        <a:xfrm>
+          <a:off x="0" y="0"/>
+          <a:ext cx="0" cy="0"/>
+          <a:chOff x="0" y="0"/>
+          <a:chExt cx="0" cy="0"/>
+        </a:xfrm>
+      </p:grpSpPr>
+      <p:sp>
+        <p:nvSpPr>
+          <p:cNvPr id="78" name="Google Shape;78;p17"/>
+          <p:cNvSpPr txBox="1">
+            <a:spLocks noGrp="1"/>
+          </p:cNvSpPr>
+          <p:nvPr>
+            <p:ph type="title"/>
+          </p:nvPr>
+        </p:nvSpPr>
+        <p:spPr>
+          <a:xfrm>
+            <a:off x="311700" y="445025"/>
+            <a:ext cx="8520600" cy="572700"/>
+          </a:xfrm>
+          <a:prstGeom prst="rect">
+            <a:avLst/>
+          </a:prstGeom>
+        </p:spPr>
+        <p:txBody>
+          <a:bodyPr spcFirstLastPara="1" wrap="square" lIns="91425" tIns="91425" rIns="91425" bIns="91425" anchor="t" anchorCtr="0">
+            <a:noAutofit/>
+          </a:bodyPr>
+          <a:lstStyle/>
+          <a:p>
+            <a:pPr marL="0" lvl="0" indent="0" algn="l" rtl="0">
+              <a:spcBef>
+                <a:spcPts val="0"/>
+              </a:spcBef>
+              <a:spcAft>
+                <a:spcPts val="0"/>
+              </a:spcAft>
+              <a:buNone/>
+            </a:pPr>
+            <a:r>
+              <a:rPr lang="en" sz="2400" dirty="0"/>
+              <a:t>Component 5 v1 - Test Plan (?and screenshot)</a:t>
+            </a:r>
+            <a:endParaRPr sz="2400" dirty="0"/>
+          </a:p>
+        </p:txBody>
+      </p:sp>
+      <p:graphicFrame>
+        <p:nvGraphicFramePr>
+          <p:cNvPr id="79" name="Google Shape;79;p17"/>
+          <p:cNvGraphicFramePr/>
+          <p:nvPr>
+            <p:extLst>
+              <p:ext uri="{D42A27DB-BD31-4B8C-83A1-F6EECF244321}">
+                <p14:modId xmlns:p14="http://schemas.microsoft.com/office/powerpoint/2010/main" val="1022514294"/>
+              </p:ext>
+            </p:extLst>
+          </p:nvPr>
+        </p:nvGraphicFramePr>
+        <p:xfrm>
+          <a:off x="311700" y="3945718"/>
+          <a:ext cx="8520600" cy="853380"/>
+        </p:xfrm>
+        <a:graphic>
+          <a:graphicData uri="http://schemas.openxmlformats.org/drawingml/2006/table">
+            <a:tbl>
+              <a:tblPr>
+                <a:noFill/>
+                <a:tableStyleId>{E1099E06-0E6B-448D-9D27-60429F06E6F4}</a:tableStyleId>
+              </a:tblPr>
+              <a:tblGrid>
+                <a:gridCol w="4260300">
+                  <a:extLst>
+                    <a:ext uri="{9D8B030D-6E8A-4147-A177-3AD203B41FA5}">
+                      <a16:colId xmlns:a16="http://schemas.microsoft.com/office/drawing/2014/main" val="20000"/>
+                    </a:ext>
+                  </a:extLst>
+                </a:gridCol>
+                <a:gridCol w="4260300">
+                  <a:extLst>
+                    <a:ext uri="{9D8B030D-6E8A-4147-A177-3AD203B41FA5}">
+                      <a16:colId xmlns:a16="http://schemas.microsoft.com/office/drawing/2014/main" val="20001"/>
+                    </a:ext>
+                  </a:extLst>
+                </a:gridCol>
+              </a:tblGrid>
+              <a:tr h="381000">
+                <a:tc>
+                  <a:txBody>
+                    <a:bodyPr/>
+                    <a:lstStyle/>
+                    <a:p>
+                      <a:pPr marL="0" lvl="0" indent="0" algn="l" rtl="0">
+                        <a:spcBef>
+                          <a:spcPts val="0"/>
+                        </a:spcBef>
+                        <a:spcAft>
+                          <a:spcPts val="0"/>
+                        </a:spcAft>
+                        <a:buNone/>
+                      </a:pPr>
+                      <a:r>
+                        <a:rPr lang="en" sz="1800" b="1"/>
+                        <a:t>Test Case</a:t>
+                      </a:r>
+                      <a:endParaRPr sz="1800" b="1"/>
+                    </a:p>
+                  </a:txBody>
+                  <a:tcPr marL="91425" marR="91425" marT="91425" marB="91425">
+                    <a:solidFill>
+                      <a:srgbClr val="CCCCCC"/>
+                    </a:solidFill>
+                  </a:tcPr>
+                </a:tc>
+                <a:tc>
+                  <a:txBody>
+                    <a:bodyPr/>
+                    <a:lstStyle/>
+                    <a:p>
+                      <a:pPr marL="0" lvl="0" indent="0" algn="l" rtl="0">
+                        <a:spcBef>
+                          <a:spcPts val="0"/>
+                        </a:spcBef>
+                        <a:spcAft>
+                          <a:spcPts val="0"/>
+                        </a:spcAft>
+                        <a:buNone/>
+                      </a:pPr>
+                      <a:r>
+                        <a:rPr lang="en" sz="1800" b="1"/>
+                        <a:t>Expected Values</a:t>
+                      </a:r>
+                      <a:endParaRPr sz="1800" b="1"/>
+                    </a:p>
+                  </a:txBody>
+                  <a:tcPr marL="91425" marR="91425" marT="91425" marB="91425">
+                    <a:solidFill>
+                      <a:srgbClr val="CCCCCC"/>
+                    </a:solidFill>
+                  </a:tcPr>
+                </a:tc>
+                <a:extLst>
+                  <a:ext uri="{0D108BD9-81ED-4DB2-BD59-A6C34878D82A}">
+                    <a16:rowId xmlns:a16="http://schemas.microsoft.com/office/drawing/2014/main" val="10000"/>
+                  </a:ext>
+                </a:extLst>
+              </a:tr>
+              <a:tr h="396200">
+                <a:tc>
+                  <a:txBody>
+                    <a:bodyPr/>
+                    <a:lstStyle/>
+                    <a:p>
+                      <a:pPr marL="0" lvl="0" indent="0" algn="l" rtl="0">
+                        <a:spcBef>
+                          <a:spcPts val="0"/>
+                        </a:spcBef>
+                        <a:spcAft>
+                          <a:spcPts val="0"/>
+                        </a:spcAft>
+                        <a:buNone/>
+                      </a:pPr>
+                      <a:r>
+                        <a:rPr lang="en-US" sz="1400" dirty="0"/>
+                        <a:t>Run file</a:t>
+                      </a:r>
+                      <a:endParaRPr sz="1400" dirty="0"/>
+                    </a:p>
+                  </a:txBody>
+                  <a:tcPr marL="91425" marR="91425" marT="91425" marB="91425"/>
+                </a:tc>
+                <a:tc>
+                  <a:txBody>
+                    <a:bodyPr/>
+                    <a:lstStyle/>
+                    <a:p>
+                      <a:pPr marL="0" lvl="0" indent="0" algn="l" rtl="0">
+                        <a:spcBef>
+                          <a:spcPts val="0"/>
+                        </a:spcBef>
+                        <a:spcAft>
+                          <a:spcPts val="0"/>
+                        </a:spcAft>
+                        <a:buNone/>
+                      </a:pPr>
+                      <a:r>
+                        <a:rPr lang="en-US" sz="1400" dirty="0"/>
+                        <a:t>Printed a list with index numbers, pizzas and prices </a:t>
+                      </a:r>
+                    </a:p>
+                  </a:txBody>
+                  <a:tcPr marL="91425" marR="91425" marT="91425" marB="91425"/>
+                </a:tc>
+                <a:extLst>
+                  <a:ext uri="{0D108BD9-81ED-4DB2-BD59-A6C34878D82A}">
+                    <a16:rowId xmlns:a16="http://schemas.microsoft.com/office/drawing/2014/main" val="10001"/>
+                  </a:ext>
+                </a:extLst>
+              </a:tr>
+            </a:tbl>
+          </a:graphicData>
+        </a:graphic>
+      </p:graphicFrame>
+      <p:pic>
+        <p:nvPicPr>
+          <p:cNvPr id="3" name="Picture 2">
+            <a:extLst>
+              <a:ext uri="{FF2B5EF4-FFF2-40B4-BE49-F238E27FC236}">
+                <a16:creationId xmlns:a16="http://schemas.microsoft.com/office/drawing/2014/main" id="{39A9A193-AC45-4CFA-AD1A-9F1DC093AA79}"/>
+              </a:ext>
+            </a:extLst>
+          </p:cNvPr>
+          <p:cNvPicPr>
+            <a:picLocks noChangeAspect="1"/>
+          </p:cNvPicPr>
+          <p:nvPr/>
+        </p:nvPicPr>
+        <p:blipFill>
+          <a:blip r:embed="rId3"/>
+          <a:stretch>
+            <a:fillRect/>
+          </a:stretch>
+        </p:blipFill>
+        <p:spPr>
+          <a:xfrm>
+            <a:off x="138874" y="2018906"/>
+            <a:ext cx="4769704" cy="1772371"/>
+          </a:xfrm>
+          <a:prstGeom prst="rect">
+            <a:avLst/>
+          </a:prstGeom>
+        </p:spPr>
+      </p:pic>
+      <p:pic>
+        <p:nvPicPr>
+          <p:cNvPr id="7" name="Picture 6">
+            <a:extLst>
+              <a:ext uri="{FF2B5EF4-FFF2-40B4-BE49-F238E27FC236}">
+                <a16:creationId xmlns:a16="http://schemas.microsoft.com/office/drawing/2014/main" id="{B9BA4677-A461-417F-924F-BF12A9FEE1CD}"/>
+              </a:ext>
+            </a:extLst>
+          </p:cNvPr>
+          <p:cNvPicPr>
+            <a:picLocks noChangeAspect="1"/>
+          </p:cNvPicPr>
+          <p:nvPr/>
+        </p:nvPicPr>
+        <p:blipFill>
+          <a:blip r:embed="rId4"/>
+          <a:stretch>
+            <a:fillRect/>
+          </a:stretch>
+        </p:blipFill>
+        <p:spPr>
+          <a:xfrm>
+            <a:off x="4889430" y="1173789"/>
+            <a:ext cx="4115696" cy="2114268"/>
+          </a:xfrm>
+          <a:prstGeom prst="rect">
+            <a:avLst/>
+          </a:prstGeom>
+        </p:spPr>
+      </p:pic>
+    </p:spTree>
+    <p:extLst>
+      <p:ext uri="{BB962C8B-B14F-4D97-AF65-F5344CB8AC3E}">
+        <p14:creationId xmlns:p14="http://schemas.microsoft.com/office/powerpoint/2010/main" val="1932934946"/>
+      </p:ext>
+    </p:extLst>
+  </p:cSld>
+  <p:clrMapOvr>
+    <a:masterClrMapping/>
+  </p:clrMapOvr>
+</p:sld>
+</file>
+
+<file path=ppt/slides/slide29.xml><?xml version="1.0" encoding="utf-8"?>
+<p:sld xmlns:a="http://schemas.openxmlformats.org/drawingml/2006/main" xmlns:r="http://schemas.openxmlformats.org/officeDocument/2006/relationships" xmlns:p="http://schemas.openxmlformats.org/presentationml/2006/main">
+  <p:cSld>
+    <p:bg>
+      <p:bgPr>
+        <a:solidFill>
+          <a:srgbClr val="D9EAD3"/>
+        </a:solidFill>
+        <a:effectLst/>
+      </p:bgPr>
+    </p:bg>
+    <p:spTree>
+      <p:nvGrpSpPr>
         <p:cNvPr id="1" name="Shape 83"/>
         <p:cNvGrpSpPr/>
         <p:nvPr/>
@@ -13708,85 +14326,6 @@
               <a:t>Your version control evidence should go here.  This could be in the form of annotated screenshots which show you you managed this process or you could make a brief screencast explaining how you implemented version control.</a:t>
             </a:r>
             <a:endParaRPr i="1"/>
-          </a:p>
-        </p:txBody>
-      </p:sp>
-    </p:spTree>
-  </p:cSld>
-  <p:clrMapOvr>
-    <a:masterClrMapping/>
-  </p:clrMapOvr>
-</p:sld>
-</file>
-
-<file path=ppt/slides/slide28.xml><?xml version="1.0" encoding="utf-8"?>
-<p:sld xmlns:a="http://schemas.openxmlformats.org/drawingml/2006/main" xmlns:r="http://schemas.openxmlformats.org/officeDocument/2006/relationships" xmlns:p="http://schemas.openxmlformats.org/presentationml/2006/main">
-  <p:cSld>
-    <p:bg>
-      <p:bgPr>
-        <a:solidFill>
-          <a:srgbClr val="FFE599"/>
-        </a:solidFill>
-        <a:effectLst/>
-      </p:bgPr>
-    </p:bg>
-    <p:spTree>
-      <p:nvGrpSpPr>
-        <p:cNvPr id="1" name="Shape 89"/>
-        <p:cNvGrpSpPr/>
-        <p:nvPr/>
-      </p:nvGrpSpPr>
-      <p:grpSpPr>
-        <a:xfrm>
-          <a:off x="0" y="0"/>
-          <a:ext cx="0" cy="0"/>
-          <a:chOff x="0" y="0"/>
-          <a:chExt cx="0" cy="0"/>
-        </a:xfrm>
-      </p:grpSpPr>
-      <p:sp>
-        <p:nvSpPr>
-          <p:cNvPr id="90" name="Google Shape;90;p19"/>
-          <p:cNvSpPr txBox="1">
-            <a:spLocks noGrp="1"/>
-          </p:cNvSpPr>
-          <p:nvPr>
-            <p:ph type="body" idx="1"/>
-          </p:nvPr>
-        </p:nvSpPr>
-        <p:spPr>
-          <a:xfrm>
-            <a:off x="311700" y="397700"/>
-            <a:ext cx="8520600" cy="4171200"/>
-          </a:xfrm>
-          <a:prstGeom prst="rect">
-            <a:avLst/>
-          </a:prstGeom>
-        </p:spPr>
-        <p:txBody>
-          <a:bodyPr spcFirstLastPara="1" wrap="square" lIns="91425" tIns="91425" rIns="91425" bIns="91425" anchor="t" anchorCtr="0">
-            <a:noAutofit/>
-          </a:bodyPr>
-          <a:lstStyle/>
-          <a:p>
-            <a:pPr marL="0" lvl="0" indent="0" algn="l" rtl="0">
-              <a:spcBef>
-                <a:spcPts val="0"/>
-              </a:spcBef>
-              <a:spcAft>
-                <a:spcPts val="1600"/>
-              </a:spcAft>
-              <a:buNone/>
-            </a:pPr>
-            <a:r>
-              <a:rPr lang="en" b="1" i="1">
-                <a:solidFill>
-                  <a:srgbClr val="595959"/>
-                </a:solidFill>
-              </a:rPr>
-              <a:t>Discusses how the information from planning, testing and trialling of components assisted in the development of a high-quality outcome</a:t>
-            </a:r>
-            <a:endParaRPr/>
           </a:p>
         </p:txBody>
       </p:sp>
@@ -13920,6 +14459,85 @@
           </a:prstGeom>
         </p:spPr>
       </p:pic>
+    </p:spTree>
+  </p:cSld>
+  <p:clrMapOvr>
+    <a:masterClrMapping/>
+  </p:clrMapOvr>
+</p:sld>
+</file>
+
+<file path=ppt/slides/slide30.xml><?xml version="1.0" encoding="utf-8"?>
+<p:sld xmlns:a="http://schemas.openxmlformats.org/drawingml/2006/main" xmlns:r="http://schemas.openxmlformats.org/officeDocument/2006/relationships" xmlns:p="http://schemas.openxmlformats.org/presentationml/2006/main">
+  <p:cSld>
+    <p:bg>
+      <p:bgPr>
+        <a:solidFill>
+          <a:srgbClr val="FFE599"/>
+        </a:solidFill>
+        <a:effectLst/>
+      </p:bgPr>
+    </p:bg>
+    <p:spTree>
+      <p:nvGrpSpPr>
+        <p:cNvPr id="1" name="Shape 89"/>
+        <p:cNvGrpSpPr/>
+        <p:nvPr/>
+      </p:nvGrpSpPr>
+      <p:grpSpPr>
+        <a:xfrm>
+          <a:off x="0" y="0"/>
+          <a:ext cx="0" cy="0"/>
+          <a:chOff x="0" y="0"/>
+          <a:chExt cx="0" cy="0"/>
+        </a:xfrm>
+      </p:grpSpPr>
+      <p:sp>
+        <p:nvSpPr>
+          <p:cNvPr id="90" name="Google Shape;90;p19"/>
+          <p:cNvSpPr txBox="1">
+            <a:spLocks noGrp="1"/>
+          </p:cNvSpPr>
+          <p:nvPr>
+            <p:ph type="body" idx="1"/>
+          </p:nvPr>
+        </p:nvSpPr>
+        <p:spPr>
+          <a:xfrm>
+            <a:off x="311700" y="397700"/>
+            <a:ext cx="8520600" cy="4171200"/>
+          </a:xfrm>
+          <a:prstGeom prst="rect">
+            <a:avLst/>
+          </a:prstGeom>
+        </p:spPr>
+        <p:txBody>
+          <a:bodyPr spcFirstLastPara="1" wrap="square" lIns="91425" tIns="91425" rIns="91425" bIns="91425" anchor="t" anchorCtr="0">
+            <a:noAutofit/>
+          </a:bodyPr>
+          <a:lstStyle/>
+          <a:p>
+            <a:pPr marL="0" lvl="0" indent="0" algn="l" rtl="0">
+              <a:spcBef>
+                <a:spcPts val="0"/>
+              </a:spcBef>
+              <a:spcAft>
+                <a:spcPts val="1600"/>
+              </a:spcAft>
+              <a:buNone/>
+            </a:pPr>
+            <a:r>
+              <a:rPr lang="en" b="1" i="1">
+                <a:solidFill>
+                  <a:srgbClr val="595959"/>
+                </a:solidFill>
+              </a:rPr>
+              <a:t>Discusses how the information from planning, testing and trialling of components assisted in the development of a high-quality outcome</a:t>
+            </a:r>
+            <a:endParaRPr/>
+          </a:p>
+        </p:txBody>
+      </p:sp>
     </p:spTree>
   </p:cSld>
   <p:clrMapOvr>

--- a/022_91893+_+91897+Documentation.pptx
+++ b/022_91893+_+91897+Documentation.pptx
@@ -5,7 +5,7 @@
     <p:sldMasterId id="2147483659" r:id="rId1"/>
   </p:sldMasterIdLst>
   <p:notesMasterIdLst>
-    <p:notesMasterId r:id="rId32"/>
+    <p:notesMasterId r:id="rId36"/>
   </p:notesMasterIdLst>
   <p:sldIdLst>
     <p:sldId id="256" r:id="rId2"/>
@@ -36,8 +36,12 @@
     <p:sldId id="283" r:id="rId27"/>
     <p:sldId id="284" r:id="rId28"/>
     <p:sldId id="285" r:id="rId29"/>
-    <p:sldId id="261" r:id="rId30"/>
-    <p:sldId id="262" r:id="rId31"/>
+    <p:sldId id="286" r:id="rId30"/>
+    <p:sldId id="287" r:id="rId31"/>
+    <p:sldId id="288" r:id="rId32"/>
+    <p:sldId id="289" r:id="rId33"/>
+    <p:sldId id="261" r:id="rId34"/>
+    <p:sldId id="262" r:id="rId35"/>
   </p:sldIdLst>
   <p:sldSz cx="9144000" cy="5143500" type="screen16x9"/>
   <p:notesSz cx="6858000" cy="9144000"/>
@@ -3070,7 +3074,7 @@
   <p:cSld>
     <p:spTree>
       <p:nvGrpSpPr>
-        <p:cNvPr id="1" name="Shape 80"/>
+        <p:cNvPr id="1" name="Shape 69"/>
         <p:cNvGrpSpPr/>
         <p:nvPr/>
       </p:nvGrpSpPr>
@@ -3084,7 +3088,7 @@
       </p:grpSpPr>
       <p:sp>
         <p:nvSpPr>
-          <p:cNvPr id="81" name="Google Shape;81;gac10fef634_0_25:notes"/>
+          <p:cNvPr id="70" name="Google Shape;70;gac10fef634_0_16:notes"/>
           <p:cNvSpPr>
             <a:spLocks noGrp="1" noRot="1" noChangeAspect="1"/>
           </p:cNvSpPr>
@@ -3125,7 +3129,7 @@
       </p:sp>
       <p:sp>
         <p:nvSpPr>
-          <p:cNvPr id="82" name="Google Shape;82;gac10fef634_0_25:notes"/>
+          <p:cNvPr id="71" name="Google Shape;71;gac10fef634_0_16:notes"/>
           <p:cNvSpPr txBox="1">
             <a:spLocks noGrp="1"/>
           </p:cNvSpPr>
@@ -3155,27 +3159,6 @@
               <a:spcAft>
                 <a:spcPts val="0"/>
               </a:spcAft>
-              <a:buClr>
-                <a:schemeClr val="dk1"/>
-              </a:buClr>
-              <a:buSzPts val="1100"/>
-              <a:buFont typeface="Arial"/>
-              <a:buNone/>
-            </a:pPr>
-            <a:r>
-              <a:rPr lang="en"/>
-              <a:t>Your version control evidence should go here.  This could be in the form of annotated screenshots which show you you managed this process or you could make a brief screencast explaining how you implemented version control.</a:t>
-            </a:r>
-            <a:endParaRPr/>
-          </a:p>
-          <a:p>
-            <a:pPr marL="0" lvl="0" indent="0" algn="l" rtl="0">
-              <a:spcBef>
-                <a:spcPts val="0"/>
-              </a:spcBef>
-              <a:spcAft>
-                <a:spcPts val="0"/>
-              </a:spcAft>
               <a:buNone/>
             </a:pPr>
             <a:endParaRPr/>
@@ -3183,6 +3166,11 @@
         </p:txBody>
       </p:sp>
     </p:spTree>
+    <p:extLst>
+      <p:ext uri="{BB962C8B-B14F-4D97-AF65-F5344CB8AC3E}">
+        <p14:creationId xmlns:p14="http://schemas.microsoft.com/office/powerpoint/2010/main" val="4253971872"/>
+      </p:ext>
+    </p:extLst>
   </p:cSld>
   <p:clrMapOvr>
     <a:masterClrMapping/>
@@ -3316,6 +3304,458 @@
 </file>
 
 <file path=ppt/notesSlides/notesSlide30.xml><?xml version="1.0" encoding="utf-8"?>
+<p:notes xmlns:a="http://schemas.openxmlformats.org/drawingml/2006/main" xmlns:r="http://schemas.openxmlformats.org/officeDocument/2006/relationships" xmlns:p="http://schemas.openxmlformats.org/presentationml/2006/main" showMasterSp="0" showMasterPhAnim="0">
+  <p:cSld>
+    <p:spTree>
+      <p:nvGrpSpPr>
+        <p:cNvPr id="1" name="Shape 74"/>
+        <p:cNvGrpSpPr/>
+        <p:nvPr/>
+      </p:nvGrpSpPr>
+      <p:grpSpPr>
+        <a:xfrm>
+          <a:off x="0" y="0"/>
+          <a:ext cx="0" cy="0"/>
+          <a:chOff x="0" y="0"/>
+          <a:chExt cx="0" cy="0"/>
+        </a:xfrm>
+      </p:grpSpPr>
+      <p:sp>
+        <p:nvSpPr>
+          <p:cNvPr id="75" name="Google Shape;75;gac10fef634_0_20:notes"/>
+          <p:cNvSpPr>
+            <a:spLocks noGrp="1" noRot="1" noChangeAspect="1"/>
+          </p:cNvSpPr>
+          <p:nvPr>
+            <p:ph type="sldImg" idx="2"/>
+          </p:nvPr>
+        </p:nvSpPr>
+        <p:spPr>
+          <a:xfrm>
+            <a:off x="381000" y="685800"/>
+            <a:ext cx="6096000" cy="3429000"/>
+          </a:xfrm>
+          <a:custGeom>
+            <a:avLst/>
+            <a:gdLst/>
+            <a:ahLst/>
+            <a:cxnLst/>
+            <a:rect l="l" t="t" r="r" b="b"/>
+            <a:pathLst>
+              <a:path w="120000" h="120000" extrusionOk="0">
+                <a:moveTo>
+                  <a:pt x="0" y="0"/>
+                </a:moveTo>
+                <a:lnTo>
+                  <a:pt x="120000" y="0"/>
+                </a:lnTo>
+                <a:lnTo>
+                  <a:pt x="120000" y="120000"/>
+                </a:lnTo>
+                <a:lnTo>
+                  <a:pt x="0" y="120000"/>
+                </a:lnTo>
+                <a:close/>
+              </a:path>
+            </a:pathLst>
+          </a:custGeom>
+        </p:spPr>
+      </p:sp>
+      <p:sp>
+        <p:nvSpPr>
+          <p:cNvPr id="76" name="Google Shape;76;gac10fef634_0_20:notes"/>
+          <p:cNvSpPr txBox="1">
+            <a:spLocks noGrp="1"/>
+          </p:cNvSpPr>
+          <p:nvPr>
+            <p:ph type="body" idx="1"/>
+          </p:nvPr>
+        </p:nvSpPr>
+        <p:spPr>
+          <a:xfrm>
+            <a:off x="685800" y="4343400"/>
+            <a:ext cx="5486400" cy="4114800"/>
+          </a:xfrm>
+          <a:prstGeom prst="rect">
+            <a:avLst/>
+          </a:prstGeom>
+        </p:spPr>
+        <p:txBody>
+          <a:bodyPr spcFirstLastPara="1" wrap="square" lIns="91425" tIns="91425" rIns="91425" bIns="91425" anchor="t" anchorCtr="0">
+            <a:noAutofit/>
+          </a:bodyPr>
+          <a:lstStyle/>
+          <a:p>
+            <a:pPr marL="0" lvl="0" indent="0" algn="l" rtl="0">
+              <a:spcBef>
+                <a:spcPts val="0"/>
+              </a:spcBef>
+              <a:spcAft>
+                <a:spcPts val="0"/>
+              </a:spcAft>
+              <a:buNone/>
+            </a:pPr>
+            <a:endParaRPr/>
+          </a:p>
+        </p:txBody>
+      </p:sp>
+    </p:spTree>
+    <p:extLst>
+      <p:ext uri="{BB962C8B-B14F-4D97-AF65-F5344CB8AC3E}">
+        <p14:creationId xmlns:p14="http://schemas.microsoft.com/office/powerpoint/2010/main" val="3147227247"/>
+      </p:ext>
+    </p:extLst>
+  </p:cSld>
+  <p:clrMapOvr>
+    <a:masterClrMapping/>
+  </p:clrMapOvr>
+</p:notes>
+</file>
+
+<file path=ppt/notesSlides/notesSlide31.xml><?xml version="1.0" encoding="utf-8"?>
+<p:notes xmlns:a="http://schemas.openxmlformats.org/drawingml/2006/main" xmlns:r="http://schemas.openxmlformats.org/officeDocument/2006/relationships" xmlns:p="http://schemas.openxmlformats.org/presentationml/2006/main" showMasterSp="0" showMasterPhAnim="0">
+  <p:cSld>
+    <p:spTree>
+      <p:nvGrpSpPr>
+        <p:cNvPr id="1" name="Shape 69"/>
+        <p:cNvGrpSpPr/>
+        <p:nvPr/>
+      </p:nvGrpSpPr>
+      <p:grpSpPr>
+        <a:xfrm>
+          <a:off x="0" y="0"/>
+          <a:ext cx="0" cy="0"/>
+          <a:chOff x="0" y="0"/>
+          <a:chExt cx="0" cy="0"/>
+        </a:xfrm>
+      </p:grpSpPr>
+      <p:sp>
+        <p:nvSpPr>
+          <p:cNvPr id="70" name="Google Shape;70;gac10fef634_0_16:notes"/>
+          <p:cNvSpPr>
+            <a:spLocks noGrp="1" noRot="1" noChangeAspect="1"/>
+          </p:cNvSpPr>
+          <p:nvPr>
+            <p:ph type="sldImg" idx="2"/>
+          </p:nvPr>
+        </p:nvSpPr>
+        <p:spPr>
+          <a:xfrm>
+            <a:off x="381000" y="685800"/>
+            <a:ext cx="6096000" cy="3429000"/>
+          </a:xfrm>
+          <a:custGeom>
+            <a:avLst/>
+            <a:gdLst/>
+            <a:ahLst/>
+            <a:cxnLst/>
+            <a:rect l="l" t="t" r="r" b="b"/>
+            <a:pathLst>
+              <a:path w="120000" h="120000" extrusionOk="0">
+                <a:moveTo>
+                  <a:pt x="0" y="0"/>
+                </a:moveTo>
+                <a:lnTo>
+                  <a:pt x="120000" y="0"/>
+                </a:lnTo>
+                <a:lnTo>
+                  <a:pt x="120000" y="120000"/>
+                </a:lnTo>
+                <a:lnTo>
+                  <a:pt x="0" y="120000"/>
+                </a:lnTo>
+                <a:close/>
+              </a:path>
+            </a:pathLst>
+          </a:custGeom>
+        </p:spPr>
+      </p:sp>
+      <p:sp>
+        <p:nvSpPr>
+          <p:cNvPr id="71" name="Google Shape;71;gac10fef634_0_16:notes"/>
+          <p:cNvSpPr txBox="1">
+            <a:spLocks noGrp="1"/>
+          </p:cNvSpPr>
+          <p:nvPr>
+            <p:ph type="body" idx="1"/>
+          </p:nvPr>
+        </p:nvSpPr>
+        <p:spPr>
+          <a:xfrm>
+            <a:off x="685800" y="4343400"/>
+            <a:ext cx="5486400" cy="4114800"/>
+          </a:xfrm>
+          <a:prstGeom prst="rect">
+            <a:avLst/>
+          </a:prstGeom>
+        </p:spPr>
+        <p:txBody>
+          <a:bodyPr spcFirstLastPara="1" wrap="square" lIns="91425" tIns="91425" rIns="91425" bIns="91425" anchor="t" anchorCtr="0">
+            <a:noAutofit/>
+          </a:bodyPr>
+          <a:lstStyle/>
+          <a:p>
+            <a:pPr marL="0" lvl="0" indent="0" algn="l" rtl="0">
+              <a:spcBef>
+                <a:spcPts val="0"/>
+              </a:spcBef>
+              <a:spcAft>
+                <a:spcPts val="0"/>
+              </a:spcAft>
+              <a:buNone/>
+            </a:pPr>
+            <a:endParaRPr/>
+          </a:p>
+        </p:txBody>
+      </p:sp>
+    </p:spTree>
+    <p:extLst>
+      <p:ext uri="{BB962C8B-B14F-4D97-AF65-F5344CB8AC3E}">
+        <p14:creationId xmlns:p14="http://schemas.microsoft.com/office/powerpoint/2010/main" val="3266067877"/>
+      </p:ext>
+    </p:extLst>
+  </p:cSld>
+  <p:clrMapOvr>
+    <a:masterClrMapping/>
+  </p:clrMapOvr>
+</p:notes>
+</file>
+
+<file path=ppt/notesSlides/notesSlide32.xml><?xml version="1.0" encoding="utf-8"?>
+<p:notes xmlns:a="http://schemas.openxmlformats.org/drawingml/2006/main" xmlns:r="http://schemas.openxmlformats.org/officeDocument/2006/relationships" xmlns:p="http://schemas.openxmlformats.org/presentationml/2006/main" showMasterSp="0" showMasterPhAnim="0">
+  <p:cSld>
+    <p:spTree>
+      <p:nvGrpSpPr>
+        <p:cNvPr id="1" name="Shape 74"/>
+        <p:cNvGrpSpPr/>
+        <p:nvPr/>
+      </p:nvGrpSpPr>
+      <p:grpSpPr>
+        <a:xfrm>
+          <a:off x="0" y="0"/>
+          <a:ext cx="0" cy="0"/>
+          <a:chOff x="0" y="0"/>
+          <a:chExt cx="0" cy="0"/>
+        </a:xfrm>
+      </p:grpSpPr>
+      <p:sp>
+        <p:nvSpPr>
+          <p:cNvPr id="75" name="Google Shape;75;gac10fef634_0_20:notes"/>
+          <p:cNvSpPr>
+            <a:spLocks noGrp="1" noRot="1" noChangeAspect="1"/>
+          </p:cNvSpPr>
+          <p:nvPr>
+            <p:ph type="sldImg" idx="2"/>
+          </p:nvPr>
+        </p:nvSpPr>
+        <p:spPr>
+          <a:xfrm>
+            <a:off x="381000" y="685800"/>
+            <a:ext cx="6096000" cy="3429000"/>
+          </a:xfrm>
+          <a:custGeom>
+            <a:avLst/>
+            <a:gdLst/>
+            <a:ahLst/>
+            <a:cxnLst/>
+            <a:rect l="l" t="t" r="r" b="b"/>
+            <a:pathLst>
+              <a:path w="120000" h="120000" extrusionOk="0">
+                <a:moveTo>
+                  <a:pt x="0" y="0"/>
+                </a:moveTo>
+                <a:lnTo>
+                  <a:pt x="120000" y="0"/>
+                </a:lnTo>
+                <a:lnTo>
+                  <a:pt x="120000" y="120000"/>
+                </a:lnTo>
+                <a:lnTo>
+                  <a:pt x="0" y="120000"/>
+                </a:lnTo>
+                <a:close/>
+              </a:path>
+            </a:pathLst>
+          </a:custGeom>
+        </p:spPr>
+      </p:sp>
+      <p:sp>
+        <p:nvSpPr>
+          <p:cNvPr id="76" name="Google Shape;76;gac10fef634_0_20:notes"/>
+          <p:cNvSpPr txBox="1">
+            <a:spLocks noGrp="1"/>
+          </p:cNvSpPr>
+          <p:nvPr>
+            <p:ph type="body" idx="1"/>
+          </p:nvPr>
+        </p:nvSpPr>
+        <p:spPr>
+          <a:xfrm>
+            <a:off x="685800" y="4343400"/>
+            <a:ext cx="5486400" cy="4114800"/>
+          </a:xfrm>
+          <a:prstGeom prst="rect">
+            <a:avLst/>
+          </a:prstGeom>
+        </p:spPr>
+        <p:txBody>
+          <a:bodyPr spcFirstLastPara="1" wrap="square" lIns="91425" tIns="91425" rIns="91425" bIns="91425" anchor="t" anchorCtr="0">
+            <a:noAutofit/>
+          </a:bodyPr>
+          <a:lstStyle/>
+          <a:p>
+            <a:pPr marL="0" lvl="0" indent="0" algn="l" rtl="0">
+              <a:spcBef>
+                <a:spcPts val="0"/>
+              </a:spcBef>
+              <a:spcAft>
+                <a:spcPts val="0"/>
+              </a:spcAft>
+              <a:buNone/>
+            </a:pPr>
+            <a:endParaRPr/>
+          </a:p>
+        </p:txBody>
+      </p:sp>
+    </p:spTree>
+    <p:extLst>
+      <p:ext uri="{BB962C8B-B14F-4D97-AF65-F5344CB8AC3E}">
+        <p14:creationId xmlns:p14="http://schemas.microsoft.com/office/powerpoint/2010/main" val="1102828841"/>
+      </p:ext>
+    </p:extLst>
+  </p:cSld>
+  <p:clrMapOvr>
+    <a:masterClrMapping/>
+  </p:clrMapOvr>
+</p:notes>
+</file>
+
+<file path=ppt/notesSlides/notesSlide33.xml><?xml version="1.0" encoding="utf-8"?>
+<p:notes xmlns:a="http://schemas.openxmlformats.org/drawingml/2006/main" xmlns:r="http://schemas.openxmlformats.org/officeDocument/2006/relationships" xmlns:p="http://schemas.openxmlformats.org/presentationml/2006/main" showMasterSp="0" showMasterPhAnim="0">
+  <p:cSld>
+    <p:spTree>
+      <p:nvGrpSpPr>
+        <p:cNvPr id="1" name="Shape 80"/>
+        <p:cNvGrpSpPr/>
+        <p:nvPr/>
+      </p:nvGrpSpPr>
+      <p:grpSpPr>
+        <a:xfrm>
+          <a:off x="0" y="0"/>
+          <a:ext cx="0" cy="0"/>
+          <a:chOff x="0" y="0"/>
+          <a:chExt cx="0" cy="0"/>
+        </a:xfrm>
+      </p:grpSpPr>
+      <p:sp>
+        <p:nvSpPr>
+          <p:cNvPr id="81" name="Google Shape;81;gac10fef634_0_25:notes"/>
+          <p:cNvSpPr>
+            <a:spLocks noGrp="1" noRot="1" noChangeAspect="1"/>
+          </p:cNvSpPr>
+          <p:nvPr>
+            <p:ph type="sldImg" idx="2"/>
+          </p:nvPr>
+        </p:nvSpPr>
+        <p:spPr>
+          <a:xfrm>
+            <a:off x="381000" y="685800"/>
+            <a:ext cx="6096000" cy="3429000"/>
+          </a:xfrm>
+          <a:custGeom>
+            <a:avLst/>
+            <a:gdLst/>
+            <a:ahLst/>
+            <a:cxnLst/>
+            <a:rect l="l" t="t" r="r" b="b"/>
+            <a:pathLst>
+              <a:path w="120000" h="120000" extrusionOk="0">
+                <a:moveTo>
+                  <a:pt x="0" y="0"/>
+                </a:moveTo>
+                <a:lnTo>
+                  <a:pt x="120000" y="0"/>
+                </a:lnTo>
+                <a:lnTo>
+                  <a:pt x="120000" y="120000"/>
+                </a:lnTo>
+                <a:lnTo>
+                  <a:pt x="0" y="120000"/>
+                </a:lnTo>
+                <a:close/>
+              </a:path>
+            </a:pathLst>
+          </a:custGeom>
+        </p:spPr>
+      </p:sp>
+      <p:sp>
+        <p:nvSpPr>
+          <p:cNvPr id="82" name="Google Shape;82;gac10fef634_0_25:notes"/>
+          <p:cNvSpPr txBox="1">
+            <a:spLocks noGrp="1"/>
+          </p:cNvSpPr>
+          <p:nvPr>
+            <p:ph type="body" idx="1"/>
+          </p:nvPr>
+        </p:nvSpPr>
+        <p:spPr>
+          <a:xfrm>
+            <a:off x="685800" y="4343400"/>
+            <a:ext cx="5486400" cy="4114800"/>
+          </a:xfrm>
+          <a:prstGeom prst="rect">
+            <a:avLst/>
+          </a:prstGeom>
+        </p:spPr>
+        <p:txBody>
+          <a:bodyPr spcFirstLastPara="1" wrap="square" lIns="91425" tIns="91425" rIns="91425" bIns="91425" anchor="t" anchorCtr="0">
+            <a:noAutofit/>
+          </a:bodyPr>
+          <a:lstStyle/>
+          <a:p>
+            <a:pPr marL="0" lvl="0" indent="0" algn="l" rtl="0">
+              <a:spcBef>
+                <a:spcPts val="0"/>
+              </a:spcBef>
+              <a:spcAft>
+                <a:spcPts val="0"/>
+              </a:spcAft>
+              <a:buClr>
+                <a:schemeClr val="dk1"/>
+              </a:buClr>
+              <a:buSzPts val="1100"/>
+              <a:buFont typeface="Arial"/>
+              <a:buNone/>
+            </a:pPr>
+            <a:r>
+              <a:rPr lang="en"/>
+              <a:t>Your version control evidence should go here.  This could be in the form of annotated screenshots which show you you managed this process or you could make a brief screencast explaining how you implemented version control.</a:t>
+            </a:r>
+            <a:endParaRPr/>
+          </a:p>
+          <a:p>
+            <a:pPr marL="0" lvl="0" indent="0" algn="l" rtl="0">
+              <a:spcBef>
+                <a:spcPts val="0"/>
+              </a:spcBef>
+              <a:spcAft>
+                <a:spcPts val="0"/>
+              </a:spcAft>
+              <a:buNone/>
+            </a:pPr>
+            <a:endParaRPr/>
+          </a:p>
+        </p:txBody>
+      </p:sp>
+    </p:spTree>
+  </p:cSld>
+  <p:clrMapOvr>
+    <a:masterClrMapping/>
+  </p:clrMapOvr>
+</p:notes>
+</file>
+
+<file path=ppt/notesSlides/notesSlide34.xml><?xml version="1.0" encoding="utf-8"?>
 <p:notes xmlns:a="http://schemas.openxmlformats.org/drawingml/2006/main" xmlns:r="http://schemas.openxmlformats.org/officeDocument/2006/relationships" xmlns:p="http://schemas.openxmlformats.org/presentationml/2006/main" showMasterSp="0" showMasterPhAnim="0">
   <p:cSld>
     <p:spTree>
@@ -14233,7 +14673,7 @@
     </p:bg>
     <p:spTree>
       <p:nvGrpSpPr>
-        <p:cNvPr id="1" name="Shape 83"/>
+        <p:cNvPr id="1" name="Shape 72"/>
         <p:cNvGrpSpPr/>
         <p:nvPr/>
       </p:nvGrpSpPr>
@@ -14247,7 +14687,7 @@
       </p:grpSpPr>
       <p:sp>
         <p:nvSpPr>
-          <p:cNvPr id="84" name="Google Shape;84;p18"/>
+          <p:cNvPr id="73" name="Google Shape;73;p16"/>
           <p:cNvSpPr txBox="1">
             <a:spLocks noGrp="1"/>
           </p:cNvSpPr>
@@ -14280,56 +14720,49 @@
               <a:buNone/>
             </a:pPr>
             <a:r>
-              <a:rPr lang="en"/>
-              <a:t>Version Control Evidence</a:t>
+              <a:rPr lang="en" dirty="0"/>
+              <a:t>Component 5 v2 Pizza menu (Trello screenshot)</a:t>
             </a:r>
-            <a:endParaRPr/>
+            <a:endParaRPr dirty="0"/>
           </a:p>
         </p:txBody>
       </p:sp>
-      <p:sp>
-        <p:nvSpPr>
-          <p:cNvPr id="85" name="Google Shape;85;p18"/>
-          <p:cNvSpPr txBox="1">
-            <a:spLocks noGrp="1"/>
-          </p:cNvSpPr>
-          <p:nvPr>
-            <p:ph type="body" idx="1"/>
-          </p:nvPr>
-        </p:nvSpPr>
-        <p:spPr>
-          <a:xfrm>
-            <a:off x="311700" y="1152475"/>
-            <a:ext cx="8464200" cy="3739200"/>
+      <p:pic>
+        <p:nvPicPr>
+          <p:cNvPr id="3" name="Picture 2">
+            <a:extLst>
+              <a:ext uri="{FF2B5EF4-FFF2-40B4-BE49-F238E27FC236}">
+                <a16:creationId xmlns:a16="http://schemas.microsoft.com/office/drawing/2014/main" id="{69251086-1816-449A-A991-785E6B350748}"/>
+              </a:ext>
+            </a:extLst>
+          </p:cNvPr>
+          <p:cNvPicPr>
+            <a:picLocks noChangeAspect="1"/>
+          </p:cNvPicPr>
+          <p:nvPr/>
+        </p:nvPicPr>
+        <p:blipFill>
+          <a:blip r:embed="rId3"/>
+          <a:stretch>
+            <a:fillRect/>
+          </a:stretch>
+        </p:blipFill>
+        <p:spPr>
+          <a:xfrm>
+            <a:off x="150900" y="1457738"/>
+            <a:ext cx="8842200" cy="2801997"/>
           </a:xfrm>
           <a:prstGeom prst="rect">
             <a:avLst/>
           </a:prstGeom>
         </p:spPr>
-        <p:txBody>
-          <a:bodyPr spcFirstLastPara="1" wrap="square" lIns="91425" tIns="91425" rIns="91425" bIns="91425" anchor="t" anchorCtr="0">
-            <a:noAutofit/>
-          </a:bodyPr>
-          <a:lstStyle/>
-          <a:p>
-            <a:pPr marL="0" lvl="0" indent="0" algn="l" rtl="0">
-              <a:spcBef>
-                <a:spcPts val="0"/>
-              </a:spcBef>
-              <a:spcAft>
-                <a:spcPts val="1600"/>
-              </a:spcAft>
-              <a:buNone/>
-            </a:pPr>
-            <a:r>
-              <a:rPr lang="en" i="1"/>
-              <a:t>Your version control evidence should go here.  This could be in the form of annotated screenshots which show you you managed this process or you could make a brief screencast explaining how you implemented version control.</a:t>
-            </a:r>
-            <a:endParaRPr i="1"/>
-          </a:p>
-        </p:txBody>
-      </p:sp>
+      </p:pic>
     </p:spTree>
+    <p:extLst>
+      <p:ext uri="{BB962C8B-B14F-4D97-AF65-F5344CB8AC3E}">
+        <p14:creationId xmlns:p14="http://schemas.microsoft.com/office/powerpoint/2010/main" val="1217437965"/>
+      </p:ext>
+    </p:extLst>
   </p:cSld>
   <p:clrMapOvr>
     <a:masterClrMapping/>
@@ -14468,6 +14901,743 @@
 </file>
 
 <file path=ppt/slides/slide30.xml><?xml version="1.0" encoding="utf-8"?>
+<p:sld xmlns:a="http://schemas.openxmlformats.org/drawingml/2006/main" xmlns:r="http://schemas.openxmlformats.org/officeDocument/2006/relationships" xmlns:p="http://schemas.openxmlformats.org/presentationml/2006/main">
+  <p:cSld>
+    <p:spTree>
+      <p:nvGrpSpPr>
+        <p:cNvPr id="1" name="Shape 77"/>
+        <p:cNvGrpSpPr/>
+        <p:nvPr/>
+      </p:nvGrpSpPr>
+      <p:grpSpPr>
+        <a:xfrm>
+          <a:off x="0" y="0"/>
+          <a:ext cx="0" cy="0"/>
+          <a:chOff x="0" y="0"/>
+          <a:chExt cx="0" cy="0"/>
+        </a:xfrm>
+      </p:grpSpPr>
+      <p:sp>
+        <p:nvSpPr>
+          <p:cNvPr id="78" name="Google Shape;78;p17"/>
+          <p:cNvSpPr txBox="1">
+            <a:spLocks noGrp="1"/>
+          </p:cNvSpPr>
+          <p:nvPr>
+            <p:ph type="title"/>
+          </p:nvPr>
+        </p:nvSpPr>
+        <p:spPr>
+          <a:xfrm>
+            <a:off x="311700" y="445025"/>
+            <a:ext cx="8520600" cy="572700"/>
+          </a:xfrm>
+          <a:prstGeom prst="rect">
+            <a:avLst/>
+          </a:prstGeom>
+        </p:spPr>
+        <p:txBody>
+          <a:bodyPr spcFirstLastPara="1" wrap="square" lIns="91425" tIns="91425" rIns="91425" bIns="91425" anchor="t" anchorCtr="0">
+            <a:noAutofit/>
+          </a:bodyPr>
+          <a:lstStyle/>
+          <a:p>
+            <a:pPr marL="0" lvl="0" indent="0" algn="l" rtl="0">
+              <a:spcBef>
+                <a:spcPts val="0"/>
+              </a:spcBef>
+              <a:spcAft>
+                <a:spcPts val="0"/>
+              </a:spcAft>
+              <a:buNone/>
+            </a:pPr>
+            <a:r>
+              <a:rPr lang="en" sz="2400" dirty="0"/>
+              <a:t>Component 5 v2 - Test Plan (?and screenshot)</a:t>
+            </a:r>
+            <a:endParaRPr sz="2400" dirty="0"/>
+          </a:p>
+        </p:txBody>
+      </p:sp>
+      <p:graphicFrame>
+        <p:nvGraphicFramePr>
+          <p:cNvPr id="79" name="Google Shape;79;p17"/>
+          <p:cNvGraphicFramePr/>
+          <p:nvPr>
+            <p:extLst>
+              <p:ext uri="{D42A27DB-BD31-4B8C-83A1-F6EECF244321}">
+                <p14:modId xmlns:p14="http://schemas.microsoft.com/office/powerpoint/2010/main" val="605149192"/>
+              </p:ext>
+            </p:extLst>
+          </p:nvPr>
+        </p:nvGraphicFramePr>
+        <p:xfrm>
+          <a:off x="311700" y="3945718"/>
+          <a:ext cx="8520600" cy="1280100"/>
+        </p:xfrm>
+        <a:graphic>
+          <a:graphicData uri="http://schemas.openxmlformats.org/drawingml/2006/table">
+            <a:tbl>
+              <a:tblPr>
+                <a:noFill/>
+                <a:tableStyleId>{E1099E06-0E6B-448D-9D27-60429F06E6F4}</a:tableStyleId>
+              </a:tblPr>
+              <a:tblGrid>
+                <a:gridCol w="4260300">
+                  <a:extLst>
+                    <a:ext uri="{9D8B030D-6E8A-4147-A177-3AD203B41FA5}">
+                      <a16:colId xmlns:a16="http://schemas.microsoft.com/office/drawing/2014/main" val="20000"/>
+                    </a:ext>
+                  </a:extLst>
+                </a:gridCol>
+                <a:gridCol w="4260300">
+                  <a:extLst>
+                    <a:ext uri="{9D8B030D-6E8A-4147-A177-3AD203B41FA5}">
+                      <a16:colId xmlns:a16="http://schemas.microsoft.com/office/drawing/2014/main" val="20001"/>
+                    </a:ext>
+                  </a:extLst>
+                </a:gridCol>
+              </a:tblGrid>
+              <a:tr h="381000">
+                <a:tc>
+                  <a:txBody>
+                    <a:bodyPr/>
+                    <a:lstStyle/>
+                    <a:p>
+                      <a:pPr marL="0" lvl="0" indent="0" algn="l" rtl="0">
+                        <a:spcBef>
+                          <a:spcPts val="0"/>
+                        </a:spcBef>
+                        <a:spcAft>
+                          <a:spcPts val="0"/>
+                        </a:spcAft>
+                        <a:buNone/>
+                      </a:pPr>
+                      <a:r>
+                        <a:rPr lang="en" sz="1800" b="1"/>
+                        <a:t>Test Case</a:t>
+                      </a:r>
+                      <a:endParaRPr sz="1800" b="1"/>
+                    </a:p>
+                  </a:txBody>
+                  <a:tcPr marL="91425" marR="91425" marT="91425" marB="91425">
+                    <a:solidFill>
+                      <a:srgbClr val="CCCCCC"/>
+                    </a:solidFill>
+                  </a:tcPr>
+                </a:tc>
+                <a:tc>
+                  <a:txBody>
+                    <a:bodyPr/>
+                    <a:lstStyle/>
+                    <a:p>
+                      <a:pPr marL="0" lvl="0" indent="0" algn="l" rtl="0">
+                        <a:spcBef>
+                          <a:spcPts val="0"/>
+                        </a:spcBef>
+                        <a:spcAft>
+                          <a:spcPts val="0"/>
+                        </a:spcAft>
+                        <a:buNone/>
+                      </a:pPr>
+                      <a:r>
+                        <a:rPr lang="en" sz="1800" b="1"/>
+                        <a:t>Expected Values</a:t>
+                      </a:r>
+                      <a:endParaRPr sz="1800" b="1"/>
+                    </a:p>
+                  </a:txBody>
+                  <a:tcPr marL="91425" marR="91425" marT="91425" marB="91425">
+                    <a:solidFill>
+                      <a:srgbClr val="CCCCCC"/>
+                    </a:solidFill>
+                  </a:tcPr>
+                </a:tc>
+                <a:extLst>
+                  <a:ext uri="{0D108BD9-81ED-4DB2-BD59-A6C34878D82A}">
+                    <a16:rowId xmlns:a16="http://schemas.microsoft.com/office/drawing/2014/main" val="10000"/>
+                  </a:ext>
+                </a:extLst>
+              </a:tr>
+              <a:tr h="396200">
+                <a:tc>
+                  <a:txBody>
+                    <a:bodyPr/>
+                    <a:lstStyle/>
+                    <a:p>
+                      <a:pPr marL="0" lvl="0" indent="0" algn="l" rtl="0">
+                        <a:spcBef>
+                          <a:spcPts val="0"/>
+                        </a:spcBef>
+                        <a:spcAft>
+                          <a:spcPts val="0"/>
+                        </a:spcAft>
+                        <a:buNone/>
+                      </a:pPr>
+                      <a:r>
+                        <a:rPr lang="en-US" sz="1400" dirty="0"/>
+                        <a:t>Run file</a:t>
+                      </a:r>
+                      <a:endParaRPr sz="1400" dirty="0"/>
+                    </a:p>
+                  </a:txBody>
+                  <a:tcPr marL="91425" marR="91425" marT="91425" marB="91425"/>
+                </a:tc>
+                <a:tc>
+                  <a:txBody>
+                    <a:bodyPr/>
+                    <a:lstStyle/>
+                    <a:p>
+                      <a:pPr marL="0" lvl="0" indent="0" algn="l" rtl="0">
+                        <a:spcBef>
+                          <a:spcPts val="0"/>
+                        </a:spcBef>
+                        <a:spcAft>
+                          <a:spcPts val="0"/>
+                        </a:spcAft>
+                        <a:buNone/>
+                      </a:pPr>
+                      <a:r>
+                        <a:rPr lang="en-US" sz="1400" dirty="0"/>
+                        <a:t>Printed a list with index numbers, pizzas and prices</a:t>
+                      </a:r>
+                    </a:p>
+                    <a:p>
+                      <a:pPr marL="0" lvl="0" indent="0" algn="l" rtl="0">
+                        <a:spcBef>
+                          <a:spcPts val="0"/>
+                        </a:spcBef>
+                        <a:spcAft>
+                          <a:spcPts val="0"/>
+                        </a:spcAft>
+                        <a:buNone/>
+                      </a:pPr>
+                      <a:r>
+                        <a:rPr lang="en-US" sz="1400" dirty="0"/>
+                        <a:t>With price formatted to 2 decimal places and dollar sign. Menu starts at 1. </a:t>
+                      </a:r>
+                    </a:p>
+                  </a:txBody>
+                  <a:tcPr marL="91425" marR="91425" marT="91425" marB="91425"/>
+                </a:tc>
+                <a:extLst>
+                  <a:ext uri="{0D108BD9-81ED-4DB2-BD59-A6C34878D82A}">
+                    <a16:rowId xmlns:a16="http://schemas.microsoft.com/office/drawing/2014/main" val="10001"/>
+                  </a:ext>
+                </a:extLst>
+              </a:tr>
+            </a:tbl>
+          </a:graphicData>
+        </a:graphic>
+      </p:graphicFrame>
+      <p:pic>
+        <p:nvPicPr>
+          <p:cNvPr id="4" name="Picture 3">
+            <a:extLst>
+              <a:ext uri="{FF2B5EF4-FFF2-40B4-BE49-F238E27FC236}">
+                <a16:creationId xmlns:a16="http://schemas.microsoft.com/office/drawing/2014/main" id="{E92C2292-8C3B-442E-98B3-529503532D83}"/>
+              </a:ext>
+            </a:extLst>
+          </p:cNvPr>
+          <p:cNvPicPr>
+            <a:picLocks noChangeAspect="1"/>
+          </p:cNvPicPr>
+          <p:nvPr/>
+        </p:nvPicPr>
+        <p:blipFill>
+          <a:blip r:embed="rId3"/>
+          <a:stretch>
+            <a:fillRect/>
+          </a:stretch>
+        </p:blipFill>
+        <p:spPr>
+          <a:xfrm>
+            <a:off x="178201" y="1420955"/>
+            <a:ext cx="4327049" cy="2121532"/>
+          </a:xfrm>
+          <a:prstGeom prst="rect">
+            <a:avLst/>
+          </a:prstGeom>
+        </p:spPr>
+      </p:pic>
+      <p:pic>
+        <p:nvPicPr>
+          <p:cNvPr id="6" name="Picture 5">
+            <a:extLst>
+              <a:ext uri="{FF2B5EF4-FFF2-40B4-BE49-F238E27FC236}">
+                <a16:creationId xmlns:a16="http://schemas.microsoft.com/office/drawing/2014/main" id="{A99DF6C3-EEDC-4E2A-BE7F-7A66238E9889}"/>
+              </a:ext>
+            </a:extLst>
+          </p:cNvPr>
+          <p:cNvPicPr>
+            <a:picLocks noChangeAspect="1"/>
+          </p:cNvPicPr>
+          <p:nvPr/>
+        </p:nvPicPr>
+        <p:blipFill>
+          <a:blip r:embed="rId4"/>
+          <a:stretch>
+            <a:fillRect/>
+          </a:stretch>
+        </p:blipFill>
+        <p:spPr>
+          <a:xfrm>
+            <a:off x="4505250" y="1141442"/>
+            <a:ext cx="4327050" cy="2526311"/>
+          </a:xfrm>
+          <a:prstGeom prst="rect">
+            <a:avLst/>
+          </a:prstGeom>
+        </p:spPr>
+      </p:pic>
+    </p:spTree>
+    <p:extLst>
+      <p:ext uri="{BB962C8B-B14F-4D97-AF65-F5344CB8AC3E}">
+        <p14:creationId xmlns:p14="http://schemas.microsoft.com/office/powerpoint/2010/main" val="2562679637"/>
+      </p:ext>
+    </p:extLst>
+  </p:cSld>
+  <p:clrMapOvr>
+    <a:masterClrMapping/>
+  </p:clrMapOvr>
+</p:sld>
+</file>
+
+<file path=ppt/slides/slide31.xml><?xml version="1.0" encoding="utf-8"?>
+<p:sld xmlns:a="http://schemas.openxmlformats.org/drawingml/2006/main" xmlns:r="http://schemas.openxmlformats.org/officeDocument/2006/relationships" xmlns:p="http://schemas.openxmlformats.org/presentationml/2006/main">
+  <p:cSld>
+    <p:bg>
+      <p:bgPr>
+        <a:solidFill>
+          <a:srgbClr val="D9EAD3"/>
+        </a:solidFill>
+        <a:effectLst/>
+      </p:bgPr>
+    </p:bg>
+    <p:spTree>
+      <p:nvGrpSpPr>
+        <p:cNvPr id="1" name="Shape 72"/>
+        <p:cNvGrpSpPr/>
+        <p:nvPr/>
+      </p:nvGrpSpPr>
+      <p:grpSpPr>
+        <a:xfrm>
+          <a:off x="0" y="0"/>
+          <a:ext cx="0" cy="0"/>
+          <a:chOff x="0" y="0"/>
+          <a:chExt cx="0" cy="0"/>
+        </a:xfrm>
+      </p:grpSpPr>
+      <p:sp>
+        <p:nvSpPr>
+          <p:cNvPr id="73" name="Google Shape;73;p16"/>
+          <p:cNvSpPr txBox="1">
+            <a:spLocks noGrp="1"/>
+          </p:cNvSpPr>
+          <p:nvPr>
+            <p:ph type="title"/>
+          </p:nvPr>
+        </p:nvSpPr>
+        <p:spPr>
+          <a:xfrm>
+            <a:off x="311700" y="445025"/>
+            <a:ext cx="8520600" cy="572700"/>
+          </a:xfrm>
+          <a:prstGeom prst="rect">
+            <a:avLst/>
+          </a:prstGeom>
+        </p:spPr>
+        <p:txBody>
+          <a:bodyPr spcFirstLastPara="1" wrap="square" lIns="91425" tIns="91425" rIns="91425" bIns="91425" anchor="t" anchorCtr="0">
+            <a:noAutofit/>
+          </a:bodyPr>
+          <a:lstStyle/>
+          <a:p>
+            <a:pPr marL="0" lvl="0" indent="0" algn="l" rtl="0">
+              <a:spcBef>
+                <a:spcPts val="0"/>
+              </a:spcBef>
+              <a:spcAft>
+                <a:spcPts val="0"/>
+              </a:spcAft>
+              <a:buNone/>
+            </a:pPr>
+            <a:r>
+              <a:rPr lang="en" dirty="0"/>
+              <a:t>Component 5 v3 Pizza menu (Trello screenshot)</a:t>
+            </a:r>
+            <a:endParaRPr dirty="0"/>
+          </a:p>
+        </p:txBody>
+      </p:sp>
+    </p:spTree>
+    <p:extLst>
+      <p:ext uri="{BB962C8B-B14F-4D97-AF65-F5344CB8AC3E}">
+        <p14:creationId xmlns:p14="http://schemas.microsoft.com/office/powerpoint/2010/main" val="2552459115"/>
+      </p:ext>
+    </p:extLst>
+  </p:cSld>
+  <p:clrMapOvr>
+    <a:masterClrMapping/>
+  </p:clrMapOvr>
+</p:sld>
+</file>
+
+<file path=ppt/slides/slide32.xml><?xml version="1.0" encoding="utf-8"?>
+<p:sld xmlns:a="http://schemas.openxmlformats.org/drawingml/2006/main" xmlns:r="http://schemas.openxmlformats.org/officeDocument/2006/relationships" xmlns:p="http://schemas.openxmlformats.org/presentationml/2006/main">
+  <p:cSld>
+    <p:spTree>
+      <p:nvGrpSpPr>
+        <p:cNvPr id="1" name="Shape 77"/>
+        <p:cNvGrpSpPr/>
+        <p:nvPr/>
+      </p:nvGrpSpPr>
+      <p:grpSpPr>
+        <a:xfrm>
+          <a:off x="0" y="0"/>
+          <a:ext cx="0" cy="0"/>
+          <a:chOff x="0" y="0"/>
+          <a:chExt cx="0" cy="0"/>
+        </a:xfrm>
+      </p:grpSpPr>
+      <p:sp>
+        <p:nvSpPr>
+          <p:cNvPr id="78" name="Google Shape;78;p17"/>
+          <p:cNvSpPr txBox="1">
+            <a:spLocks noGrp="1"/>
+          </p:cNvSpPr>
+          <p:nvPr>
+            <p:ph type="title"/>
+          </p:nvPr>
+        </p:nvSpPr>
+        <p:spPr>
+          <a:xfrm>
+            <a:off x="311700" y="445025"/>
+            <a:ext cx="8520600" cy="572700"/>
+          </a:xfrm>
+          <a:prstGeom prst="rect">
+            <a:avLst/>
+          </a:prstGeom>
+        </p:spPr>
+        <p:txBody>
+          <a:bodyPr spcFirstLastPara="1" wrap="square" lIns="91425" tIns="91425" rIns="91425" bIns="91425" anchor="t" anchorCtr="0">
+            <a:noAutofit/>
+          </a:bodyPr>
+          <a:lstStyle/>
+          <a:p>
+            <a:pPr marL="0" lvl="0" indent="0" algn="l" rtl="0">
+              <a:spcBef>
+                <a:spcPts val="0"/>
+              </a:spcBef>
+              <a:spcAft>
+                <a:spcPts val="0"/>
+              </a:spcAft>
+              <a:buNone/>
+            </a:pPr>
+            <a:r>
+              <a:rPr lang="en" sz="2400" dirty="0"/>
+              <a:t>Component 5 v3 - Test Plan (?and screenshot)</a:t>
+            </a:r>
+            <a:endParaRPr sz="2400" dirty="0"/>
+          </a:p>
+        </p:txBody>
+      </p:sp>
+      <p:graphicFrame>
+        <p:nvGraphicFramePr>
+          <p:cNvPr id="79" name="Google Shape;79;p17"/>
+          <p:cNvGraphicFramePr/>
+          <p:nvPr/>
+        </p:nvGraphicFramePr>
+        <p:xfrm>
+          <a:off x="311700" y="3945718"/>
+          <a:ext cx="8520600" cy="1280100"/>
+        </p:xfrm>
+        <a:graphic>
+          <a:graphicData uri="http://schemas.openxmlformats.org/drawingml/2006/table">
+            <a:tbl>
+              <a:tblPr>
+                <a:noFill/>
+                <a:tableStyleId>{E1099E06-0E6B-448D-9D27-60429F06E6F4}</a:tableStyleId>
+              </a:tblPr>
+              <a:tblGrid>
+                <a:gridCol w="4260300">
+                  <a:extLst>
+                    <a:ext uri="{9D8B030D-6E8A-4147-A177-3AD203B41FA5}">
+                      <a16:colId xmlns:a16="http://schemas.microsoft.com/office/drawing/2014/main" val="20000"/>
+                    </a:ext>
+                  </a:extLst>
+                </a:gridCol>
+                <a:gridCol w="4260300">
+                  <a:extLst>
+                    <a:ext uri="{9D8B030D-6E8A-4147-A177-3AD203B41FA5}">
+                      <a16:colId xmlns:a16="http://schemas.microsoft.com/office/drawing/2014/main" val="20001"/>
+                    </a:ext>
+                  </a:extLst>
+                </a:gridCol>
+              </a:tblGrid>
+              <a:tr h="381000">
+                <a:tc>
+                  <a:txBody>
+                    <a:bodyPr/>
+                    <a:lstStyle/>
+                    <a:p>
+                      <a:pPr marL="0" lvl="0" indent="0" algn="l" rtl="0">
+                        <a:spcBef>
+                          <a:spcPts val="0"/>
+                        </a:spcBef>
+                        <a:spcAft>
+                          <a:spcPts val="0"/>
+                        </a:spcAft>
+                        <a:buNone/>
+                      </a:pPr>
+                      <a:r>
+                        <a:rPr lang="en" sz="1800" b="1"/>
+                        <a:t>Test Case</a:t>
+                      </a:r>
+                      <a:endParaRPr sz="1800" b="1"/>
+                    </a:p>
+                  </a:txBody>
+                  <a:tcPr marL="91425" marR="91425" marT="91425" marB="91425">
+                    <a:solidFill>
+                      <a:srgbClr val="CCCCCC"/>
+                    </a:solidFill>
+                  </a:tcPr>
+                </a:tc>
+                <a:tc>
+                  <a:txBody>
+                    <a:bodyPr/>
+                    <a:lstStyle/>
+                    <a:p>
+                      <a:pPr marL="0" lvl="0" indent="0" algn="l" rtl="0">
+                        <a:spcBef>
+                          <a:spcPts val="0"/>
+                        </a:spcBef>
+                        <a:spcAft>
+                          <a:spcPts val="0"/>
+                        </a:spcAft>
+                        <a:buNone/>
+                      </a:pPr>
+                      <a:r>
+                        <a:rPr lang="en" sz="1800" b="1"/>
+                        <a:t>Expected Values</a:t>
+                      </a:r>
+                      <a:endParaRPr sz="1800" b="1"/>
+                    </a:p>
+                  </a:txBody>
+                  <a:tcPr marL="91425" marR="91425" marT="91425" marB="91425">
+                    <a:solidFill>
+                      <a:srgbClr val="CCCCCC"/>
+                    </a:solidFill>
+                  </a:tcPr>
+                </a:tc>
+                <a:extLst>
+                  <a:ext uri="{0D108BD9-81ED-4DB2-BD59-A6C34878D82A}">
+                    <a16:rowId xmlns:a16="http://schemas.microsoft.com/office/drawing/2014/main" val="10000"/>
+                  </a:ext>
+                </a:extLst>
+              </a:tr>
+              <a:tr h="396200">
+                <a:tc>
+                  <a:txBody>
+                    <a:bodyPr/>
+                    <a:lstStyle/>
+                    <a:p>
+                      <a:pPr marL="0" lvl="0" indent="0" algn="l" rtl="0">
+                        <a:spcBef>
+                          <a:spcPts val="0"/>
+                        </a:spcBef>
+                        <a:spcAft>
+                          <a:spcPts val="0"/>
+                        </a:spcAft>
+                        <a:buNone/>
+                      </a:pPr>
+                      <a:r>
+                        <a:rPr lang="en-US" sz="1400" dirty="0"/>
+                        <a:t>Run file</a:t>
+                      </a:r>
+                      <a:endParaRPr sz="1400" dirty="0"/>
+                    </a:p>
+                  </a:txBody>
+                  <a:tcPr marL="91425" marR="91425" marT="91425" marB="91425"/>
+                </a:tc>
+                <a:tc>
+                  <a:txBody>
+                    <a:bodyPr/>
+                    <a:lstStyle/>
+                    <a:p>
+                      <a:pPr marL="0" lvl="0" indent="0" algn="l" rtl="0">
+                        <a:spcBef>
+                          <a:spcPts val="0"/>
+                        </a:spcBef>
+                        <a:spcAft>
+                          <a:spcPts val="0"/>
+                        </a:spcAft>
+                        <a:buNone/>
+                      </a:pPr>
+                      <a:r>
+                        <a:rPr lang="en-US" sz="1400" dirty="0"/>
+                        <a:t>Printed a list with index numbers, pizzas and prices</a:t>
+                      </a:r>
+                    </a:p>
+                    <a:p>
+                      <a:pPr marL="0" lvl="0" indent="0" algn="l" rtl="0">
+                        <a:spcBef>
+                          <a:spcPts val="0"/>
+                        </a:spcBef>
+                        <a:spcAft>
+                          <a:spcPts val="0"/>
+                        </a:spcAft>
+                        <a:buNone/>
+                      </a:pPr>
+                      <a:r>
+                        <a:rPr lang="en-US" sz="1400" dirty="0"/>
+                        <a:t>With price formatted to 2 decimal places and dollar sign. Menu starts at 1. </a:t>
+                      </a:r>
+                    </a:p>
+                  </a:txBody>
+                  <a:tcPr marL="91425" marR="91425" marT="91425" marB="91425"/>
+                </a:tc>
+                <a:extLst>
+                  <a:ext uri="{0D108BD9-81ED-4DB2-BD59-A6C34878D82A}">
+                    <a16:rowId xmlns:a16="http://schemas.microsoft.com/office/drawing/2014/main" val="10001"/>
+                  </a:ext>
+                </a:extLst>
+              </a:tr>
+            </a:tbl>
+          </a:graphicData>
+        </a:graphic>
+      </p:graphicFrame>
+    </p:spTree>
+    <p:extLst>
+      <p:ext uri="{BB962C8B-B14F-4D97-AF65-F5344CB8AC3E}">
+        <p14:creationId xmlns:p14="http://schemas.microsoft.com/office/powerpoint/2010/main" val="2659642435"/>
+      </p:ext>
+    </p:extLst>
+  </p:cSld>
+  <p:clrMapOvr>
+    <a:masterClrMapping/>
+  </p:clrMapOvr>
+</p:sld>
+</file>
+
+<file path=ppt/slides/slide33.xml><?xml version="1.0" encoding="utf-8"?>
+<p:sld xmlns:a="http://schemas.openxmlformats.org/drawingml/2006/main" xmlns:r="http://schemas.openxmlformats.org/officeDocument/2006/relationships" xmlns:p="http://schemas.openxmlformats.org/presentationml/2006/main">
+  <p:cSld>
+    <p:bg>
+      <p:bgPr>
+        <a:solidFill>
+          <a:srgbClr val="D9EAD3"/>
+        </a:solidFill>
+        <a:effectLst/>
+      </p:bgPr>
+    </p:bg>
+    <p:spTree>
+      <p:nvGrpSpPr>
+        <p:cNvPr id="1" name="Shape 83"/>
+        <p:cNvGrpSpPr/>
+        <p:nvPr/>
+      </p:nvGrpSpPr>
+      <p:grpSpPr>
+        <a:xfrm>
+          <a:off x="0" y="0"/>
+          <a:ext cx="0" cy="0"/>
+          <a:chOff x="0" y="0"/>
+          <a:chExt cx="0" cy="0"/>
+        </a:xfrm>
+      </p:grpSpPr>
+      <p:sp>
+        <p:nvSpPr>
+          <p:cNvPr id="84" name="Google Shape;84;p18"/>
+          <p:cNvSpPr txBox="1">
+            <a:spLocks noGrp="1"/>
+          </p:cNvSpPr>
+          <p:nvPr>
+            <p:ph type="title"/>
+          </p:nvPr>
+        </p:nvSpPr>
+        <p:spPr>
+          <a:xfrm>
+            <a:off x="311700" y="445025"/>
+            <a:ext cx="8520600" cy="572700"/>
+          </a:xfrm>
+          <a:prstGeom prst="rect">
+            <a:avLst/>
+          </a:prstGeom>
+        </p:spPr>
+        <p:txBody>
+          <a:bodyPr spcFirstLastPara="1" wrap="square" lIns="91425" tIns="91425" rIns="91425" bIns="91425" anchor="t" anchorCtr="0">
+            <a:noAutofit/>
+          </a:bodyPr>
+          <a:lstStyle/>
+          <a:p>
+            <a:pPr marL="0" lvl="0" indent="0" algn="l" rtl="0">
+              <a:spcBef>
+                <a:spcPts val="0"/>
+              </a:spcBef>
+              <a:spcAft>
+                <a:spcPts val="0"/>
+              </a:spcAft>
+              <a:buNone/>
+            </a:pPr>
+            <a:r>
+              <a:rPr lang="en"/>
+              <a:t>Version Control Evidence</a:t>
+            </a:r>
+            <a:endParaRPr/>
+          </a:p>
+        </p:txBody>
+      </p:sp>
+      <p:sp>
+        <p:nvSpPr>
+          <p:cNvPr id="85" name="Google Shape;85;p18"/>
+          <p:cNvSpPr txBox="1">
+            <a:spLocks noGrp="1"/>
+          </p:cNvSpPr>
+          <p:nvPr>
+            <p:ph type="body" idx="1"/>
+          </p:nvPr>
+        </p:nvSpPr>
+        <p:spPr>
+          <a:xfrm>
+            <a:off x="311700" y="1152475"/>
+            <a:ext cx="8464200" cy="3739200"/>
+          </a:xfrm>
+          <a:prstGeom prst="rect">
+            <a:avLst/>
+          </a:prstGeom>
+        </p:spPr>
+        <p:txBody>
+          <a:bodyPr spcFirstLastPara="1" wrap="square" lIns="91425" tIns="91425" rIns="91425" bIns="91425" anchor="t" anchorCtr="0">
+            <a:noAutofit/>
+          </a:bodyPr>
+          <a:lstStyle/>
+          <a:p>
+            <a:pPr marL="0" lvl="0" indent="0" algn="l" rtl="0">
+              <a:spcBef>
+                <a:spcPts val="0"/>
+              </a:spcBef>
+              <a:spcAft>
+                <a:spcPts val="1600"/>
+              </a:spcAft>
+              <a:buNone/>
+            </a:pPr>
+            <a:r>
+              <a:rPr lang="en" i="1"/>
+              <a:t>Your version control evidence should go here.  This could be in the form of annotated screenshots which show you you managed this process or you could make a brief screencast explaining how you implemented version control.</a:t>
+            </a:r>
+            <a:endParaRPr i="1"/>
+          </a:p>
+        </p:txBody>
+      </p:sp>
+    </p:spTree>
+  </p:cSld>
+  <p:clrMapOvr>
+    <a:masterClrMapping/>
+  </p:clrMapOvr>
+</p:sld>
+</file>
+
+<file path=ppt/slides/slide34.xml><?xml version="1.0" encoding="utf-8"?>
 <p:sld xmlns:a="http://schemas.openxmlformats.org/drawingml/2006/main" xmlns:r="http://schemas.openxmlformats.org/officeDocument/2006/relationships" xmlns:p="http://schemas.openxmlformats.org/presentationml/2006/main">
   <p:cSld>
     <p:bg>

--- a/022_91893+_+91897+Documentation.pptx
+++ b/022_91893+_+91897+Documentation.pptx
@@ -15270,6 +15270,36 @@
           </a:p>
         </p:txBody>
       </p:sp>
+      <p:pic>
+        <p:nvPicPr>
+          <p:cNvPr id="3" name="Picture 2">
+            <a:extLst>
+              <a:ext uri="{FF2B5EF4-FFF2-40B4-BE49-F238E27FC236}">
+                <a16:creationId xmlns:a16="http://schemas.microsoft.com/office/drawing/2014/main" id="{79922993-D321-4526-A29E-E45FDC651A57}"/>
+              </a:ext>
+            </a:extLst>
+          </p:cNvPr>
+          <p:cNvPicPr>
+            <a:picLocks noChangeAspect="1"/>
+          </p:cNvPicPr>
+          <p:nvPr/>
+        </p:nvPicPr>
+        <p:blipFill>
+          <a:blip r:embed="rId3"/>
+          <a:stretch>
+            <a:fillRect/>
+          </a:stretch>
+        </p:blipFill>
+        <p:spPr>
+          <a:xfrm>
+            <a:off x="311700" y="1149325"/>
+            <a:ext cx="8123583" cy="3375061"/>
+          </a:xfrm>
+          <a:prstGeom prst="rect">
+            <a:avLst/>
+          </a:prstGeom>
+        </p:spPr>
+      </p:pic>
     </p:spTree>
     <p:extLst>
       <p:ext uri="{BB962C8B-B14F-4D97-AF65-F5344CB8AC3E}">
@@ -15336,7 +15366,7 @@
             </a:pPr>
             <a:r>
               <a:rPr lang="en" sz="2400" dirty="0"/>
-              <a:t>Component 5 v3 - Test Plan (?and screenshot)</a:t>
+              <a:t>Component 5 integrated into main program - Test Plan (?and screenshot)</a:t>
             </a:r>
             <a:endParaRPr sz="2400" dirty="0"/>
           </a:p>
@@ -15507,6 +15537,66 @@
           </a:graphicData>
         </a:graphic>
       </p:graphicFrame>
+      <p:pic>
+        <p:nvPicPr>
+          <p:cNvPr id="3" name="Picture 2">
+            <a:extLst>
+              <a:ext uri="{FF2B5EF4-FFF2-40B4-BE49-F238E27FC236}">
+                <a16:creationId xmlns:a16="http://schemas.microsoft.com/office/drawing/2014/main" id="{376403EF-B174-480F-8C4E-6848648E711E}"/>
+              </a:ext>
+            </a:extLst>
+          </p:cNvPr>
+          <p:cNvPicPr>
+            <a:picLocks noChangeAspect="1"/>
+          </p:cNvPicPr>
+          <p:nvPr/>
+        </p:nvPicPr>
+        <p:blipFill>
+          <a:blip r:embed="rId3"/>
+          <a:stretch>
+            <a:fillRect/>
+          </a:stretch>
+        </p:blipFill>
+        <p:spPr>
+          <a:xfrm>
+            <a:off x="0" y="1463708"/>
+            <a:ext cx="5403876" cy="949390"/>
+          </a:xfrm>
+          <a:prstGeom prst="rect">
+            <a:avLst/>
+          </a:prstGeom>
+        </p:spPr>
+      </p:pic>
+      <p:pic>
+        <p:nvPicPr>
+          <p:cNvPr id="5" name="Picture 4">
+            <a:extLst>
+              <a:ext uri="{FF2B5EF4-FFF2-40B4-BE49-F238E27FC236}">
+                <a16:creationId xmlns:a16="http://schemas.microsoft.com/office/drawing/2014/main" id="{A6E22904-478D-4C5E-A3C8-F31E4ADE8E68}"/>
+              </a:ext>
+            </a:extLst>
+          </p:cNvPr>
+          <p:cNvPicPr>
+            <a:picLocks noChangeAspect="1"/>
+          </p:cNvPicPr>
+          <p:nvPr/>
+        </p:nvPicPr>
+        <p:blipFill>
+          <a:blip r:embed="rId4"/>
+          <a:stretch>
+            <a:fillRect/>
+          </a:stretch>
+        </p:blipFill>
+        <p:spPr>
+          <a:xfrm>
+            <a:off x="4992875" y="1058665"/>
+            <a:ext cx="3981604" cy="2708867"/>
+          </a:xfrm>
+          <a:prstGeom prst="rect">
+            <a:avLst/>
+          </a:prstGeom>
+        </p:spPr>
+      </p:pic>
     </p:spTree>
     <p:extLst>
       <p:ext uri="{BB962C8B-B14F-4D97-AF65-F5344CB8AC3E}">
